--- a/PowerPoint/SPACE By SPACE_企画書.pptx
+++ b/PowerPoint/SPACE By SPACE_企画書.pptx
@@ -6,6 +6,8 @@
   </p:sldMasterIdLst>
   <p:sldIdLst>
     <p:sldId id="259" r:id="rId2"/>
+    <p:sldId id="261" r:id="rId3"/>
+    <p:sldId id="262" r:id="rId4"/>
   </p:sldIdLst>
   <p:sldSz cx="12192000" cy="6858000"/>
   <p:notesSz cx="6858000" cy="9144000"/>
@@ -259,7 +261,7 @@
           <a:p>
             <a:fld id="{03D01DD2-4AC7-4618-B28F-450FCB75F0FD}" type="datetimeFigureOut">
               <a:rPr kumimoji="1" lang="ja-JP" altLang="en-US" smtClean="0"/>
-              <a:t>2025/6/6</a:t>
+              <a:t>2025/6/9</a:t>
             </a:fld>
             <a:endParaRPr kumimoji="1" lang="ja-JP" altLang="en-US"/>
           </a:p>
@@ -489,7 +491,7 @@
           <a:p>
             <a:fld id="{03D01DD2-4AC7-4618-B28F-450FCB75F0FD}" type="datetimeFigureOut">
               <a:rPr kumimoji="1" lang="ja-JP" altLang="en-US" smtClean="0"/>
-              <a:t>2025/6/6</a:t>
+              <a:t>2025/6/9</a:t>
             </a:fld>
             <a:endParaRPr kumimoji="1" lang="ja-JP" altLang="en-US"/>
           </a:p>
@@ -729,7 +731,7 @@
           <a:p>
             <a:fld id="{03D01DD2-4AC7-4618-B28F-450FCB75F0FD}" type="datetimeFigureOut">
               <a:rPr kumimoji="1" lang="ja-JP" altLang="en-US" smtClean="0"/>
-              <a:t>2025/6/6</a:t>
+              <a:t>2025/6/9</a:t>
             </a:fld>
             <a:endParaRPr kumimoji="1" lang="ja-JP" altLang="en-US"/>
           </a:p>
@@ -959,7 +961,7 @@
           <a:p>
             <a:fld id="{03D01DD2-4AC7-4618-B28F-450FCB75F0FD}" type="datetimeFigureOut">
               <a:rPr kumimoji="1" lang="ja-JP" altLang="en-US" smtClean="0"/>
-              <a:t>2025/6/6</a:t>
+              <a:t>2025/6/9</a:t>
             </a:fld>
             <a:endParaRPr kumimoji="1" lang="ja-JP" altLang="en-US"/>
           </a:p>
@@ -1234,7 +1236,7 @@
           <a:p>
             <a:fld id="{03D01DD2-4AC7-4618-B28F-450FCB75F0FD}" type="datetimeFigureOut">
               <a:rPr kumimoji="1" lang="ja-JP" altLang="en-US" smtClean="0"/>
-              <a:t>2025/6/6</a:t>
+              <a:t>2025/6/9</a:t>
             </a:fld>
             <a:endParaRPr kumimoji="1" lang="ja-JP" altLang="en-US"/>
           </a:p>
@@ -1563,7 +1565,7 @@
           <a:p>
             <a:fld id="{03D01DD2-4AC7-4618-B28F-450FCB75F0FD}" type="datetimeFigureOut">
               <a:rPr kumimoji="1" lang="ja-JP" altLang="en-US" smtClean="0"/>
-              <a:t>2025/6/6</a:t>
+              <a:t>2025/6/9</a:t>
             </a:fld>
             <a:endParaRPr kumimoji="1" lang="ja-JP" altLang="en-US"/>
           </a:p>
@@ -2039,7 +2041,7 @@
           <a:p>
             <a:fld id="{03D01DD2-4AC7-4618-B28F-450FCB75F0FD}" type="datetimeFigureOut">
               <a:rPr kumimoji="1" lang="ja-JP" altLang="en-US" smtClean="0"/>
-              <a:t>2025/6/6</a:t>
+              <a:t>2025/6/9</a:t>
             </a:fld>
             <a:endParaRPr kumimoji="1" lang="ja-JP" altLang="en-US"/>
           </a:p>
@@ -2180,7 +2182,7 @@
           <a:p>
             <a:fld id="{03D01DD2-4AC7-4618-B28F-450FCB75F0FD}" type="datetimeFigureOut">
               <a:rPr kumimoji="1" lang="ja-JP" altLang="en-US" smtClean="0"/>
-              <a:t>2025/6/6</a:t>
+              <a:t>2025/6/9</a:t>
             </a:fld>
             <a:endParaRPr kumimoji="1" lang="ja-JP" altLang="en-US"/>
           </a:p>
@@ -2293,7 +2295,7 @@
           <a:p>
             <a:fld id="{03D01DD2-4AC7-4618-B28F-450FCB75F0FD}" type="datetimeFigureOut">
               <a:rPr kumimoji="1" lang="ja-JP" altLang="en-US" smtClean="0"/>
-              <a:t>2025/6/6</a:t>
+              <a:t>2025/6/9</a:t>
             </a:fld>
             <a:endParaRPr kumimoji="1" lang="ja-JP" altLang="en-US"/>
           </a:p>
@@ -2636,7 +2638,7 @@
           <a:p>
             <a:fld id="{03D01DD2-4AC7-4618-B28F-450FCB75F0FD}" type="datetimeFigureOut">
               <a:rPr kumimoji="1" lang="ja-JP" altLang="en-US" smtClean="0"/>
-              <a:t>2025/6/6</a:t>
+              <a:t>2025/6/9</a:t>
             </a:fld>
             <a:endParaRPr kumimoji="1" lang="ja-JP" altLang="en-US"/>
           </a:p>
@@ -2924,7 +2926,7 @@
           <a:p>
             <a:fld id="{03D01DD2-4AC7-4618-B28F-450FCB75F0FD}" type="datetimeFigureOut">
               <a:rPr kumimoji="1" lang="ja-JP" altLang="en-US" smtClean="0"/>
-              <a:t>2025/6/6</a:t>
+              <a:t>2025/6/9</a:t>
             </a:fld>
             <a:endParaRPr kumimoji="1" lang="ja-JP" altLang="en-US"/>
           </a:p>
@@ -3207,7 +3209,7 @@
           <a:p>
             <a:fld id="{03D01DD2-4AC7-4618-B28F-450FCB75F0FD}" type="datetimeFigureOut">
               <a:rPr kumimoji="1" lang="ja-JP" altLang="en-US" smtClean="0"/>
-              <a:t>2025/6/6</a:t>
+              <a:t>2025/6/9</a:t>
             </a:fld>
             <a:endParaRPr kumimoji="1" lang="ja-JP" altLang="en-US"/>
           </a:p>
@@ -5368,7 +5370,19 @@
                   </a:glow>
                 </a:effectLst>
               </a:rPr>
-              <a:t>宇宙ゴミ＞</a:t>
+              <a:t>宇宙ゴミ</a:t>
+            </a:r>
+            <a:r>
+              <a:rPr lang="en-US" altLang="ja-JP" sz="2800" b="1" dirty="0">
+                <a:effectLst>
+                  <a:glow rad="101600">
+                    <a:schemeClr val="bg1">
+                      <a:alpha val="60000"/>
+                    </a:schemeClr>
+                  </a:glow>
+                </a:effectLst>
+              </a:rPr>
+              <a:t>&gt;</a:t>
             </a:r>
             <a:endParaRPr kumimoji="1" lang="en-US" altLang="ja-JP" sz="2800" b="1" dirty="0">
               <a:effectLst>
@@ -5559,8 +5573,8 @@
         </p:nvSpPr>
         <p:spPr>
           <a:xfrm>
-            <a:off x="-563930" y="1919588"/>
-            <a:ext cx="4306615" cy="523220"/>
+            <a:off x="32477" y="1898174"/>
+            <a:ext cx="2726051" cy="523220"/>
           </a:xfrm>
           <a:prstGeom prst="rect">
             <a:avLst/>
@@ -5587,27 +5601,16 @@
               <a:t>＜基本の動き</a:t>
             </a:r>
             <a:r>
-              <a:rPr lang="ja-JP" altLang="en-US" sz="2800" b="1" dirty="0">
-                <a:ln w="12700">
-                  <a:solidFill>
-                    <a:schemeClr val="tx1"/>
-                  </a:solidFill>
-                </a:ln>
-                <a:solidFill>
-                  <a:schemeClr val="accent2">
-                    <a:lumMod val="60000"/>
-                    <a:lumOff val="40000"/>
-                  </a:schemeClr>
-                </a:solidFill>
-                <a:effectLst>
-                  <a:glow rad="101600">
-                    <a:schemeClr val="bg1">
-                      <a:alpha val="60000"/>
-                    </a:schemeClr>
-                  </a:glow>
-                </a:effectLst>
-              </a:rPr>
-              <a:t>＞</a:t>
+              <a:rPr lang="en-US" altLang="ja-JP" sz="2800" b="1" dirty="0">
+                <a:effectLst>
+                  <a:glow rad="101600">
+                    <a:schemeClr val="bg1">
+                      <a:alpha val="60000"/>
+                    </a:schemeClr>
+                  </a:glow>
+                </a:effectLst>
+              </a:rPr>
+              <a:t>&gt;</a:t>
             </a:r>
             <a:endParaRPr kumimoji="1" lang="en-US" altLang="ja-JP" sz="2800" b="1" dirty="0">
               <a:effectLst>
@@ -5788,6 +5791,18 @@
           <a:p>
             <a:pPr algn="ctr"/>
             <a:r>
+              <a:rPr lang="en-US" altLang="ja-JP" sz="2800" b="1" dirty="0">
+                <a:effectLst>
+                  <a:glow rad="101600">
+                    <a:schemeClr val="bg1">
+                      <a:alpha val="60000"/>
+                    </a:schemeClr>
+                  </a:glow>
+                </a:effectLst>
+              </a:rPr>
+              <a:t>&lt;</a:t>
+            </a:r>
+            <a:r>
               <a:rPr lang="ja-JP" altLang="en-US" sz="2800" b="1" dirty="0">
                 <a:effectLst>
                   <a:glow rad="101600">
@@ -5797,30 +5812,19 @@
                   </a:glow>
                 </a:effectLst>
               </a:rPr>
-              <a:t>＜要素</a:t>
-            </a:r>
-            <a:r>
-              <a:rPr lang="ja-JP" altLang="en-US" sz="2800" b="1" dirty="0">
-                <a:ln w="12700">
-                  <a:solidFill>
-                    <a:schemeClr val="tx1"/>
-                  </a:solidFill>
-                </a:ln>
-                <a:solidFill>
-                  <a:schemeClr val="accent2">
-                    <a:lumMod val="60000"/>
-                    <a:lumOff val="40000"/>
-                  </a:schemeClr>
-                </a:solidFill>
-                <a:effectLst>
-                  <a:glow rad="101600">
-                    <a:schemeClr val="bg1">
-                      <a:alpha val="60000"/>
-                    </a:schemeClr>
-                  </a:glow>
-                </a:effectLst>
-              </a:rPr>
-              <a:t>＞</a:t>
+              <a:t>要素</a:t>
+            </a:r>
+            <a:r>
+              <a:rPr lang="en-US" altLang="ja-JP" sz="2800" b="1" dirty="0">
+                <a:effectLst>
+                  <a:glow rad="101600">
+                    <a:schemeClr val="bg1">
+                      <a:alpha val="60000"/>
+                    </a:schemeClr>
+                  </a:glow>
+                </a:effectLst>
+              </a:rPr>
+              <a:t>&gt;</a:t>
             </a:r>
             <a:endParaRPr kumimoji="1" lang="en-US" altLang="ja-JP" sz="2800" b="1" dirty="0">
               <a:effectLst>
@@ -6779,6 +6783,5156 @@
     <p:extLst>
       <p:ext uri="{BB962C8B-B14F-4D97-AF65-F5344CB8AC3E}">
         <p14:creationId xmlns:p14="http://schemas.microsoft.com/office/powerpoint/2010/main" val="3515331795"/>
+      </p:ext>
+    </p:extLst>
+  </p:cSld>
+  <p:clrMapOvr>
+    <a:masterClrMapping/>
+  </p:clrMapOvr>
+</p:sld>
+</file>
+
+<file path=ppt/slides/slide2.xml><?xml version="1.0" encoding="utf-8"?>
+<p:sld xmlns:a="http://schemas.openxmlformats.org/drawingml/2006/main" xmlns:r="http://schemas.openxmlformats.org/officeDocument/2006/relationships" xmlns:p="http://schemas.openxmlformats.org/presentationml/2006/main">
+  <p:cSld>
+    <p:spTree>
+      <p:nvGrpSpPr>
+        <p:cNvPr id="1" name="">
+          <a:extLst>
+            <a:ext uri="{FF2B5EF4-FFF2-40B4-BE49-F238E27FC236}">
+              <a16:creationId xmlns:a16="http://schemas.microsoft.com/office/drawing/2014/main" id="{CFBB18D9-23C5-00A4-FE85-FC73223A4EBB}"/>
+            </a:ext>
+          </a:extLst>
+        </p:cNvPr>
+        <p:cNvGrpSpPr/>
+        <p:nvPr/>
+      </p:nvGrpSpPr>
+      <p:grpSpPr>
+        <a:xfrm>
+          <a:off x="0" y="0"/>
+          <a:ext cx="0" cy="0"/>
+          <a:chOff x="0" y="0"/>
+          <a:chExt cx="0" cy="0"/>
+        </a:xfrm>
+      </p:grpSpPr>
+      <p:sp>
+        <p:nvSpPr>
+          <p:cNvPr id="4" name="テキスト ボックス 3">
+            <a:extLst>
+              <a:ext uri="{FF2B5EF4-FFF2-40B4-BE49-F238E27FC236}">
+                <a16:creationId xmlns:a16="http://schemas.microsoft.com/office/drawing/2014/main" id="{BDF1334C-0492-5E64-5117-ACC470AC7EF1}"/>
+              </a:ext>
+            </a:extLst>
+          </p:cNvPr>
+          <p:cNvSpPr txBox="1"/>
+          <p:nvPr/>
+        </p:nvSpPr>
+        <p:spPr>
+          <a:xfrm>
+            <a:off x="1064785" y="291002"/>
+            <a:ext cx="6330998" cy="523220"/>
+          </a:xfrm>
+          <a:prstGeom prst="rect">
+            <a:avLst/>
+          </a:prstGeom>
+          <a:noFill/>
+        </p:spPr>
+        <p:txBody>
+          <a:bodyPr wrap="square" rtlCol="0">
+            <a:prstTxWarp prst="textArchUp">
+              <a:avLst/>
+            </a:prstTxWarp>
+            <a:spAutoFit/>
+          </a:bodyPr>
+          <a:lstStyle/>
+          <a:p>
+            <a:pPr algn="ctr"/>
+            <a:r>
+              <a:rPr kumimoji="1" lang="ja-JP" altLang="en-US" sz="3600" b="1" dirty="0">
+                <a:ln>
+                  <a:solidFill>
+                    <a:schemeClr val="bg1"/>
+                  </a:solidFill>
+                </a:ln>
+                <a:solidFill>
+                  <a:srgbClr val="0070C0"/>
+                </a:solidFill>
+                <a:effectLst>
+                  <a:glow rad="63500">
+                    <a:schemeClr val="accent4">
+                      <a:satMod val="175000"/>
+                      <a:alpha val="40000"/>
+                    </a:schemeClr>
+                  </a:glow>
+                </a:effectLst>
+                <a:latin typeface="HG丸ｺﾞｼｯｸM-PRO" panose="020F0600000000000000" pitchFamily="50" charset="-128"/>
+                <a:ea typeface="HG丸ｺﾞｼｯｸM-PRO" panose="020F0600000000000000" pitchFamily="50" charset="-128"/>
+              </a:rPr>
+              <a:t>宇宙が舞台の</a:t>
+            </a:r>
+            <a:r>
+              <a:rPr lang="ja-JP" altLang="en-US" sz="3600" b="1" dirty="0">
+                <a:ln>
+                  <a:solidFill>
+                    <a:schemeClr val="bg1"/>
+                  </a:solidFill>
+                </a:ln>
+                <a:solidFill>
+                  <a:srgbClr val="0070C0"/>
+                </a:solidFill>
+                <a:effectLst>
+                  <a:glow rad="63500">
+                    <a:schemeClr val="accent4">
+                      <a:satMod val="175000"/>
+                      <a:alpha val="40000"/>
+                    </a:schemeClr>
+                  </a:glow>
+                </a:effectLst>
+                <a:latin typeface="HG丸ｺﾞｼｯｸM-PRO" panose="020F0600000000000000" pitchFamily="50" charset="-128"/>
+                <a:ea typeface="HG丸ｺﾞｼｯｸM-PRO" panose="020F0600000000000000" pitchFamily="50" charset="-128"/>
+              </a:rPr>
+              <a:t>基本</a:t>
+            </a:r>
+            <a:r>
+              <a:rPr kumimoji="1" lang="ja-JP" altLang="en-US" sz="3600" b="1" dirty="0">
+                <a:ln>
+                  <a:solidFill>
+                    <a:schemeClr val="bg1"/>
+                  </a:solidFill>
+                </a:ln>
+                <a:solidFill>
+                  <a:srgbClr val="0070C0"/>
+                </a:solidFill>
+                <a:effectLst>
+                  <a:glow rad="63500">
+                    <a:schemeClr val="accent4">
+                      <a:satMod val="175000"/>
+                      <a:alpha val="40000"/>
+                    </a:schemeClr>
+                  </a:glow>
+                </a:effectLst>
+                <a:latin typeface="HG丸ｺﾞｼｯｸM-PRO" panose="020F0600000000000000" pitchFamily="50" charset="-128"/>
+                <a:ea typeface="HG丸ｺﾞｼｯｸM-PRO" panose="020F0600000000000000" pitchFamily="50" charset="-128"/>
+              </a:rPr>
+              <a:t>ワンボタンゲーム</a:t>
+            </a:r>
+          </a:p>
+        </p:txBody>
+      </p:sp>
+      <p:sp>
+        <p:nvSpPr>
+          <p:cNvPr id="5" name="テキスト ボックス 4">
+            <a:extLst>
+              <a:ext uri="{FF2B5EF4-FFF2-40B4-BE49-F238E27FC236}">
+                <a16:creationId xmlns:a16="http://schemas.microsoft.com/office/drawing/2014/main" id="{1834E46F-DA62-ACA7-82C2-D94522687A1B}"/>
+              </a:ext>
+            </a:extLst>
+          </p:cNvPr>
+          <p:cNvSpPr txBox="1"/>
+          <p:nvPr/>
+        </p:nvSpPr>
+        <p:spPr>
+          <a:xfrm>
+            <a:off x="-563930" y="390744"/>
+            <a:ext cx="9093676" cy="1446550"/>
+          </a:xfrm>
+          <a:prstGeom prst="rect">
+            <a:avLst/>
+          </a:prstGeom>
+          <a:noFill/>
+        </p:spPr>
+        <p:txBody>
+          <a:bodyPr wrap="square" rtlCol="0">
+            <a:spAutoFit/>
+          </a:bodyPr>
+          <a:lstStyle/>
+          <a:p>
+            <a:pPr algn="ctr"/>
+            <a:r>
+              <a:rPr lang="en-US" altLang="ja-JP" sz="8800" b="1" dirty="0">
+                <a:ln w="19050">
+                  <a:solidFill>
+                    <a:schemeClr val="bg2">
+                      <a:lumMod val="90000"/>
+                    </a:schemeClr>
+                  </a:solidFill>
+                </a:ln>
+                <a:solidFill>
+                  <a:schemeClr val="accent1"/>
+                </a:solidFill>
+                <a:effectLst>
+                  <a:glow rad="63500">
+                    <a:schemeClr val="accent1">
+                      <a:satMod val="175000"/>
+                      <a:alpha val="40000"/>
+                    </a:schemeClr>
+                  </a:glow>
+                </a:effectLst>
+                <a:latin typeface="STCaiyun" panose="020B0503020204020204" pitchFamily="2" charset="-122"/>
+                <a:ea typeface="STCaiyun" panose="020B0503020204020204" pitchFamily="2" charset="-122"/>
+              </a:rPr>
+              <a:t>SPA</a:t>
+            </a:r>
+            <a:r>
+              <a:rPr lang="en-US" altLang="ja-JP" sz="8000" b="1" dirty="0">
+                <a:ln w="19050">
+                  <a:solidFill>
+                    <a:schemeClr val="bg2">
+                      <a:lumMod val="90000"/>
+                    </a:schemeClr>
+                  </a:solidFill>
+                </a:ln>
+                <a:solidFill>
+                  <a:schemeClr val="accent1"/>
+                </a:solidFill>
+                <a:effectLst>
+                  <a:glow rad="63500">
+                    <a:schemeClr val="accent1">
+                      <a:satMod val="175000"/>
+                      <a:alpha val="40000"/>
+                    </a:schemeClr>
+                  </a:glow>
+                </a:effectLst>
+                <a:latin typeface="STCaiyun" panose="020B0503020204020204" pitchFamily="2" charset="-122"/>
+                <a:ea typeface="STCaiyun" panose="020B0503020204020204" pitchFamily="2" charset="-122"/>
+              </a:rPr>
+              <a:t>C</a:t>
+            </a:r>
+            <a:r>
+              <a:rPr lang="en-US" altLang="ja-JP" sz="8800" b="1" dirty="0">
+                <a:ln w="19050">
+                  <a:solidFill>
+                    <a:schemeClr val="bg2">
+                      <a:lumMod val="90000"/>
+                    </a:schemeClr>
+                  </a:solidFill>
+                </a:ln>
+                <a:solidFill>
+                  <a:schemeClr val="accent1"/>
+                </a:solidFill>
+                <a:effectLst>
+                  <a:glow rad="63500">
+                    <a:schemeClr val="accent1">
+                      <a:satMod val="175000"/>
+                      <a:alpha val="40000"/>
+                    </a:schemeClr>
+                  </a:glow>
+                </a:effectLst>
+                <a:latin typeface="STCaiyun" panose="020B0503020204020204" pitchFamily="2" charset="-122"/>
+                <a:ea typeface="STCaiyun" panose="020B0503020204020204" pitchFamily="2" charset="-122"/>
+              </a:rPr>
+              <a:t>E</a:t>
+            </a:r>
+            <a:r>
+              <a:rPr lang="ja-JP" altLang="en-US" sz="8800" b="1" dirty="0">
+                <a:ln w="19050">
+                  <a:solidFill>
+                    <a:schemeClr val="bg2">
+                      <a:lumMod val="90000"/>
+                    </a:schemeClr>
+                  </a:solidFill>
+                </a:ln>
+                <a:solidFill>
+                  <a:schemeClr val="accent1"/>
+                </a:solidFill>
+                <a:effectLst>
+                  <a:glow rad="63500">
+                    <a:schemeClr val="accent1">
+                      <a:satMod val="175000"/>
+                      <a:alpha val="40000"/>
+                    </a:schemeClr>
+                  </a:glow>
+                </a:effectLst>
+                <a:latin typeface="STCaiyun" panose="020B0503020204020204" pitchFamily="2" charset="-122"/>
+                <a:ea typeface="STCaiyun" panose="020B0503020204020204" pitchFamily="2" charset="-122"/>
+              </a:rPr>
+              <a:t> </a:t>
+            </a:r>
+            <a:r>
+              <a:rPr lang="en-US" altLang="ja-JP" sz="6600" b="1" dirty="0">
+                <a:ln w="19050">
+                  <a:solidFill>
+                    <a:schemeClr val="bg2">
+                      <a:lumMod val="90000"/>
+                    </a:schemeClr>
+                  </a:solidFill>
+                </a:ln>
+                <a:solidFill>
+                  <a:schemeClr val="accent1"/>
+                </a:solidFill>
+                <a:effectLst>
+                  <a:glow rad="63500">
+                    <a:schemeClr val="accent1">
+                      <a:satMod val="175000"/>
+                      <a:alpha val="40000"/>
+                    </a:schemeClr>
+                  </a:glow>
+                </a:effectLst>
+                <a:latin typeface="STCaiyun" panose="020B0503020204020204" pitchFamily="2" charset="-122"/>
+                <a:ea typeface="STCaiyun" panose="020B0503020204020204" pitchFamily="2" charset="-122"/>
+              </a:rPr>
+              <a:t>By</a:t>
+            </a:r>
+            <a:r>
+              <a:rPr lang="en-US" altLang="ja-JP" sz="8800" b="1" dirty="0">
+                <a:ln w="19050">
+                  <a:solidFill>
+                    <a:schemeClr val="bg2">
+                      <a:lumMod val="90000"/>
+                    </a:schemeClr>
+                  </a:solidFill>
+                </a:ln>
+                <a:solidFill>
+                  <a:schemeClr val="accent1"/>
+                </a:solidFill>
+                <a:effectLst>
+                  <a:glow rad="63500">
+                    <a:schemeClr val="accent1">
+                      <a:satMod val="175000"/>
+                      <a:alpha val="40000"/>
+                    </a:schemeClr>
+                  </a:glow>
+                </a:effectLst>
+                <a:latin typeface="STCaiyun" panose="020B0503020204020204" pitchFamily="2" charset="-122"/>
+                <a:ea typeface="STCaiyun" panose="020B0503020204020204" pitchFamily="2" charset="-122"/>
+              </a:rPr>
+              <a:t> SPA</a:t>
+            </a:r>
+            <a:r>
+              <a:rPr lang="en-US" altLang="ja-JP" sz="8000" b="1" dirty="0">
+                <a:ln w="19050">
+                  <a:solidFill>
+                    <a:schemeClr val="bg2">
+                      <a:lumMod val="90000"/>
+                    </a:schemeClr>
+                  </a:solidFill>
+                </a:ln>
+                <a:solidFill>
+                  <a:schemeClr val="accent1"/>
+                </a:solidFill>
+                <a:effectLst>
+                  <a:glow rad="63500">
+                    <a:schemeClr val="accent1">
+                      <a:satMod val="175000"/>
+                      <a:alpha val="40000"/>
+                    </a:schemeClr>
+                  </a:glow>
+                </a:effectLst>
+                <a:latin typeface="STCaiyun" panose="020B0503020204020204" pitchFamily="2" charset="-122"/>
+                <a:ea typeface="STCaiyun" panose="020B0503020204020204" pitchFamily="2" charset="-122"/>
+              </a:rPr>
+              <a:t>C</a:t>
+            </a:r>
+            <a:r>
+              <a:rPr lang="en-US" altLang="ja-JP" sz="8800" b="1" dirty="0">
+                <a:ln w="19050">
+                  <a:solidFill>
+                    <a:schemeClr val="bg2">
+                      <a:lumMod val="90000"/>
+                    </a:schemeClr>
+                  </a:solidFill>
+                </a:ln>
+                <a:solidFill>
+                  <a:schemeClr val="accent1"/>
+                </a:solidFill>
+                <a:effectLst>
+                  <a:glow rad="63500">
+                    <a:schemeClr val="accent1">
+                      <a:satMod val="175000"/>
+                      <a:alpha val="40000"/>
+                    </a:schemeClr>
+                  </a:glow>
+                </a:effectLst>
+                <a:latin typeface="STCaiyun" panose="020B0503020204020204" pitchFamily="2" charset="-122"/>
+                <a:ea typeface="STCaiyun" panose="020B0503020204020204" pitchFamily="2" charset="-122"/>
+              </a:rPr>
+              <a:t>E</a:t>
+            </a:r>
+          </a:p>
+        </p:txBody>
+      </p:sp>
+      <p:sp>
+        <p:nvSpPr>
+          <p:cNvPr id="25" name="テキスト ボックス 24">
+            <a:extLst>
+              <a:ext uri="{FF2B5EF4-FFF2-40B4-BE49-F238E27FC236}">
+                <a16:creationId xmlns:a16="http://schemas.microsoft.com/office/drawing/2014/main" id="{5F1C70D9-EF3A-C80C-3C47-03AEFD9D1DD5}"/>
+              </a:ext>
+            </a:extLst>
+          </p:cNvPr>
+          <p:cNvSpPr txBox="1"/>
+          <p:nvPr/>
+        </p:nvSpPr>
+        <p:spPr>
+          <a:xfrm>
+            <a:off x="7855962" y="380380"/>
+            <a:ext cx="4021574" cy="1200329"/>
+          </a:xfrm>
+          <a:prstGeom prst="rect">
+            <a:avLst/>
+          </a:prstGeom>
+          <a:noFill/>
+        </p:spPr>
+        <p:txBody>
+          <a:bodyPr wrap="square" rtlCol="0">
+            <a:spAutoFit/>
+          </a:bodyPr>
+          <a:lstStyle/>
+          <a:p>
+            <a:r>
+              <a:rPr lang="en-US" altLang="ja-JP" sz="3600" b="1" dirty="0">
+                <a:ln w="12700">
+                  <a:solidFill>
+                    <a:schemeClr val="tx1"/>
+                  </a:solidFill>
+                </a:ln>
+                <a:solidFill>
+                  <a:schemeClr val="bg2">
+                    <a:lumMod val="90000"/>
+                  </a:schemeClr>
+                </a:solidFill>
+                <a:effectLst>
+                  <a:glow rad="101600">
+                    <a:schemeClr val="bg1">
+                      <a:alpha val="60000"/>
+                    </a:schemeClr>
+                  </a:glow>
+                </a:effectLst>
+              </a:rPr>
+              <a:t>~</a:t>
+            </a:r>
+            <a:r>
+              <a:rPr kumimoji="1" lang="ja-JP" altLang="en-US" sz="3600" b="1" dirty="0">
+                <a:ln w="12700">
+                  <a:solidFill>
+                    <a:schemeClr val="tx1"/>
+                  </a:solidFill>
+                </a:ln>
+                <a:solidFill>
+                  <a:schemeClr val="accent2">
+                    <a:lumMod val="60000"/>
+                    <a:lumOff val="40000"/>
+                  </a:schemeClr>
+                </a:solidFill>
+                <a:effectLst>
+                  <a:glow rad="101600">
+                    <a:schemeClr val="bg1">
+                      <a:alpha val="60000"/>
+                    </a:schemeClr>
+                  </a:glow>
+                </a:effectLst>
+              </a:rPr>
+              <a:t>宇宙空間</a:t>
+            </a:r>
+            <a:r>
+              <a:rPr lang="ja-JP" altLang="en-US" sz="3600" b="1" dirty="0">
+                <a:ln w="12700">
+                  <a:solidFill>
+                    <a:schemeClr val="tx1"/>
+                  </a:solidFill>
+                </a:ln>
+                <a:solidFill>
+                  <a:schemeClr val="bg2">
+                    <a:lumMod val="90000"/>
+                  </a:schemeClr>
+                </a:solidFill>
+                <a:effectLst>
+                  <a:glow rad="101600">
+                    <a:schemeClr val="bg1">
+                      <a:alpha val="60000"/>
+                    </a:schemeClr>
+                  </a:glow>
+                </a:effectLst>
+              </a:rPr>
+              <a:t>を</a:t>
+            </a:r>
+            <a:endParaRPr lang="en-US" altLang="ja-JP" sz="3600" b="1" dirty="0">
+              <a:ln w="12700">
+                <a:solidFill>
+                  <a:schemeClr val="tx1"/>
+                </a:solidFill>
+              </a:ln>
+              <a:solidFill>
+                <a:schemeClr val="bg2">
+                  <a:lumMod val="90000"/>
+                </a:schemeClr>
+              </a:solidFill>
+              <a:effectLst>
+                <a:glow rad="101600">
+                  <a:schemeClr val="bg1">
+                    <a:alpha val="60000"/>
+                  </a:schemeClr>
+                </a:glow>
+              </a:effectLst>
+            </a:endParaRPr>
+          </a:p>
+          <a:p>
+            <a:pPr algn="r"/>
+            <a:r>
+              <a:rPr lang="ja-JP" altLang="en-US" sz="3600" b="1" dirty="0">
+                <a:ln w="12700">
+                  <a:solidFill>
+                    <a:schemeClr val="tx1"/>
+                  </a:solidFill>
+                </a:ln>
+                <a:solidFill>
+                  <a:schemeClr val="bg2">
+                    <a:lumMod val="90000"/>
+                  </a:schemeClr>
+                </a:solidFill>
+                <a:effectLst>
+                  <a:glow rad="101600">
+                    <a:schemeClr val="bg1">
+                      <a:alpha val="60000"/>
+                    </a:schemeClr>
+                  </a:glow>
+                </a:effectLst>
+              </a:rPr>
+              <a:t>生き残れ</a:t>
+            </a:r>
+            <a:r>
+              <a:rPr lang="en-US" altLang="ja-JP" sz="3600" b="1" dirty="0">
+                <a:ln w="12700">
+                  <a:solidFill>
+                    <a:schemeClr val="tx1"/>
+                  </a:solidFill>
+                </a:ln>
+                <a:solidFill>
+                  <a:schemeClr val="bg2">
+                    <a:lumMod val="90000"/>
+                  </a:schemeClr>
+                </a:solidFill>
+                <a:effectLst>
+                  <a:glow rad="101600">
+                    <a:schemeClr val="bg1">
+                      <a:alpha val="60000"/>
+                    </a:schemeClr>
+                  </a:glow>
+                </a:effectLst>
+              </a:rPr>
+              <a:t>~</a:t>
+            </a:r>
+            <a:endParaRPr kumimoji="1" lang="en-US" altLang="ja-JP" sz="3600" b="1" i="1" dirty="0">
+              <a:ln w="12700">
+                <a:solidFill>
+                  <a:schemeClr val="tx1"/>
+                </a:solidFill>
+              </a:ln>
+              <a:solidFill>
+                <a:schemeClr val="bg2">
+                  <a:lumMod val="90000"/>
+                </a:schemeClr>
+              </a:solidFill>
+              <a:effectLst>
+                <a:glow rad="101600">
+                  <a:schemeClr val="bg1">
+                    <a:alpha val="60000"/>
+                  </a:schemeClr>
+                </a:glow>
+              </a:effectLst>
+            </a:endParaRPr>
+          </a:p>
+        </p:txBody>
+      </p:sp>
+      <p:sp>
+        <p:nvSpPr>
+          <p:cNvPr id="39" name="テキスト ボックス 38">
+            <a:extLst>
+              <a:ext uri="{FF2B5EF4-FFF2-40B4-BE49-F238E27FC236}">
+                <a16:creationId xmlns:a16="http://schemas.microsoft.com/office/drawing/2014/main" id="{D09715E4-13A2-776D-CF6E-0E3430656A4C}"/>
+              </a:ext>
+            </a:extLst>
+          </p:cNvPr>
+          <p:cNvSpPr txBox="1"/>
+          <p:nvPr/>
+        </p:nvSpPr>
+        <p:spPr>
+          <a:xfrm>
+            <a:off x="8522814" y="9271"/>
+            <a:ext cx="3405021" cy="461665"/>
+          </a:xfrm>
+          <a:prstGeom prst="rect">
+            <a:avLst/>
+          </a:prstGeom>
+          <a:noFill/>
+        </p:spPr>
+        <p:txBody>
+          <a:bodyPr wrap="square" rtlCol="0">
+            <a:spAutoFit/>
+          </a:bodyPr>
+          <a:lstStyle/>
+          <a:p>
+            <a:pPr algn="ctr"/>
+            <a:r>
+              <a:rPr lang="ja-JP" altLang="en-US" sz="2400" b="1" dirty="0">
+                <a:effectLst>
+                  <a:glow rad="101600">
+                    <a:schemeClr val="bg1">
+                      <a:alpha val="60000"/>
+                    </a:schemeClr>
+                  </a:glow>
+                </a:effectLst>
+              </a:rPr>
+              <a:t>概要</a:t>
+            </a:r>
+            <a:r>
+              <a:rPr lang="en-US" altLang="ja-JP" sz="2400" b="1" dirty="0">
+                <a:effectLst>
+                  <a:glow rad="101600">
+                    <a:schemeClr val="bg1">
+                      <a:alpha val="60000"/>
+                    </a:schemeClr>
+                  </a:glow>
+                </a:effectLst>
+              </a:rPr>
+              <a:t>: 3D</a:t>
+            </a:r>
+            <a:r>
+              <a:rPr lang="ja-JP" altLang="en-US" sz="2400" b="1" dirty="0">
+                <a:effectLst>
+                  <a:glow rad="101600">
+                    <a:schemeClr val="bg1">
+                      <a:alpha val="60000"/>
+                    </a:schemeClr>
+                  </a:glow>
+                </a:effectLst>
+              </a:rPr>
+              <a:t>空間の</a:t>
+            </a:r>
+            <a:r>
+              <a:rPr lang="en-US" altLang="ja-JP" sz="2400" b="1" dirty="0">
+                <a:effectLst>
+                  <a:glow rad="101600">
+                    <a:schemeClr val="bg1">
+                      <a:alpha val="60000"/>
+                    </a:schemeClr>
+                  </a:glow>
+                </a:effectLst>
+              </a:rPr>
+              <a:t>2D</a:t>
+            </a:r>
+            <a:r>
+              <a:rPr lang="ja-JP" altLang="en-US" sz="2400" b="1" dirty="0">
+                <a:effectLst>
+                  <a:glow rad="101600">
+                    <a:schemeClr val="bg1">
+                      <a:alpha val="60000"/>
+                    </a:schemeClr>
+                  </a:glow>
+                </a:effectLst>
+              </a:rPr>
+              <a:t>移動</a:t>
+            </a:r>
+            <a:endParaRPr kumimoji="1" lang="ja-JP" altLang="en-US" sz="2400" b="1" dirty="0">
+              <a:effectLst>
+                <a:glow rad="101600">
+                  <a:schemeClr val="bg1">
+                    <a:alpha val="60000"/>
+                  </a:schemeClr>
+                </a:glow>
+              </a:effectLst>
+            </a:endParaRPr>
+          </a:p>
+        </p:txBody>
+      </p:sp>
+      <p:pic>
+        <p:nvPicPr>
+          <p:cNvPr id="3" name="グラフィックス 2" descr="星 単色塗りつぶし">
+            <a:extLst>
+              <a:ext uri="{FF2B5EF4-FFF2-40B4-BE49-F238E27FC236}">
+                <a16:creationId xmlns:a16="http://schemas.microsoft.com/office/drawing/2014/main" id="{21DB065F-2817-A04B-E614-2765252C664E}"/>
+              </a:ext>
+            </a:extLst>
+          </p:cNvPr>
+          <p:cNvPicPr>
+            <a:picLocks noChangeAspect="1"/>
+          </p:cNvPicPr>
+          <p:nvPr/>
+        </p:nvPicPr>
+        <p:blipFill>
+          <a:blip r:embed="rId2">
+            <a:extLst>
+              <a:ext uri="{96DAC541-7B7A-43D3-8B79-37D633B846F1}">
+                <asvg:svgBlip xmlns:asvg="http://schemas.microsoft.com/office/drawing/2016/SVG/main" r:embed="rId3"/>
+              </a:ext>
+            </a:extLst>
+          </a:blip>
+          <a:stretch>
+            <a:fillRect/>
+          </a:stretch>
+        </p:blipFill>
+        <p:spPr>
+          <a:xfrm>
+            <a:off x="8583659" y="2018601"/>
+            <a:ext cx="961274" cy="896165"/>
+          </a:xfrm>
+          <a:prstGeom prst="rect">
+            <a:avLst/>
+          </a:prstGeom>
+        </p:spPr>
+      </p:pic>
+      <p:sp>
+        <p:nvSpPr>
+          <p:cNvPr id="41" name="楕円 40">
+            <a:extLst>
+              <a:ext uri="{FF2B5EF4-FFF2-40B4-BE49-F238E27FC236}">
+                <a16:creationId xmlns:a16="http://schemas.microsoft.com/office/drawing/2014/main" id="{C7A098AC-9611-F9DE-A408-A7746DDBF1EF}"/>
+              </a:ext>
+            </a:extLst>
+          </p:cNvPr>
+          <p:cNvSpPr/>
+          <p:nvPr/>
+        </p:nvSpPr>
+        <p:spPr>
+          <a:xfrm>
+            <a:off x="216774" y="2169408"/>
+            <a:ext cx="727472" cy="696937"/>
+          </a:xfrm>
+          <a:prstGeom prst="ellipse">
+            <a:avLst/>
+          </a:prstGeom>
+          <a:solidFill>
+            <a:schemeClr val="accent4">
+              <a:lumMod val="20000"/>
+              <a:lumOff val="80000"/>
+            </a:schemeClr>
+          </a:solidFill>
+          <a:ln w="38100">
+            <a:solidFill>
+              <a:schemeClr val="accent1">
+                <a:lumMod val="60000"/>
+                <a:lumOff val="40000"/>
+              </a:schemeClr>
+            </a:solidFill>
+          </a:ln>
+          <a:effectLst>
+            <a:glow rad="63500">
+              <a:schemeClr val="accent4">
+                <a:satMod val="175000"/>
+                <a:alpha val="40000"/>
+              </a:schemeClr>
+            </a:glow>
+          </a:effectLst>
+        </p:spPr>
+        <p:style>
+          <a:lnRef idx="2">
+            <a:schemeClr val="accent1">
+              <a:shade val="15000"/>
+            </a:schemeClr>
+          </a:lnRef>
+          <a:fillRef idx="1">
+            <a:schemeClr val="accent1"/>
+          </a:fillRef>
+          <a:effectRef idx="0">
+            <a:schemeClr val="accent1"/>
+          </a:effectRef>
+          <a:fontRef idx="minor">
+            <a:schemeClr val="lt1"/>
+          </a:fontRef>
+        </p:style>
+        <p:txBody>
+          <a:bodyPr rtlCol="0" anchor="ctr"/>
+          <a:lstStyle/>
+          <a:p>
+            <a:pPr algn="ctr"/>
+            <a:endParaRPr kumimoji="1" lang="ja-JP" altLang="en-US" dirty="0"/>
+          </a:p>
+        </p:txBody>
+      </p:sp>
+      <p:sp>
+        <p:nvSpPr>
+          <p:cNvPr id="43" name="テキスト ボックス 42">
+            <a:extLst>
+              <a:ext uri="{FF2B5EF4-FFF2-40B4-BE49-F238E27FC236}">
+                <a16:creationId xmlns:a16="http://schemas.microsoft.com/office/drawing/2014/main" id="{3C70763D-723F-92DF-91D6-DEEFCAF73321}"/>
+              </a:ext>
+            </a:extLst>
+          </p:cNvPr>
+          <p:cNvSpPr txBox="1"/>
+          <p:nvPr/>
+        </p:nvSpPr>
+        <p:spPr>
+          <a:xfrm>
+            <a:off x="216774" y="1639241"/>
+            <a:ext cx="2726051" cy="523220"/>
+          </a:xfrm>
+          <a:prstGeom prst="rect">
+            <a:avLst/>
+          </a:prstGeom>
+          <a:noFill/>
+        </p:spPr>
+        <p:txBody>
+          <a:bodyPr wrap="square" rtlCol="0">
+            <a:spAutoFit/>
+          </a:bodyPr>
+          <a:lstStyle/>
+          <a:p>
+            <a:pPr algn="ctr"/>
+            <a:r>
+              <a:rPr lang="ja-JP" altLang="en-US" sz="2800" b="1" dirty="0">
+                <a:effectLst>
+                  <a:glow rad="101600">
+                    <a:schemeClr val="bg1">
+                      <a:alpha val="60000"/>
+                    </a:schemeClr>
+                  </a:glow>
+                </a:effectLst>
+              </a:rPr>
+              <a:t>＜</a:t>
+            </a:r>
+            <a:r>
+              <a:rPr lang="ja-JP" altLang="en-US" sz="2800" b="1" dirty="0">
+                <a:solidFill>
+                  <a:schemeClr val="accent1">
+                    <a:lumMod val="60000"/>
+                    <a:lumOff val="40000"/>
+                  </a:schemeClr>
+                </a:solidFill>
+                <a:effectLst>
+                  <a:glow rad="101600">
+                    <a:schemeClr val="bg1">
+                      <a:alpha val="60000"/>
+                    </a:schemeClr>
+                  </a:glow>
+                </a:effectLst>
+              </a:rPr>
+              <a:t>プレイヤー</a:t>
+            </a:r>
+            <a:r>
+              <a:rPr lang="en-US" altLang="ja-JP" sz="2800" b="1" dirty="0">
+                <a:effectLst>
+                  <a:glow rad="101600">
+                    <a:schemeClr val="bg1">
+                      <a:alpha val="60000"/>
+                    </a:schemeClr>
+                  </a:glow>
+                </a:effectLst>
+              </a:rPr>
+              <a:t>&gt;</a:t>
+            </a:r>
+            <a:endParaRPr kumimoji="1" lang="en-US" altLang="ja-JP" sz="2800" b="1" dirty="0">
+              <a:effectLst>
+                <a:glow rad="101600">
+                  <a:schemeClr val="bg1">
+                    <a:alpha val="60000"/>
+                  </a:schemeClr>
+                </a:glow>
+              </a:effectLst>
+            </a:endParaRPr>
+          </a:p>
+        </p:txBody>
+      </p:sp>
+      <p:sp>
+        <p:nvSpPr>
+          <p:cNvPr id="45" name="テキスト ボックス 44">
+            <a:extLst>
+              <a:ext uri="{FF2B5EF4-FFF2-40B4-BE49-F238E27FC236}">
+                <a16:creationId xmlns:a16="http://schemas.microsoft.com/office/drawing/2014/main" id="{5CA05AA4-2A52-423D-424F-9FD2E6BCC15D}"/>
+              </a:ext>
+            </a:extLst>
+          </p:cNvPr>
+          <p:cNvSpPr txBox="1"/>
+          <p:nvPr/>
+        </p:nvSpPr>
+        <p:spPr>
+          <a:xfrm>
+            <a:off x="1406190" y="5432546"/>
+            <a:ext cx="4612196" cy="461665"/>
+          </a:xfrm>
+          <a:prstGeom prst="rect">
+            <a:avLst/>
+          </a:prstGeom>
+          <a:noFill/>
+        </p:spPr>
+        <p:txBody>
+          <a:bodyPr wrap="square" rtlCol="0">
+            <a:spAutoFit/>
+          </a:bodyPr>
+          <a:lstStyle/>
+          <a:p>
+            <a:pPr algn="ctr"/>
+            <a:r>
+              <a:rPr lang="ja-JP" altLang="en-US" sz="2400" b="1" dirty="0">
+                <a:effectLst>
+                  <a:glow rad="101600">
+                    <a:schemeClr val="bg1">
+                      <a:alpha val="60000"/>
+                    </a:schemeClr>
+                  </a:glow>
+                </a:effectLst>
+              </a:rPr>
+              <a:t>発動は好きなタイミングで</a:t>
+            </a:r>
+            <a:endParaRPr kumimoji="1" lang="ja-JP" altLang="en-US" sz="2400" b="1" dirty="0">
+              <a:effectLst>
+                <a:glow rad="101600">
+                  <a:schemeClr val="bg1">
+                    <a:alpha val="60000"/>
+                  </a:schemeClr>
+                </a:glow>
+              </a:effectLst>
+            </a:endParaRPr>
+          </a:p>
+        </p:txBody>
+      </p:sp>
+      <p:sp>
+        <p:nvSpPr>
+          <p:cNvPr id="46" name="テキスト ボックス 45">
+            <a:extLst>
+              <a:ext uri="{FF2B5EF4-FFF2-40B4-BE49-F238E27FC236}">
+                <a16:creationId xmlns:a16="http://schemas.microsoft.com/office/drawing/2014/main" id="{C07C1212-1A9A-2566-4CAD-6B554C897AF7}"/>
+              </a:ext>
+            </a:extLst>
+          </p:cNvPr>
+          <p:cNvSpPr txBox="1"/>
+          <p:nvPr/>
+        </p:nvSpPr>
+        <p:spPr>
+          <a:xfrm>
+            <a:off x="2590538" y="1634718"/>
+            <a:ext cx="3184246" cy="523220"/>
+          </a:xfrm>
+          <a:prstGeom prst="rect">
+            <a:avLst/>
+          </a:prstGeom>
+          <a:noFill/>
+        </p:spPr>
+        <p:txBody>
+          <a:bodyPr wrap="square" rtlCol="0">
+            <a:spAutoFit/>
+          </a:bodyPr>
+          <a:lstStyle/>
+          <a:p>
+            <a:pPr algn="ctr"/>
+            <a:r>
+              <a:rPr lang="ja-JP" altLang="en-US" sz="2800" b="1" dirty="0">
+                <a:effectLst>
+                  <a:glow rad="101600">
+                    <a:schemeClr val="bg1">
+                      <a:alpha val="60000"/>
+                    </a:schemeClr>
+                  </a:glow>
+                </a:effectLst>
+              </a:rPr>
+              <a:t>＜</a:t>
+            </a:r>
+            <a:r>
+              <a:rPr lang="ja-JP" altLang="en-US" sz="2800" b="1" dirty="0">
+                <a:solidFill>
+                  <a:schemeClr val="accent6">
+                    <a:lumMod val="75000"/>
+                  </a:schemeClr>
+                </a:solidFill>
+                <a:effectLst>
+                  <a:glow rad="101600">
+                    <a:schemeClr val="bg1">
+                      <a:alpha val="60000"/>
+                    </a:schemeClr>
+                  </a:glow>
+                </a:effectLst>
+              </a:rPr>
+              <a:t>宇宙ゴミ</a:t>
+            </a:r>
+            <a:r>
+              <a:rPr lang="en-US" altLang="ja-JP" sz="2800" b="1" dirty="0">
+                <a:effectLst>
+                  <a:glow rad="101600">
+                    <a:schemeClr val="bg1">
+                      <a:alpha val="60000"/>
+                    </a:schemeClr>
+                  </a:glow>
+                </a:effectLst>
+              </a:rPr>
+              <a:t>&gt;</a:t>
+            </a:r>
+            <a:endParaRPr kumimoji="1" lang="en-US" altLang="ja-JP" sz="2800" b="1" dirty="0">
+              <a:effectLst>
+                <a:glow rad="101600">
+                  <a:schemeClr val="bg1">
+                    <a:alpha val="60000"/>
+                  </a:schemeClr>
+                </a:glow>
+              </a:effectLst>
+            </a:endParaRPr>
+          </a:p>
+        </p:txBody>
+      </p:sp>
+      <p:cxnSp>
+        <p:nvCxnSpPr>
+          <p:cNvPr id="54" name="直線コネクタ 53">
+            <a:extLst>
+              <a:ext uri="{FF2B5EF4-FFF2-40B4-BE49-F238E27FC236}">
+                <a16:creationId xmlns:a16="http://schemas.microsoft.com/office/drawing/2014/main" id="{54046417-71F0-CE1A-FC1D-B1890CE2D21F}"/>
+              </a:ext>
+            </a:extLst>
+          </p:cNvPr>
+          <p:cNvCxnSpPr>
+            <a:cxnSpLocks/>
+          </p:cNvCxnSpPr>
+          <p:nvPr/>
+        </p:nvCxnSpPr>
+        <p:spPr>
+          <a:xfrm>
+            <a:off x="3074331" y="1580709"/>
+            <a:ext cx="0" cy="1509823"/>
+          </a:xfrm>
+          <a:prstGeom prst="line">
+            <a:avLst/>
+          </a:prstGeom>
+        </p:spPr>
+        <p:style>
+          <a:lnRef idx="2">
+            <a:schemeClr val="dk1"/>
+          </a:lnRef>
+          <a:fillRef idx="0">
+            <a:schemeClr val="dk1"/>
+          </a:fillRef>
+          <a:effectRef idx="1">
+            <a:schemeClr val="dk1"/>
+          </a:effectRef>
+          <a:fontRef idx="minor">
+            <a:schemeClr val="tx1"/>
+          </a:fontRef>
+        </p:style>
+      </p:cxnSp>
+      <p:grpSp>
+        <p:nvGrpSpPr>
+          <p:cNvPr id="65" name="グループ化 64">
+            <a:extLst>
+              <a:ext uri="{FF2B5EF4-FFF2-40B4-BE49-F238E27FC236}">
+                <a16:creationId xmlns:a16="http://schemas.microsoft.com/office/drawing/2014/main" id="{BF757CE0-E577-0732-92C7-F38DA9067A65}"/>
+              </a:ext>
+            </a:extLst>
+          </p:cNvPr>
+          <p:cNvGrpSpPr/>
+          <p:nvPr/>
+        </p:nvGrpSpPr>
+        <p:grpSpPr>
+          <a:xfrm>
+            <a:off x="3257687" y="2367492"/>
+            <a:ext cx="3222608" cy="169377"/>
+            <a:chOff x="8781143" y="3440458"/>
+            <a:chExt cx="1334736" cy="318742"/>
+          </a:xfrm>
+        </p:grpSpPr>
+        <p:sp>
+          <p:nvSpPr>
+            <p:cNvPr id="66" name="矢印: 左 65">
+              <a:extLst>
+                <a:ext uri="{FF2B5EF4-FFF2-40B4-BE49-F238E27FC236}">
+                  <a16:creationId xmlns:a16="http://schemas.microsoft.com/office/drawing/2014/main" id="{ADA313E5-3CF9-F73F-5610-2ACFFF9310EC}"/>
+                </a:ext>
+              </a:extLst>
+            </p:cNvPr>
+            <p:cNvSpPr/>
+            <p:nvPr/>
+          </p:nvSpPr>
+          <p:spPr>
+            <a:xfrm>
+              <a:off x="8781143" y="3440459"/>
+              <a:ext cx="621667" cy="318741"/>
+            </a:xfrm>
+            <a:prstGeom prst="leftArrow">
+              <a:avLst/>
+            </a:prstGeom>
+          </p:spPr>
+          <p:style>
+            <a:lnRef idx="1">
+              <a:schemeClr val="accent1"/>
+            </a:lnRef>
+            <a:fillRef idx="3">
+              <a:schemeClr val="accent1"/>
+            </a:fillRef>
+            <a:effectRef idx="2">
+              <a:schemeClr val="accent1"/>
+            </a:effectRef>
+            <a:fontRef idx="minor">
+              <a:schemeClr val="lt1"/>
+            </a:fontRef>
+          </p:style>
+          <p:txBody>
+            <a:bodyPr rtlCol="0" anchor="ctr"/>
+            <a:lstStyle/>
+            <a:p>
+              <a:pPr algn="ctr"/>
+              <a:endParaRPr kumimoji="1" lang="ja-JP" altLang="en-US"/>
+            </a:p>
+          </p:txBody>
+        </p:sp>
+        <p:sp>
+          <p:nvSpPr>
+            <p:cNvPr id="67" name="矢印: 右 66">
+              <a:extLst>
+                <a:ext uri="{FF2B5EF4-FFF2-40B4-BE49-F238E27FC236}">
+                  <a16:creationId xmlns:a16="http://schemas.microsoft.com/office/drawing/2014/main" id="{E1F2BFC8-45DD-4A3F-FCF7-3F5163B31BF4}"/>
+                </a:ext>
+              </a:extLst>
+            </p:cNvPr>
+            <p:cNvSpPr/>
+            <p:nvPr/>
+          </p:nvSpPr>
+          <p:spPr>
+            <a:xfrm>
+              <a:off x="9387765" y="3440458"/>
+              <a:ext cx="728114" cy="318741"/>
+            </a:xfrm>
+            <a:prstGeom prst="rightArrow">
+              <a:avLst/>
+            </a:prstGeom>
+          </p:spPr>
+          <p:style>
+            <a:lnRef idx="1">
+              <a:schemeClr val="accent1"/>
+            </a:lnRef>
+            <a:fillRef idx="3">
+              <a:schemeClr val="accent1"/>
+            </a:fillRef>
+            <a:effectRef idx="2">
+              <a:schemeClr val="accent1"/>
+            </a:effectRef>
+            <a:fontRef idx="minor">
+              <a:schemeClr val="lt1"/>
+            </a:fontRef>
+          </p:style>
+          <p:txBody>
+            <a:bodyPr rtlCol="0" anchor="ctr"/>
+            <a:lstStyle/>
+            <a:p>
+              <a:pPr algn="ctr"/>
+              <a:endParaRPr kumimoji="1" lang="ja-JP" altLang="en-US"/>
+            </a:p>
+          </p:txBody>
+        </p:sp>
+      </p:grpSp>
+      <p:pic>
+        <p:nvPicPr>
+          <p:cNvPr id="68" name="グラフィックス 67" descr="ノコ刃 単色塗りつぶし">
+            <a:extLst>
+              <a:ext uri="{FF2B5EF4-FFF2-40B4-BE49-F238E27FC236}">
+                <a16:creationId xmlns:a16="http://schemas.microsoft.com/office/drawing/2014/main" id="{AB2B95D1-713D-0608-2BD6-1F121058704D}"/>
+              </a:ext>
+            </a:extLst>
+          </p:cNvPr>
+          <p:cNvPicPr>
+            <a:picLocks noChangeAspect="1"/>
+          </p:cNvPicPr>
+          <p:nvPr/>
+        </p:nvPicPr>
+        <p:blipFill>
+          <a:blip r:embed="rId4">
+            <a:extLst>
+              <a:ext uri="{96DAC541-7B7A-43D3-8B79-37D633B846F1}">
+                <asvg:svgBlip xmlns:asvg="http://schemas.microsoft.com/office/drawing/2016/SVG/main" r:embed="rId5"/>
+              </a:ext>
+            </a:extLst>
+          </a:blip>
+          <a:stretch>
+            <a:fillRect/>
+          </a:stretch>
+        </p:blipFill>
+        <p:spPr>
+          <a:xfrm>
+            <a:off x="3599764" y="2106703"/>
+            <a:ext cx="621786" cy="650454"/>
+          </a:xfrm>
+          <a:prstGeom prst="rect">
+            <a:avLst/>
+          </a:prstGeom>
+        </p:spPr>
+      </p:pic>
+      <p:pic>
+        <p:nvPicPr>
+          <p:cNvPr id="69" name="グラフィックス 68" descr="レイヤー (デザイン) 単色塗りつぶし">
+            <a:extLst>
+              <a:ext uri="{FF2B5EF4-FFF2-40B4-BE49-F238E27FC236}">
+                <a16:creationId xmlns:a16="http://schemas.microsoft.com/office/drawing/2014/main" id="{B432942A-8EC3-E543-F6F0-370D37DFAA74}"/>
+              </a:ext>
+            </a:extLst>
+          </p:cNvPr>
+          <p:cNvPicPr>
+            <a:picLocks noChangeAspect="1"/>
+          </p:cNvPicPr>
+          <p:nvPr/>
+        </p:nvPicPr>
+        <p:blipFill>
+          <a:blip r:embed="rId6">
+            <a:extLst>
+              <a:ext uri="{96DAC541-7B7A-43D3-8B79-37D633B846F1}">
+                <asvg:svgBlip xmlns:asvg="http://schemas.microsoft.com/office/drawing/2016/SVG/main" r:embed="rId7"/>
+              </a:ext>
+            </a:extLst>
+          </a:blip>
+          <a:stretch>
+            <a:fillRect/>
+          </a:stretch>
+        </p:blipFill>
+        <p:spPr>
+          <a:xfrm>
+            <a:off x="4467659" y="2097034"/>
+            <a:ext cx="702077" cy="661871"/>
+          </a:xfrm>
+          <a:prstGeom prst="rect">
+            <a:avLst/>
+          </a:prstGeom>
+        </p:spPr>
+      </p:pic>
+      <p:pic>
+        <p:nvPicPr>
+          <p:cNvPr id="70" name="グラフィックス 69" descr="下弦の月 単色塗りつぶし">
+            <a:extLst>
+              <a:ext uri="{FF2B5EF4-FFF2-40B4-BE49-F238E27FC236}">
+                <a16:creationId xmlns:a16="http://schemas.microsoft.com/office/drawing/2014/main" id="{DAE84AE7-C9D3-9A5F-D7AB-AC01B3A0EB4D}"/>
+              </a:ext>
+            </a:extLst>
+          </p:cNvPr>
+          <p:cNvPicPr>
+            <a:picLocks noChangeAspect="1"/>
+          </p:cNvPicPr>
+          <p:nvPr/>
+        </p:nvPicPr>
+        <p:blipFill>
+          <a:blip r:embed="rId8">
+            <a:extLst>
+              <a:ext uri="{96DAC541-7B7A-43D3-8B79-37D633B846F1}">
+                <asvg:svgBlip xmlns:asvg="http://schemas.microsoft.com/office/drawing/2016/SVG/main" r:embed="rId9"/>
+              </a:ext>
+            </a:extLst>
+          </a:blip>
+          <a:stretch>
+            <a:fillRect/>
+          </a:stretch>
+        </p:blipFill>
+        <p:spPr>
+          <a:xfrm>
+            <a:off x="5294329" y="2052329"/>
+            <a:ext cx="702077" cy="734447"/>
+          </a:xfrm>
+          <a:prstGeom prst="rect">
+            <a:avLst/>
+          </a:prstGeom>
+        </p:spPr>
+      </p:pic>
+      <p:sp>
+        <p:nvSpPr>
+          <p:cNvPr id="71" name="テキスト ボックス 70">
+            <a:extLst>
+              <a:ext uri="{FF2B5EF4-FFF2-40B4-BE49-F238E27FC236}">
+                <a16:creationId xmlns:a16="http://schemas.microsoft.com/office/drawing/2014/main" id="{304E30EE-4A81-2916-EFA6-42D8D3A92870}"/>
+              </a:ext>
+            </a:extLst>
+          </p:cNvPr>
+          <p:cNvSpPr txBox="1"/>
+          <p:nvPr/>
+        </p:nvSpPr>
+        <p:spPr>
+          <a:xfrm>
+            <a:off x="3333509" y="2739000"/>
+            <a:ext cx="2965968" cy="461665"/>
+          </a:xfrm>
+          <a:prstGeom prst="rect">
+            <a:avLst/>
+          </a:prstGeom>
+          <a:noFill/>
+        </p:spPr>
+        <p:txBody>
+          <a:bodyPr wrap="square" rtlCol="0">
+            <a:spAutoFit/>
+          </a:bodyPr>
+          <a:lstStyle/>
+          <a:p>
+            <a:pPr algn="ctr"/>
+            <a:r>
+              <a:rPr kumimoji="1" lang="ja-JP" altLang="en-US" sz="2400" b="1" dirty="0">
+                <a:solidFill>
+                  <a:schemeClr val="tx2">
+                    <a:lumMod val="75000"/>
+                    <a:lumOff val="25000"/>
+                  </a:schemeClr>
+                </a:solidFill>
+                <a:effectLst>
+                  <a:glow rad="101600">
+                    <a:schemeClr val="bg1">
+                      <a:alpha val="60000"/>
+                    </a:schemeClr>
+                  </a:glow>
+                </a:effectLst>
+              </a:rPr>
+              <a:t>横に飛ぶよ</a:t>
+            </a:r>
+          </a:p>
+        </p:txBody>
+      </p:sp>
+      <p:sp>
+        <p:nvSpPr>
+          <p:cNvPr id="73" name="テキスト ボックス 72">
+            <a:extLst>
+              <a:ext uri="{FF2B5EF4-FFF2-40B4-BE49-F238E27FC236}">
+                <a16:creationId xmlns:a16="http://schemas.microsoft.com/office/drawing/2014/main" id="{2B6222C4-7B70-A404-753E-A2355BAD7DA0}"/>
+              </a:ext>
+            </a:extLst>
+          </p:cNvPr>
+          <p:cNvSpPr txBox="1"/>
+          <p:nvPr/>
+        </p:nvSpPr>
+        <p:spPr>
+          <a:xfrm>
+            <a:off x="6256532" y="1841975"/>
+            <a:ext cx="2354189" cy="1200329"/>
+          </a:xfrm>
+          <a:prstGeom prst="rect">
+            <a:avLst/>
+          </a:prstGeom>
+          <a:noFill/>
+        </p:spPr>
+        <p:txBody>
+          <a:bodyPr wrap="square" rtlCol="0">
+            <a:spAutoFit/>
+          </a:bodyPr>
+          <a:lstStyle/>
+          <a:p>
+            <a:pPr algn="ctr"/>
+            <a:r>
+              <a:rPr lang="ja-JP" altLang="en-US" sz="2400" b="1" dirty="0">
+                <a:solidFill>
+                  <a:schemeClr val="accent1">
+                    <a:lumMod val="60000"/>
+                    <a:lumOff val="40000"/>
+                  </a:schemeClr>
+                </a:solidFill>
+                <a:effectLst>
+                  <a:glow rad="101600">
+                    <a:schemeClr val="bg1">
+                      <a:alpha val="60000"/>
+                    </a:schemeClr>
+                  </a:glow>
+                </a:effectLst>
+              </a:rPr>
+              <a:t>プレイヤー</a:t>
+            </a:r>
+            <a:r>
+              <a:rPr lang="ja-JP" altLang="en-US" sz="2400" b="1" dirty="0">
+                <a:effectLst>
+                  <a:glow rad="101600">
+                    <a:schemeClr val="bg1">
+                      <a:alpha val="60000"/>
+                    </a:schemeClr>
+                  </a:glow>
+                </a:effectLst>
+              </a:rPr>
+              <a:t>が</a:t>
+            </a:r>
+            <a:endParaRPr lang="en-US" altLang="ja-JP" sz="2400" b="1" dirty="0">
+              <a:effectLst>
+                <a:glow rad="101600">
+                  <a:schemeClr val="bg1">
+                    <a:alpha val="60000"/>
+                  </a:schemeClr>
+                </a:glow>
+              </a:effectLst>
+            </a:endParaRPr>
+          </a:p>
+          <a:p>
+            <a:pPr algn="ctr"/>
+            <a:r>
+              <a:rPr lang="ja-JP" altLang="en-US" sz="2400" b="1" dirty="0">
+                <a:effectLst>
+                  <a:glow rad="101600">
+                    <a:schemeClr val="bg1">
+                      <a:alpha val="60000"/>
+                    </a:schemeClr>
+                  </a:glow>
+                </a:effectLst>
+              </a:rPr>
+              <a:t>当たったら</a:t>
+            </a:r>
+            <a:endParaRPr lang="en-US" altLang="ja-JP" sz="2400" b="1" dirty="0">
+              <a:effectLst>
+                <a:glow rad="101600">
+                  <a:schemeClr val="bg1">
+                    <a:alpha val="60000"/>
+                  </a:schemeClr>
+                </a:glow>
+              </a:effectLst>
+            </a:endParaRPr>
+          </a:p>
+          <a:p>
+            <a:pPr algn="ctr"/>
+            <a:r>
+              <a:rPr lang="en-US" altLang="ja-JP" sz="2400" b="1" dirty="0">
+                <a:solidFill>
+                  <a:schemeClr val="bg1">
+                    <a:lumMod val="65000"/>
+                  </a:schemeClr>
+                </a:solidFill>
+                <a:effectLst>
+                  <a:glow rad="101600">
+                    <a:schemeClr val="bg1">
+                      <a:alpha val="60000"/>
+                    </a:schemeClr>
+                  </a:glow>
+                </a:effectLst>
+              </a:rPr>
+              <a:t>GAME OVER</a:t>
+            </a:r>
+            <a:endParaRPr kumimoji="1" lang="ja-JP" altLang="en-US" sz="2400" b="1" dirty="0">
+              <a:solidFill>
+                <a:schemeClr val="bg1">
+                  <a:lumMod val="65000"/>
+                </a:schemeClr>
+              </a:solidFill>
+              <a:effectLst>
+                <a:glow rad="101600">
+                  <a:schemeClr val="bg1">
+                    <a:alpha val="60000"/>
+                  </a:schemeClr>
+                </a:glow>
+              </a:effectLst>
+            </a:endParaRPr>
+          </a:p>
+        </p:txBody>
+      </p:sp>
+      <p:cxnSp>
+        <p:nvCxnSpPr>
+          <p:cNvPr id="80" name="直線コネクタ 79">
+            <a:extLst>
+              <a:ext uri="{FF2B5EF4-FFF2-40B4-BE49-F238E27FC236}">
+                <a16:creationId xmlns:a16="http://schemas.microsoft.com/office/drawing/2014/main" id="{D63B7080-A76F-4241-8B25-690376D08E40}"/>
+              </a:ext>
+            </a:extLst>
+          </p:cNvPr>
+          <p:cNvCxnSpPr>
+            <a:cxnSpLocks/>
+          </p:cNvCxnSpPr>
+          <p:nvPr/>
+        </p:nvCxnSpPr>
+        <p:spPr>
+          <a:xfrm>
+            <a:off x="8522814" y="1612580"/>
+            <a:ext cx="0" cy="1509823"/>
+          </a:xfrm>
+          <a:prstGeom prst="line">
+            <a:avLst/>
+          </a:prstGeom>
+        </p:spPr>
+        <p:style>
+          <a:lnRef idx="2">
+            <a:schemeClr val="dk1"/>
+          </a:lnRef>
+          <a:fillRef idx="0">
+            <a:schemeClr val="dk1"/>
+          </a:fillRef>
+          <a:effectRef idx="1">
+            <a:schemeClr val="dk1"/>
+          </a:effectRef>
+          <a:fontRef idx="minor">
+            <a:schemeClr val="tx1"/>
+          </a:fontRef>
+        </p:style>
+      </p:cxnSp>
+      <p:sp>
+        <p:nvSpPr>
+          <p:cNvPr id="82" name="テキスト ボックス 81">
+            <a:extLst>
+              <a:ext uri="{FF2B5EF4-FFF2-40B4-BE49-F238E27FC236}">
+                <a16:creationId xmlns:a16="http://schemas.microsoft.com/office/drawing/2014/main" id="{D3BC1909-FEF3-EDD3-FA3C-63C65D54E91D}"/>
+              </a:ext>
+            </a:extLst>
+          </p:cNvPr>
+          <p:cNvSpPr txBox="1"/>
+          <p:nvPr/>
+        </p:nvSpPr>
+        <p:spPr>
+          <a:xfrm>
+            <a:off x="8178471" y="1534502"/>
+            <a:ext cx="3184246" cy="523220"/>
+          </a:xfrm>
+          <a:prstGeom prst="rect">
+            <a:avLst/>
+          </a:prstGeom>
+          <a:noFill/>
+        </p:spPr>
+        <p:txBody>
+          <a:bodyPr wrap="square" rtlCol="0">
+            <a:spAutoFit/>
+          </a:bodyPr>
+          <a:lstStyle/>
+          <a:p>
+            <a:pPr algn="ctr"/>
+            <a:r>
+              <a:rPr lang="ja-JP" altLang="en-US" sz="2800" b="1" dirty="0">
+                <a:effectLst>
+                  <a:glow rad="101600">
+                    <a:schemeClr val="bg1">
+                      <a:alpha val="60000"/>
+                    </a:schemeClr>
+                  </a:glow>
+                </a:effectLst>
+              </a:rPr>
+              <a:t>＜</a:t>
+            </a:r>
+            <a:r>
+              <a:rPr lang="ja-JP" altLang="en-US" sz="2800" b="1" dirty="0">
+                <a:solidFill>
+                  <a:schemeClr val="accent5">
+                    <a:lumMod val="60000"/>
+                    <a:lumOff val="40000"/>
+                  </a:schemeClr>
+                </a:solidFill>
+                <a:effectLst>
+                  <a:glow rad="101600">
+                    <a:schemeClr val="bg1">
+                      <a:alpha val="60000"/>
+                    </a:schemeClr>
+                  </a:glow>
+                </a:effectLst>
+              </a:rPr>
+              <a:t>小さな星屑</a:t>
+            </a:r>
+            <a:r>
+              <a:rPr lang="en-US" altLang="ja-JP" sz="2800" b="1" dirty="0">
+                <a:effectLst>
+                  <a:glow rad="101600">
+                    <a:schemeClr val="bg1">
+                      <a:alpha val="60000"/>
+                    </a:schemeClr>
+                  </a:glow>
+                </a:effectLst>
+              </a:rPr>
+              <a:t>&gt;</a:t>
+            </a:r>
+            <a:endParaRPr kumimoji="1" lang="en-US" altLang="ja-JP" sz="2800" b="1" dirty="0">
+              <a:effectLst>
+                <a:glow rad="101600">
+                  <a:schemeClr val="bg1">
+                    <a:alpha val="60000"/>
+                  </a:schemeClr>
+                </a:glow>
+              </a:effectLst>
+            </a:endParaRPr>
+          </a:p>
+        </p:txBody>
+      </p:sp>
+      <p:sp>
+        <p:nvSpPr>
+          <p:cNvPr id="83" name="テキスト ボックス 82">
+            <a:extLst>
+              <a:ext uri="{FF2B5EF4-FFF2-40B4-BE49-F238E27FC236}">
+                <a16:creationId xmlns:a16="http://schemas.microsoft.com/office/drawing/2014/main" id="{3BECCA04-2800-CD05-5EF5-875E43ABED46}"/>
+              </a:ext>
+            </a:extLst>
+          </p:cNvPr>
+          <p:cNvSpPr txBox="1"/>
+          <p:nvPr/>
+        </p:nvSpPr>
+        <p:spPr>
+          <a:xfrm>
+            <a:off x="9429964" y="1943778"/>
+            <a:ext cx="2446552" cy="1200329"/>
+          </a:xfrm>
+          <a:prstGeom prst="rect">
+            <a:avLst/>
+          </a:prstGeom>
+          <a:noFill/>
+        </p:spPr>
+        <p:txBody>
+          <a:bodyPr wrap="square" rtlCol="0">
+            <a:spAutoFit/>
+          </a:bodyPr>
+          <a:lstStyle/>
+          <a:p>
+            <a:pPr algn="ctr"/>
+            <a:r>
+              <a:rPr lang="ja-JP" altLang="en-US" sz="2400" b="1" dirty="0">
+                <a:effectLst>
+                  <a:glow rad="101600">
+                    <a:schemeClr val="bg1">
+                      <a:alpha val="60000"/>
+                    </a:schemeClr>
+                  </a:glow>
+                </a:effectLst>
+              </a:rPr>
+              <a:t>接触すると</a:t>
+            </a:r>
+            <a:endParaRPr lang="en-US" altLang="ja-JP" sz="2400" b="1" dirty="0">
+              <a:effectLst>
+                <a:glow rad="101600">
+                  <a:schemeClr val="bg1">
+                    <a:alpha val="60000"/>
+                  </a:schemeClr>
+                </a:glow>
+              </a:effectLst>
+            </a:endParaRPr>
+          </a:p>
+          <a:p>
+            <a:pPr algn="ctr"/>
+            <a:r>
+              <a:rPr lang="ja-JP" altLang="en-US" sz="2400" b="1" dirty="0">
+                <a:solidFill>
+                  <a:schemeClr val="accent1">
+                    <a:lumMod val="60000"/>
+                    <a:lumOff val="40000"/>
+                  </a:schemeClr>
+                </a:solidFill>
+                <a:effectLst>
+                  <a:glow rad="101600">
+                    <a:schemeClr val="bg1">
+                      <a:alpha val="60000"/>
+                    </a:schemeClr>
+                  </a:glow>
+                </a:effectLst>
+              </a:rPr>
+              <a:t>プレイヤー</a:t>
+            </a:r>
+            <a:r>
+              <a:rPr lang="ja-JP" altLang="en-US" sz="2400" b="1" dirty="0">
+                <a:effectLst>
+                  <a:glow rad="101600">
+                    <a:schemeClr val="bg1">
+                      <a:alpha val="60000"/>
+                    </a:schemeClr>
+                  </a:glow>
+                </a:effectLst>
+              </a:rPr>
+              <a:t>に</a:t>
+            </a:r>
+            <a:endParaRPr lang="en-US" altLang="ja-JP" sz="2400" b="1" dirty="0">
+              <a:effectLst>
+                <a:glow rad="101600">
+                  <a:schemeClr val="bg1">
+                    <a:alpha val="60000"/>
+                  </a:schemeClr>
+                </a:glow>
+              </a:effectLst>
+            </a:endParaRPr>
+          </a:p>
+          <a:p>
+            <a:pPr algn="ctr"/>
+            <a:r>
+              <a:rPr kumimoji="1" lang="ja-JP" altLang="en-US" sz="2400" b="1" dirty="0">
+                <a:solidFill>
+                  <a:srgbClr val="FF0000"/>
+                </a:solidFill>
+                <a:effectLst>
+                  <a:glow rad="101600">
+                    <a:schemeClr val="bg1">
+                      <a:alpha val="60000"/>
+                    </a:schemeClr>
+                  </a:glow>
+                </a:effectLst>
+              </a:rPr>
+              <a:t>パワー</a:t>
+            </a:r>
+            <a:r>
+              <a:rPr kumimoji="1" lang="ja-JP" altLang="en-US" sz="2400" b="1" dirty="0">
+                <a:effectLst>
+                  <a:glow rad="101600">
+                    <a:schemeClr val="bg1">
+                      <a:alpha val="60000"/>
+                    </a:schemeClr>
+                  </a:glow>
+                </a:effectLst>
+              </a:rPr>
+              <a:t>をくれる</a:t>
+            </a:r>
+          </a:p>
+        </p:txBody>
+      </p:sp>
+      <p:cxnSp>
+        <p:nvCxnSpPr>
+          <p:cNvPr id="84" name="直線コネクタ 83">
+            <a:extLst>
+              <a:ext uri="{FF2B5EF4-FFF2-40B4-BE49-F238E27FC236}">
+                <a16:creationId xmlns:a16="http://schemas.microsoft.com/office/drawing/2014/main" id="{7E7D8314-97B2-AF00-0493-AD40CB995E26}"/>
+              </a:ext>
+            </a:extLst>
+          </p:cNvPr>
+          <p:cNvCxnSpPr>
+            <a:cxnSpLocks/>
+          </p:cNvCxnSpPr>
+          <p:nvPr/>
+        </p:nvCxnSpPr>
+        <p:spPr>
+          <a:xfrm flipV="1">
+            <a:off x="151467" y="3292663"/>
+            <a:ext cx="11776368" cy="19622"/>
+          </a:xfrm>
+          <a:prstGeom prst="line">
+            <a:avLst/>
+          </a:prstGeom>
+        </p:spPr>
+        <p:style>
+          <a:lnRef idx="2">
+            <a:schemeClr val="dk1"/>
+          </a:lnRef>
+          <a:fillRef idx="0">
+            <a:schemeClr val="dk1"/>
+          </a:fillRef>
+          <a:effectRef idx="1">
+            <a:schemeClr val="dk1"/>
+          </a:effectRef>
+          <a:fontRef idx="minor">
+            <a:schemeClr val="tx1"/>
+          </a:fontRef>
+        </p:style>
+      </p:cxnSp>
+      <p:sp>
+        <p:nvSpPr>
+          <p:cNvPr id="86" name="楕円 85">
+            <a:extLst>
+              <a:ext uri="{FF2B5EF4-FFF2-40B4-BE49-F238E27FC236}">
+                <a16:creationId xmlns:a16="http://schemas.microsoft.com/office/drawing/2014/main" id="{68F792B5-5354-D0DD-303E-69E091E71D76}"/>
+              </a:ext>
+            </a:extLst>
+          </p:cNvPr>
+          <p:cNvSpPr/>
+          <p:nvPr/>
+        </p:nvSpPr>
+        <p:spPr>
+          <a:xfrm>
+            <a:off x="234267" y="4138631"/>
+            <a:ext cx="727472" cy="696937"/>
+          </a:xfrm>
+          <a:prstGeom prst="ellipse">
+            <a:avLst/>
+          </a:prstGeom>
+          <a:solidFill>
+            <a:srgbClr val="EEF0D6"/>
+          </a:solidFill>
+          <a:ln w="38100">
+            <a:solidFill>
+              <a:srgbClr val="ECD780"/>
+            </a:solidFill>
+          </a:ln>
+          <a:effectLst>
+            <a:glow rad="63500">
+              <a:srgbClr val="FFFF00">
+                <a:alpha val="40000"/>
+              </a:srgbClr>
+            </a:glow>
+          </a:effectLst>
+        </p:spPr>
+        <p:style>
+          <a:lnRef idx="2">
+            <a:schemeClr val="accent1">
+              <a:shade val="15000"/>
+            </a:schemeClr>
+          </a:lnRef>
+          <a:fillRef idx="1">
+            <a:schemeClr val="accent1"/>
+          </a:fillRef>
+          <a:effectRef idx="0">
+            <a:schemeClr val="accent1"/>
+          </a:effectRef>
+          <a:fontRef idx="minor">
+            <a:schemeClr val="lt1"/>
+          </a:fontRef>
+        </p:style>
+        <p:txBody>
+          <a:bodyPr rtlCol="0" anchor="ctr"/>
+          <a:lstStyle/>
+          <a:p>
+            <a:pPr algn="ctr"/>
+            <a:endParaRPr kumimoji="1" lang="ja-JP" altLang="en-US" dirty="0"/>
+          </a:p>
+        </p:txBody>
+      </p:sp>
+      <p:sp>
+        <p:nvSpPr>
+          <p:cNvPr id="89" name="テキスト ボックス 88">
+            <a:extLst>
+              <a:ext uri="{FF2B5EF4-FFF2-40B4-BE49-F238E27FC236}">
+                <a16:creationId xmlns:a16="http://schemas.microsoft.com/office/drawing/2014/main" id="{34A61FF9-0296-99E0-14E0-CE844870D90C}"/>
+              </a:ext>
+            </a:extLst>
+          </p:cNvPr>
+          <p:cNvSpPr txBox="1"/>
+          <p:nvPr/>
+        </p:nvSpPr>
+        <p:spPr>
+          <a:xfrm>
+            <a:off x="-88025" y="3496646"/>
+            <a:ext cx="5184565" cy="523220"/>
+          </a:xfrm>
+          <a:prstGeom prst="rect">
+            <a:avLst/>
+          </a:prstGeom>
+          <a:noFill/>
+        </p:spPr>
+        <p:txBody>
+          <a:bodyPr wrap="square" rtlCol="0">
+            <a:spAutoFit/>
+          </a:bodyPr>
+          <a:lstStyle/>
+          <a:p>
+            <a:pPr algn="ctr"/>
+            <a:r>
+              <a:rPr lang="ja-JP" altLang="en-US" sz="2800" b="1" dirty="0">
+                <a:effectLst>
+                  <a:glow rad="101600">
+                    <a:schemeClr val="bg1">
+                      <a:alpha val="60000"/>
+                    </a:schemeClr>
+                  </a:glow>
+                </a:effectLst>
+              </a:rPr>
+              <a:t>＜</a:t>
+            </a:r>
+            <a:r>
+              <a:rPr lang="ja-JP" altLang="en-US" sz="2800" b="1" dirty="0">
+                <a:solidFill>
+                  <a:srgbClr val="FFC000"/>
+                </a:solidFill>
+                <a:effectLst>
+                  <a:glow rad="101600">
+                    <a:schemeClr val="bg1">
+                      <a:alpha val="60000"/>
+                    </a:schemeClr>
+                  </a:glow>
+                </a:effectLst>
+              </a:rPr>
+              <a:t>パワーを持ったプレイヤー</a:t>
+            </a:r>
+            <a:r>
+              <a:rPr lang="en-US" altLang="ja-JP" sz="2800" b="1" dirty="0">
+                <a:effectLst>
+                  <a:glow rad="101600">
+                    <a:schemeClr val="bg1">
+                      <a:alpha val="60000"/>
+                    </a:schemeClr>
+                  </a:glow>
+                </a:effectLst>
+              </a:rPr>
+              <a:t>&gt;</a:t>
+            </a:r>
+            <a:endParaRPr kumimoji="1" lang="en-US" altLang="ja-JP" sz="2800" b="1" dirty="0">
+              <a:effectLst>
+                <a:glow rad="101600">
+                  <a:schemeClr val="bg1">
+                    <a:alpha val="60000"/>
+                  </a:schemeClr>
+                </a:glow>
+              </a:effectLst>
+            </a:endParaRPr>
+          </a:p>
+        </p:txBody>
+      </p:sp>
+      <p:sp>
+        <p:nvSpPr>
+          <p:cNvPr id="90" name="テキスト ボックス 89">
+            <a:extLst>
+              <a:ext uri="{FF2B5EF4-FFF2-40B4-BE49-F238E27FC236}">
+                <a16:creationId xmlns:a16="http://schemas.microsoft.com/office/drawing/2014/main" id="{7B3D98C6-7258-15F0-A3D7-0E5B1053D1DE}"/>
+              </a:ext>
+            </a:extLst>
+          </p:cNvPr>
+          <p:cNvSpPr txBox="1"/>
+          <p:nvPr/>
+        </p:nvSpPr>
+        <p:spPr>
+          <a:xfrm>
+            <a:off x="787356" y="3881193"/>
+            <a:ext cx="6122738" cy="1631216"/>
+          </a:xfrm>
+          <a:prstGeom prst="rect">
+            <a:avLst/>
+          </a:prstGeom>
+          <a:noFill/>
+        </p:spPr>
+        <p:txBody>
+          <a:bodyPr wrap="square" rtlCol="0">
+            <a:spAutoFit/>
+          </a:bodyPr>
+          <a:lstStyle/>
+          <a:p>
+            <a:pPr algn="ctr"/>
+            <a:r>
+              <a:rPr lang="ja-JP" altLang="en-US" sz="2400" b="1" dirty="0">
+                <a:solidFill>
+                  <a:schemeClr val="accent5">
+                    <a:lumMod val="60000"/>
+                    <a:lumOff val="40000"/>
+                  </a:schemeClr>
+                </a:solidFill>
+                <a:effectLst>
+                  <a:glow rad="101600">
+                    <a:schemeClr val="bg1">
+                      <a:alpha val="60000"/>
+                    </a:schemeClr>
+                  </a:glow>
+                </a:effectLst>
+              </a:rPr>
+              <a:t>小さな星屑</a:t>
+            </a:r>
+            <a:r>
+              <a:rPr lang="ja-JP" altLang="en-US" sz="2400" b="1" dirty="0">
+                <a:effectLst>
+                  <a:glow rad="101600">
+                    <a:schemeClr val="bg1">
+                      <a:alpha val="60000"/>
+                    </a:schemeClr>
+                  </a:glow>
+                </a:effectLst>
+              </a:rPr>
+              <a:t>の力を宿した</a:t>
+            </a:r>
+            <a:r>
+              <a:rPr lang="ja-JP" altLang="en-US" sz="2400" b="1" dirty="0">
+                <a:solidFill>
+                  <a:schemeClr val="accent1">
+                    <a:lumMod val="60000"/>
+                    <a:lumOff val="40000"/>
+                  </a:schemeClr>
+                </a:solidFill>
+                <a:effectLst>
+                  <a:glow rad="101600">
+                    <a:schemeClr val="bg1">
+                      <a:alpha val="60000"/>
+                    </a:schemeClr>
+                  </a:glow>
+                </a:effectLst>
+              </a:rPr>
+              <a:t>プレイヤー</a:t>
+            </a:r>
+            <a:endParaRPr lang="en-US" altLang="ja-JP" sz="2400" b="1" dirty="0">
+              <a:solidFill>
+                <a:schemeClr val="accent1">
+                  <a:lumMod val="60000"/>
+                  <a:lumOff val="40000"/>
+                </a:schemeClr>
+              </a:solidFill>
+              <a:effectLst>
+                <a:glow rad="101600">
+                  <a:schemeClr val="bg1">
+                    <a:alpha val="60000"/>
+                  </a:schemeClr>
+                </a:glow>
+              </a:effectLst>
+            </a:endParaRPr>
+          </a:p>
+          <a:p>
+            <a:pPr algn="ctr"/>
+            <a:r>
+              <a:rPr lang="ja-JP" altLang="en-US" sz="2400" b="1" dirty="0">
+                <a:effectLst>
+                  <a:glow rad="101600">
+                    <a:schemeClr val="bg1">
+                      <a:alpha val="60000"/>
+                    </a:schemeClr>
+                  </a:glow>
+                </a:effectLst>
+              </a:rPr>
+              <a:t>一定時間</a:t>
+            </a:r>
+            <a:r>
+              <a:rPr lang="ja-JP" altLang="en-US" sz="2400" b="1" dirty="0">
+                <a:solidFill>
+                  <a:schemeClr val="accent6">
+                    <a:lumMod val="75000"/>
+                  </a:schemeClr>
+                </a:solidFill>
+                <a:effectLst>
+                  <a:glow rad="101600">
+                    <a:schemeClr val="bg1">
+                      <a:alpha val="60000"/>
+                    </a:schemeClr>
+                  </a:glow>
+                </a:effectLst>
+              </a:rPr>
+              <a:t>宇宙ゴミ</a:t>
+            </a:r>
+            <a:r>
+              <a:rPr lang="en-US" altLang="ja-JP" sz="2400" b="1" dirty="0">
+                <a:effectLst>
+                  <a:glow rad="101600">
+                    <a:schemeClr val="bg1">
+                      <a:alpha val="60000"/>
+                    </a:schemeClr>
+                  </a:glow>
+                </a:effectLst>
+              </a:rPr>
+              <a:t>(</a:t>
+            </a:r>
+            <a:r>
+              <a:rPr lang="ja-JP" altLang="en-US" sz="2400" b="1" dirty="0">
+                <a:solidFill>
+                  <a:schemeClr val="accent2">
+                    <a:lumMod val="75000"/>
+                  </a:schemeClr>
+                </a:solidFill>
+                <a:effectLst>
+                  <a:glow rad="101600">
+                    <a:schemeClr val="bg1">
+                      <a:alpha val="60000"/>
+                    </a:schemeClr>
+                  </a:glow>
+                </a:effectLst>
+              </a:rPr>
+              <a:t>大きな隕石</a:t>
+            </a:r>
+            <a:r>
+              <a:rPr lang="en-US" altLang="ja-JP" sz="2400" b="1" dirty="0">
+                <a:effectLst>
+                  <a:glow rad="101600">
+                    <a:schemeClr val="bg1">
+                      <a:alpha val="60000"/>
+                    </a:schemeClr>
+                  </a:glow>
+                </a:effectLst>
+              </a:rPr>
+              <a:t>)</a:t>
+            </a:r>
+            <a:r>
+              <a:rPr lang="ja-JP" altLang="en-US" sz="2400" b="1" dirty="0">
+                <a:effectLst>
+                  <a:glow rad="101600">
+                    <a:schemeClr val="bg1">
+                      <a:alpha val="60000"/>
+                    </a:schemeClr>
+                  </a:glow>
+                </a:effectLst>
+              </a:rPr>
+              <a:t>を</a:t>
+            </a:r>
+            <a:endParaRPr lang="en-US" altLang="ja-JP" sz="2400" b="1" dirty="0">
+              <a:effectLst>
+                <a:glow rad="101600">
+                  <a:schemeClr val="bg1">
+                    <a:alpha val="60000"/>
+                  </a:schemeClr>
+                </a:glow>
+              </a:effectLst>
+            </a:endParaRPr>
+          </a:p>
+          <a:p>
+            <a:pPr algn="ctr"/>
+            <a:r>
+              <a:rPr lang="ja-JP" altLang="en-US" sz="2400" b="1" dirty="0">
+                <a:effectLst>
+                  <a:glow rad="101600">
+                    <a:schemeClr val="bg1">
+                      <a:alpha val="60000"/>
+                    </a:schemeClr>
+                  </a:glow>
+                </a:effectLst>
+              </a:rPr>
+              <a:t>破壊できるようになる</a:t>
+            </a:r>
+            <a:endParaRPr lang="en-US" altLang="ja-JP" sz="2400" b="1" dirty="0">
+              <a:effectLst>
+                <a:glow rad="101600">
+                  <a:schemeClr val="bg1">
+                    <a:alpha val="60000"/>
+                  </a:schemeClr>
+                </a:glow>
+              </a:effectLst>
+            </a:endParaRPr>
+          </a:p>
+          <a:p>
+            <a:pPr algn="ctr"/>
+            <a:r>
+              <a:rPr kumimoji="1" lang="ja-JP" altLang="en-US" sz="2400" b="1" dirty="0">
+                <a:effectLst>
+                  <a:glow rad="101600">
+                    <a:schemeClr val="bg1">
+                      <a:alpha val="60000"/>
+                    </a:schemeClr>
+                  </a:glow>
+                </a:effectLst>
+              </a:rPr>
+              <a:t>使うともとに戻る</a:t>
+            </a:r>
+          </a:p>
+        </p:txBody>
+      </p:sp>
+      <p:sp>
+        <p:nvSpPr>
+          <p:cNvPr id="91" name="テキスト ボックス 90">
+            <a:extLst>
+              <a:ext uri="{FF2B5EF4-FFF2-40B4-BE49-F238E27FC236}">
+                <a16:creationId xmlns:a16="http://schemas.microsoft.com/office/drawing/2014/main" id="{0F957AAC-4901-F92B-DAF5-3E7ADC8CE98B}"/>
+              </a:ext>
+            </a:extLst>
+          </p:cNvPr>
+          <p:cNvSpPr txBox="1"/>
+          <p:nvPr/>
+        </p:nvSpPr>
+        <p:spPr>
+          <a:xfrm>
+            <a:off x="6682503" y="3413959"/>
+            <a:ext cx="3184246" cy="523220"/>
+          </a:xfrm>
+          <a:prstGeom prst="rect">
+            <a:avLst/>
+          </a:prstGeom>
+          <a:noFill/>
+        </p:spPr>
+        <p:txBody>
+          <a:bodyPr wrap="square" rtlCol="0">
+            <a:spAutoFit/>
+          </a:bodyPr>
+          <a:lstStyle/>
+          <a:p>
+            <a:pPr algn="ctr"/>
+            <a:r>
+              <a:rPr lang="ja-JP" altLang="en-US" sz="2800" b="1" dirty="0">
+                <a:effectLst>
+                  <a:glow rad="101600">
+                    <a:schemeClr val="bg1">
+                      <a:alpha val="60000"/>
+                    </a:schemeClr>
+                  </a:glow>
+                </a:effectLst>
+              </a:rPr>
+              <a:t>＜</a:t>
+            </a:r>
+            <a:r>
+              <a:rPr lang="ja-JP" altLang="en-US" sz="2800" b="1" dirty="0">
+                <a:solidFill>
+                  <a:schemeClr val="accent2">
+                    <a:lumMod val="75000"/>
+                  </a:schemeClr>
+                </a:solidFill>
+                <a:effectLst>
+                  <a:glow rad="101600">
+                    <a:schemeClr val="bg1">
+                      <a:alpha val="60000"/>
+                    </a:schemeClr>
+                  </a:glow>
+                </a:effectLst>
+              </a:rPr>
+              <a:t>大きな隕石</a:t>
+            </a:r>
+            <a:r>
+              <a:rPr lang="en-US" altLang="ja-JP" sz="2800" b="1" dirty="0">
+                <a:effectLst>
+                  <a:glow rad="101600">
+                    <a:schemeClr val="bg1">
+                      <a:alpha val="60000"/>
+                    </a:schemeClr>
+                  </a:glow>
+                </a:effectLst>
+              </a:rPr>
+              <a:t>&gt;</a:t>
+            </a:r>
+            <a:endParaRPr kumimoji="1" lang="en-US" altLang="ja-JP" sz="2800" b="1" dirty="0">
+              <a:effectLst>
+                <a:glow rad="101600">
+                  <a:schemeClr val="bg1">
+                    <a:alpha val="60000"/>
+                  </a:schemeClr>
+                </a:glow>
+              </a:effectLst>
+            </a:endParaRPr>
+          </a:p>
+        </p:txBody>
+      </p:sp>
+      <p:cxnSp>
+        <p:nvCxnSpPr>
+          <p:cNvPr id="92" name="直線コネクタ 91">
+            <a:extLst>
+              <a:ext uri="{FF2B5EF4-FFF2-40B4-BE49-F238E27FC236}">
+                <a16:creationId xmlns:a16="http://schemas.microsoft.com/office/drawing/2014/main" id="{3033DFA6-9DD9-2A29-7805-74628A00C16D}"/>
+              </a:ext>
+            </a:extLst>
+          </p:cNvPr>
+          <p:cNvCxnSpPr>
+            <a:cxnSpLocks/>
+          </p:cNvCxnSpPr>
+          <p:nvPr/>
+        </p:nvCxnSpPr>
+        <p:spPr>
+          <a:xfrm>
+            <a:off x="6956896" y="3431506"/>
+            <a:ext cx="0" cy="3274094"/>
+          </a:xfrm>
+          <a:prstGeom prst="line">
+            <a:avLst/>
+          </a:prstGeom>
+        </p:spPr>
+        <p:style>
+          <a:lnRef idx="2">
+            <a:schemeClr val="dk1"/>
+          </a:lnRef>
+          <a:fillRef idx="0">
+            <a:schemeClr val="dk1"/>
+          </a:fillRef>
+          <a:effectRef idx="1">
+            <a:schemeClr val="dk1"/>
+          </a:effectRef>
+          <a:fontRef idx="minor">
+            <a:schemeClr val="tx1"/>
+          </a:fontRef>
+        </p:style>
+      </p:cxnSp>
+      <p:sp>
+        <p:nvSpPr>
+          <p:cNvPr id="94" name="テキスト ボックス 93">
+            <a:extLst>
+              <a:ext uri="{FF2B5EF4-FFF2-40B4-BE49-F238E27FC236}">
+                <a16:creationId xmlns:a16="http://schemas.microsoft.com/office/drawing/2014/main" id="{B503E361-9BF9-2960-1355-F9C44D0782ED}"/>
+              </a:ext>
+            </a:extLst>
+          </p:cNvPr>
+          <p:cNvSpPr txBox="1"/>
+          <p:nvPr/>
+        </p:nvSpPr>
+        <p:spPr>
+          <a:xfrm>
+            <a:off x="961739" y="2149480"/>
+            <a:ext cx="2095099" cy="830997"/>
+          </a:xfrm>
+          <a:prstGeom prst="rect">
+            <a:avLst/>
+          </a:prstGeom>
+          <a:noFill/>
+        </p:spPr>
+        <p:txBody>
+          <a:bodyPr wrap="square" rtlCol="0">
+            <a:spAutoFit/>
+          </a:bodyPr>
+          <a:lstStyle/>
+          <a:p>
+            <a:pPr algn="ctr"/>
+            <a:r>
+              <a:rPr lang="ja-JP" altLang="en-US" sz="2400" b="1" dirty="0">
+                <a:effectLst>
+                  <a:glow rad="101600">
+                    <a:schemeClr val="bg1">
+                      <a:alpha val="60000"/>
+                    </a:schemeClr>
+                  </a:glow>
+                </a:effectLst>
+              </a:rPr>
+              <a:t>宇宙を彷徨う</a:t>
+            </a:r>
+            <a:endParaRPr lang="en-US" altLang="ja-JP" sz="2400" b="1" dirty="0">
+              <a:effectLst>
+                <a:glow rad="101600">
+                  <a:schemeClr val="bg1">
+                    <a:alpha val="60000"/>
+                  </a:schemeClr>
+                </a:glow>
+              </a:effectLst>
+            </a:endParaRPr>
+          </a:p>
+          <a:p>
+            <a:pPr algn="ctr"/>
+            <a:r>
+              <a:rPr lang="ja-JP" altLang="en-US" sz="2400" b="1" dirty="0">
+                <a:effectLst>
+                  <a:glow rad="101600">
+                    <a:schemeClr val="bg1">
+                      <a:alpha val="60000"/>
+                    </a:schemeClr>
+                  </a:glow>
+                </a:effectLst>
+              </a:rPr>
+              <a:t>小さな衛星</a:t>
+            </a:r>
+            <a:endParaRPr kumimoji="1" lang="ja-JP" altLang="en-US" sz="2400" b="1" dirty="0">
+              <a:solidFill>
+                <a:srgbClr val="002060"/>
+              </a:solidFill>
+              <a:effectLst>
+                <a:glow rad="101600">
+                  <a:schemeClr val="bg1">
+                    <a:alpha val="60000"/>
+                  </a:schemeClr>
+                </a:glow>
+              </a:effectLst>
+            </a:endParaRPr>
+          </a:p>
+        </p:txBody>
+      </p:sp>
+      <p:sp>
+        <p:nvSpPr>
+          <p:cNvPr id="95" name="テキスト ボックス 94">
+            <a:extLst>
+              <a:ext uri="{FF2B5EF4-FFF2-40B4-BE49-F238E27FC236}">
+                <a16:creationId xmlns:a16="http://schemas.microsoft.com/office/drawing/2014/main" id="{C602E155-2B8C-9717-A1C4-E4E68B194E80}"/>
+              </a:ext>
+            </a:extLst>
+          </p:cNvPr>
+          <p:cNvSpPr txBox="1"/>
+          <p:nvPr/>
+        </p:nvSpPr>
+        <p:spPr>
+          <a:xfrm>
+            <a:off x="1133058" y="5874603"/>
+            <a:ext cx="4933412" cy="830997"/>
+          </a:xfrm>
+          <a:prstGeom prst="rect">
+            <a:avLst/>
+          </a:prstGeom>
+          <a:noFill/>
+        </p:spPr>
+        <p:txBody>
+          <a:bodyPr wrap="square" rtlCol="0">
+            <a:spAutoFit/>
+          </a:bodyPr>
+          <a:lstStyle/>
+          <a:p>
+            <a:pPr algn="ctr"/>
+            <a:r>
+              <a:rPr lang="ja-JP" altLang="en-US" sz="2400" b="1" dirty="0">
+                <a:effectLst>
+                  <a:glow rad="101600">
+                    <a:schemeClr val="bg1">
+                      <a:alpha val="60000"/>
+                    </a:schemeClr>
+                  </a:glow>
+                </a:effectLst>
+              </a:rPr>
+              <a:t>宿している間は重力が小さくなる</a:t>
+            </a:r>
+            <a:r>
+              <a:rPr lang="en-US" altLang="ja-JP" sz="2400" b="1" dirty="0">
+                <a:effectLst>
+                  <a:glow rad="101600">
+                    <a:schemeClr val="bg1">
+                      <a:alpha val="60000"/>
+                    </a:schemeClr>
+                  </a:glow>
+                </a:effectLst>
+              </a:rPr>
+              <a:t>(</a:t>
+            </a:r>
+            <a:r>
+              <a:rPr lang="ja-JP" altLang="en-US" sz="2400" b="1" dirty="0">
+                <a:effectLst>
+                  <a:glow rad="101600">
+                    <a:schemeClr val="bg1">
+                      <a:alpha val="60000"/>
+                    </a:schemeClr>
+                  </a:glow>
+                </a:effectLst>
+              </a:rPr>
+              <a:t>動きが速くなる</a:t>
+            </a:r>
+            <a:r>
+              <a:rPr lang="en-US" altLang="ja-JP" sz="2400" b="1" dirty="0">
+                <a:effectLst>
+                  <a:glow rad="101600">
+                    <a:schemeClr val="bg1">
+                      <a:alpha val="60000"/>
+                    </a:schemeClr>
+                  </a:glow>
+                </a:effectLst>
+              </a:rPr>
+              <a:t>)</a:t>
+            </a:r>
+            <a:endParaRPr kumimoji="1" lang="ja-JP" altLang="en-US" sz="2400" b="1" dirty="0">
+              <a:effectLst>
+                <a:glow rad="101600">
+                  <a:schemeClr val="bg1">
+                    <a:alpha val="60000"/>
+                  </a:schemeClr>
+                </a:glow>
+              </a:effectLst>
+            </a:endParaRPr>
+          </a:p>
+        </p:txBody>
+      </p:sp>
+      <p:pic>
+        <p:nvPicPr>
+          <p:cNvPr id="97" name="図 96">
+            <a:extLst>
+              <a:ext uri="{FF2B5EF4-FFF2-40B4-BE49-F238E27FC236}">
+                <a16:creationId xmlns:a16="http://schemas.microsoft.com/office/drawing/2014/main" id="{2AFBB03E-4884-F428-37DD-3880E212309F}"/>
+              </a:ext>
+            </a:extLst>
+          </p:cNvPr>
+          <p:cNvPicPr>
+            <a:picLocks noChangeAspect="1"/>
+          </p:cNvPicPr>
+          <p:nvPr/>
+        </p:nvPicPr>
+        <p:blipFill>
+          <a:blip r:embed="rId10">
+            <a:extLst>
+              <a:ext uri="{28A0092B-C50C-407E-A947-70E740481C1C}">
+                <a14:useLocalDpi xmlns:a14="http://schemas.microsoft.com/office/drawing/2010/main" val="0"/>
+              </a:ext>
+            </a:extLst>
+          </a:blip>
+          <a:stretch>
+            <a:fillRect/>
+          </a:stretch>
+        </p:blipFill>
+        <p:spPr>
+          <a:xfrm>
+            <a:off x="6872896" y="4338232"/>
+            <a:ext cx="1954697" cy="1612202"/>
+          </a:xfrm>
+          <a:prstGeom prst="rect">
+            <a:avLst/>
+          </a:prstGeom>
+        </p:spPr>
+      </p:pic>
+      <p:sp>
+        <p:nvSpPr>
+          <p:cNvPr id="98" name="テキスト ボックス 97">
+            <a:extLst>
+              <a:ext uri="{FF2B5EF4-FFF2-40B4-BE49-F238E27FC236}">
+                <a16:creationId xmlns:a16="http://schemas.microsoft.com/office/drawing/2014/main" id="{F2E90EEC-E44D-8751-9CAF-8F8A081DE3E9}"/>
+              </a:ext>
+            </a:extLst>
+          </p:cNvPr>
+          <p:cNvSpPr txBox="1"/>
+          <p:nvPr/>
+        </p:nvSpPr>
+        <p:spPr>
+          <a:xfrm>
+            <a:off x="8522814" y="4082174"/>
+            <a:ext cx="3184244" cy="830997"/>
+          </a:xfrm>
+          <a:prstGeom prst="rect">
+            <a:avLst/>
+          </a:prstGeom>
+          <a:noFill/>
+        </p:spPr>
+        <p:txBody>
+          <a:bodyPr wrap="square" rtlCol="0">
+            <a:spAutoFit/>
+          </a:bodyPr>
+          <a:lstStyle/>
+          <a:p>
+            <a:pPr algn="ctr"/>
+            <a:r>
+              <a:rPr lang="ja-JP" altLang="en-US" sz="2400" b="1" dirty="0">
+                <a:solidFill>
+                  <a:schemeClr val="accent6">
+                    <a:lumMod val="75000"/>
+                  </a:schemeClr>
+                </a:solidFill>
+                <a:effectLst>
+                  <a:glow rad="101600">
+                    <a:schemeClr val="bg1">
+                      <a:alpha val="60000"/>
+                    </a:schemeClr>
+                  </a:glow>
+                </a:effectLst>
+              </a:rPr>
+              <a:t>宇宙ゴミ</a:t>
+            </a:r>
+            <a:r>
+              <a:rPr lang="ja-JP" altLang="en-US" sz="2400" b="1" dirty="0">
+                <a:effectLst>
+                  <a:glow rad="101600">
+                    <a:schemeClr val="bg1">
+                      <a:alpha val="60000"/>
+                    </a:schemeClr>
+                  </a:glow>
+                </a:effectLst>
+              </a:rPr>
+              <a:t>より大きく</a:t>
+            </a:r>
+            <a:endParaRPr lang="en-US" altLang="ja-JP" sz="2400" b="1" dirty="0">
+              <a:effectLst>
+                <a:glow rad="101600">
+                  <a:schemeClr val="bg1">
+                    <a:alpha val="60000"/>
+                  </a:schemeClr>
+                </a:glow>
+              </a:effectLst>
+            </a:endParaRPr>
+          </a:p>
+          <a:p>
+            <a:pPr algn="ctr"/>
+            <a:r>
+              <a:rPr kumimoji="1" lang="ja-JP" altLang="en-US" sz="2400" b="1" dirty="0">
+                <a:effectLst>
+                  <a:glow rad="101600">
+                    <a:schemeClr val="bg1">
+                      <a:alpha val="60000"/>
+                    </a:schemeClr>
+                  </a:glow>
+                </a:effectLst>
+              </a:rPr>
+              <a:t>動きが遅い</a:t>
+            </a:r>
+          </a:p>
+        </p:txBody>
+      </p:sp>
+      <p:sp>
+        <p:nvSpPr>
+          <p:cNvPr id="100" name="テキスト ボックス 99">
+            <a:extLst>
+              <a:ext uri="{FF2B5EF4-FFF2-40B4-BE49-F238E27FC236}">
+                <a16:creationId xmlns:a16="http://schemas.microsoft.com/office/drawing/2014/main" id="{FE3772F4-6F60-9516-EF79-E7C31CEF2C98}"/>
+              </a:ext>
+            </a:extLst>
+          </p:cNvPr>
+          <p:cNvSpPr txBox="1"/>
+          <p:nvPr/>
+        </p:nvSpPr>
+        <p:spPr>
+          <a:xfrm>
+            <a:off x="8512130" y="5314224"/>
+            <a:ext cx="3659251" cy="830997"/>
+          </a:xfrm>
+          <a:prstGeom prst="rect">
+            <a:avLst/>
+          </a:prstGeom>
+          <a:noFill/>
+        </p:spPr>
+        <p:txBody>
+          <a:bodyPr wrap="square" rtlCol="0">
+            <a:spAutoFit/>
+          </a:bodyPr>
+          <a:lstStyle/>
+          <a:p>
+            <a:pPr algn="ctr"/>
+            <a:r>
+              <a:rPr lang="ja-JP" altLang="en-US" sz="2400" b="1" dirty="0">
+                <a:solidFill>
+                  <a:schemeClr val="accent1">
+                    <a:lumMod val="60000"/>
+                    <a:lumOff val="40000"/>
+                  </a:schemeClr>
+                </a:solidFill>
+                <a:effectLst>
+                  <a:glow rad="101600">
+                    <a:schemeClr val="bg1">
+                      <a:alpha val="60000"/>
+                    </a:schemeClr>
+                  </a:glow>
+                </a:effectLst>
+              </a:rPr>
+              <a:t>プレイヤー</a:t>
+            </a:r>
+            <a:r>
+              <a:rPr lang="ja-JP" altLang="en-US" sz="2400" b="1" dirty="0">
+                <a:effectLst>
+                  <a:glow rad="101600">
+                    <a:schemeClr val="bg1">
+                      <a:alpha val="60000"/>
+                    </a:schemeClr>
+                  </a:glow>
+                </a:effectLst>
+              </a:rPr>
+              <a:t>の重力により</a:t>
+            </a:r>
+            <a:endParaRPr lang="en-US" altLang="ja-JP" sz="2400" b="1" dirty="0">
+              <a:effectLst>
+                <a:glow rad="101600">
+                  <a:schemeClr val="bg1">
+                    <a:alpha val="60000"/>
+                  </a:schemeClr>
+                </a:glow>
+              </a:effectLst>
+            </a:endParaRPr>
+          </a:p>
+          <a:p>
+            <a:pPr algn="ctr"/>
+            <a:r>
+              <a:rPr lang="ja-JP" altLang="en-US" sz="2400" b="1" dirty="0">
+                <a:effectLst>
+                  <a:glow rad="101600">
+                    <a:schemeClr val="bg1">
+                      <a:alpha val="60000"/>
+                    </a:schemeClr>
+                  </a:glow>
+                </a:effectLst>
+              </a:rPr>
+              <a:t>少し軌道をかえる</a:t>
+            </a:r>
+            <a:endParaRPr lang="en-US" altLang="ja-JP" sz="2400" b="1" dirty="0">
+              <a:effectLst>
+                <a:glow rad="101600">
+                  <a:schemeClr val="bg1">
+                    <a:alpha val="60000"/>
+                  </a:schemeClr>
+                </a:glow>
+              </a:effectLst>
+            </a:endParaRPr>
+          </a:p>
+        </p:txBody>
+      </p:sp>
+      <p:sp>
+        <p:nvSpPr>
+          <p:cNvPr id="101" name="テキスト ボックス 100">
+            <a:extLst>
+              <a:ext uri="{FF2B5EF4-FFF2-40B4-BE49-F238E27FC236}">
+                <a16:creationId xmlns:a16="http://schemas.microsoft.com/office/drawing/2014/main" id="{2A464FF8-028E-DD73-09C7-D0E5EACE2AD9}"/>
+              </a:ext>
+            </a:extLst>
+          </p:cNvPr>
+          <p:cNvSpPr txBox="1"/>
+          <p:nvPr/>
+        </p:nvSpPr>
+        <p:spPr>
+          <a:xfrm>
+            <a:off x="15491" y="4911346"/>
+            <a:ext cx="1175966" cy="369332"/>
+          </a:xfrm>
+          <a:prstGeom prst="rect">
+            <a:avLst/>
+          </a:prstGeom>
+          <a:noFill/>
+        </p:spPr>
+        <p:txBody>
+          <a:bodyPr wrap="square" rtlCol="0">
+            <a:spAutoFit/>
+          </a:bodyPr>
+          <a:lstStyle/>
+          <a:p>
+            <a:r>
+              <a:rPr lang="ja-JP" altLang="en-US" b="1" dirty="0">
+                <a:effectLst>
+                  <a:glow rad="101600">
+                    <a:schemeClr val="bg1">
+                      <a:alpha val="60000"/>
+                    </a:schemeClr>
+                  </a:glow>
+                </a:effectLst>
+              </a:rPr>
+              <a:t>宿し状態</a:t>
+            </a:r>
+            <a:endParaRPr kumimoji="1" lang="ja-JP" altLang="en-US" dirty="0"/>
+          </a:p>
+        </p:txBody>
+      </p:sp>
+      <p:sp>
+        <p:nvSpPr>
+          <p:cNvPr id="102" name="楕円 101">
+            <a:extLst>
+              <a:ext uri="{FF2B5EF4-FFF2-40B4-BE49-F238E27FC236}">
+                <a16:creationId xmlns:a16="http://schemas.microsoft.com/office/drawing/2014/main" id="{47392549-DBF0-4435-C6F4-2EFC526EB6F3}"/>
+              </a:ext>
+            </a:extLst>
+          </p:cNvPr>
+          <p:cNvSpPr/>
+          <p:nvPr/>
+        </p:nvSpPr>
+        <p:spPr>
+          <a:xfrm>
+            <a:off x="219354" y="5314224"/>
+            <a:ext cx="727472" cy="696937"/>
+          </a:xfrm>
+          <a:prstGeom prst="ellipse">
+            <a:avLst/>
+          </a:prstGeom>
+          <a:solidFill>
+            <a:schemeClr val="accent2">
+              <a:lumMod val="20000"/>
+              <a:lumOff val="80000"/>
+            </a:schemeClr>
+          </a:solidFill>
+          <a:ln w="38100">
+            <a:solidFill>
+              <a:srgbClr val="FF0000"/>
+            </a:solidFill>
+          </a:ln>
+          <a:effectLst>
+            <a:glow rad="63500">
+              <a:srgbClr val="FF0000">
+                <a:alpha val="40000"/>
+              </a:srgbClr>
+            </a:glow>
+          </a:effectLst>
+        </p:spPr>
+        <p:style>
+          <a:lnRef idx="2">
+            <a:schemeClr val="accent1">
+              <a:shade val="15000"/>
+            </a:schemeClr>
+          </a:lnRef>
+          <a:fillRef idx="1">
+            <a:schemeClr val="accent1"/>
+          </a:fillRef>
+          <a:effectRef idx="0">
+            <a:schemeClr val="accent1"/>
+          </a:effectRef>
+          <a:fontRef idx="minor">
+            <a:schemeClr val="lt1"/>
+          </a:fontRef>
+        </p:style>
+        <p:txBody>
+          <a:bodyPr rtlCol="0" anchor="ctr"/>
+          <a:lstStyle/>
+          <a:p>
+            <a:pPr algn="ctr"/>
+            <a:endParaRPr kumimoji="1" lang="ja-JP" altLang="en-US" dirty="0"/>
+          </a:p>
+        </p:txBody>
+      </p:sp>
+      <p:sp>
+        <p:nvSpPr>
+          <p:cNvPr id="103" name="テキスト ボックス 102">
+            <a:extLst>
+              <a:ext uri="{FF2B5EF4-FFF2-40B4-BE49-F238E27FC236}">
+                <a16:creationId xmlns:a16="http://schemas.microsoft.com/office/drawing/2014/main" id="{1C6B6BAA-1BB1-55F8-8B6C-3B083A667B31}"/>
+              </a:ext>
+            </a:extLst>
+          </p:cNvPr>
+          <p:cNvSpPr txBox="1"/>
+          <p:nvPr/>
+        </p:nvSpPr>
+        <p:spPr>
+          <a:xfrm>
+            <a:off x="45374" y="6134012"/>
+            <a:ext cx="1175966" cy="369332"/>
+          </a:xfrm>
+          <a:prstGeom prst="rect">
+            <a:avLst/>
+          </a:prstGeom>
+          <a:noFill/>
+        </p:spPr>
+        <p:txBody>
+          <a:bodyPr wrap="square" rtlCol="0">
+            <a:spAutoFit/>
+          </a:bodyPr>
+          <a:lstStyle/>
+          <a:p>
+            <a:r>
+              <a:rPr lang="ja-JP" altLang="en-US" b="1" dirty="0">
+                <a:effectLst>
+                  <a:glow rad="101600">
+                    <a:schemeClr val="bg1">
+                      <a:alpha val="60000"/>
+                    </a:schemeClr>
+                  </a:glow>
+                </a:effectLst>
+              </a:rPr>
+              <a:t>発動状態</a:t>
+            </a:r>
+            <a:endParaRPr kumimoji="1" lang="ja-JP" altLang="en-US" dirty="0"/>
+          </a:p>
+        </p:txBody>
+      </p:sp>
+    </p:spTree>
+    <p:extLst>
+      <p:ext uri="{BB962C8B-B14F-4D97-AF65-F5344CB8AC3E}">
+        <p14:creationId xmlns:p14="http://schemas.microsoft.com/office/powerpoint/2010/main" val="2213029950"/>
+      </p:ext>
+    </p:extLst>
+  </p:cSld>
+  <p:clrMapOvr>
+    <a:masterClrMapping/>
+  </p:clrMapOvr>
+</p:sld>
+</file>
+
+<file path=ppt/slides/slide3.xml><?xml version="1.0" encoding="utf-8"?>
+<p:sld xmlns:a="http://schemas.openxmlformats.org/drawingml/2006/main" xmlns:r="http://schemas.openxmlformats.org/officeDocument/2006/relationships" xmlns:p="http://schemas.openxmlformats.org/presentationml/2006/main">
+  <p:cSld>
+    <p:spTree>
+      <p:nvGrpSpPr>
+        <p:cNvPr id="1" name=""/>
+        <p:cNvGrpSpPr/>
+        <p:nvPr/>
+      </p:nvGrpSpPr>
+      <p:grpSpPr>
+        <a:xfrm>
+          <a:off x="0" y="0"/>
+          <a:ext cx="0" cy="0"/>
+          <a:chOff x="0" y="0"/>
+          <a:chExt cx="0" cy="0"/>
+        </a:xfrm>
+      </p:grpSpPr>
+      <p:grpSp>
+        <p:nvGrpSpPr>
+          <p:cNvPr id="4" name="グループ化 3">
+            <a:extLst>
+              <a:ext uri="{FF2B5EF4-FFF2-40B4-BE49-F238E27FC236}">
+                <a16:creationId xmlns:a16="http://schemas.microsoft.com/office/drawing/2014/main" id="{7C0EF147-98E9-1AC3-964D-46BD56AC8B5F}"/>
+              </a:ext>
+            </a:extLst>
+          </p:cNvPr>
+          <p:cNvGrpSpPr/>
+          <p:nvPr/>
+        </p:nvGrpSpPr>
+        <p:grpSpPr>
+          <a:xfrm>
+            <a:off x="116530" y="943760"/>
+            <a:ext cx="3249647" cy="1991368"/>
+            <a:chOff x="4667996" y="3702639"/>
+            <a:chExt cx="4096720" cy="2399809"/>
+          </a:xfrm>
+        </p:grpSpPr>
+        <p:pic>
+          <p:nvPicPr>
+            <p:cNvPr id="5" name="図 4" descr="星と惑星のcg&#10;&#10;AI によって生成されたコンテンツは間違っている可能性があります。">
+              <a:extLst>
+                <a:ext uri="{FF2B5EF4-FFF2-40B4-BE49-F238E27FC236}">
+                  <a16:creationId xmlns:a16="http://schemas.microsoft.com/office/drawing/2014/main" id="{CE7798A1-1BD1-6DF4-55C9-9C96288378F1}"/>
+                </a:ext>
+              </a:extLst>
+            </p:cNvPr>
+            <p:cNvPicPr>
+              <a:picLocks noChangeAspect="1"/>
+            </p:cNvPicPr>
+            <p:nvPr/>
+          </p:nvPicPr>
+          <p:blipFill>
+            <a:blip r:embed="rId2">
+              <a:alphaModFix amt="60000"/>
+              <a:extLst>
+                <a:ext uri="{28A0092B-C50C-407E-A947-70E740481C1C}">
+                  <a14:useLocalDpi xmlns:a14="http://schemas.microsoft.com/office/drawing/2010/main" val="0"/>
+                </a:ext>
+              </a:extLst>
+            </a:blip>
+            <a:stretch>
+              <a:fillRect/>
+            </a:stretch>
+          </p:blipFill>
+          <p:spPr>
+            <a:xfrm>
+              <a:off x="4667996" y="3718395"/>
+              <a:ext cx="4087435" cy="2384053"/>
+            </a:xfrm>
+            <a:prstGeom prst="rect">
+              <a:avLst/>
+            </a:prstGeom>
+          </p:spPr>
+        </p:pic>
+        <p:sp>
+          <p:nvSpPr>
+            <p:cNvPr id="6" name="矢印: 上 5">
+              <a:extLst>
+                <a:ext uri="{FF2B5EF4-FFF2-40B4-BE49-F238E27FC236}">
+                  <a16:creationId xmlns:a16="http://schemas.microsoft.com/office/drawing/2014/main" id="{AF7B82F1-E807-0605-D4B6-AABC367E2BD4}"/>
+                </a:ext>
+              </a:extLst>
+            </p:cNvPr>
+            <p:cNvSpPr/>
+            <p:nvPr/>
+          </p:nvSpPr>
+          <p:spPr>
+            <a:xfrm rot="10800000">
+              <a:off x="6509091" y="4659920"/>
+              <a:ext cx="282596" cy="1349317"/>
+            </a:xfrm>
+            <a:prstGeom prst="upArrow">
+              <a:avLst/>
+            </a:prstGeom>
+            <a:solidFill>
+              <a:schemeClr val="accent4"/>
+            </a:solidFill>
+          </p:spPr>
+          <p:style>
+            <a:lnRef idx="2">
+              <a:schemeClr val="dk1">
+                <a:shade val="15000"/>
+              </a:schemeClr>
+            </a:lnRef>
+            <a:fillRef idx="1">
+              <a:schemeClr val="dk1"/>
+            </a:fillRef>
+            <a:effectRef idx="0">
+              <a:schemeClr val="dk1"/>
+            </a:effectRef>
+            <a:fontRef idx="minor">
+              <a:schemeClr val="lt1"/>
+            </a:fontRef>
+          </p:style>
+          <p:txBody>
+            <a:bodyPr rtlCol="0" anchor="ctr"/>
+            <a:lstStyle/>
+            <a:p>
+              <a:pPr algn="ctr"/>
+              <a:endParaRPr kumimoji="1" lang="ja-JP" altLang="en-US" dirty="0"/>
+            </a:p>
+          </p:txBody>
+        </p:sp>
+        <p:sp>
+          <p:nvSpPr>
+            <p:cNvPr id="7" name="正方形/長方形 6">
+              <a:extLst>
+                <a:ext uri="{FF2B5EF4-FFF2-40B4-BE49-F238E27FC236}">
+                  <a16:creationId xmlns:a16="http://schemas.microsoft.com/office/drawing/2014/main" id="{4E32591A-2B67-E288-7578-85E9FE2B8FCD}"/>
+                </a:ext>
+              </a:extLst>
+            </p:cNvPr>
+            <p:cNvSpPr/>
+            <p:nvPr/>
+          </p:nvSpPr>
+          <p:spPr>
+            <a:xfrm>
+              <a:off x="4677281" y="3702639"/>
+              <a:ext cx="4087435" cy="2384053"/>
+            </a:xfrm>
+            <a:prstGeom prst="rect">
+              <a:avLst/>
+            </a:prstGeom>
+            <a:noFill/>
+            <a:ln w="57150" cap="flat" cmpd="sng" algn="ctr">
+              <a:solidFill>
+                <a:schemeClr val="dk1"/>
+              </a:solidFill>
+              <a:prstDash val="solid"/>
+              <a:round/>
+              <a:headEnd type="none" w="med" len="med"/>
+              <a:tailEnd type="none" w="med" len="med"/>
+            </a:ln>
+          </p:spPr>
+          <p:style>
+            <a:lnRef idx="0">
+              <a:scrgbClr r="0" g="0" b="0"/>
+            </a:lnRef>
+            <a:fillRef idx="0">
+              <a:scrgbClr r="0" g="0" b="0"/>
+            </a:fillRef>
+            <a:effectRef idx="0">
+              <a:scrgbClr r="0" g="0" b="0"/>
+            </a:effectRef>
+            <a:fontRef idx="minor">
+              <a:schemeClr val="dk1"/>
+            </a:fontRef>
+          </p:style>
+          <p:txBody>
+            <a:bodyPr rtlCol="0" anchor="ctr"/>
+            <a:lstStyle/>
+            <a:p>
+              <a:pPr algn="ctr"/>
+              <a:endParaRPr kumimoji="1" lang="ja-JP" altLang="en-US"/>
+            </a:p>
+          </p:txBody>
+        </p:sp>
+        <p:sp>
+          <p:nvSpPr>
+            <p:cNvPr id="8" name="楕円 7">
+              <a:extLst>
+                <a:ext uri="{FF2B5EF4-FFF2-40B4-BE49-F238E27FC236}">
+                  <a16:creationId xmlns:a16="http://schemas.microsoft.com/office/drawing/2014/main" id="{C13457EC-2E84-AD9A-9BE2-469F87A5228D}"/>
+                </a:ext>
+              </a:extLst>
+            </p:cNvPr>
+            <p:cNvSpPr/>
+            <p:nvPr/>
+          </p:nvSpPr>
+          <p:spPr>
+            <a:xfrm>
+              <a:off x="6447965" y="5132942"/>
+              <a:ext cx="404848" cy="403271"/>
+            </a:xfrm>
+            <a:prstGeom prst="ellipse">
+              <a:avLst/>
+            </a:prstGeom>
+            <a:solidFill>
+              <a:schemeClr val="bg1"/>
+            </a:solidFill>
+            <a:ln w="38100">
+              <a:solidFill>
+                <a:schemeClr val="accent1">
+                  <a:lumMod val="60000"/>
+                  <a:lumOff val="40000"/>
+                </a:schemeClr>
+              </a:solidFill>
+            </a:ln>
+          </p:spPr>
+          <p:style>
+            <a:lnRef idx="2">
+              <a:schemeClr val="accent1">
+                <a:shade val="15000"/>
+              </a:schemeClr>
+            </a:lnRef>
+            <a:fillRef idx="1">
+              <a:schemeClr val="accent1"/>
+            </a:fillRef>
+            <a:effectRef idx="0">
+              <a:schemeClr val="accent1"/>
+            </a:effectRef>
+            <a:fontRef idx="minor">
+              <a:schemeClr val="lt1"/>
+            </a:fontRef>
+          </p:style>
+          <p:txBody>
+            <a:bodyPr rtlCol="0" anchor="ctr"/>
+            <a:lstStyle/>
+            <a:p>
+              <a:pPr algn="ctr"/>
+              <a:endParaRPr kumimoji="1" lang="ja-JP" altLang="en-US"/>
+            </a:p>
+          </p:txBody>
+        </p:sp>
+        <p:pic>
+          <p:nvPicPr>
+            <p:cNvPr id="9" name="グラフィックス 8" descr="チェック マーク 単色塗りつぶし">
+              <a:extLst>
+                <a:ext uri="{FF2B5EF4-FFF2-40B4-BE49-F238E27FC236}">
+                  <a16:creationId xmlns:a16="http://schemas.microsoft.com/office/drawing/2014/main" id="{D287E518-C391-7610-F74E-EAAFB3F0DD2A}"/>
+                </a:ext>
+              </a:extLst>
+            </p:cNvPr>
+            <p:cNvPicPr>
+              <a:picLocks noChangeAspect="1"/>
+            </p:cNvPicPr>
+            <p:nvPr/>
+          </p:nvPicPr>
+          <p:blipFill>
+            <a:blip r:embed="rId3">
+              <a:extLst>
+                <a:ext uri="{96DAC541-7B7A-43D3-8B79-37D633B846F1}">
+                  <asvg:svgBlip xmlns:asvg="http://schemas.microsoft.com/office/drawing/2016/SVG/main" r:embed="rId4"/>
+                </a:ext>
+              </a:extLst>
+            </a:blip>
+            <a:stretch>
+              <a:fillRect/>
+            </a:stretch>
+          </p:blipFill>
+          <p:spPr>
+            <a:xfrm rot="3631528">
+              <a:off x="4820792" y="5417775"/>
+              <a:ext cx="457200" cy="457200"/>
+            </a:xfrm>
+            <a:prstGeom prst="rect">
+              <a:avLst/>
+            </a:prstGeom>
+          </p:spPr>
+        </p:pic>
+        <p:pic>
+          <p:nvPicPr>
+            <p:cNvPr id="10" name="グラフィックス 9" descr="下弦の月 単色塗りつぶし">
+              <a:extLst>
+                <a:ext uri="{FF2B5EF4-FFF2-40B4-BE49-F238E27FC236}">
+                  <a16:creationId xmlns:a16="http://schemas.microsoft.com/office/drawing/2014/main" id="{59E5F8CB-9C5A-E9D0-0E62-6E59C5C68342}"/>
+                </a:ext>
+              </a:extLst>
+            </p:cNvPr>
+            <p:cNvPicPr>
+              <a:picLocks noChangeAspect="1"/>
+            </p:cNvPicPr>
+            <p:nvPr/>
+          </p:nvPicPr>
+          <p:blipFill>
+            <a:blip r:embed="rId5">
+              <a:extLst>
+                <a:ext uri="{96DAC541-7B7A-43D3-8B79-37D633B846F1}">
+                  <asvg:svgBlip xmlns:asvg="http://schemas.microsoft.com/office/drawing/2016/SVG/main" r:embed="rId6"/>
+                </a:ext>
+              </a:extLst>
+            </a:blip>
+            <a:stretch>
+              <a:fillRect/>
+            </a:stretch>
+          </p:blipFill>
+          <p:spPr>
+            <a:xfrm>
+              <a:off x="7404197" y="3903015"/>
+              <a:ext cx="457200" cy="457200"/>
+            </a:xfrm>
+            <a:prstGeom prst="rect">
+              <a:avLst/>
+            </a:prstGeom>
+          </p:spPr>
+        </p:pic>
+        <p:pic>
+          <p:nvPicPr>
+            <p:cNvPr id="11" name="グラフィックス 10" descr="ノコ刃 単色塗りつぶし">
+              <a:extLst>
+                <a:ext uri="{FF2B5EF4-FFF2-40B4-BE49-F238E27FC236}">
+                  <a16:creationId xmlns:a16="http://schemas.microsoft.com/office/drawing/2014/main" id="{99854711-CA34-047D-DB95-38881A35F1E1}"/>
+                </a:ext>
+              </a:extLst>
+            </p:cNvPr>
+            <p:cNvPicPr>
+              <a:picLocks noChangeAspect="1"/>
+            </p:cNvPicPr>
+            <p:nvPr/>
+          </p:nvPicPr>
+          <p:blipFill>
+            <a:blip r:embed="rId7">
+              <a:extLst>
+                <a:ext uri="{96DAC541-7B7A-43D3-8B79-37D633B846F1}">
+                  <asvg:svgBlip xmlns:asvg="http://schemas.microsoft.com/office/drawing/2016/SVG/main" r:embed="rId8"/>
+                </a:ext>
+              </a:extLst>
+            </a:blip>
+            <a:stretch>
+              <a:fillRect/>
+            </a:stretch>
+          </p:blipFill>
+          <p:spPr>
+            <a:xfrm>
+              <a:off x="7544960" y="4867723"/>
+              <a:ext cx="457200" cy="457200"/>
+            </a:xfrm>
+            <a:prstGeom prst="rect">
+              <a:avLst/>
+            </a:prstGeom>
+          </p:spPr>
+        </p:pic>
+        <p:pic>
+          <p:nvPicPr>
+            <p:cNvPr id="12" name="グラフィックス 11" descr="二十六夜の月 単色塗りつぶし">
+              <a:extLst>
+                <a:ext uri="{FF2B5EF4-FFF2-40B4-BE49-F238E27FC236}">
+                  <a16:creationId xmlns:a16="http://schemas.microsoft.com/office/drawing/2014/main" id="{30953BE0-E50F-7D27-5175-50C87D3D0DBD}"/>
+                </a:ext>
+              </a:extLst>
+            </p:cNvPr>
+            <p:cNvPicPr>
+              <a:picLocks noChangeAspect="1"/>
+            </p:cNvPicPr>
+            <p:nvPr/>
+          </p:nvPicPr>
+          <p:blipFill>
+            <a:blip r:embed="rId9">
+              <a:extLst>
+                <a:ext uri="{96DAC541-7B7A-43D3-8B79-37D633B846F1}">
+                  <asvg:svgBlip xmlns:asvg="http://schemas.microsoft.com/office/drawing/2016/SVG/main" r:embed="rId10"/>
+                </a:ext>
+              </a:extLst>
+            </a:blip>
+            <a:stretch>
+              <a:fillRect/>
+            </a:stretch>
+          </p:blipFill>
+          <p:spPr>
+            <a:xfrm>
+              <a:off x="4778123" y="4080613"/>
+              <a:ext cx="457200" cy="457200"/>
+            </a:xfrm>
+            <a:prstGeom prst="rect">
+              <a:avLst/>
+            </a:prstGeom>
+          </p:spPr>
+        </p:pic>
+      </p:grpSp>
+      <p:grpSp>
+        <p:nvGrpSpPr>
+          <p:cNvPr id="13" name="グループ化 12">
+            <a:extLst>
+              <a:ext uri="{FF2B5EF4-FFF2-40B4-BE49-F238E27FC236}">
+                <a16:creationId xmlns:a16="http://schemas.microsoft.com/office/drawing/2014/main" id="{1E548978-8CF9-F5B1-5891-4FAA24F253B0}"/>
+              </a:ext>
+            </a:extLst>
+          </p:cNvPr>
+          <p:cNvGrpSpPr/>
+          <p:nvPr/>
+        </p:nvGrpSpPr>
+        <p:grpSpPr>
+          <a:xfrm>
+            <a:off x="167865" y="4231743"/>
+            <a:ext cx="3174126" cy="1965443"/>
+            <a:chOff x="232085" y="3700663"/>
+            <a:chExt cx="4087437" cy="2386030"/>
+          </a:xfrm>
+        </p:grpSpPr>
+        <p:pic>
+          <p:nvPicPr>
+            <p:cNvPr id="14" name="図 13" descr="星と惑星のcg&#10;&#10;AI によって生成されたコンテンツは間違っている可能性があります。">
+              <a:extLst>
+                <a:ext uri="{FF2B5EF4-FFF2-40B4-BE49-F238E27FC236}">
+                  <a16:creationId xmlns:a16="http://schemas.microsoft.com/office/drawing/2014/main" id="{1150D3AD-84E8-B444-5B51-C6DAAE5E21B2}"/>
+                </a:ext>
+              </a:extLst>
+            </p:cNvPr>
+            <p:cNvPicPr>
+              <a:picLocks noChangeAspect="1"/>
+            </p:cNvPicPr>
+            <p:nvPr/>
+          </p:nvPicPr>
+          <p:blipFill>
+            <a:blip r:embed="rId2">
+              <a:alphaModFix amt="60000"/>
+              <a:extLst>
+                <a:ext uri="{28A0092B-C50C-407E-A947-70E740481C1C}">
+                  <a14:useLocalDpi xmlns:a14="http://schemas.microsoft.com/office/drawing/2010/main" val="0"/>
+                </a:ext>
+              </a:extLst>
+            </a:blip>
+            <a:stretch>
+              <a:fillRect/>
+            </a:stretch>
+          </p:blipFill>
+          <p:spPr>
+            <a:xfrm>
+              <a:off x="232085" y="3700663"/>
+              <a:ext cx="4087435" cy="2384053"/>
+            </a:xfrm>
+            <a:prstGeom prst="rect">
+              <a:avLst/>
+            </a:prstGeom>
+          </p:spPr>
+        </p:pic>
+        <p:sp>
+          <p:nvSpPr>
+            <p:cNvPr id="15" name="矢印: 上 14">
+              <a:extLst>
+                <a:ext uri="{FF2B5EF4-FFF2-40B4-BE49-F238E27FC236}">
+                  <a16:creationId xmlns:a16="http://schemas.microsoft.com/office/drawing/2014/main" id="{C52011A6-7F9A-912D-21DE-4D0CE69A8247}"/>
+                </a:ext>
+              </a:extLst>
+            </p:cNvPr>
+            <p:cNvSpPr/>
+            <p:nvPr/>
+          </p:nvSpPr>
+          <p:spPr>
+            <a:xfrm>
+              <a:off x="2101975" y="3824234"/>
+              <a:ext cx="334667" cy="1766510"/>
+            </a:xfrm>
+            <a:prstGeom prst="upArrow">
+              <a:avLst/>
+            </a:prstGeom>
+            <a:solidFill>
+              <a:srgbClr val="FF0000"/>
+            </a:solidFill>
+          </p:spPr>
+          <p:style>
+            <a:lnRef idx="2">
+              <a:schemeClr val="dk1">
+                <a:shade val="15000"/>
+              </a:schemeClr>
+            </a:lnRef>
+            <a:fillRef idx="1">
+              <a:schemeClr val="dk1"/>
+            </a:fillRef>
+            <a:effectRef idx="0">
+              <a:schemeClr val="dk1"/>
+            </a:effectRef>
+            <a:fontRef idx="minor">
+              <a:schemeClr val="lt1"/>
+            </a:fontRef>
+          </p:style>
+          <p:txBody>
+            <a:bodyPr rtlCol="0" anchor="ctr"/>
+            <a:lstStyle/>
+            <a:p>
+              <a:pPr algn="ctr"/>
+              <a:endParaRPr kumimoji="1" lang="ja-JP" altLang="en-US" dirty="0"/>
+            </a:p>
+          </p:txBody>
+        </p:sp>
+        <p:sp>
+          <p:nvSpPr>
+            <p:cNvPr id="16" name="正方形/長方形 15">
+              <a:extLst>
+                <a:ext uri="{FF2B5EF4-FFF2-40B4-BE49-F238E27FC236}">
+                  <a16:creationId xmlns:a16="http://schemas.microsoft.com/office/drawing/2014/main" id="{321BACF0-7C5E-46DF-D311-394037DD4A9A}"/>
+                </a:ext>
+              </a:extLst>
+            </p:cNvPr>
+            <p:cNvSpPr/>
+            <p:nvPr/>
+          </p:nvSpPr>
+          <p:spPr>
+            <a:xfrm>
+              <a:off x="232087" y="3702640"/>
+              <a:ext cx="4087435" cy="2384053"/>
+            </a:xfrm>
+            <a:prstGeom prst="rect">
+              <a:avLst/>
+            </a:prstGeom>
+            <a:noFill/>
+            <a:ln w="57150" cap="flat" cmpd="sng" algn="ctr">
+              <a:solidFill>
+                <a:schemeClr val="dk1"/>
+              </a:solidFill>
+              <a:prstDash val="solid"/>
+              <a:round/>
+              <a:headEnd type="none" w="med" len="med"/>
+              <a:tailEnd type="none" w="med" len="med"/>
+            </a:ln>
+          </p:spPr>
+          <p:style>
+            <a:lnRef idx="0">
+              <a:scrgbClr r="0" g="0" b="0"/>
+            </a:lnRef>
+            <a:fillRef idx="0">
+              <a:scrgbClr r="0" g="0" b="0"/>
+            </a:fillRef>
+            <a:effectRef idx="0">
+              <a:scrgbClr r="0" g="0" b="0"/>
+            </a:effectRef>
+            <a:fontRef idx="minor">
+              <a:schemeClr val="dk1"/>
+            </a:fontRef>
+          </p:style>
+          <p:txBody>
+            <a:bodyPr rtlCol="0" anchor="ctr"/>
+            <a:lstStyle/>
+            <a:p>
+              <a:pPr algn="ctr"/>
+              <a:endParaRPr kumimoji="1" lang="ja-JP" altLang="en-US"/>
+            </a:p>
+          </p:txBody>
+        </p:sp>
+        <p:sp>
+          <p:nvSpPr>
+            <p:cNvPr id="17" name="楕円 16">
+              <a:extLst>
+                <a:ext uri="{FF2B5EF4-FFF2-40B4-BE49-F238E27FC236}">
+                  <a16:creationId xmlns:a16="http://schemas.microsoft.com/office/drawing/2014/main" id="{F642F748-8567-5AB2-7B3D-BF26A5B35E71}"/>
+                </a:ext>
+              </a:extLst>
+            </p:cNvPr>
+            <p:cNvSpPr/>
+            <p:nvPr/>
+          </p:nvSpPr>
+          <p:spPr>
+            <a:xfrm>
+              <a:off x="2073380" y="4517969"/>
+              <a:ext cx="404848" cy="403271"/>
+            </a:xfrm>
+            <a:prstGeom prst="ellipse">
+              <a:avLst/>
+            </a:prstGeom>
+            <a:solidFill>
+              <a:schemeClr val="bg1"/>
+            </a:solidFill>
+            <a:ln w="38100">
+              <a:solidFill>
+                <a:schemeClr val="accent1">
+                  <a:lumMod val="60000"/>
+                  <a:lumOff val="40000"/>
+                </a:schemeClr>
+              </a:solidFill>
+            </a:ln>
+          </p:spPr>
+          <p:style>
+            <a:lnRef idx="2">
+              <a:schemeClr val="accent1">
+                <a:shade val="15000"/>
+              </a:schemeClr>
+            </a:lnRef>
+            <a:fillRef idx="1">
+              <a:schemeClr val="accent1"/>
+            </a:fillRef>
+            <a:effectRef idx="0">
+              <a:schemeClr val="accent1"/>
+            </a:effectRef>
+            <a:fontRef idx="minor">
+              <a:schemeClr val="lt1"/>
+            </a:fontRef>
+          </p:style>
+          <p:txBody>
+            <a:bodyPr rtlCol="0" anchor="ctr"/>
+            <a:lstStyle/>
+            <a:p>
+              <a:pPr algn="ctr"/>
+              <a:endParaRPr kumimoji="1" lang="ja-JP" altLang="en-US"/>
+            </a:p>
+          </p:txBody>
+        </p:sp>
+        <p:pic>
+          <p:nvPicPr>
+            <p:cNvPr id="18" name="グラフィックス 17" descr="アリ 単色塗りつぶし">
+              <a:extLst>
+                <a:ext uri="{FF2B5EF4-FFF2-40B4-BE49-F238E27FC236}">
+                  <a16:creationId xmlns:a16="http://schemas.microsoft.com/office/drawing/2014/main" id="{180D19A6-0986-0DAD-3046-DA9A38B19A9C}"/>
+                </a:ext>
+              </a:extLst>
+            </p:cNvPr>
+            <p:cNvPicPr>
+              <a:picLocks noChangeAspect="1"/>
+            </p:cNvPicPr>
+            <p:nvPr/>
+          </p:nvPicPr>
+          <p:blipFill>
+            <a:blip r:embed="rId11">
+              <a:extLst>
+                <a:ext uri="{96DAC541-7B7A-43D3-8B79-37D633B846F1}">
+                  <asvg:svgBlip xmlns:asvg="http://schemas.microsoft.com/office/drawing/2016/SVG/main" r:embed="rId12"/>
+                </a:ext>
+              </a:extLst>
+            </a:blip>
+            <a:stretch>
+              <a:fillRect/>
+            </a:stretch>
+          </p:blipFill>
+          <p:spPr>
+            <a:xfrm rot="16200000">
+              <a:off x="2720998" y="4383957"/>
+              <a:ext cx="457200" cy="457200"/>
+            </a:xfrm>
+            <a:prstGeom prst="rect">
+              <a:avLst/>
+            </a:prstGeom>
+          </p:spPr>
+        </p:pic>
+        <p:pic>
+          <p:nvPicPr>
+            <p:cNvPr id="19" name="グラフィックス 18" descr="木星 単色塗りつぶし">
+              <a:extLst>
+                <a:ext uri="{FF2B5EF4-FFF2-40B4-BE49-F238E27FC236}">
+                  <a16:creationId xmlns:a16="http://schemas.microsoft.com/office/drawing/2014/main" id="{8ADB3F2B-DFD4-EE42-C787-468B20A90003}"/>
+                </a:ext>
+              </a:extLst>
+            </p:cNvPr>
+            <p:cNvPicPr>
+              <a:picLocks noChangeAspect="1"/>
+            </p:cNvPicPr>
+            <p:nvPr/>
+          </p:nvPicPr>
+          <p:blipFill>
+            <a:blip r:embed="rId13">
+              <a:extLst>
+                <a:ext uri="{96DAC541-7B7A-43D3-8B79-37D633B846F1}">
+                  <asvg:svgBlip xmlns:asvg="http://schemas.microsoft.com/office/drawing/2016/SVG/main" r:embed="rId14"/>
+                </a:ext>
+              </a:extLst>
+            </a:blip>
+            <a:stretch>
+              <a:fillRect/>
+            </a:stretch>
+          </p:blipFill>
+          <p:spPr>
+            <a:xfrm>
+              <a:off x="3584840" y="3852013"/>
+              <a:ext cx="457200" cy="457200"/>
+            </a:xfrm>
+            <a:prstGeom prst="rect">
+              <a:avLst/>
+            </a:prstGeom>
+          </p:spPr>
+        </p:pic>
+        <p:pic>
+          <p:nvPicPr>
+            <p:cNvPr id="20" name="グラフィックス 19" descr="レイヤー (デザイン) 単色塗りつぶし">
+              <a:extLst>
+                <a:ext uri="{FF2B5EF4-FFF2-40B4-BE49-F238E27FC236}">
+                  <a16:creationId xmlns:a16="http://schemas.microsoft.com/office/drawing/2014/main" id="{EE829DD5-F1BF-8740-596B-42EEC0ADAFD8}"/>
+                </a:ext>
+              </a:extLst>
+            </p:cNvPr>
+            <p:cNvPicPr>
+              <a:picLocks noChangeAspect="1"/>
+            </p:cNvPicPr>
+            <p:nvPr/>
+          </p:nvPicPr>
+          <p:blipFill>
+            <a:blip r:embed="rId15">
+              <a:extLst>
+                <a:ext uri="{96DAC541-7B7A-43D3-8B79-37D633B846F1}">
+                  <asvg:svgBlip xmlns:asvg="http://schemas.microsoft.com/office/drawing/2016/SVG/main" r:embed="rId16"/>
+                </a:ext>
+              </a:extLst>
+            </a:blip>
+            <a:stretch>
+              <a:fillRect/>
+            </a:stretch>
+          </p:blipFill>
+          <p:spPr>
+            <a:xfrm rot="6667307">
+              <a:off x="409359" y="5468451"/>
+              <a:ext cx="457200" cy="457200"/>
+            </a:xfrm>
+            <a:prstGeom prst="rect">
+              <a:avLst/>
+            </a:prstGeom>
+          </p:spPr>
+        </p:pic>
+        <p:pic>
+          <p:nvPicPr>
+            <p:cNvPr id="21" name="グラフィックス 20" descr="金星 単色塗りつぶし">
+              <a:extLst>
+                <a:ext uri="{FF2B5EF4-FFF2-40B4-BE49-F238E27FC236}">
+                  <a16:creationId xmlns:a16="http://schemas.microsoft.com/office/drawing/2014/main" id="{6B57421E-CC55-8726-1F6A-DD6E902522CF}"/>
+                </a:ext>
+              </a:extLst>
+            </p:cNvPr>
+            <p:cNvPicPr>
+              <a:picLocks noChangeAspect="1"/>
+            </p:cNvPicPr>
+            <p:nvPr/>
+          </p:nvPicPr>
+          <p:blipFill>
+            <a:blip r:embed="rId17">
+              <a:extLst>
+                <a:ext uri="{96DAC541-7B7A-43D3-8B79-37D633B846F1}">
+                  <asvg:svgBlip xmlns:asvg="http://schemas.microsoft.com/office/drawing/2016/SVG/main" r:embed="rId18"/>
+                </a:ext>
+              </a:extLst>
+            </a:blip>
+            <a:stretch>
+              <a:fillRect/>
+            </a:stretch>
+          </p:blipFill>
+          <p:spPr>
+            <a:xfrm>
+              <a:off x="3227461" y="5336990"/>
+              <a:ext cx="457200" cy="457200"/>
+            </a:xfrm>
+            <a:prstGeom prst="rect">
+              <a:avLst/>
+            </a:prstGeom>
+          </p:spPr>
+        </p:pic>
+        <p:pic>
+          <p:nvPicPr>
+            <p:cNvPr id="22" name="グラフィックス 21" descr="水星 単色塗りつぶし">
+              <a:extLst>
+                <a:ext uri="{FF2B5EF4-FFF2-40B4-BE49-F238E27FC236}">
+                  <a16:creationId xmlns:a16="http://schemas.microsoft.com/office/drawing/2014/main" id="{1C1BE777-459A-861A-9D74-AD7619806023}"/>
+                </a:ext>
+              </a:extLst>
+            </p:cNvPr>
+            <p:cNvPicPr>
+              <a:picLocks noChangeAspect="1"/>
+            </p:cNvPicPr>
+            <p:nvPr/>
+          </p:nvPicPr>
+          <p:blipFill>
+            <a:blip r:embed="rId19">
+              <a:extLst>
+                <a:ext uri="{96DAC541-7B7A-43D3-8B79-37D633B846F1}">
+                  <asvg:svgBlip xmlns:asvg="http://schemas.microsoft.com/office/drawing/2016/SVG/main" r:embed="rId20"/>
+                </a:ext>
+              </a:extLst>
+            </a:blip>
+            <a:stretch>
+              <a:fillRect/>
+            </a:stretch>
+          </p:blipFill>
+          <p:spPr>
+            <a:xfrm>
+              <a:off x="303473" y="3895947"/>
+              <a:ext cx="457200" cy="457200"/>
+            </a:xfrm>
+            <a:prstGeom prst="rect">
+              <a:avLst/>
+            </a:prstGeom>
+          </p:spPr>
+        </p:pic>
+      </p:grpSp>
+      <p:sp>
+        <p:nvSpPr>
+          <p:cNvPr id="23" name="テキスト ボックス 22">
+            <a:extLst>
+              <a:ext uri="{FF2B5EF4-FFF2-40B4-BE49-F238E27FC236}">
+                <a16:creationId xmlns:a16="http://schemas.microsoft.com/office/drawing/2014/main" id="{53081E67-972F-EC90-153F-822DE213384F}"/>
+              </a:ext>
+            </a:extLst>
+          </p:cNvPr>
+          <p:cNvSpPr txBox="1"/>
+          <p:nvPr/>
+        </p:nvSpPr>
+        <p:spPr>
+          <a:xfrm>
+            <a:off x="18949" y="8111"/>
+            <a:ext cx="2726051" cy="523220"/>
+          </a:xfrm>
+          <a:prstGeom prst="rect">
+            <a:avLst/>
+          </a:prstGeom>
+          <a:noFill/>
+        </p:spPr>
+        <p:txBody>
+          <a:bodyPr wrap="square" rtlCol="0">
+            <a:spAutoFit/>
+          </a:bodyPr>
+          <a:lstStyle/>
+          <a:p>
+            <a:pPr algn="ctr"/>
+            <a:r>
+              <a:rPr lang="ja-JP" altLang="en-US" sz="2800" b="1" dirty="0">
+                <a:effectLst>
+                  <a:glow rad="101600">
+                    <a:schemeClr val="bg1">
+                      <a:alpha val="60000"/>
+                    </a:schemeClr>
+                  </a:glow>
+                </a:effectLst>
+              </a:rPr>
+              <a:t>＜基本の操作</a:t>
+            </a:r>
+            <a:r>
+              <a:rPr lang="en-US" altLang="ja-JP" sz="2800" b="1" dirty="0">
+                <a:effectLst>
+                  <a:glow rad="101600">
+                    <a:schemeClr val="bg1">
+                      <a:alpha val="60000"/>
+                    </a:schemeClr>
+                  </a:glow>
+                </a:effectLst>
+              </a:rPr>
+              <a:t>&gt;</a:t>
+            </a:r>
+            <a:endParaRPr kumimoji="1" lang="en-US" altLang="ja-JP" sz="2800" b="1" dirty="0">
+              <a:effectLst>
+                <a:glow rad="101600">
+                  <a:schemeClr val="bg1">
+                    <a:alpha val="60000"/>
+                  </a:schemeClr>
+                </a:glow>
+              </a:effectLst>
+            </a:endParaRPr>
+          </a:p>
+        </p:txBody>
+      </p:sp>
+      <p:sp>
+        <p:nvSpPr>
+          <p:cNvPr id="24" name="テキスト ボックス 23">
+            <a:extLst>
+              <a:ext uri="{FF2B5EF4-FFF2-40B4-BE49-F238E27FC236}">
+                <a16:creationId xmlns:a16="http://schemas.microsoft.com/office/drawing/2014/main" id="{A7E52DAA-82C3-14DC-72F0-88039C9A8293}"/>
+              </a:ext>
+            </a:extLst>
+          </p:cNvPr>
+          <p:cNvSpPr txBox="1"/>
+          <p:nvPr/>
+        </p:nvSpPr>
+        <p:spPr>
+          <a:xfrm>
+            <a:off x="-38015" y="476525"/>
+            <a:ext cx="3617694" cy="461665"/>
+          </a:xfrm>
+          <a:prstGeom prst="rect">
+            <a:avLst/>
+          </a:prstGeom>
+          <a:noFill/>
+        </p:spPr>
+        <p:txBody>
+          <a:bodyPr wrap="square" rtlCol="0">
+            <a:spAutoFit/>
+          </a:bodyPr>
+          <a:lstStyle/>
+          <a:p>
+            <a:pPr algn="ctr"/>
+            <a:r>
+              <a:rPr kumimoji="1" lang="ja-JP" altLang="en-US" sz="2400" b="1" dirty="0">
+                <a:effectLst>
+                  <a:glow rad="101600">
+                    <a:schemeClr val="bg1">
+                      <a:alpha val="60000"/>
+                    </a:schemeClr>
+                  </a:glow>
+                </a:effectLst>
+              </a:rPr>
+              <a:t>何もしてないと</a:t>
+            </a:r>
+            <a:r>
+              <a:rPr lang="ja-JP" altLang="en-US" sz="2400" b="1" dirty="0">
+                <a:effectLst>
+                  <a:glow rad="101600">
+                    <a:schemeClr val="bg1">
+                      <a:alpha val="60000"/>
+                    </a:schemeClr>
+                  </a:glow>
+                </a:effectLst>
+              </a:rPr>
+              <a:t>・・・</a:t>
+            </a:r>
+            <a:endParaRPr kumimoji="1" lang="en-US" altLang="ja-JP" sz="2400" b="1" dirty="0">
+              <a:effectLst>
+                <a:glow rad="101600">
+                  <a:schemeClr val="bg1">
+                    <a:alpha val="60000"/>
+                  </a:schemeClr>
+                </a:glow>
+              </a:effectLst>
+            </a:endParaRPr>
+          </a:p>
+        </p:txBody>
+      </p:sp>
+      <p:sp>
+        <p:nvSpPr>
+          <p:cNvPr id="25" name="テキスト ボックス 24">
+            <a:extLst>
+              <a:ext uri="{FF2B5EF4-FFF2-40B4-BE49-F238E27FC236}">
+                <a16:creationId xmlns:a16="http://schemas.microsoft.com/office/drawing/2014/main" id="{E02D154F-F0F5-619A-CF6A-BF48A1A94610}"/>
+              </a:ext>
+            </a:extLst>
+          </p:cNvPr>
+          <p:cNvSpPr txBox="1"/>
+          <p:nvPr/>
+        </p:nvSpPr>
+        <p:spPr>
+          <a:xfrm>
+            <a:off x="249392" y="2915792"/>
+            <a:ext cx="2965968" cy="461665"/>
+          </a:xfrm>
+          <a:prstGeom prst="rect">
+            <a:avLst/>
+          </a:prstGeom>
+          <a:noFill/>
+        </p:spPr>
+        <p:txBody>
+          <a:bodyPr wrap="square" rtlCol="0">
+            <a:spAutoFit/>
+          </a:bodyPr>
+          <a:lstStyle/>
+          <a:p>
+            <a:pPr algn="ctr"/>
+            <a:r>
+              <a:rPr lang="ja-JP" altLang="en-US" sz="2400" b="1" dirty="0">
+                <a:effectLst>
+                  <a:glow rad="101600">
+                    <a:schemeClr val="bg1">
+                      <a:alpha val="60000"/>
+                    </a:schemeClr>
+                  </a:glow>
+                </a:effectLst>
+              </a:rPr>
+              <a:t>常にゆっくり下がる</a:t>
+            </a:r>
+            <a:endParaRPr kumimoji="1" lang="ja-JP" altLang="en-US" sz="2400" b="1" dirty="0">
+              <a:effectLst>
+                <a:glow rad="101600">
+                  <a:schemeClr val="bg1">
+                    <a:alpha val="60000"/>
+                  </a:schemeClr>
+                </a:glow>
+              </a:effectLst>
+            </a:endParaRPr>
+          </a:p>
+        </p:txBody>
+      </p:sp>
+      <p:sp>
+        <p:nvSpPr>
+          <p:cNvPr id="26" name="テキスト ボックス 25">
+            <a:extLst>
+              <a:ext uri="{FF2B5EF4-FFF2-40B4-BE49-F238E27FC236}">
+                <a16:creationId xmlns:a16="http://schemas.microsoft.com/office/drawing/2014/main" id="{7DB20E10-5D8B-F9BD-53E4-AFA504996ADE}"/>
+              </a:ext>
+            </a:extLst>
+          </p:cNvPr>
+          <p:cNvSpPr txBox="1"/>
+          <p:nvPr/>
+        </p:nvSpPr>
+        <p:spPr>
+          <a:xfrm>
+            <a:off x="1107799" y="3712943"/>
+            <a:ext cx="2412306" cy="461665"/>
+          </a:xfrm>
+          <a:prstGeom prst="rect">
+            <a:avLst/>
+          </a:prstGeom>
+          <a:noFill/>
+        </p:spPr>
+        <p:txBody>
+          <a:bodyPr wrap="square" rtlCol="0">
+            <a:spAutoFit/>
+          </a:bodyPr>
+          <a:lstStyle/>
+          <a:p>
+            <a:pPr algn="ctr"/>
+            <a:r>
+              <a:rPr kumimoji="1" lang="ja-JP" altLang="en-US" sz="2400" b="1" dirty="0">
+                <a:effectLst>
+                  <a:glow rad="101600">
+                    <a:schemeClr val="bg1">
+                      <a:alpha val="60000"/>
+                    </a:schemeClr>
+                  </a:glow>
+                </a:effectLst>
+              </a:rPr>
+              <a:t>を押すと</a:t>
+            </a:r>
+            <a:r>
+              <a:rPr lang="ja-JP" altLang="en-US" sz="2400" b="1" dirty="0">
+                <a:effectLst>
+                  <a:glow rad="101600">
+                    <a:schemeClr val="bg1">
+                      <a:alpha val="60000"/>
+                    </a:schemeClr>
+                  </a:glow>
+                </a:effectLst>
+              </a:rPr>
+              <a:t>・・・</a:t>
+            </a:r>
+            <a:endParaRPr kumimoji="1" lang="en-US" altLang="ja-JP" sz="2400" b="1" dirty="0">
+              <a:effectLst>
+                <a:glow rad="101600">
+                  <a:schemeClr val="bg1">
+                    <a:alpha val="60000"/>
+                  </a:schemeClr>
+                </a:glow>
+              </a:effectLst>
+            </a:endParaRPr>
+          </a:p>
+        </p:txBody>
+      </p:sp>
+      <p:pic>
+        <p:nvPicPr>
+          <p:cNvPr id="27" name="図 26" descr="ロゴ が含まれている画像&#10;&#10;AI によって生成されたコンテンツは間違っている可能性があります。">
+            <a:extLst>
+              <a:ext uri="{FF2B5EF4-FFF2-40B4-BE49-F238E27FC236}">
+                <a16:creationId xmlns:a16="http://schemas.microsoft.com/office/drawing/2014/main" id="{ED28C3D6-E8DA-4E1C-AEF6-C6C8890CF42E}"/>
+              </a:ext>
+            </a:extLst>
+          </p:cNvPr>
+          <p:cNvPicPr>
+            <a:picLocks noChangeAspect="1"/>
+          </p:cNvPicPr>
+          <p:nvPr/>
+        </p:nvPicPr>
+        <p:blipFill>
+          <a:blip r:embed="rId21">
+            <a:extLst>
+              <a:ext uri="{28A0092B-C50C-407E-A947-70E740481C1C}">
+                <a14:useLocalDpi xmlns:a14="http://schemas.microsoft.com/office/drawing/2010/main" val="0"/>
+              </a:ext>
+            </a:extLst>
+          </a:blip>
+          <a:stretch>
+            <a:fillRect/>
+          </a:stretch>
+        </p:blipFill>
+        <p:spPr>
+          <a:xfrm>
+            <a:off x="34938" y="3683801"/>
+            <a:ext cx="1139817" cy="476862"/>
+          </a:xfrm>
+          <a:prstGeom prst="rect">
+            <a:avLst/>
+          </a:prstGeom>
+        </p:spPr>
+      </p:pic>
+      <p:sp>
+        <p:nvSpPr>
+          <p:cNvPr id="28" name="テキスト ボックス 27">
+            <a:extLst>
+              <a:ext uri="{FF2B5EF4-FFF2-40B4-BE49-F238E27FC236}">
+                <a16:creationId xmlns:a16="http://schemas.microsoft.com/office/drawing/2014/main" id="{838C7AB9-C9F5-5357-A2EC-6D73BBC57CF7}"/>
+              </a:ext>
+            </a:extLst>
+          </p:cNvPr>
+          <p:cNvSpPr txBox="1"/>
+          <p:nvPr/>
+        </p:nvSpPr>
+        <p:spPr>
+          <a:xfrm>
+            <a:off x="148026" y="6238971"/>
+            <a:ext cx="2965968" cy="461665"/>
+          </a:xfrm>
+          <a:prstGeom prst="rect">
+            <a:avLst/>
+          </a:prstGeom>
+          <a:noFill/>
+        </p:spPr>
+        <p:txBody>
+          <a:bodyPr wrap="square" rtlCol="0">
+            <a:spAutoFit/>
+          </a:bodyPr>
+          <a:lstStyle/>
+          <a:p>
+            <a:pPr algn="ctr"/>
+            <a:r>
+              <a:rPr kumimoji="1" lang="ja-JP" altLang="en-US" sz="2400" b="1" dirty="0">
+                <a:effectLst>
+                  <a:glow rad="101600">
+                    <a:schemeClr val="bg1">
+                      <a:alpha val="60000"/>
+                    </a:schemeClr>
+                  </a:glow>
+                </a:effectLst>
+              </a:rPr>
+              <a:t>上に進む</a:t>
+            </a:r>
+          </a:p>
+        </p:txBody>
+      </p:sp>
+      <p:grpSp>
+        <p:nvGrpSpPr>
+          <p:cNvPr id="29" name="グループ化 28">
+            <a:extLst>
+              <a:ext uri="{FF2B5EF4-FFF2-40B4-BE49-F238E27FC236}">
+                <a16:creationId xmlns:a16="http://schemas.microsoft.com/office/drawing/2014/main" id="{F61F3A17-04FC-8E0E-CFF1-769E20611B4D}"/>
+              </a:ext>
+            </a:extLst>
+          </p:cNvPr>
+          <p:cNvGrpSpPr/>
+          <p:nvPr/>
+        </p:nvGrpSpPr>
+        <p:grpSpPr>
+          <a:xfrm>
+            <a:off x="4611440" y="750844"/>
+            <a:ext cx="4858619" cy="2771955"/>
+            <a:chOff x="232085" y="3700663"/>
+            <a:chExt cx="4087437" cy="2386030"/>
+          </a:xfrm>
+        </p:grpSpPr>
+        <p:pic>
+          <p:nvPicPr>
+            <p:cNvPr id="30" name="図 29" descr="星と惑星のcg&#10;&#10;AI によって生成されたコンテンツは間違っている可能性があります。">
+              <a:extLst>
+                <a:ext uri="{FF2B5EF4-FFF2-40B4-BE49-F238E27FC236}">
+                  <a16:creationId xmlns:a16="http://schemas.microsoft.com/office/drawing/2014/main" id="{369683D5-9E2C-F574-2A8E-D13BD89F9DF9}"/>
+                </a:ext>
+              </a:extLst>
+            </p:cNvPr>
+            <p:cNvPicPr>
+              <a:picLocks noChangeAspect="1"/>
+            </p:cNvPicPr>
+            <p:nvPr/>
+          </p:nvPicPr>
+          <p:blipFill>
+            <a:blip r:embed="rId2">
+              <a:alphaModFix amt="60000"/>
+              <a:extLst>
+                <a:ext uri="{28A0092B-C50C-407E-A947-70E740481C1C}">
+                  <a14:useLocalDpi xmlns:a14="http://schemas.microsoft.com/office/drawing/2010/main" val="0"/>
+                </a:ext>
+              </a:extLst>
+            </a:blip>
+            <a:stretch>
+              <a:fillRect/>
+            </a:stretch>
+          </p:blipFill>
+          <p:spPr>
+            <a:xfrm>
+              <a:off x="232085" y="3700663"/>
+              <a:ext cx="4087435" cy="2384053"/>
+            </a:xfrm>
+            <a:prstGeom prst="rect">
+              <a:avLst/>
+            </a:prstGeom>
+          </p:spPr>
+        </p:pic>
+        <p:sp>
+          <p:nvSpPr>
+            <p:cNvPr id="31" name="正方形/長方形 30">
+              <a:extLst>
+                <a:ext uri="{FF2B5EF4-FFF2-40B4-BE49-F238E27FC236}">
+                  <a16:creationId xmlns:a16="http://schemas.microsoft.com/office/drawing/2014/main" id="{1E5F6366-9E1B-53E9-15E2-DFD9AA83E9E8}"/>
+                </a:ext>
+              </a:extLst>
+            </p:cNvPr>
+            <p:cNvSpPr/>
+            <p:nvPr/>
+          </p:nvSpPr>
+          <p:spPr>
+            <a:xfrm>
+              <a:off x="232087" y="3702640"/>
+              <a:ext cx="4087435" cy="2384053"/>
+            </a:xfrm>
+            <a:prstGeom prst="rect">
+              <a:avLst/>
+            </a:prstGeom>
+            <a:noFill/>
+            <a:ln w="57150" cap="flat" cmpd="sng" algn="ctr">
+              <a:solidFill>
+                <a:schemeClr val="dk1"/>
+              </a:solidFill>
+              <a:prstDash val="solid"/>
+              <a:round/>
+              <a:headEnd type="none" w="med" len="med"/>
+              <a:tailEnd type="none" w="med" len="med"/>
+            </a:ln>
+          </p:spPr>
+          <p:style>
+            <a:lnRef idx="0">
+              <a:scrgbClr r="0" g="0" b="0"/>
+            </a:lnRef>
+            <a:fillRef idx="0">
+              <a:scrgbClr r="0" g="0" b="0"/>
+            </a:fillRef>
+            <a:effectRef idx="0">
+              <a:scrgbClr r="0" g="0" b="0"/>
+            </a:effectRef>
+            <a:fontRef idx="minor">
+              <a:schemeClr val="dk1"/>
+            </a:fontRef>
+          </p:style>
+          <p:txBody>
+            <a:bodyPr rtlCol="0" anchor="ctr"/>
+            <a:lstStyle/>
+            <a:p>
+              <a:pPr algn="ctr"/>
+              <a:endParaRPr kumimoji="1" lang="ja-JP" altLang="en-US"/>
+            </a:p>
+          </p:txBody>
+        </p:sp>
+        <p:sp>
+          <p:nvSpPr>
+            <p:cNvPr id="32" name="楕円 31">
+              <a:extLst>
+                <a:ext uri="{FF2B5EF4-FFF2-40B4-BE49-F238E27FC236}">
+                  <a16:creationId xmlns:a16="http://schemas.microsoft.com/office/drawing/2014/main" id="{56C9A191-4B41-6069-EBE5-CDB171640BE2}"/>
+                </a:ext>
+              </a:extLst>
+            </p:cNvPr>
+            <p:cNvSpPr/>
+            <p:nvPr/>
+          </p:nvSpPr>
+          <p:spPr>
+            <a:xfrm>
+              <a:off x="2090936" y="4830734"/>
+              <a:ext cx="404848" cy="403271"/>
+            </a:xfrm>
+            <a:prstGeom prst="ellipse">
+              <a:avLst/>
+            </a:prstGeom>
+            <a:solidFill>
+              <a:schemeClr val="bg1"/>
+            </a:solidFill>
+            <a:ln w="38100">
+              <a:solidFill>
+                <a:schemeClr val="accent1">
+                  <a:lumMod val="60000"/>
+                  <a:lumOff val="40000"/>
+                </a:schemeClr>
+              </a:solidFill>
+            </a:ln>
+          </p:spPr>
+          <p:style>
+            <a:lnRef idx="2">
+              <a:schemeClr val="accent1">
+                <a:shade val="15000"/>
+              </a:schemeClr>
+            </a:lnRef>
+            <a:fillRef idx="1">
+              <a:schemeClr val="accent1"/>
+            </a:fillRef>
+            <a:effectRef idx="0">
+              <a:schemeClr val="accent1"/>
+            </a:effectRef>
+            <a:fontRef idx="minor">
+              <a:schemeClr val="lt1"/>
+            </a:fontRef>
+          </p:style>
+          <p:txBody>
+            <a:bodyPr rtlCol="0" anchor="ctr"/>
+            <a:lstStyle/>
+            <a:p>
+              <a:pPr algn="ctr"/>
+              <a:endParaRPr kumimoji="1" lang="ja-JP" altLang="en-US" dirty="0"/>
+            </a:p>
+          </p:txBody>
+        </p:sp>
+      </p:grpSp>
+      <p:cxnSp>
+        <p:nvCxnSpPr>
+          <p:cNvPr id="37" name="直線コネクタ 36">
+            <a:extLst>
+              <a:ext uri="{FF2B5EF4-FFF2-40B4-BE49-F238E27FC236}">
+                <a16:creationId xmlns:a16="http://schemas.microsoft.com/office/drawing/2014/main" id="{01480E26-0936-827B-F9FF-08784BFAF46E}"/>
+              </a:ext>
+            </a:extLst>
+          </p:cNvPr>
+          <p:cNvCxnSpPr>
+            <a:cxnSpLocks/>
+          </p:cNvCxnSpPr>
+          <p:nvPr/>
+        </p:nvCxnSpPr>
+        <p:spPr>
+          <a:xfrm>
+            <a:off x="3681398" y="140406"/>
+            <a:ext cx="0" cy="6560230"/>
+          </a:xfrm>
+          <a:prstGeom prst="line">
+            <a:avLst/>
+          </a:prstGeom>
+        </p:spPr>
+        <p:style>
+          <a:lnRef idx="2">
+            <a:schemeClr val="dk1"/>
+          </a:lnRef>
+          <a:fillRef idx="0">
+            <a:schemeClr val="dk1"/>
+          </a:fillRef>
+          <a:effectRef idx="1">
+            <a:schemeClr val="dk1"/>
+          </a:effectRef>
+          <a:fontRef idx="minor">
+            <a:schemeClr val="tx1"/>
+          </a:fontRef>
+        </p:style>
+      </p:cxnSp>
+      <p:grpSp>
+        <p:nvGrpSpPr>
+          <p:cNvPr id="39" name="グループ化 38">
+            <a:extLst>
+              <a:ext uri="{FF2B5EF4-FFF2-40B4-BE49-F238E27FC236}">
+                <a16:creationId xmlns:a16="http://schemas.microsoft.com/office/drawing/2014/main" id="{26AE304F-CFF2-ED4A-566F-6FAA740DDA39}"/>
+              </a:ext>
+            </a:extLst>
+          </p:cNvPr>
+          <p:cNvGrpSpPr/>
+          <p:nvPr/>
+        </p:nvGrpSpPr>
+        <p:grpSpPr>
+          <a:xfrm>
+            <a:off x="4634123" y="3844234"/>
+            <a:ext cx="4835941" cy="2660781"/>
+            <a:chOff x="232085" y="3700663"/>
+            <a:chExt cx="4087437" cy="2386030"/>
+          </a:xfrm>
+        </p:grpSpPr>
+        <p:pic>
+          <p:nvPicPr>
+            <p:cNvPr id="40" name="図 39" descr="星と惑星のcg&#10;&#10;AI によって生成されたコンテンツは間違っている可能性があります。">
+              <a:extLst>
+                <a:ext uri="{FF2B5EF4-FFF2-40B4-BE49-F238E27FC236}">
+                  <a16:creationId xmlns:a16="http://schemas.microsoft.com/office/drawing/2014/main" id="{ABF07CF7-674C-D3A0-5562-AF34E1B9C95F}"/>
+                </a:ext>
+              </a:extLst>
+            </p:cNvPr>
+            <p:cNvPicPr>
+              <a:picLocks noChangeAspect="1"/>
+            </p:cNvPicPr>
+            <p:nvPr/>
+          </p:nvPicPr>
+          <p:blipFill>
+            <a:blip r:embed="rId2">
+              <a:alphaModFix amt="60000"/>
+              <a:extLst>
+                <a:ext uri="{28A0092B-C50C-407E-A947-70E740481C1C}">
+                  <a14:useLocalDpi xmlns:a14="http://schemas.microsoft.com/office/drawing/2010/main" val="0"/>
+                </a:ext>
+              </a:extLst>
+            </a:blip>
+            <a:stretch>
+              <a:fillRect/>
+            </a:stretch>
+          </p:blipFill>
+          <p:spPr>
+            <a:xfrm>
+              <a:off x="232085" y="3700663"/>
+              <a:ext cx="4087435" cy="2384053"/>
+            </a:xfrm>
+            <a:prstGeom prst="rect">
+              <a:avLst/>
+            </a:prstGeom>
+          </p:spPr>
+        </p:pic>
+        <p:sp>
+          <p:nvSpPr>
+            <p:cNvPr id="41" name="正方形/長方形 40">
+              <a:extLst>
+                <a:ext uri="{FF2B5EF4-FFF2-40B4-BE49-F238E27FC236}">
+                  <a16:creationId xmlns:a16="http://schemas.microsoft.com/office/drawing/2014/main" id="{2F1D2D85-3F5C-9EF6-104C-0057E3DCEE5F}"/>
+                </a:ext>
+              </a:extLst>
+            </p:cNvPr>
+            <p:cNvSpPr/>
+            <p:nvPr/>
+          </p:nvSpPr>
+          <p:spPr>
+            <a:xfrm>
+              <a:off x="232087" y="3702640"/>
+              <a:ext cx="4087435" cy="2384053"/>
+            </a:xfrm>
+            <a:prstGeom prst="rect">
+              <a:avLst/>
+            </a:prstGeom>
+            <a:noFill/>
+            <a:ln w="57150" cap="flat" cmpd="sng" algn="ctr">
+              <a:solidFill>
+                <a:schemeClr val="dk1"/>
+              </a:solidFill>
+              <a:prstDash val="solid"/>
+              <a:round/>
+              <a:headEnd type="none" w="med" len="med"/>
+              <a:tailEnd type="none" w="med" len="med"/>
+            </a:ln>
+          </p:spPr>
+          <p:style>
+            <a:lnRef idx="0">
+              <a:scrgbClr r="0" g="0" b="0"/>
+            </a:lnRef>
+            <a:fillRef idx="0">
+              <a:scrgbClr r="0" g="0" b="0"/>
+            </a:fillRef>
+            <a:effectRef idx="0">
+              <a:scrgbClr r="0" g="0" b="0"/>
+            </a:effectRef>
+            <a:fontRef idx="minor">
+              <a:schemeClr val="dk1"/>
+            </a:fontRef>
+          </p:style>
+          <p:txBody>
+            <a:bodyPr rtlCol="0" anchor="ctr"/>
+            <a:lstStyle/>
+            <a:p>
+              <a:pPr algn="ctr"/>
+              <a:endParaRPr kumimoji="1" lang="ja-JP" altLang="en-US"/>
+            </a:p>
+          </p:txBody>
+        </p:sp>
+      </p:grpSp>
+      <p:cxnSp>
+        <p:nvCxnSpPr>
+          <p:cNvPr id="43" name="直線コネクタ 42">
+            <a:extLst>
+              <a:ext uri="{FF2B5EF4-FFF2-40B4-BE49-F238E27FC236}">
+                <a16:creationId xmlns:a16="http://schemas.microsoft.com/office/drawing/2014/main" id="{E686E5BC-11D2-6D6F-A435-BFDAE9BEF2C7}"/>
+              </a:ext>
+            </a:extLst>
+          </p:cNvPr>
+          <p:cNvCxnSpPr>
+            <a:cxnSpLocks/>
+          </p:cNvCxnSpPr>
+          <p:nvPr/>
+        </p:nvCxnSpPr>
+        <p:spPr>
+          <a:xfrm flipV="1">
+            <a:off x="3783118" y="3625694"/>
+            <a:ext cx="8210762" cy="14957"/>
+          </a:xfrm>
+          <a:prstGeom prst="line">
+            <a:avLst/>
+          </a:prstGeom>
+        </p:spPr>
+        <p:style>
+          <a:lnRef idx="2">
+            <a:schemeClr val="dk1"/>
+          </a:lnRef>
+          <a:fillRef idx="0">
+            <a:schemeClr val="dk1"/>
+          </a:fillRef>
+          <a:effectRef idx="1">
+            <a:schemeClr val="dk1"/>
+          </a:effectRef>
+          <a:fontRef idx="minor">
+            <a:schemeClr val="tx1"/>
+          </a:fontRef>
+        </p:style>
+      </p:cxnSp>
+      <p:pic>
+        <p:nvPicPr>
+          <p:cNvPr id="45" name="グラフィックス 44" descr="水星 単色塗りつぶし">
+            <a:extLst>
+              <a:ext uri="{FF2B5EF4-FFF2-40B4-BE49-F238E27FC236}">
+                <a16:creationId xmlns:a16="http://schemas.microsoft.com/office/drawing/2014/main" id="{F71D0BEB-E1F2-E5C8-F8FC-81098D015886}"/>
+              </a:ext>
+            </a:extLst>
+          </p:cNvPr>
+          <p:cNvPicPr>
+            <a:picLocks noChangeAspect="1"/>
+          </p:cNvPicPr>
+          <p:nvPr/>
+        </p:nvPicPr>
+        <p:blipFill>
+          <a:blip r:embed="rId19">
+            <a:extLst>
+              <a:ext uri="{96DAC541-7B7A-43D3-8B79-37D633B846F1}">
+                <asvg:svgBlip xmlns:asvg="http://schemas.microsoft.com/office/drawing/2016/SVG/main" r:embed="rId20"/>
+              </a:ext>
+            </a:extLst>
+          </a:blip>
+          <a:stretch>
+            <a:fillRect/>
+          </a:stretch>
+        </p:blipFill>
+        <p:spPr>
+          <a:xfrm>
+            <a:off x="4806540" y="1029656"/>
+            <a:ext cx="551977" cy="553882"/>
+          </a:xfrm>
+          <a:prstGeom prst="rect">
+            <a:avLst/>
+          </a:prstGeom>
+        </p:spPr>
+      </p:pic>
+      <p:pic>
+        <p:nvPicPr>
+          <p:cNvPr id="46" name="グラフィックス 45" descr="ノコ刃 単色塗りつぶし">
+            <a:extLst>
+              <a:ext uri="{FF2B5EF4-FFF2-40B4-BE49-F238E27FC236}">
+                <a16:creationId xmlns:a16="http://schemas.microsoft.com/office/drawing/2014/main" id="{7C1F35F8-9011-608D-F27C-9602EB704CB8}"/>
+              </a:ext>
+            </a:extLst>
+          </p:cNvPr>
+          <p:cNvPicPr>
+            <a:picLocks noChangeAspect="1"/>
+          </p:cNvPicPr>
+          <p:nvPr/>
+        </p:nvPicPr>
+        <p:blipFill>
+          <a:blip r:embed="rId7">
+            <a:extLst>
+              <a:ext uri="{96DAC541-7B7A-43D3-8B79-37D633B846F1}">
+                <asvg:svgBlip xmlns:asvg="http://schemas.microsoft.com/office/drawing/2016/SVG/main" r:embed="rId8"/>
+              </a:ext>
+            </a:extLst>
+          </a:blip>
+          <a:stretch>
+            <a:fillRect/>
+          </a:stretch>
+        </p:blipFill>
+        <p:spPr>
+          <a:xfrm>
+            <a:off x="5309179" y="1910550"/>
+            <a:ext cx="479588" cy="501700"/>
+          </a:xfrm>
+          <a:prstGeom prst="rect">
+            <a:avLst/>
+          </a:prstGeom>
+        </p:spPr>
+      </p:pic>
+      <p:pic>
+        <p:nvPicPr>
+          <p:cNvPr id="47" name="グラフィックス 46" descr="星 単色塗りつぶし">
+            <a:extLst>
+              <a:ext uri="{FF2B5EF4-FFF2-40B4-BE49-F238E27FC236}">
+                <a16:creationId xmlns:a16="http://schemas.microsoft.com/office/drawing/2014/main" id="{33EC67CA-3DC7-EE1A-85E8-BF2954A562F4}"/>
+              </a:ext>
+            </a:extLst>
+          </p:cNvPr>
+          <p:cNvPicPr>
+            <a:picLocks noChangeAspect="1"/>
+          </p:cNvPicPr>
+          <p:nvPr/>
+        </p:nvPicPr>
+        <p:blipFill>
+          <a:blip r:embed="rId22">
+            <a:extLst>
+              <a:ext uri="{96DAC541-7B7A-43D3-8B79-37D633B846F1}">
+                <asvg:svgBlip xmlns:asvg="http://schemas.microsoft.com/office/drawing/2016/SVG/main" r:embed="rId23"/>
+              </a:ext>
+            </a:extLst>
+          </a:blip>
+          <a:stretch>
+            <a:fillRect/>
+          </a:stretch>
+        </p:blipFill>
+        <p:spPr>
+          <a:xfrm>
+            <a:off x="8334471" y="1345859"/>
+            <a:ext cx="624136" cy="581862"/>
+          </a:xfrm>
+          <a:prstGeom prst="rect">
+            <a:avLst/>
+          </a:prstGeom>
+        </p:spPr>
+      </p:pic>
+      <p:sp>
+        <p:nvSpPr>
+          <p:cNvPr id="48" name="テキスト ボックス 47">
+            <a:extLst>
+              <a:ext uri="{FF2B5EF4-FFF2-40B4-BE49-F238E27FC236}">
+                <a16:creationId xmlns:a16="http://schemas.microsoft.com/office/drawing/2014/main" id="{220A218E-74D4-A062-F2F1-107360B64A53}"/>
+              </a:ext>
+            </a:extLst>
+          </p:cNvPr>
+          <p:cNvSpPr txBox="1"/>
+          <p:nvPr/>
+        </p:nvSpPr>
+        <p:spPr>
+          <a:xfrm>
+            <a:off x="3894900" y="140406"/>
+            <a:ext cx="4517902" cy="523220"/>
+          </a:xfrm>
+          <a:prstGeom prst="rect">
+            <a:avLst/>
+          </a:prstGeom>
+          <a:noFill/>
+        </p:spPr>
+        <p:txBody>
+          <a:bodyPr wrap="square" rtlCol="0">
+            <a:spAutoFit/>
+          </a:bodyPr>
+          <a:lstStyle/>
+          <a:p>
+            <a:pPr algn="ctr"/>
+            <a:r>
+              <a:rPr lang="ja-JP" altLang="en-US" sz="2800" b="1" dirty="0">
+                <a:effectLst>
+                  <a:glow rad="101600">
+                    <a:schemeClr val="bg1">
+                      <a:alpha val="60000"/>
+                    </a:schemeClr>
+                  </a:glow>
+                </a:effectLst>
+              </a:rPr>
+              <a:t>＜イメージゲーム画面</a:t>
+            </a:r>
+            <a:r>
+              <a:rPr lang="en-US" altLang="ja-JP" sz="2800" b="1" dirty="0">
+                <a:effectLst>
+                  <a:glow rad="101600">
+                    <a:schemeClr val="bg1">
+                      <a:alpha val="60000"/>
+                    </a:schemeClr>
+                  </a:glow>
+                </a:effectLst>
+              </a:rPr>
+              <a:t>&gt;</a:t>
+            </a:r>
+            <a:endParaRPr kumimoji="1" lang="en-US" altLang="ja-JP" sz="2800" b="1" dirty="0">
+              <a:effectLst>
+                <a:glow rad="101600">
+                  <a:schemeClr val="bg1">
+                    <a:alpha val="60000"/>
+                  </a:schemeClr>
+                </a:glow>
+              </a:effectLst>
+            </a:endParaRPr>
+          </a:p>
+        </p:txBody>
+      </p:sp>
+      <p:sp>
+        <p:nvSpPr>
+          <p:cNvPr id="49" name="テキスト ボックス 48">
+            <a:extLst>
+              <a:ext uri="{FF2B5EF4-FFF2-40B4-BE49-F238E27FC236}">
+                <a16:creationId xmlns:a16="http://schemas.microsoft.com/office/drawing/2014/main" id="{C7D61147-FA14-515D-ED44-0FB1B99DB814}"/>
+              </a:ext>
+            </a:extLst>
+          </p:cNvPr>
+          <p:cNvSpPr txBox="1"/>
+          <p:nvPr/>
+        </p:nvSpPr>
+        <p:spPr>
+          <a:xfrm>
+            <a:off x="3924926" y="791381"/>
+            <a:ext cx="492443" cy="2544631"/>
+          </a:xfrm>
+          <a:prstGeom prst="rect">
+            <a:avLst/>
+          </a:prstGeom>
+          <a:noFill/>
+        </p:spPr>
+        <p:txBody>
+          <a:bodyPr vert="eaVert" wrap="square" rtlCol="0">
+            <a:spAutoFit/>
+          </a:bodyPr>
+          <a:lstStyle/>
+          <a:p>
+            <a:pPr algn="ctr"/>
+            <a:r>
+              <a:rPr kumimoji="1" lang="ja-JP" altLang="en-US" sz="1400" b="1" dirty="0">
+                <a:effectLst>
+                  <a:glow rad="101600">
+                    <a:schemeClr val="bg1">
+                      <a:alpha val="60000"/>
+                    </a:schemeClr>
+                  </a:glow>
+                </a:effectLst>
+              </a:rPr>
+              <a:t>▼</a:t>
+            </a:r>
+            <a:r>
+              <a:rPr kumimoji="1" lang="ja-JP" altLang="en-US" sz="2000" b="1" dirty="0">
+                <a:solidFill>
+                  <a:schemeClr val="accent1">
+                    <a:lumMod val="60000"/>
+                    <a:lumOff val="40000"/>
+                  </a:schemeClr>
+                </a:solidFill>
+                <a:effectLst>
+                  <a:glow rad="101600">
+                    <a:schemeClr val="bg1">
+                      <a:alpha val="60000"/>
+                    </a:schemeClr>
+                  </a:glow>
+                </a:effectLst>
+              </a:rPr>
+              <a:t>プレイヤー</a:t>
+            </a:r>
+            <a:r>
+              <a:rPr kumimoji="1" lang="ja-JP" altLang="en-US" sz="2000" b="1" dirty="0">
+                <a:effectLst>
+                  <a:glow rad="101600">
+                    <a:schemeClr val="bg1">
+                      <a:alpha val="60000"/>
+                    </a:schemeClr>
+                  </a:glow>
+                </a:effectLst>
+              </a:rPr>
+              <a:t>通常時</a:t>
+            </a:r>
+          </a:p>
+        </p:txBody>
+      </p:sp>
+      <p:sp>
+        <p:nvSpPr>
+          <p:cNvPr id="50" name="テキスト ボックス 49">
+            <a:extLst>
+              <a:ext uri="{FF2B5EF4-FFF2-40B4-BE49-F238E27FC236}">
+                <a16:creationId xmlns:a16="http://schemas.microsoft.com/office/drawing/2014/main" id="{B4FE0EF6-229D-483C-BB3A-154F535B3595}"/>
+              </a:ext>
+            </a:extLst>
+          </p:cNvPr>
+          <p:cNvSpPr txBox="1"/>
+          <p:nvPr/>
+        </p:nvSpPr>
+        <p:spPr>
+          <a:xfrm>
+            <a:off x="3734111" y="3844234"/>
+            <a:ext cx="800219" cy="2744675"/>
+          </a:xfrm>
+          <a:prstGeom prst="rect">
+            <a:avLst/>
+          </a:prstGeom>
+          <a:noFill/>
+        </p:spPr>
+        <p:txBody>
+          <a:bodyPr vert="eaVert" wrap="square" rtlCol="0">
+            <a:spAutoFit/>
+          </a:bodyPr>
+          <a:lstStyle/>
+          <a:p>
+            <a:r>
+              <a:rPr kumimoji="1" lang="ja-JP" altLang="en-US" sz="1400" b="1" dirty="0">
+                <a:effectLst>
+                  <a:glow rad="101600">
+                    <a:schemeClr val="bg1">
+                      <a:alpha val="60000"/>
+                    </a:schemeClr>
+                  </a:glow>
+                </a:effectLst>
+              </a:rPr>
+              <a:t>▼</a:t>
+            </a:r>
+            <a:r>
+              <a:rPr kumimoji="1" lang="ja-JP" altLang="en-US" sz="2000" b="1" dirty="0">
+                <a:solidFill>
+                  <a:schemeClr val="accent1">
+                    <a:lumMod val="60000"/>
+                    <a:lumOff val="40000"/>
+                  </a:schemeClr>
+                </a:solidFill>
+                <a:effectLst>
+                  <a:glow rad="101600">
+                    <a:schemeClr val="bg1">
+                      <a:alpha val="60000"/>
+                    </a:schemeClr>
+                  </a:glow>
+                </a:effectLst>
+              </a:rPr>
+              <a:t>プレイヤー</a:t>
+            </a:r>
+            <a:endParaRPr kumimoji="1" lang="en-US" altLang="ja-JP" sz="2000" b="1" dirty="0">
+              <a:solidFill>
+                <a:schemeClr val="accent1">
+                  <a:lumMod val="60000"/>
+                  <a:lumOff val="40000"/>
+                </a:schemeClr>
+              </a:solidFill>
+              <a:effectLst>
+                <a:glow rad="101600">
+                  <a:schemeClr val="bg1">
+                    <a:alpha val="60000"/>
+                  </a:schemeClr>
+                </a:glow>
+              </a:effectLst>
+            </a:endParaRPr>
+          </a:p>
+          <a:p>
+            <a:pPr algn="r"/>
+            <a:r>
+              <a:rPr lang="ja-JP" altLang="en-US" sz="2000" b="1" dirty="0">
+                <a:solidFill>
+                  <a:srgbClr val="FFC000"/>
+                </a:solidFill>
+                <a:effectLst>
+                  <a:glow rad="101600">
+                    <a:schemeClr val="bg1">
+                      <a:alpha val="60000"/>
+                    </a:schemeClr>
+                  </a:glow>
+                </a:effectLst>
+              </a:rPr>
+              <a:t>パワーアップ</a:t>
+            </a:r>
+            <a:r>
+              <a:rPr lang="ja-JP" altLang="en-US" sz="2000" b="1" dirty="0">
+                <a:effectLst>
+                  <a:glow rad="101600">
+                    <a:schemeClr val="bg1">
+                      <a:alpha val="60000"/>
+                    </a:schemeClr>
+                  </a:glow>
+                </a:effectLst>
+              </a:rPr>
+              <a:t>時</a:t>
+            </a:r>
+            <a:endParaRPr kumimoji="1" lang="ja-JP" altLang="en-US" sz="2000" b="1" dirty="0">
+              <a:effectLst>
+                <a:glow rad="101600">
+                  <a:schemeClr val="bg1">
+                    <a:alpha val="60000"/>
+                  </a:schemeClr>
+                </a:glow>
+              </a:effectLst>
+            </a:endParaRPr>
+          </a:p>
+        </p:txBody>
+      </p:sp>
+      <p:sp>
+        <p:nvSpPr>
+          <p:cNvPr id="51" name="楕円 50">
+            <a:extLst>
+              <a:ext uri="{FF2B5EF4-FFF2-40B4-BE49-F238E27FC236}">
+                <a16:creationId xmlns:a16="http://schemas.microsoft.com/office/drawing/2014/main" id="{6F676107-E9EE-923B-6C1A-DB3CE6ADD923}"/>
+              </a:ext>
+            </a:extLst>
+          </p:cNvPr>
+          <p:cNvSpPr/>
+          <p:nvPr/>
+        </p:nvSpPr>
+        <p:spPr>
+          <a:xfrm>
+            <a:off x="6821003" y="4635301"/>
+            <a:ext cx="461658" cy="435774"/>
+          </a:xfrm>
+          <a:prstGeom prst="ellipse">
+            <a:avLst/>
+          </a:prstGeom>
+          <a:solidFill>
+            <a:srgbClr val="EEF0D6"/>
+          </a:solidFill>
+          <a:ln w="38100">
+            <a:solidFill>
+              <a:srgbClr val="ECD780"/>
+            </a:solidFill>
+          </a:ln>
+          <a:effectLst>
+            <a:glow rad="63500">
+              <a:srgbClr val="FFFF00">
+                <a:alpha val="40000"/>
+              </a:srgbClr>
+            </a:glow>
+          </a:effectLst>
+        </p:spPr>
+        <p:style>
+          <a:lnRef idx="2">
+            <a:schemeClr val="accent1">
+              <a:shade val="15000"/>
+            </a:schemeClr>
+          </a:lnRef>
+          <a:fillRef idx="1">
+            <a:schemeClr val="accent1"/>
+          </a:fillRef>
+          <a:effectRef idx="0">
+            <a:schemeClr val="accent1"/>
+          </a:effectRef>
+          <a:fontRef idx="minor">
+            <a:schemeClr val="lt1"/>
+          </a:fontRef>
+        </p:style>
+        <p:txBody>
+          <a:bodyPr rtlCol="0" anchor="ctr"/>
+          <a:lstStyle/>
+          <a:p>
+            <a:pPr algn="ctr"/>
+            <a:endParaRPr kumimoji="1" lang="ja-JP" altLang="en-US" dirty="0"/>
+          </a:p>
+        </p:txBody>
+      </p:sp>
+      <p:sp>
+        <p:nvSpPr>
+          <p:cNvPr id="52" name="テキスト ボックス 51">
+            <a:extLst>
+              <a:ext uri="{FF2B5EF4-FFF2-40B4-BE49-F238E27FC236}">
+                <a16:creationId xmlns:a16="http://schemas.microsoft.com/office/drawing/2014/main" id="{72088FBC-405A-9075-CD38-08FB54633A11}"/>
+              </a:ext>
+            </a:extLst>
+          </p:cNvPr>
+          <p:cNvSpPr txBox="1"/>
+          <p:nvPr/>
+        </p:nvSpPr>
+        <p:spPr>
+          <a:xfrm>
+            <a:off x="7888499" y="831686"/>
+            <a:ext cx="1538177" cy="369332"/>
+          </a:xfrm>
+          <a:prstGeom prst="rect">
+            <a:avLst/>
+          </a:prstGeom>
+          <a:noFill/>
+        </p:spPr>
+        <p:txBody>
+          <a:bodyPr wrap="square" rtlCol="0">
+            <a:spAutoFit/>
+          </a:bodyPr>
+          <a:lstStyle/>
+          <a:p>
+            <a:pPr algn="ctr"/>
+            <a:r>
+              <a:rPr kumimoji="1" lang="en-US" altLang="ja-JP" b="1" dirty="0"/>
+              <a:t>SCORE: 004</a:t>
+            </a:r>
+            <a:endParaRPr kumimoji="1" lang="ja-JP" altLang="en-US" b="1" dirty="0"/>
+          </a:p>
+        </p:txBody>
+      </p:sp>
+      <p:sp>
+        <p:nvSpPr>
+          <p:cNvPr id="53" name="テキスト ボックス 52">
+            <a:extLst>
+              <a:ext uri="{FF2B5EF4-FFF2-40B4-BE49-F238E27FC236}">
+                <a16:creationId xmlns:a16="http://schemas.microsoft.com/office/drawing/2014/main" id="{155390DA-DCCB-4663-5852-DF4272390BB9}"/>
+              </a:ext>
+            </a:extLst>
+          </p:cNvPr>
+          <p:cNvSpPr txBox="1"/>
+          <p:nvPr/>
+        </p:nvSpPr>
+        <p:spPr>
+          <a:xfrm>
+            <a:off x="7877450" y="3893782"/>
+            <a:ext cx="1538177" cy="369332"/>
+          </a:xfrm>
+          <a:prstGeom prst="rect">
+            <a:avLst/>
+          </a:prstGeom>
+          <a:noFill/>
+        </p:spPr>
+        <p:txBody>
+          <a:bodyPr wrap="square" rtlCol="0">
+            <a:spAutoFit/>
+          </a:bodyPr>
+          <a:lstStyle/>
+          <a:p>
+            <a:pPr algn="ctr"/>
+            <a:r>
+              <a:rPr kumimoji="1" lang="en-US" altLang="ja-JP" b="1" dirty="0"/>
+              <a:t>SCORE: 026</a:t>
+            </a:r>
+            <a:endParaRPr kumimoji="1" lang="ja-JP" altLang="en-US" b="1" dirty="0"/>
+          </a:p>
+        </p:txBody>
+      </p:sp>
+      <p:sp>
+        <p:nvSpPr>
+          <p:cNvPr id="54" name="テキスト ボックス 53">
+            <a:extLst>
+              <a:ext uri="{FF2B5EF4-FFF2-40B4-BE49-F238E27FC236}">
+                <a16:creationId xmlns:a16="http://schemas.microsoft.com/office/drawing/2014/main" id="{FDCE0F3C-0961-5A78-2E69-2192720115F5}"/>
+              </a:ext>
+            </a:extLst>
+          </p:cNvPr>
+          <p:cNvSpPr txBox="1"/>
+          <p:nvPr/>
+        </p:nvSpPr>
+        <p:spPr>
+          <a:xfrm>
+            <a:off x="9479584" y="1487603"/>
+            <a:ext cx="2674596" cy="1323439"/>
+          </a:xfrm>
+          <a:prstGeom prst="rect">
+            <a:avLst/>
+          </a:prstGeom>
+          <a:noFill/>
+        </p:spPr>
+        <p:txBody>
+          <a:bodyPr wrap="square" rtlCol="0">
+            <a:spAutoFit/>
+          </a:bodyPr>
+          <a:lstStyle/>
+          <a:p>
+            <a:pPr algn="ctr"/>
+            <a:r>
+              <a:rPr lang="ja-JP" altLang="en-US" sz="2000" b="1" dirty="0">
+                <a:solidFill>
+                  <a:schemeClr val="accent6">
+                    <a:lumMod val="75000"/>
+                  </a:schemeClr>
+                </a:solidFill>
+                <a:effectLst>
+                  <a:glow rad="101600">
+                    <a:schemeClr val="bg1">
+                      <a:alpha val="60000"/>
+                    </a:schemeClr>
+                  </a:glow>
+                </a:effectLst>
+              </a:rPr>
+              <a:t>宇宙ゴミ</a:t>
+            </a:r>
+            <a:r>
+              <a:rPr lang="ja-JP" altLang="en-US" sz="2000" b="1" dirty="0">
+                <a:effectLst>
+                  <a:glow rad="101600">
+                    <a:schemeClr val="bg1">
+                      <a:alpha val="60000"/>
+                    </a:schemeClr>
+                  </a:glow>
+                </a:effectLst>
+              </a:rPr>
+              <a:t>を避けつつ</a:t>
+            </a:r>
+            <a:endParaRPr lang="en-US" altLang="ja-JP" sz="2000" b="1" dirty="0">
+              <a:effectLst>
+                <a:glow rad="101600">
+                  <a:schemeClr val="bg1">
+                    <a:alpha val="60000"/>
+                  </a:schemeClr>
+                </a:glow>
+              </a:effectLst>
+            </a:endParaRPr>
+          </a:p>
+          <a:p>
+            <a:pPr algn="ctr"/>
+            <a:r>
+              <a:rPr lang="ja-JP" altLang="en-US" sz="2000" b="1" dirty="0">
+                <a:solidFill>
+                  <a:schemeClr val="accent5">
+                    <a:lumMod val="60000"/>
+                    <a:lumOff val="40000"/>
+                  </a:schemeClr>
+                </a:solidFill>
+                <a:effectLst>
+                  <a:glow rad="101600">
+                    <a:schemeClr val="bg1">
+                      <a:alpha val="60000"/>
+                    </a:schemeClr>
+                  </a:glow>
+                </a:effectLst>
+              </a:rPr>
+              <a:t>小さな星屑</a:t>
+            </a:r>
+            <a:r>
+              <a:rPr lang="ja-JP" altLang="en-US" sz="2000" b="1" dirty="0">
+                <a:effectLst>
+                  <a:glow rad="101600">
+                    <a:schemeClr val="bg1">
+                      <a:alpha val="60000"/>
+                    </a:schemeClr>
+                  </a:glow>
+                </a:effectLst>
+              </a:rPr>
+              <a:t>を取って</a:t>
+            </a:r>
+            <a:endParaRPr lang="en-US" altLang="ja-JP" sz="2000" b="1" dirty="0">
+              <a:effectLst>
+                <a:glow rad="101600">
+                  <a:schemeClr val="bg1">
+                    <a:alpha val="60000"/>
+                  </a:schemeClr>
+                </a:glow>
+              </a:effectLst>
+            </a:endParaRPr>
+          </a:p>
+          <a:p>
+            <a:pPr algn="ctr"/>
+            <a:r>
+              <a:rPr lang="ja-JP" altLang="en-US" sz="2000" b="1" dirty="0">
+                <a:solidFill>
+                  <a:srgbClr val="FFC000"/>
+                </a:solidFill>
+                <a:effectLst>
+                  <a:glow rad="101600">
+                    <a:schemeClr val="bg1">
+                      <a:alpha val="60000"/>
+                    </a:schemeClr>
+                  </a:glow>
+                </a:effectLst>
+              </a:rPr>
+              <a:t>パワーアップ</a:t>
+            </a:r>
+            <a:r>
+              <a:rPr lang="ja-JP" altLang="en-US" sz="2000" b="1" dirty="0">
+                <a:effectLst>
+                  <a:glow rad="101600">
+                    <a:schemeClr val="bg1">
+                      <a:alpha val="60000"/>
+                    </a:schemeClr>
+                  </a:glow>
+                </a:effectLst>
+              </a:rPr>
+              <a:t>したい</a:t>
+            </a:r>
+            <a:endParaRPr lang="en-US" altLang="ja-JP" sz="2000" b="1" dirty="0">
+              <a:effectLst>
+                <a:glow rad="101600">
+                  <a:schemeClr val="bg1">
+                    <a:alpha val="60000"/>
+                  </a:schemeClr>
+                </a:glow>
+              </a:effectLst>
+            </a:endParaRPr>
+          </a:p>
+          <a:p>
+            <a:pPr algn="ctr"/>
+            <a:r>
+              <a:rPr kumimoji="1" lang="ja-JP" altLang="en-US" sz="2000" b="1" dirty="0">
+                <a:effectLst>
+                  <a:glow rad="101600">
+                    <a:schemeClr val="bg1">
+                      <a:alpha val="60000"/>
+                    </a:schemeClr>
+                  </a:glow>
+                </a:effectLst>
+              </a:rPr>
+              <a:t>という状況</a:t>
+            </a:r>
+            <a:endParaRPr kumimoji="1" lang="en-US" altLang="ja-JP" sz="2000" b="1" dirty="0">
+              <a:effectLst>
+                <a:glow rad="101600">
+                  <a:schemeClr val="bg1">
+                    <a:alpha val="60000"/>
+                  </a:schemeClr>
+                </a:glow>
+              </a:effectLst>
+            </a:endParaRPr>
+          </a:p>
+        </p:txBody>
+      </p:sp>
+      <p:cxnSp>
+        <p:nvCxnSpPr>
+          <p:cNvPr id="55" name="直線コネクタ 54">
+            <a:extLst>
+              <a:ext uri="{FF2B5EF4-FFF2-40B4-BE49-F238E27FC236}">
+                <a16:creationId xmlns:a16="http://schemas.microsoft.com/office/drawing/2014/main" id="{9A408F91-537A-2BA8-3130-E7E3F1D07886}"/>
+              </a:ext>
+            </a:extLst>
+          </p:cNvPr>
+          <p:cNvCxnSpPr>
+            <a:cxnSpLocks/>
+          </p:cNvCxnSpPr>
+          <p:nvPr/>
+        </p:nvCxnSpPr>
+        <p:spPr>
+          <a:xfrm flipV="1">
+            <a:off x="4634123" y="762781"/>
+            <a:ext cx="4835932" cy="24812"/>
+          </a:xfrm>
+          <a:prstGeom prst="line">
+            <a:avLst/>
+          </a:prstGeom>
+          <a:ln>
+            <a:solidFill>
+              <a:srgbClr val="FF0000"/>
+            </a:solidFill>
+          </a:ln>
+          <a:effectLst>
+            <a:glow rad="63500">
+              <a:srgbClr val="FF0000">
+                <a:alpha val="40000"/>
+              </a:srgbClr>
+            </a:glow>
+          </a:effectLst>
+        </p:spPr>
+        <p:style>
+          <a:lnRef idx="2">
+            <a:schemeClr val="dk1"/>
+          </a:lnRef>
+          <a:fillRef idx="0">
+            <a:schemeClr val="dk1"/>
+          </a:fillRef>
+          <a:effectRef idx="1">
+            <a:schemeClr val="dk1"/>
+          </a:effectRef>
+          <a:fontRef idx="minor">
+            <a:schemeClr val="tx1"/>
+          </a:fontRef>
+        </p:style>
+      </p:cxnSp>
+      <p:cxnSp>
+        <p:nvCxnSpPr>
+          <p:cNvPr id="58" name="直線コネクタ 57">
+            <a:extLst>
+              <a:ext uri="{FF2B5EF4-FFF2-40B4-BE49-F238E27FC236}">
+                <a16:creationId xmlns:a16="http://schemas.microsoft.com/office/drawing/2014/main" id="{66F89586-C94E-3D1F-E5FB-26105DA62F91}"/>
+              </a:ext>
+            </a:extLst>
+          </p:cNvPr>
+          <p:cNvCxnSpPr>
+            <a:cxnSpLocks/>
+          </p:cNvCxnSpPr>
+          <p:nvPr/>
+        </p:nvCxnSpPr>
+        <p:spPr>
+          <a:xfrm flipV="1">
+            <a:off x="4643652" y="3857705"/>
+            <a:ext cx="4835932" cy="24812"/>
+          </a:xfrm>
+          <a:prstGeom prst="line">
+            <a:avLst/>
+          </a:prstGeom>
+          <a:ln>
+            <a:solidFill>
+              <a:srgbClr val="FF0000"/>
+            </a:solidFill>
+          </a:ln>
+          <a:effectLst>
+            <a:glow rad="63500">
+              <a:srgbClr val="FF0000">
+                <a:alpha val="40000"/>
+              </a:srgbClr>
+            </a:glow>
+          </a:effectLst>
+        </p:spPr>
+        <p:style>
+          <a:lnRef idx="2">
+            <a:schemeClr val="dk1"/>
+          </a:lnRef>
+          <a:fillRef idx="0">
+            <a:schemeClr val="dk1"/>
+          </a:fillRef>
+          <a:effectRef idx="1">
+            <a:schemeClr val="dk1"/>
+          </a:effectRef>
+          <a:fontRef idx="minor">
+            <a:schemeClr val="tx1"/>
+          </a:fontRef>
+        </p:style>
+      </p:cxnSp>
+      <p:sp>
+        <p:nvSpPr>
+          <p:cNvPr id="59" name="テキスト ボックス 58">
+            <a:extLst>
+              <a:ext uri="{FF2B5EF4-FFF2-40B4-BE49-F238E27FC236}">
+                <a16:creationId xmlns:a16="http://schemas.microsoft.com/office/drawing/2014/main" id="{28478BBE-4056-5654-8783-F9D378B81105}"/>
+              </a:ext>
+            </a:extLst>
+          </p:cNvPr>
+          <p:cNvSpPr txBox="1"/>
+          <p:nvPr/>
+        </p:nvSpPr>
+        <p:spPr>
+          <a:xfrm>
+            <a:off x="9426676" y="707357"/>
+            <a:ext cx="2674596" cy="707886"/>
+          </a:xfrm>
+          <a:prstGeom prst="rect">
+            <a:avLst/>
+          </a:prstGeom>
+          <a:noFill/>
+        </p:spPr>
+        <p:txBody>
+          <a:bodyPr wrap="square" rtlCol="0">
+            <a:spAutoFit/>
+          </a:bodyPr>
+          <a:lstStyle/>
+          <a:p>
+            <a:pPr algn="ctr"/>
+            <a:r>
+              <a:rPr lang="ja-JP" altLang="en-US" sz="2000" b="1" dirty="0">
+                <a:solidFill>
+                  <a:srgbClr val="FF0000"/>
+                </a:solidFill>
+                <a:effectLst>
+                  <a:glow rad="101600">
+                    <a:schemeClr val="bg1">
+                      <a:alpha val="60000"/>
+                    </a:schemeClr>
+                  </a:glow>
+                </a:effectLst>
+              </a:rPr>
+              <a:t>赤の線</a:t>
+            </a:r>
+            <a:r>
+              <a:rPr lang="ja-JP" altLang="en-US" sz="2000" b="1" dirty="0">
+                <a:effectLst>
+                  <a:glow rad="101600">
+                    <a:schemeClr val="bg1">
+                      <a:alpha val="60000"/>
+                    </a:schemeClr>
+                  </a:glow>
+                </a:effectLst>
+              </a:rPr>
+              <a:t>は</a:t>
+            </a:r>
+            <a:endParaRPr lang="en-US" altLang="ja-JP" sz="2000" b="1" dirty="0">
+              <a:effectLst>
+                <a:glow rad="101600">
+                  <a:schemeClr val="bg1">
+                    <a:alpha val="60000"/>
+                  </a:schemeClr>
+                </a:glow>
+              </a:effectLst>
+            </a:endParaRPr>
+          </a:p>
+          <a:p>
+            <a:pPr algn="ctr"/>
+            <a:r>
+              <a:rPr lang="ja-JP" altLang="en-US" sz="2000" b="1" dirty="0">
+                <a:effectLst>
+                  <a:glow rad="101600">
+                    <a:schemeClr val="bg1">
+                      <a:alpha val="60000"/>
+                    </a:schemeClr>
+                  </a:glow>
+                </a:effectLst>
+              </a:rPr>
+              <a:t>デッドゾーン</a:t>
+            </a:r>
+            <a:endParaRPr kumimoji="1" lang="en-US" altLang="ja-JP" sz="2000" b="1" dirty="0">
+              <a:effectLst>
+                <a:glow rad="101600">
+                  <a:schemeClr val="bg1">
+                    <a:alpha val="60000"/>
+                  </a:schemeClr>
+                </a:glow>
+              </a:effectLst>
+            </a:endParaRPr>
+          </a:p>
+        </p:txBody>
+      </p:sp>
+      <p:sp>
+        <p:nvSpPr>
+          <p:cNvPr id="60" name="テキスト ボックス 59">
+            <a:extLst>
+              <a:ext uri="{FF2B5EF4-FFF2-40B4-BE49-F238E27FC236}">
+                <a16:creationId xmlns:a16="http://schemas.microsoft.com/office/drawing/2014/main" id="{F159CA81-C690-1F59-3BD0-C508EADA37A8}"/>
+              </a:ext>
+            </a:extLst>
+          </p:cNvPr>
+          <p:cNvSpPr txBox="1"/>
+          <p:nvPr/>
+        </p:nvSpPr>
+        <p:spPr>
+          <a:xfrm>
+            <a:off x="9479584" y="2876004"/>
+            <a:ext cx="2674596" cy="400110"/>
+          </a:xfrm>
+          <a:prstGeom prst="rect">
+            <a:avLst/>
+          </a:prstGeom>
+          <a:noFill/>
+        </p:spPr>
+        <p:txBody>
+          <a:bodyPr wrap="square" rtlCol="0">
+            <a:spAutoFit/>
+          </a:bodyPr>
+          <a:lstStyle/>
+          <a:p>
+            <a:pPr algn="ctr"/>
+            <a:r>
+              <a:rPr lang="en-US" altLang="ja-JP" sz="2000" b="1" dirty="0">
+                <a:effectLst>
+                  <a:glow rad="101600">
+                    <a:schemeClr val="bg1">
+                      <a:alpha val="60000"/>
+                    </a:schemeClr>
+                  </a:glow>
+                </a:effectLst>
+              </a:rPr>
+              <a:t>1</a:t>
+            </a:r>
+            <a:r>
+              <a:rPr lang="ja-JP" altLang="en-US" sz="2000" b="1" dirty="0">
+                <a:effectLst>
+                  <a:glow rad="101600">
+                    <a:schemeClr val="bg1">
+                      <a:alpha val="60000"/>
+                    </a:schemeClr>
+                  </a:glow>
+                </a:effectLst>
+              </a:rPr>
+              <a:t>秒ごとに</a:t>
+            </a:r>
+            <a:r>
+              <a:rPr lang="en-US" altLang="ja-JP" sz="2000" b="1" dirty="0">
+                <a:effectLst>
+                  <a:glow rad="101600">
+                    <a:schemeClr val="bg1">
+                      <a:alpha val="60000"/>
+                    </a:schemeClr>
+                  </a:glow>
+                </a:effectLst>
+              </a:rPr>
+              <a:t>1</a:t>
+            </a:r>
+            <a:r>
+              <a:rPr lang="ja-JP" altLang="en-US" sz="2000" b="1" dirty="0">
+                <a:effectLst>
+                  <a:glow rad="101600">
+                    <a:schemeClr val="bg1">
+                      <a:alpha val="60000"/>
+                    </a:schemeClr>
+                  </a:glow>
+                </a:effectLst>
+              </a:rPr>
+              <a:t>スコア</a:t>
+            </a:r>
+            <a:endParaRPr kumimoji="1" lang="en-US" altLang="ja-JP" sz="2000" b="1" dirty="0">
+              <a:effectLst>
+                <a:glow rad="101600">
+                  <a:schemeClr val="bg1">
+                    <a:alpha val="60000"/>
+                  </a:schemeClr>
+                </a:glow>
+              </a:effectLst>
+            </a:endParaRPr>
+          </a:p>
+        </p:txBody>
+      </p:sp>
+    </p:spTree>
+    <p:extLst>
+      <p:ext uri="{BB962C8B-B14F-4D97-AF65-F5344CB8AC3E}">
+        <p14:creationId xmlns:p14="http://schemas.microsoft.com/office/powerpoint/2010/main" val="3805105844"/>
       </p:ext>
     </p:extLst>
   </p:cSld>

--- a/PowerPoint/SPACE By SPACE_企画書.pptx
+++ b/PowerPoint/SPACE By SPACE_企画書.pptx
@@ -5,9 +5,8 @@
     <p:sldMasterId id="2147483648" r:id="rId1"/>
   </p:sldMasterIdLst>
   <p:sldIdLst>
-    <p:sldId id="259" r:id="rId2"/>
-    <p:sldId id="261" r:id="rId3"/>
-    <p:sldId id="262" r:id="rId4"/>
+    <p:sldId id="261" r:id="rId2"/>
+    <p:sldId id="262" r:id="rId3"/>
   </p:sldIdLst>
   <p:sldSz cx="12192000" cy="6858000"/>
   <p:notesSz cx="6858000" cy="9144000"/>
@@ -261,7 +260,7 @@
           <a:p>
             <a:fld id="{03D01DD2-4AC7-4618-B28F-450FCB75F0FD}" type="datetimeFigureOut">
               <a:rPr kumimoji="1" lang="ja-JP" altLang="en-US" smtClean="0"/>
-              <a:t>2025/6/9</a:t>
+              <a:t>2025/6/10</a:t>
             </a:fld>
             <a:endParaRPr kumimoji="1" lang="ja-JP" altLang="en-US"/>
           </a:p>
@@ -491,7 +490,7 @@
           <a:p>
             <a:fld id="{03D01DD2-4AC7-4618-B28F-450FCB75F0FD}" type="datetimeFigureOut">
               <a:rPr kumimoji="1" lang="ja-JP" altLang="en-US" smtClean="0"/>
-              <a:t>2025/6/9</a:t>
+              <a:t>2025/6/10</a:t>
             </a:fld>
             <a:endParaRPr kumimoji="1" lang="ja-JP" altLang="en-US"/>
           </a:p>
@@ -731,7 +730,7 @@
           <a:p>
             <a:fld id="{03D01DD2-4AC7-4618-B28F-450FCB75F0FD}" type="datetimeFigureOut">
               <a:rPr kumimoji="1" lang="ja-JP" altLang="en-US" smtClean="0"/>
-              <a:t>2025/6/9</a:t>
+              <a:t>2025/6/10</a:t>
             </a:fld>
             <a:endParaRPr kumimoji="1" lang="ja-JP" altLang="en-US"/>
           </a:p>
@@ -961,7 +960,7 @@
           <a:p>
             <a:fld id="{03D01DD2-4AC7-4618-B28F-450FCB75F0FD}" type="datetimeFigureOut">
               <a:rPr kumimoji="1" lang="ja-JP" altLang="en-US" smtClean="0"/>
-              <a:t>2025/6/9</a:t>
+              <a:t>2025/6/10</a:t>
             </a:fld>
             <a:endParaRPr kumimoji="1" lang="ja-JP" altLang="en-US"/>
           </a:p>
@@ -1236,7 +1235,7 @@
           <a:p>
             <a:fld id="{03D01DD2-4AC7-4618-B28F-450FCB75F0FD}" type="datetimeFigureOut">
               <a:rPr kumimoji="1" lang="ja-JP" altLang="en-US" smtClean="0"/>
-              <a:t>2025/6/9</a:t>
+              <a:t>2025/6/10</a:t>
             </a:fld>
             <a:endParaRPr kumimoji="1" lang="ja-JP" altLang="en-US"/>
           </a:p>
@@ -1565,7 +1564,7 @@
           <a:p>
             <a:fld id="{03D01DD2-4AC7-4618-B28F-450FCB75F0FD}" type="datetimeFigureOut">
               <a:rPr kumimoji="1" lang="ja-JP" altLang="en-US" smtClean="0"/>
-              <a:t>2025/6/9</a:t>
+              <a:t>2025/6/10</a:t>
             </a:fld>
             <a:endParaRPr kumimoji="1" lang="ja-JP" altLang="en-US"/>
           </a:p>
@@ -2041,7 +2040,7 @@
           <a:p>
             <a:fld id="{03D01DD2-4AC7-4618-B28F-450FCB75F0FD}" type="datetimeFigureOut">
               <a:rPr kumimoji="1" lang="ja-JP" altLang="en-US" smtClean="0"/>
-              <a:t>2025/6/9</a:t>
+              <a:t>2025/6/10</a:t>
             </a:fld>
             <a:endParaRPr kumimoji="1" lang="ja-JP" altLang="en-US"/>
           </a:p>
@@ -2182,7 +2181,7 @@
           <a:p>
             <a:fld id="{03D01DD2-4AC7-4618-B28F-450FCB75F0FD}" type="datetimeFigureOut">
               <a:rPr kumimoji="1" lang="ja-JP" altLang="en-US" smtClean="0"/>
-              <a:t>2025/6/9</a:t>
+              <a:t>2025/6/10</a:t>
             </a:fld>
             <a:endParaRPr kumimoji="1" lang="ja-JP" altLang="en-US"/>
           </a:p>
@@ -2295,7 +2294,7 @@
           <a:p>
             <a:fld id="{03D01DD2-4AC7-4618-B28F-450FCB75F0FD}" type="datetimeFigureOut">
               <a:rPr kumimoji="1" lang="ja-JP" altLang="en-US" smtClean="0"/>
-              <a:t>2025/6/9</a:t>
+              <a:t>2025/6/10</a:t>
             </a:fld>
             <a:endParaRPr kumimoji="1" lang="ja-JP" altLang="en-US"/>
           </a:p>
@@ -2638,7 +2637,7 @@
           <a:p>
             <a:fld id="{03D01DD2-4AC7-4618-B28F-450FCB75F0FD}" type="datetimeFigureOut">
               <a:rPr kumimoji="1" lang="ja-JP" altLang="en-US" smtClean="0"/>
-              <a:t>2025/6/9</a:t>
+              <a:t>2025/6/10</a:t>
             </a:fld>
             <a:endParaRPr kumimoji="1" lang="ja-JP" altLang="en-US"/>
           </a:p>
@@ -2926,7 +2925,7 @@
           <a:p>
             <a:fld id="{03D01DD2-4AC7-4618-B28F-450FCB75F0FD}" type="datetimeFigureOut">
               <a:rPr kumimoji="1" lang="ja-JP" altLang="en-US" smtClean="0"/>
-              <a:t>2025/6/9</a:t>
+              <a:t>2025/6/10</a:t>
             </a:fld>
             <a:endParaRPr kumimoji="1" lang="ja-JP" altLang="en-US"/>
           </a:p>
@@ -3209,7 +3208,7 @@
           <a:p>
             <a:fld id="{03D01DD2-4AC7-4618-B28F-450FCB75F0FD}" type="datetimeFigureOut">
               <a:rPr kumimoji="1" lang="ja-JP" altLang="en-US" smtClean="0"/>
-              <a:t>2025/6/9</a:t>
+              <a:t>2025/6/10</a:t>
             </a:fld>
             <a:endParaRPr kumimoji="1" lang="ja-JP" altLang="en-US"/>
           </a:p>
@@ -3614,3189 +3613,6 @@
   <p:cSld>
     <p:spTree>
       <p:nvGrpSpPr>
-        <p:cNvPr id="1" name=""/>
-        <p:cNvGrpSpPr/>
-        <p:nvPr/>
-      </p:nvGrpSpPr>
-      <p:grpSpPr>
-        <a:xfrm>
-          <a:off x="0" y="0"/>
-          <a:ext cx="0" cy="0"/>
-          <a:chOff x="0" y="0"/>
-          <a:chExt cx="0" cy="0"/>
-        </a:xfrm>
-      </p:grpSpPr>
-      <p:grpSp>
-        <p:nvGrpSpPr>
-          <p:cNvPr id="49" name="グループ化 48">
-            <a:extLst>
-              <a:ext uri="{FF2B5EF4-FFF2-40B4-BE49-F238E27FC236}">
-                <a16:creationId xmlns:a16="http://schemas.microsoft.com/office/drawing/2014/main" id="{D480656E-683B-D92A-3CBC-C0E1D78C36C9}"/>
-              </a:ext>
-            </a:extLst>
-          </p:cNvPr>
-          <p:cNvGrpSpPr/>
-          <p:nvPr/>
-        </p:nvGrpSpPr>
-        <p:grpSpPr>
-          <a:xfrm>
-            <a:off x="32477" y="6010200"/>
-            <a:ext cx="3222608" cy="169377"/>
-            <a:chOff x="8781143" y="3440458"/>
-            <a:chExt cx="1334736" cy="318742"/>
-          </a:xfrm>
-        </p:grpSpPr>
-        <p:sp>
-          <p:nvSpPr>
-            <p:cNvPr id="47" name="矢印: 左 46">
-              <a:extLst>
-                <a:ext uri="{FF2B5EF4-FFF2-40B4-BE49-F238E27FC236}">
-                  <a16:creationId xmlns:a16="http://schemas.microsoft.com/office/drawing/2014/main" id="{70C1DB5B-00F4-4892-DB2E-9C6C49B84572}"/>
-                </a:ext>
-              </a:extLst>
-            </p:cNvPr>
-            <p:cNvSpPr/>
-            <p:nvPr/>
-          </p:nvSpPr>
-          <p:spPr>
-            <a:xfrm>
-              <a:off x="8781143" y="3440459"/>
-              <a:ext cx="621667" cy="318741"/>
-            </a:xfrm>
-            <a:prstGeom prst="leftArrow">
-              <a:avLst/>
-            </a:prstGeom>
-          </p:spPr>
-          <p:style>
-            <a:lnRef idx="1">
-              <a:schemeClr val="accent1"/>
-            </a:lnRef>
-            <a:fillRef idx="3">
-              <a:schemeClr val="accent1"/>
-            </a:fillRef>
-            <a:effectRef idx="2">
-              <a:schemeClr val="accent1"/>
-            </a:effectRef>
-            <a:fontRef idx="minor">
-              <a:schemeClr val="lt1"/>
-            </a:fontRef>
-          </p:style>
-          <p:txBody>
-            <a:bodyPr rtlCol="0" anchor="ctr"/>
-            <a:lstStyle/>
-            <a:p>
-              <a:pPr algn="ctr"/>
-              <a:endParaRPr kumimoji="1" lang="ja-JP" altLang="en-US"/>
-            </a:p>
-          </p:txBody>
-        </p:sp>
-        <p:sp>
-          <p:nvSpPr>
-            <p:cNvPr id="48" name="矢印: 右 47">
-              <a:extLst>
-                <a:ext uri="{FF2B5EF4-FFF2-40B4-BE49-F238E27FC236}">
-                  <a16:creationId xmlns:a16="http://schemas.microsoft.com/office/drawing/2014/main" id="{5BB82EBB-CFCB-795D-4804-C43B70CCEB03}"/>
-                </a:ext>
-              </a:extLst>
-            </p:cNvPr>
-            <p:cNvSpPr/>
-            <p:nvPr/>
-          </p:nvSpPr>
-          <p:spPr>
-            <a:xfrm>
-              <a:off x="9387765" y="3440458"/>
-              <a:ext cx="728114" cy="318741"/>
-            </a:xfrm>
-            <a:prstGeom prst="rightArrow">
-              <a:avLst/>
-            </a:prstGeom>
-          </p:spPr>
-          <p:style>
-            <a:lnRef idx="1">
-              <a:schemeClr val="accent1"/>
-            </a:lnRef>
-            <a:fillRef idx="3">
-              <a:schemeClr val="accent1"/>
-            </a:fillRef>
-            <a:effectRef idx="2">
-              <a:schemeClr val="accent1"/>
-            </a:effectRef>
-            <a:fontRef idx="minor">
-              <a:schemeClr val="lt1"/>
-            </a:fontRef>
-          </p:style>
-          <p:txBody>
-            <a:bodyPr rtlCol="0" anchor="ctr"/>
-            <a:lstStyle/>
-            <a:p>
-              <a:pPr algn="ctr"/>
-              <a:endParaRPr kumimoji="1" lang="ja-JP" altLang="en-US"/>
-            </a:p>
-          </p:txBody>
-        </p:sp>
-      </p:grpSp>
-      <p:sp>
-        <p:nvSpPr>
-          <p:cNvPr id="4" name="テキスト ボックス 3">
-            <a:extLst>
-              <a:ext uri="{FF2B5EF4-FFF2-40B4-BE49-F238E27FC236}">
-                <a16:creationId xmlns:a16="http://schemas.microsoft.com/office/drawing/2014/main" id="{2EAE3BF6-9D54-F047-43EE-364D39F40D0A}"/>
-              </a:ext>
-            </a:extLst>
-          </p:cNvPr>
-          <p:cNvSpPr txBox="1"/>
-          <p:nvPr/>
-        </p:nvSpPr>
-        <p:spPr>
-          <a:xfrm>
-            <a:off x="1064785" y="489475"/>
-            <a:ext cx="6330998" cy="523220"/>
-          </a:xfrm>
-          <a:prstGeom prst="rect">
-            <a:avLst/>
-          </a:prstGeom>
-          <a:noFill/>
-        </p:spPr>
-        <p:txBody>
-          <a:bodyPr wrap="square" rtlCol="0">
-            <a:prstTxWarp prst="textArchUp">
-              <a:avLst/>
-            </a:prstTxWarp>
-            <a:spAutoFit/>
-          </a:bodyPr>
-          <a:lstStyle/>
-          <a:p>
-            <a:pPr algn="ctr"/>
-            <a:r>
-              <a:rPr kumimoji="1" lang="ja-JP" altLang="en-US" sz="3600" b="1" dirty="0">
-                <a:ln>
-                  <a:solidFill>
-                    <a:schemeClr val="bg1"/>
-                  </a:solidFill>
-                </a:ln>
-                <a:solidFill>
-                  <a:srgbClr val="0070C0"/>
-                </a:solidFill>
-                <a:effectLst>
-                  <a:glow rad="63500">
-                    <a:schemeClr val="accent4">
-                      <a:satMod val="175000"/>
-                      <a:alpha val="40000"/>
-                    </a:schemeClr>
-                  </a:glow>
-                </a:effectLst>
-                <a:latin typeface="HG丸ｺﾞｼｯｸM-PRO" panose="020F0600000000000000" pitchFamily="50" charset="-128"/>
-                <a:ea typeface="HG丸ｺﾞｼｯｸM-PRO" panose="020F0600000000000000" pitchFamily="50" charset="-128"/>
-              </a:rPr>
-              <a:t>宇宙が舞台のほぼワンボタンゲーム</a:t>
-            </a:r>
-          </a:p>
-        </p:txBody>
-      </p:sp>
-      <p:sp>
-        <p:nvSpPr>
-          <p:cNvPr id="5" name="テキスト ボックス 4">
-            <a:extLst>
-              <a:ext uri="{FF2B5EF4-FFF2-40B4-BE49-F238E27FC236}">
-                <a16:creationId xmlns:a16="http://schemas.microsoft.com/office/drawing/2014/main" id="{377C528C-E60E-3577-2191-24F4FC70A1A9}"/>
-              </a:ext>
-            </a:extLst>
-          </p:cNvPr>
-          <p:cNvSpPr txBox="1"/>
-          <p:nvPr/>
-        </p:nvSpPr>
-        <p:spPr>
-          <a:xfrm>
-            <a:off x="-563930" y="610481"/>
-            <a:ext cx="9093676" cy="1446550"/>
-          </a:xfrm>
-          <a:prstGeom prst="rect">
-            <a:avLst/>
-          </a:prstGeom>
-          <a:noFill/>
-        </p:spPr>
-        <p:txBody>
-          <a:bodyPr wrap="square" rtlCol="0">
-            <a:spAutoFit/>
-          </a:bodyPr>
-          <a:lstStyle/>
-          <a:p>
-            <a:pPr algn="ctr"/>
-            <a:r>
-              <a:rPr lang="en-US" altLang="ja-JP" sz="8800" b="1" dirty="0">
-                <a:ln w="19050">
-                  <a:solidFill>
-                    <a:schemeClr val="bg2">
-                      <a:lumMod val="90000"/>
-                    </a:schemeClr>
-                  </a:solidFill>
-                </a:ln>
-                <a:solidFill>
-                  <a:schemeClr val="accent1"/>
-                </a:solidFill>
-                <a:effectLst>
-                  <a:glow rad="63500">
-                    <a:schemeClr val="accent1">
-                      <a:satMod val="175000"/>
-                      <a:alpha val="40000"/>
-                    </a:schemeClr>
-                  </a:glow>
-                </a:effectLst>
-                <a:latin typeface="STCaiyun" panose="020B0503020204020204" pitchFamily="2" charset="-122"/>
-                <a:ea typeface="STCaiyun" panose="020B0503020204020204" pitchFamily="2" charset="-122"/>
-              </a:rPr>
-              <a:t>SPA</a:t>
-            </a:r>
-            <a:r>
-              <a:rPr lang="en-US" altLang="ja-JP" sz="8000" b="1" dirty="0">
-                <a:ln w="19050">
-                  <a:solidFill>
-                    <a:schemeClr val="bg2">
-                      <a:lumMod val="90000"/>
-                    </a:schemeClr>
-                  </a:solidFill>
-                </a:ln>
-                <a:solidFill>
-                  <a:schemeClr val="accent1"/>
-                </a:solidFill>
-                <a:effectLst>
-                  <a:glow rad="63500">
-                    <a:schemeClr val="accent1">
-                      <a:satMod val="175000"/>
-                      <a:alpha val="40000"/>
-                    </a:schemeClr>
-                  </a:glow>
-                </a:effectLst>
-                <a:latin typeface="STCaiyun" panose="020B0503020204020204" pitchFamily="2" charset="-122"/>
-                <a:ea typeface="STCaiyun" panose="020B0503020204020204" pitchFamily="2" charset="-122"/>
-              </a:rPr>
-              <a:t>C</a:t>
-            </a:r>
-            <a:r>
-              <a:rPr lang="en-US" altLang="ja-JP" sz="8800" b="1" dirty="0">
-                <a:ln w="19050">
-                  <a:solidFill>
-                    <a:schemeClr val="bg2">
-                      <a:lumMod val="90000"/>
-                    </a:schemeClr>
-                  </a:solidFill>
-                </a:ln>
-                <a:solidFill>
-                  <a:schemeClr val="accent1"/>
-                </a:solidFill>
-                <a:effectLst>
-                  <a:glow rad="63500">
-                    <a:schemeClr val="accent1">
-                      <a:satMod val="175000"/>
-                      <a:alpha val="40000"/>
-                    </a:schemeClr>
-                  </a:glow>
-                </a:effectLst>
-                <a:latin typeface="STCaiyun" panose="020B0503020204020204" pitchFamily="2" charset="-122"/>
-                <a:ea typeface="STCaiyun" panose="020B0503020204020204" pitchFamily="2" charset="-122"/>
-              </a:rPr>
-              <a:t>E</a:t>
-            </a:r>
-            <a:r>
-              <a:rPr lang="ja-JP" altLang="en-US" sz="8800" b="1" dirty="0">
-                <a:ln w="19050">
-                  <a:solidFill>
-                    <a:schemeClr val="bg2">
-                      <a:lumMod val="90000"/>
-                    </a:schemeClr>
-                  </a:solidFill>
-                </a:ln>
-                <a:solidFill>
-                  <a:schemeClr val="accent1"/>
-                </a:solidFill>
-                <a:effectLst>
-                  <a:glow rad="63500">
-                    <a:schemeClr val="accent1">
-                      <a:satMod val="175000"/>
-                      <a:alpha val="40000"/>
-                    </a:schemeClr>
-                  </a:glow>
-                </a:effectLst>
-                <a:latin typeface="STCaiyun" panose="020B0503020204020204" pitchFamily="2" charset="-122"/>
-                <a:ea typeface="STCaiyun" panose="020B0503020204020204" pitchFamily="2" charset="-122"/>
-              </a:rPr>
-              <a:t> </a:t>
-            </a:r>
-            <a:r>
-              <a:rPr lang="en-US" altLang="ja-JP" sz="6600" b="1" dirty="0">
-                <a:ln w="19050">
-                  <a:solidFill>
-                    <a:schemeClr val="bg2">
-                      <a:lumMod val="90000"/>
-                    </a:schemeClr>
-                  </a:solidFill>
-                </a:ln>
-                <a:solidFill>
-                  <a:schemeClr val="accent1"/>
-                </a:solidFill>
-                <a:effectLst>
-                  <a:glow rad="63500">
-                    <a:schemeClr val="accent1">
-                      <a:satMod val="175000"/>
-                      <a:alpha val="40000"/>
-                    </a:schemeClr>
-                  </a:glow>
-                </a:effectLst>
-                <a:latin typeface="STCaiyun" panose="020B0503020204020204" pitchFamily="2" charset="-122"/>
-                <a:ea typeface="STCaiyun" panose="020B0503020204020204" pitchFamily="2" charset="-122"/>
-              </a:rPr>
-              <a:t>By</a:t>
-            </a:r>
-            <a:r>
-              <a:rPr lang="en-US" altLang="ja-JP" sz="8800" b="1" dirty="0">
-                <a:ln w="19050">
-                  <a:solidFill>
-                    <a:schemeClr val="bg2">
-                      <a:lumMod val="90000"/>
-                    </a:schemeClr>
-                  </a:solidFill>
-                </a:ln>
-                <a:solidFill>
-                  <a:schemeClr val="accent1"/>
-                </a:solidFill>
-                <a:effectLst>
-                  <a:glow rad="63500">
-                    <a:schemeClr val="accent1">
-                      <a:satMod val="175000"/>
-                      <a:alpha val="40000"/>
-                    </a:schemeClr>
-                  </a:glow>
-                </a:effectLst>
-                <a:latin typeface="STCaiyun" panose="020B0503020204020204" pitchFamily="2" charset="-122"/>
-                <a:ea typeface="STCaiyun" panose="020B0503020204020204" pitchFamily="2" charset="-122"/>
-              </a:rPr>
-              <a:t> SPA</a:t>
-            </a:r>
-            <a:r>
-              <a:rPr lang="en-US" altLang="ja-JP" sz="8000" b="1" dirty="0">
-                <a:ln w="19050">
-                  <a:solidFill>
-                    <a:schemeClr val="bg2">
-                      <a:lumMod val="90000"/>
-                    </a:schemeClr>
-                  </a:solidFill>
-                </a:ln>
-                <a:solidFill>
-                  <a:schemeClr val="accent1"/>
-                </a:solidFill>
-                <a:effectLst>
-                  <a:glow rad="63500">
-                    <a:schemeClr val="accent1">
-                      <a:satMod val="175000"/>
-                      <a:alpha val="40000"/>
-                    </a:schemeClr>
-                  </a:glow>
-                </a:effectLst>
-                <a:latin typeface="STCaiyun" panose="020B0503020204020204" pitchFamily="2" charset="-122"/>
-                <a:ea typeface="STCaiyun" panose="020B0503020204020204" pitchFamily="2" charset="-122"/>
-              </a:rPr>
-              <a:t>C</a:t>
-            </a:r>
-            <a:r>
-              <a:rPr lang="en-US" altLang="ja-JP" sz="8800" b="1" dirty="0">
-                <a:ln w="19050">
-                  <a:solidFill>
-                    <a:schemeClr val="bg2">
-                      <a:lumMod val="90000"/>
-                    </a:schemeClr>
-                  </a:solidFill>
-                </a:ln>
-                <a:solidFill>
-                  <a:schemeClr val="accent1"/>
-                </a:solidFill>
-                <a:effectLst>
-                  <a:glow rad="63500">
-                    <a:schemeClr val="accent1">
-                      <a:satMod val="175000"/>
-                      <a:alpha val="40000"/>
-                    </a:schemeClr>
-                  </a:glow>
-                </a:effectLst>
-                <a:latin typeface="STCaiyun" panose="020B0503020204020204" pitchFamily="2" charset="-122"/>
-                <a:ea typeface="STCaiyun" panose="020B0503020204020204" pitchFamily="2" charset="-122"/>
-              </a:rPr>
-              <a:t>E</a:t>
-            </a:r>
-          </a:p>
-        </p:txBody>
-      </p:sp>
-      <p:grpSp>
-        <p:nvGrpSpPr>
-          <p:cNvPr id="6" name="グループ化 5">
-            <a:extLst>
-              <a:ext uri="{FF2B5EF4-FFF2-40B4-BE49-F238E27FC236}">
-                <a16:creationId xmlns:a16="http://schemas.microsoft.com/office/drawing/2014/main" id="{AFCA5194-F4C4-FEA7-F322-3804C7B58EBF}"/>
-              </a:ext>
-            </a:extLst>
-          </p:cNvPr>
-          <p:cNvGrpSpPr/>
-          <p:nvPr/>
-        </p:nvGrpSpPr>
-        <p:grpSpPr>
-          <a:xfrm>
-            <a:off x="3837803" y="2877610"/>
-            <a:ext cx="3174126" cy="1965443"/>
-            <a:chOff x="232085" y="3700663"/>
-            <a:chExt cx="4087437" cy="2386030"/>
-          </a:xfrm>
-        </p:grpSpPr>
-        <p:pic>
-          <p:nvPicPr>
-            <p:cNvPr id="7" name="図 6" descr="星と惑星のcg&#10;&#10;AI によって生成されたコンテンツは間違っている可能性があります。">
-              <a:extLst>
-                <a:ext uri="{FF2B5EF4-FFF2-40B4-BE49-F238E27FC236}">
-                  <a16:creationId xmlns:a16="http://schemas.microsoft.com/office/drawing/2014/main" id="{CA2FB0DB-85FE-239D-16D1-1A18256EAD2C}"/>
-                </a:ext>
-              </a:extLst>
-            </p:cNvPr>
-            <p:cNvPicPr>
-              <a:picLocks noChangeAspect="1"/>
-            </p:cNvPicPr>
-            <p:nvPr/>
-          </p:nvPicPr>
-          <p:blipFill>
-            <a:blip r:embed="rId2">
-              <a:alphaModFix amt="60000"/>
-              <a:extLst>
-                <a:ext uri="{28A0092B-C50C-407E-A947-70E740481C1C}">
-                  <a14:useLocalDpi xmlns:a14="http://schemas.microsoft.com/office/drawing/2010/main" val="0"/>
-                </a:ext>
-              </a:extLst>
-            </a:blip>
-            <a:stretch>
-              <a:fillRect/>
-            </a:stretch>
-          </p:blipFill>
-          <p:spPr>
-            <a:xfrm>
-              <a:off x="232085" y="3700663"/>
-              <a:ext cx="4087435" cy="2384053"/>
-            </a:xfrm>
-            <a:prstGeom prst="rect">
-              <a:avLst/>
-            </a:prstGeom>
-          </p:spPr>
-        </p:pic>
-        <p:sp>
-          <p:nvSpPr>
-            <p:cNvPr id="8" name="矢印: 上 7">
-              <a:extLst>
-                <a:ext uri="{FF2B5EF4-FFF2-40B4-BE49-F238E27FC236}">
-                  <a16:creationId xmlns:a16="http://schemas.microsoft.com/office/drawing/2014/main" id="{4E76A041-26E7-EAC6-B0F4-F4BACAAE997C}"/>
-                </a:ext>
-              </a:extLst>
-            </p:cNvPr>
-            <p:cNvSpPr/>
-            <p:nvPr/>
-          </p:nvSpPr>
-          <p:spPr>
-            <a:xfrm>
-              <a:off x="2101975" y="3824234"/>
-              <a:ext cx="334667" cy="1766510"/>
-            </a:xfrm>
-            <a:prstGeom prst="upArrow">
-              <a:avLst/>
-            </a:prstGeom>
-            <a:solidFill>
-              <a:srgbClr val="FF0000"/>
-            </a:solidFill>
-          </p:spPr>
-          <p:style>
-            <a:lnRef idx="2">
-              <a:schemeClr val="dk1">
-                <a:shade val="15000"/>
-              </a:schemeClr>
-            </a:lnRef>
-            <a:fillRef idx="1">
-              <a:schemeClr val="dk1"/>
-            </a:fillRef>
-            <a:effectRef idx="0">
-              <a:schemeClr val="dk1"/>
-            </a:effectRef>
-            <a:fontRef idx="minor">
-              <a:schemeClr val="lt1"/>
-            </a:fontRef>
-          </p:style>
-          <p:txBody>
-            <a:bodyPr rtlCol="0" anchor="ctr"/>
-            <a:lstStyle/>
-            <a:p>
-              <a:pPr algn="ctr"/>
-              <a:endParaRPr kumimoji="1" lang="ja-JP" altLang="en-US" dirty="0"/>
-            </a:p>
-          </p:txBody>
-        </p:sp>
-        <p:sp>
-          <p:nvSpPr>
-            <p:cNvPr id="9" name="正方形/長方形 8">
-              <a:extLst>
-                <a:ext uri="{FF2B5EF4-FFF2-40B4-BE49-F238E27FC236}">
-                  <a16:creationId xmlns:a16="http://schemas.microsoft.com/office/drawing/2014/main" id="{533DA7A3-5CEE-8EA2-85C6-705593976AE3}"/>
-                </a:ext>
-              </a:extLst>
-            </p:cNvPr>
-            <p:cNvSpPr/>
-            <p:nvPr/>
-          </p:nvSpPr>
-          <p:spPr>
-            <a:xfrm>
-              <a:off x="232087" y="3702640"/>
-              <a:ext cx="4087435" cy="2384053"/>
-            </a:xfrm>
-            <a:prstGeom prst="rect">
-              <a:avLst/>
-            </a:prstGeom>
-            <a:noFill/>
-            <a:ln w="57150" cap="flat" cmpd="sng" algn="ctr">
-              <a:solidFill>
-                <a:schemeClr val="dk1"/>
-              </a:solidFill>
-              <a:prstDash val="solid"/>
-              <a:round/>
-              <a:headEnd type="none" w="med" len="med"/>
-              <a:tailEnd type="none" w="med" len="med"/>
-            </a:ln>
-          </p:spPr>
-          <p:style>
-            <a:lnRef idx="0">
-              <a:scrgbClr r="0" g="0" b="0"/>
-            </a:lnRef>
-            <a:fillRef idx="0">
-              <a:scrgbClr r="0" g="0" b="0"/>
-            </a:fillRef>
-            <a:effectRef idx="0">
-              <a:scrgbClr r="0" g="0" b="0"/>
-            </a:effectRef>
-            <a:fontRef idx="minor">
-              <a:schemeClr val="dk1"/>
-            </a:fontRef>
-          </p:style>
-          <p:txBody>
-            <a:bodyPr rtlCol="0" anchor="ctr"/>
-            <a:lstStyle/>
-            <a:p>
-              <a:pPr algn="ctr"/>
-              <a:endParaRPr kumimoji="1" lang="ja-JP" altLang="en-US"/>
-            </a:p>
-          </p:txBody>
-        </p:sp>
-        <p:sp>
-          <p:nvSpPr>
-            <p:cNvPr id="10" name="楕円 9">
-              <a:extLst>
-                <a:ext uri="{FF2B5EF4-FFF2-40B4-BE49-F238E27FC236}">
-                  <a16:creationId xmlns:a16="http://schemas.microsoft.com/office/drawing/2014/main" id="{71C3B244-BD38-BE91-4D74-585B19E17B91}"/>
-                </a:ext>
-              </a:extLst>
-            </p:cNvPr>
-            <p:cNvSpPr/>
-            <p:nvPr/>
-          </p:nvSpPr>
-          <p:spPr>
-            <a:xfrm>
-              <a:off x="2073380" y="4517969"/>
-              <a:ext cx="404848" cy="403271"/>
-            </a:xfrm>
-            <a:prstGeom prst="ellipse">
-              <a:avLst/>
-            </a:prstGeom>
-            <a:solidFill>
-              <a:schemeClr val="bg1"/>
-            </a:solidFill>
-            <a:ln w="38100">
-              <a:solidFill>
-                <a:schemeClr val="accent1">
-                  <a:lumMod val="60000"/>
-                  <a:lumOff val="40000"/>
-                </a:schemeClr>
-              </a:solidFill>
-            </a:ln>
-          </p:spPr>
-          <p:style>
-            <a:lnRef idx="2">
-              <a:schemeClr val="accent1">
-                <a:shade val="15000"/>
-              </a:schemeClr>
-            </a:lnRef>
-            <a:fillRef idx="1">
-              <a:schemeClr val="accent1"/>
-            </a:fillRef>
-            <a:effectRef idx="0">
-              <a:schemeClr val="accent1"/>
-            </a:effectRef>
-            <a:fontRef idx="minor">
-              <a:schemeClr val="lt1"/>
-            </a:fontRef>
-          </p:style>
-          <p:txBody>
-            <a:bodyPr rtlCol="0" anchor="ctr"/>
-            <a:lstStyle/>
-            <a:p>
-              <a:pPr algn="ctr"/>
-              <a:endParaRPr kumimoji="1" lang="ja-JP" altLang="en-US"/>
-            </a:p>
-          </p:txBody>
-        </p:sp>
-        <p:pic>
-          <p:nvPicPr>
-            <p:cNvPr id="11" name="グラフィックス 10" descr="アリ 単色塗りつぶし">
-              <a:extLst>
-                <a:ext uri="{FF2B5EF4-FFF2-40B4-BE49-F238E27FC236}">
-                  <a16:creationId xmlns:a16="http://schemas.microsoft.com/office/drawing/2014/main" id="{7C0BEAB2-1938-8C6D-8D52-7844417AE668}"/>
-                </a:ext>
-              </a:extLst>
-            </p:cNvPr>
-            <p:cNvPicPr>
-              <a:picLocks noChangeAspect="1"/>
-            </p:cNvPicPr>
-            <p:nvPr/>
-          </p:nvPicPr>
-          <p:blipFill>
-            <a:blip r:embed="rId3">
-              <a:extLst>
-                <a:ext uri="{96DAC541-7B7A-43D3-8B79-37D633B846F1}">
-                  <asvg:svgBlip xmlns:asvg="http://schemas.microsoft.com/office/drawing/2016/SVG/main" r:embed="rId4"/>
-                </a:ext>
-              </a:extLst>
-            </a:blip>
-            <a:stretch>
-              <a:fillRect/>
-            </a:stretch>
-          </p:blipFill>
-          <p:spPr>
-            <a:xfrm rot="16200000">
-              <a:off x="2720998" y="4383957"/>
-              <a:ext cx="457200" cy="457200"/>
-            </a:xfrm>
-            <a:prstGeom prst="rect">
-              <a:avLst/>
-            </a:prstGeom>
-          </p:spPr>
-        </p:pic>
-        <p:pic>
-          <p:nvPicPr>
-            <p:cNvPr id="12" name="グラフィックス 11" descr="木星 単色塗りつぶし">
-              <a:extLst>
-                <a:ext uri="{FF2B5EF4-FFF2-40B4-BE49-F238E27FC236}">
-                  <a16:creationId xmlns:a16="http://schemas.microsoft.com/office/drawing/2014/main" id="{8241EE4E-E81D-DB5C-B9AB-3A999102EADA}"/>
-                </a:ext>
-              </a:extLst>
-            </p:cNvPr>
-            <p:cNvPicPr>
-              <a:picLocks noChangeAspect="1"/>
-            </p:cNvPicPr>
-            <p:nvPr/>
-          </p:nvPicPr>
-          <p:blipFill>
-            <a:blip r:embed="rId5">
-              <a:extLst>
-                <a:ext uri="{96DAC541-7B7A-43D3-8B79-37D633B846F1}">
-                  <asvg:svgBlip xmlns:asvg="http://schemas.microsoft.com/office/drawing/2016/SVG/main" r:embed="rId6"/>
-                </a:ext>
-              </a:extLst>
-            </a:blip>
-            <a:stretch>
-              <a:fillRect/>
-            </a:stretch>
-          </p:blipFill>
-          <p:spPr>
-            <a:xfrm>
-              <a:off x="3584840" y="3852013"/>
-              <a:ext cx="457200" cy="457200"/>
-            </a:xfrm>
-            <a:prstGeom prst="rect">
-              <a:avLst/>
-            </a:prstGeom>
-          </p:spPr>
-        </p:pic>
-        <p:pic>
-          <p:nvPicPr>
-            <p:cNvPr id="13" name="グラフィックス 12" descr="レイヤー (デザイン) 単色塗りつぶし">
-              <a:extLst>
-                <a:ext uri="{FF2B5EF4-FFF2-40B4-BE49-F238E27FC236}">
-                  <a16:creationId xmlns:a16="http://schemas.microsoft.com/office/drawing/2014/main" id="{C7422BFC-0114-8089-3D1C-8158238250BD}"/>
-                </a:ext>
-              </a:extLst>
-            </p:cNvPr>
-            <p:cNvPicPr>
-              <a:picLocks noChangeAspect="1"/>
-            </p:cNvPicPr>
-            <p:nvPr/>
-          </p:nvPicPr>
-          <p:blipFill>
-            <a:blip r:embed="rId7">
-              <a:extLst>
-                <a:ext uri="{96DAC541-7B7A-43D3-8B79-37D633B846F1}">
-                  <asvg:svgBlip xmlns:asvg="http://schemas.microsoft.com/office/drawing/2016/SVG/main" r:embed="rId8"/>
-                </a:ext>
-              </a:extLst>
-            </a:blip>
-            <a:stretch>
-              <a:fillRect/>
-            </a:stretch>
-          </p:blipFill>
-          <p:spPr>
-            <a:xfrm rot="6667307">
-              <a:off x="409359" y="5468451"/>
-              <a:ext cx="457200" cy="457200"/>
-            </a:xfrm>
-            <a:prstGeom prst="rect">
-              <a:avLst/>
-            </a:prstGeom>
-          </p:spPr>
-        </p:pic>
-        <p:pic>
-          <p:nvPicPr>
-            <p:cNvPr id="14" name="グラフィックス 13" descr="金星 単色塗りつぶし">
-              <a:extLst>
-                <a:ext uri="{FF2B5EF4-FFF2-40B4-BE49-F238E27FC236}">
-                  <a16:creationId xmlns:a16="http://schemas.microsoft.com/office/drawing/2014/main" id="{707F6DE6-F5A0-7130-8C7D-4A6851B58C67}"/>
-                </a:ext>
-              </a:extLst>
-            </p:cNvPr>
-            <p:cNvPicPr>
-              <a:picLocks noChangeAspect="1"/>
-            </p:cNvPicPr>
-            <p:nvPr/>
-          </p:nvPicPr>
-          <p:blipFill>
-            <a:blip r:embed="rId9">
-              <a:extLst>
-                <a:ext uri="{96DAC541-7B7A-43D3-8B79-37D633B846F1}">
-                  <asvg:svgBlip xmlns:asvg="http://schemas.microsoft.com/office/drawing/2016/SVG/main" r:embed="rId10"/>
-                </a:ext>
-              </a:extLst>
-            </a:blip>
-            <a:stretch>
-              <a:fillRect/>
-            </a:stretch>
-          </p:blipFill>
-          <p:spPr>
-            <a:xfrm>
-              <a:off x="3227461" y="5336990"/>
-              <a:ext cx="457200" cy="457200"/>
-            </a:xfrm>
-            <a:prstGeom prst="rect">
-              <a:avLst/>
-            </a:prstGeom>
-          </p:spPr>
-        </p:pic>
-        <p:pic>
-          <p:nvPicPr>
-            <p:cNvPr id="15" name="グラフィックス 14" descr="水星 単色塗りつぶし">
-              <a:extLst>
-                <a:ext uri="{FF2B5EF4-FFF2-40B4-BE49-F238E27FC236}">
-                  <a16:creationId xmlns:a16="http://schemas.microsoft.com/office/drawing/2014/main" id="{60AED442-2725-AC29-7D58-91ECA0A6F6C9}"/>
-                </a:ext>
-              </a:extLst>
-            </p:cNvPr>
-            <p:cNvPicPr>
-              <a:picLocks noChangeAspect="1"/>
-            </p:cNvPicPr>
-            <p:nvPr/>
-          </p:nvPicPr>
-          <p:blipFill>
-            <a:blip r:embed="rId11">
-              <a:extLst>
-                <a:ext uri="{96DAC541-7B7A-43D3-8B79-37D633B846F1}">
-                  <asvg:svgBlip xmlns:asvg="http://schemas.microsoft.com/office/drawing/2016/SVG/main" r:embed="rId12"/>
-                </a:ext>
-              </a:extLst>
-            </a:blip>
-            <a:stretch>
-              <a:fillRect/>
-            </a:stretch>
-          </p:blipFill>
-          <p:spPr>
-            <a:xfrm>
-              <a:off x="303473" y="3895947"/>
-              <a:ext cx="457200" cy="457200"/>
-            </a:xfrm>
-            <a:prstGeom prst="rect">
-              <a:avLst/>
-            </a:prstGeom>
-          </p:spPr>
-        </p:pic>
-      </p:grpSp>
-      <p:grpSp>
-        <p:nvGrpSpPr>
-          <p:cNvPr id="16" name="グループ化 15">
-            <a:extLst>
-              <a:ext uri="{FF2B5EF4-FFF2-40B4-BE49-F238E27FC236}">
-                <a16:creationId xmlns:a16="http://schemas.microsoft.com/office/drawing/2014/main" id="{CA1105B2-EE9D-A444-A2FD-A28A30EE8DFE}"/>
-              </a:ext>
-            </a:extLst>
-          </p:cNvPr>
-          <p:cNvGrpSpPr/>
-          <p:nvPr/>
-        </p:nvGrpSpPr>
-        <p:grpSpPr>
-          <a:xfrm>
-            <a:off x="70400" y="2858111"/>
-            <a:ext cx="3249647" cy="1991368"/>
-            <a:chOff x="4667996" y="3702639"/>
-            <a:chExt cx="4096720" cy="2399809"/>
-          </a:xfrm>
-        </p:grpSpPr>
-        <p:pic>
-          <p:nvPicPr>
-            <p:cNvPr id="17" name="図 16" descr="星と惑星のcg&#10;&#10;AI によって生成されたコンテンツは間違っている可能性があります。">
-              <a:extLst>
-                <a:ext uri="{FF2B5EF4-FFF2-40B4-BE49-F238E27FC236}">
-                  <a16:creationId xmlns:a16="http://schemas.microsoft.com/office/drawing/2014/main" id="{64E42A7A-279C-EA07-4051-C51A4AE7DF7F}"/>
-                </a:ext>
-              </a:extLst>
-            </p:cNvPr>
-            <p:cNvPicPr>
-              <a:picLocks noChangeAspect="1"/>
-            </p:cNvPicPr>
-            <p:nvPr/>
-          </p:nvPicPr>
-          <p:blipFill>
-            <a:blip r:embed="rId2">
-              <a:alphaModFix amt="60000"/>
-              <a:extLst>
-                <a:ext uri="{28A0092B-C50C-407E-A947-70E740481C1C}">
-                  <a14:useLocalDpi xmlns:a14="http://schemas.microsoft.com/office/drawing/2010/main" val="0"/>
-                </a:ext>
-              </a:extLst>
-            </a:blip>
-            <a:stretch>
-              <a:fillRect/>
-            </a:stretch>
-          </p:blipFill>
-          <p:spPr>
-            <a:xfrm>
-              <a:off x="4667996" y="3718395"/>
-              <a:ext cx="4087435" cy="2384053"/>
-            </a:xfrm>
-            <a:prstGeom prst="rect">
-              <a:avLst/>
-            </a:prstGeom>
-          </p:spPr>
-        </p:pic>
-        <p:sp>
-          <p:nvSpPr>
-            <p:cNvPr id="18" name="矢印: 上 17">
-              <a:extLst>
-                <a:ext uri="{FF2B5EF4-FFF2-40B4-BE49-F238E27FC236}">
-                  <a16:creationId xmlns:a16="http://schemas.microsoft.com/office/drawing/2014/main" id="{03B27015-DCFE-3E98-7415-7D52AD124786}"/>
-                </a:ext>
-              </a:extLst>
-            </p:cNvPr>
-            <p:cNvSpPr/>
-            <p:nvPr/>
-          </p:nvSpPr>
-          <p:spPr>
-            <a:xfrm rot="10800000">
-              <a:off x="6509091" y="4659920"/>
-              <a:ext cx="282596" cy="1349317"/>
-            </a:xfrm>
-            <a:prstGeom prst="upArrow">
-              <a:avLst/>
-            </a:prstGeom>
-            <a:solidFill>
-              <a:schemeClr val="accent4"/>
-            </a:solidFill>
-          </p:spPr>
-          <p:style>
-            <a:lnRef idx="2">
-              <a:schemeClr val="dk1">
-                <a:shade val="15000"/>
-              </a:schemeClr>
-            </a:lnRef>
-            <a:fillRef idx="1">
-              <a:schemeClr val="dk1"/>
-            </a:fillRef>
-            <a:effectRef idx="0">
-              <a:schemeClr val="dk1"/>
-            </a:effectRef>
-            <a:fontRef idx="minor">
-              <a:schemeClr val="lt1"/>
-            </a:fontRef>
-          </p:style>
-          <p:txBody>
-            <a:bodyPr rtlCol="0" anchor="ctr"/>
-            <a:lstStyle/>
-            <a:p>
-              <a:pPr algn="ctr"/>
-              <a:endParaRPr kumimoji="1" lang="ja-JP" altLang="en-US" dirty="0"/>
-            </a:p>
-          </p:txBody>
-        </p:sp>
-        <p:sp>
-          <p:nvSpPr>
-            <p:cNvPr id="19" name="正方形/長方形 18">
-              <a:extLst>
-                <a:ext uri="{FF2B5EF4-FFF2-40B4-BE49-F238E27FC236}">
-                  <a16:creationId xmlns:a16="http://schemas.microsoft.com/office/drawing/2014/main" id="{EF2CE02A-A387-0405-90E1-CDAC7DFA2996}"/>
-                </a:ext>
-              </a:extLst>
-            </p:cNvPr>
-            <p:cNvSpPr/>
-            <p:nvPr/>
-          </p:nvSpPr>
-          <p:spPr>
-            <a:xfrm>
-              <a:off x="4677281" y="3702639"/>
-              <a:ext cx="4087435" cy="2384053"/>
-            </a:xfrm>
-            <a:prstGeom prst="rect">
-              <a:avLst/>
-            </a:prstGeom>
-            <a:noFill/>
-            <a:ln w="57150" cap="flat" cmpd="sng" algn="ctr">
-              <a:solidFill>
-                <a:schemeClr val="dk1"/>
-              </a:solidFill>
-              <a:prstDash val="solid"/>
-              <a:round/>
-              <a:headEnd type="none" w="med" len="med"/>
-              <a:tailEnd type="none" w="med" len="med"/>
-            </a:ln>
-          </p:spPr>
-          <p:style>
-            <a:lnRef idx="0">
-              <a:scrgbClr r="0" g="0" b="0"/>
-            </a:lnRef>
-            <a:fillRef idx="0">
-              <a:scrgbClr r="0" g="0" b="0"/>
-            </a:fillRef>
-            <a:effectRef idx="0">
-              <a:scrgbClr r="0" g="0" b="0"/>
-            </a:effectRef>
-            <a:fontRef idx="minor">
-              <a:schemeClr val="dk1"/>
-            </a:fontRef>
-          </p:style>
-          <p:txBody>
-            <a:bodyPr rtlCol="0" anchor="ctr"/>
-            <a:lstStyle/>
-            <a:p>
-              <a:pPr algn="ctr"/>
-              <a:endParaRPr kumimoji="1" lang="ja-JP" altLang="en-US"/>
-            </a:p>
-          </p:txBody>
-        </p:sp>
-        <p:sp>
-          <p:nvSpPr>
-            <p:cNvPr id="20" name="楕円 19">
-              <a:extLst>
-                <a:ext uri="{FF2B5EF4-FFF2-40B4-BE49-F238E27FC236}">
-                  <a16:creationId xmlns:a16="http://schemas.microsoft.com/office/drawing/2014/main" id="{6D3A7A34-62BD-E69E-1EC6-F7B1E1286294}"/>
-                </a:ext>
-              </a:extLst>
-            </p:cNvPr>
-            <p:cNvSpPr/>
-            <p:nvPr/>
-          </p:nvSpPr>
-          <p:spPr>
-            <a:xfrm>
-              <a:off x="6447965" y="5132942"/>
-              <a:ext cx="404848" cy="403271"/>
-            </a:xfrm>
-            <a:prstGeom prst="ellipse">
-              <a:avLst/>
-            </a:prstGeom>
-            <a:solidFill>
-              <a:schemeClr val="bg1"/>
-            </a:solidFill>
-            <a:ln w="38100">
-              <a:solidFill>
-                <a:schemeClr val="accent1">
-                  <a:lumMod val="60000"/>
-                  <a:lumOff val="40000"/>
-                </a:schemeClr>
-              </a:solidFill>
-            </a:ln>
-          </p:spPr>
-          <p:style>
-            <a:lnRef idx="2">
-              <a:schemeClr val="accent1">
-                <a:shade val="15000"/>
-              </a:schemeClr>
-            </a:lnRef>
-            <a:fillRef idx="1">
-              <a:schemeClr val="accent1"/>
-            </a:fillRef>
-            <a:effectRef idx="0">
-              <a:schemeClr val="accent1"/>
-            </a:effectRef>
-            <a:fontRef idx="minor">
-              <a:schemeClr val="lt1"/>
-            </a:fontRef>
-          </p:style>
-          <p:txBody>
-            <a:bodyPr rtlCol="0" anchor="ctr"/>
-            <a:lstStyle/>
-            <a:p>
-              <a:pPr algn="ctr"/>
-              <a:endParaRPr kumimoji="1" lang="ja-JP" altLang="en-US"/>
-            </a:p>
-          </p:txBody>
-        </p:sp>
-        <p:pic>
-          <p:nvPicPr>
-            <p:cNvPr id="21" name="グラフィックス 20" descr="チェック マーク 単色塗りつぶし">
-              <a:extLst>
-                <a:ext uri="{FF2B5EF4-FFF2-40B4-BE49-F238E27FC236}">
-                  <a16:creationId xmlns:a16="http://schemas.microsoft.com/office/drawing/2014/main" id="{7533D765-54AA-F724-F035-45F17D6FED66}"/>
-                </a:ext>
-              </a:extLst>
-            </p:cNvPr>
-            <p:cNvPicPr>
-              <a:picLocks noChangeAspect="1"/>
-            </p:cNvPicPr>
-            <p:nvPr/>
-          </p:nvPicPr>
-          <p:blipFill>
-            <a:blip r:embed="rId13">
-              <a:extLst>
-                <a:ext uri="{96DAC541-7B7A-43D3-8B79-37D633B846F1}">
-                  <asvg:svgBlip xmlns:asvg="http://schemas.microsoft.com/office/drawing/2016/SVG/main" r:embed="rId14"/>
-                </a:ext>
-              </a:extLst>
-            </a:blip>
-            <a:stretch>
-              <a:fillRect/>
-            </a:stretch>
-          </p:blipFill>
-          <p:spPr>
-            <a:xfrm rot="3631528">
-              <a:off x="4820792" y="5417775"/>
-              <a:ext cx="457200" cy="457200"/>
-            </a:xfrm>
-            <a:prstGeom prst="rect">
-              <a:avLst/>
-            </a:prstGeom>
-          </p:spPr>
-        </p:pic>
-        <p:pic>
-          <p:nvPicPr>
-            <p:cNvPr id="22" name="グラフィックス 21" descr="下弦の月 単色塗りつぶし">
-              <a:extLst>
-                <a:ext uri="{FF2B5EF4-FFF2-40B4-BE49-F238E27FC236}">
-                  <a16:creationId xmlns:a16="http://schemas.microsoft.com/office/drawing/2014/main" id="{4D46DF70-0341-6604-2E63-BA7722280228}"/>
-                </a:ext>
-              </a:extLst>
-            </p:cNvPr>
-            <p:cNvPicPr>
-              <a:picLocks noChangeAspect="1"/>
-            </p:cNvPicPr>
-            <p:nvPr/>
-          </p:nvPicPr>
-          <p:blipFill>
-            <a:blip r:embed="rId15">
-              <a:extLst>
-                <a:ext uri="{96DAC541-7B7A-43D3-8B79-37D633B846F1}">
-                  <asvg:svgBlip xmlns:asvg="http://schemas.microsoft.com/office/drawing/2016/SVG/main" r:embed="rId16"/>
-                </a:ext>
-              </a:extLst>
-            </a:blip>
-            <a:stretch>
-              <a:fillRect/>
-            </a:stretch>
-          </p:blipFill>
-          <p:spPr>
-            <a:xfrm>
-              <a:off x="7404197" y="3903015"/>
-              <a:ext cx="457200" cy="457200"/>
-            </a:xfrm>
-            <a:prstGeom prst="rect">
-              <a:avLst/>
-            </a:prstGeom>
-          </p:spPr>
-        </p:pic>
-        <p:pic>
-          <p:nvPicPr>
-            <p:cNvPr id="23" name="グラフィックス 22" descr="ノコ刃 単色塗りつぶし">
-              <a:extLst>
-                <a:ext uri="{FF2B5EF4-FFF2-40B4-BE49-F238E27FC236}">
-                  <a16:creationId xmlns:a16="http://schemas.microsoft.com/office/drawing/2014/main" id="{F6375822-4BE2-9094-3F5E-12C3B48C0E0A}"/>
-                </a:ext>
-              </a:extLst>
-            </p:cNvPr>
-            <p:cNvPicPr>
-              <a:picLocks noChangeAspect="1"/>
-            </p:cNvPicPr>
-            <p:nvPr/>
-          </p:nvPicPr>
-          <p:blipFill>
-            <a:blip r:embed="rId17">
-              <a:extLst>
-                <a:ext uri="{96DAC541-7B7A-43D3-8B79-37D633B846F1}">
-                  <asvg:svgBlip xmlns:asvg="http://schemas.microsoft.com/office/drawing/2016/SVG/main" r:embed="rId18"/>
-                </a:ext>
-              </a:extLst>
-            </a:blip>
-            <a:stretch>
-              <a:fillRect/>
-            </a:stretch>
-          </p:blipFill>
-          <p:spPr>
-            <a:xfrm>
-              <a:off x="7544960" y="4867723"/>
-              <a:ext cx="457200" cy="457200"/>
-            </a:xfrm>
-            <a:prstGeom prst="rect">
-              <a:avLst/>
-            </a:prstGeom>
-          </p:spPr>
-        </p:pic>
-        <p:pic>
-          <p:nvPicPr>
-            <p:cNvPr id="24" name="グラフィックス 23" descr="二十六夜の月 単色塗りつぶし">
-              <a:extLst>
-                <a:ext uri="{FF2B5EF4-FFF2-40B4-BE49-F238E27FC236}">
-                  <a16:creationId xmlns:a16="http://schemas.microsoft.com/office/drawing/2014/main" id="{971D78D9-45BC-C918-088C-0B4439955D71}"/>
-                </a:ext>
-              </a:extLst>
-            </p:cNvPr>
-            <p:cNvPicPr>
-              <a:picLocks noChangeAspect="1"/>
-            </p:cNvPicPr>
-            <p:nvPr/>
-          </p:nvPicPr>
-          <p:blipFill>
-            <a:blip r:embed="rId19">
-              <a:extLst>
-                <a:ext uri="{96DAC541-7B7A-43D3-8B79-37D633B846F1}">
-                  <asvg:svgBlip xmlns:asvg="http://schemas.microsoft.com/office/drawing/2016/SVG/main" r:embed="rId20"/>
-                </a:ext>
-              </a:extLst>
-            </a:blip>
-            <a:stretch>
-              <a:fillRect/>
-            </a:stretch>
-          </p:blipFill>
-          <p:spPr>
-            <a:xfrm>
-              <a:off x="4778123" y="4080613"/>
-              <a:ext cx="457200" cy="457200"/>
-            </a:xfrm>
-            <a:prstGeom prst="rect">
-              <a:avLst/>
-            </a:prstGeom>
-          </p:spPr>
-        </p:pic>
-      </p:grpSp>
-      <p:sp>
-        <p:nvSpPr>
-          <p:cNvPr id="25" name="テキスト ボックス 24">
-            <a:extLst>
-              <a:ext uri="{FF2B5EF4-FFF2-40B4-BE49-F238E27FC236}">
-                <a16:creationId xmlns:a16="http://schemas.microsoft.com/office/drawing/2014/main" id="{01FC40E0-96B4-8374-F56C-855C4573F8C2}"/>
-              </a:ext>
-            </a:extLst>
-          </p:cNvPr>
-          <p:cNvSpPr txBox="1"/>
-          <p:nvPr/>
-        </p:nvSpPr>
-        <p:spPr>
-          <a:xfrm>
-            <a:off x="7898492" y="343224"/>
-            <a:ext cx="4021574" cy="1200329"/>
-          </a:xfrm>
-          <a:prstGeom prst="rect">
-            <a:avLst/>
-          </a:prstGeom>
-          <a:noFill/>
-        </p:spPr>
-        <p:txBody>
-          <a:bodyPr wrap="square" rtlCol="0">
-            <a:spAutoFit/>
-          </a:bodyPr>
-          <a:lstStyle/>
-          <a:p>
-            <a:r>
-              <a:rPr lang="en-US" altLang="ja-JP" sz="3600" b="1" dirty="0">
-                <a:ln w="12700">
-                  <a:solidFill>
-                    <a:schemeClr val="tx1"/>
-                  </a:solidFill>
-                </a:ln>
-                <a:solidFill>
-                  <a:schemeClr val="bg2">
-                    <a:lumMod val="90000"/>
-                  </a:schemeClr>
-                </a:solidFill>
-                <a:effectLst>
-                  <a:glow rad="101600">
-                    <a:schemeClr val="bg1">
-                      <a:alpha val="60000"/>
-                    </a:schemeClr>
-                  </a:glow>
-                </a:effectLst>
-              </a:rPr>
-              <a:t>~</a:t>
-            </a:r>
-            <a:r>
-              <a:rPr kumimoji="1" lang="ja-JP" altLang="en-US" sz="3600" b="1" dirty="0">
-                <a:ln w="12700">
-                  <a:solidFill>
-                    <a:schemeClr val="tx1"/>
-                  </a:solidFill>
-                </a:ln>
-                <a:solidFill>
-                  <a:schemeClr val="accent2">
-                    <a:lumMod val="60000"/>
-                    <a:lumOff val="40000"/>
-                  </a:schemeClr>
-                </a:solidFill>
-                <a:effectLst>
-                  <a:glow rad="101600">
-                    <a:schemeClr val="bg1">
-                      <a:alpha val="60000"/>
-                    </a:schemeClr>
-                  </a:glow>
-                </a:effectLst>
-              </a:rPr>
-              <a:t>宇宙ゴミ</a:t>
-            </a:r>
-            <a:r>
-              <a:rPr kumimoji="1" lang="ja-JP" altLang="en-US" sz="3600" b="1" dirty="0">
-                <a:ln w="12700">
-                  <a:solidFill>
-                    <a:schemeClr val="tx1"/>
-                  </a:solidFill>
-                </a:ln>
-                <a:solidFill>
-                  <a:schemeClr val="bg2">
-                    <a:lumMod val="90000"/>
-                  </a:schemeClr>
-                </a:solidFill>
-                <a:effectLst>
-                  <a:glow rad="101600">
-                    <a:schemeClr val="bg1">
-                      <a:alpha val="60000"/>
-                    </a:schemeClr>
-                  </a:glow>
-                </a:effectLst>
-              </a:rPr>
-              <a:t>を</a:t>
-            </a:r>
-            <a:endParaRPr kumimoji="1" lang="en-US" altLang="ja-JP" sz="3600" b="1" dirty="0">
-              <a:ln w="12700">
-                <a:solidFill>
-                  <a:schemeClr val="tx1"/>
-                </a:solidFill>
-              </a:ln>
-              <a:solidFill>
-                <a:schemeClr val="bg2">
-                  <a:lumMod val="90000"/>
-                </a:schemeClr>
-              </a:solidFill>
-              <a:effectLst>
-                <a:glow rad="101600">
-                  <a:schemeClr val="bg1">
-                    <a:alpha val="60000"/>
-                  </a:schemeClr>
-                </a:glow>
-              </a:effectLst>
-            </a:endParaRPr>
-          </a:p>
-          <a:p>
-            <a:pPr algn="r"/>
-            <a:r>
-              <a:rPr kumimoji="1" lang="ja-JP" altLang="en-US" sz="3600" b="1" dirty="0">
-                <a:ln w="12700">
-                  <a:solidFill>
-                    <a:schemeClr val="tx1"/>
-                  </a:solidFill>
-                </a:ln>
-                <a:solidFill>
-                  <a:schemeClr val="bg2">
-                    <a:lumMod val="90000"/>
-                  </a:schemeClr>
-                </a:solidFill>
-                <a:effectLst>
-                  <a:glow rad="101600">
-                    <a:schemeClr val="bg1">
-                      <a:alpha val="60000"/>
-                    </a:schemeClr>
-                  </a:glow>
-                </a:effectLst>
-              </a:rPr>
-              <a:t>避けまくれ </a:t>
-            </a:r>
-            <a:r>
-              <a:rPr kumimoji="1" lang="en-US" altLang="ja-JP" sz="3600" b="1" i="1" dirty="0">
-                <a:ln w="12700">
-                  <a:solidFill>
-                    <a:schemeClr val="tx1"/>
-                  </a:solidFill>
-                </a:ln>
-                <a:solidFill>
-                  <a:schemeClr val="bg2">
-                    <a:lumMod val="90000"/>
-                  </a:schemeClr>
-                </a:solidFill>
-                <a:effectLst>
-                  <a:glow rad="101600">
-                    <a:schemeClr val="bg1">
-                      <a:alpha val="60000"/>
-                    </a:schemeClr>
-                  </a:glow>
-                </a:effectLst>
-              </a:rPr>
-              <a:t>!</a:t>
-            </a:r>
-            <a:r>
-              <a:rPr lang="en-US" altLang="ja-JP" sz="3600" b="1" dirty="0">
-                <a:ln w="12700">
-                  <a:solidFill>
-                    <a:schemeClr val="tx1"/>
-                  </a:solidFill>
-                </a:ln>
-                <a:solidFill>
-                  <a:schemeClr val="bg2">
-                    <a:lumMod val="90000"/>
-                  </a:schemeClr>
-                </a:solidFill>
-                <a:effectLst>
-                  <a:glow rad="101600">
-                    <a:schemeClr val="bg1">
-                      <a:alpha val="60000"/>
-                    </a:schemeClr>
-                  </a:glow>
-                </a:effectLst>
-              </a:rPr>
-              <a:t> ~</a:t>
-            </a:r>
-            <a:endParaRPr kumimoji="1" lang="en-US" altLang="ja-JP" sz="3600" b="1" i="1" dirty="0">
-              <a:ln w="12700">
-                <a:solidFill>
-                  <a:schemeClr val="tx1"/>
-                </a:solidFill>
-              </a:ln>
-              <a:solidFill>
-                <a:schemeClr val="bg2">
-                  <a:lumMod val="90000"/>
-                </a:schemeClr>
-              </a:solidFill>
-              <a:effectLst>
-                <a:glow rad="101600">
-                  <a:schemeClr val="bg1">
-                    <a:alpha val="60000"/>
-                  </a:schemeClr>
-                </a:glow>
-              </a:effectLst>
-            </a:endParaRPr>
-          </a:p>
-        </p:txBody>
-      </p:sp>
-      <p:sp>
-        <p:nvSpPr>
-          <p:cNvPr id="26" name="テキスト ボックス 25">
-            <a:extLst>
-              <a:ext uri="{FF2B5EF4-FFF2-40B4-BE49-F238E27FC236}">
-                <a16:creationId xmlns:a16="http://schemas.microsoft.com/office/drawing/2014/main" id="{6E165AE6-EC1A-C9A3-42EF-616671ED0CA3}"/>
-              </a:ext>
-            </a:extLst>
-          </p:cNvPr>
-          <p:cNvSpPr txBox="1"/>
-          <p:nvPr/>
-        </p:nvSpPr>
-        <p:spPr>
-          <a:xfrm>
-            <a:off x="3259874" y="-219200"/>
-            <a:ext cx="1120721" cy="584775"/>
-          </a:xfrm>
-          <a:prstGeom prst="rect">
-            <a:avLst/>
-          </a:prstGeom>
-          <a:noFill/>
-        </p:spPr>
-        <p:txBody>
-          <a:bodyPr wrap="square" rtlCol="0">
-            <a:spAutoFit/>
-          </a:bodyPr>
-          <a:lstStyle/>
-          <a:p>
-            <a:pPr algn="ctr"/>
-            <a:r>
-              <a:rPr kumimoji="1" lang="ja-JP" altLang="en-US" sz="3200" b="1" dirty="0">
-                <a:ln>
-                  <a:solidFill>
-                    <a:schemeClr val="bg1"/>
-                  </a:solidFill>
-                </a:ln>
-                <a:solidFill>
-                  <a:srgbClr val="0070C0"/>
-                </a:solidFill>
-                <a:effectLst>
-                  <a:glow rad="63500">
-                    <a:schemeClr val="accent4">
-                      <a:satMod val="175000"/>
-                      <a:alpha val="40000"/>
-                    </a:schemeClr>
-                  </a:glow>
-                </a:effectLst>
-                <a:latin typeface="HG丸ｺﾞｼｯｸM-PRO" panose="020F0600000000000000" pitchFamily="50" charset="-128"/>
-                <a:ea typeface="HG丸ｺﾞｼｯｸM-PRO" panose="020F0600000000000000" pitchFamily="50" charset="-128"/>
-              </a:rPr>
-              <a:t>・・</a:t>
-            </a:r>
-          </a:p>
-        </p:txBody>
-      </p:sp>
-      <p:sp>
-        <p:nvSpPr>
-          <p:cNvPr id="27" name="テキスト ボックス 26">
-            <a:extLst>
-              <a:ext uri="{FF2B5EF4-FFF2-40B4-BE49-F238E27FC236}">
-                <a16:creationId xmlns:a16="http://schemas.microsoft.com/office/drawing/2014/main" id="{4E683874-06D9-1891-FA16-199C80A0E7FD}"/>
-              </a:ext>
-            </a:extLst>
-          </p:cNvPr>
-          <p:cNvSpPr txBox="1"/>
-          <p:nvPr/>
-        </p:nvSpPr>
-        <p:spPr>
-          <a:xfrm>
-            <a:off x="70400" y="4896620"/>
-            <a:ext cx="2965968" cy="461665"/>
-          </a:xfrm>
-          <a:prstGeom prst="rect">
-            <a:avLst/>
-          </a:prstGeom>
-          <a:noFill/>
-        </p:spPr>
-        <p:txBody>
-          <a:bodyPr wrap="square" rtlCol="0">
-            <a:spAutoFit/>
-          </a:bodyPr>
-          <a:lstStyle/>
-          <a:p>
-            <a:pPr algn="ctr"/>
-            <a:r>
-              <a:rPr lang="ja-JP" altLang="en-US" sz="2400" b="1" dirty="0">
-                <a:effectLst>
-                  <a:glow rad="101600">
-                    <a:schemeClr val="bg1">
-                      <a:alpha val="60000"/>
-                    </a:schemeClr>
-                  </a:glow>
-                </a:effectLst>
-              </a:rPr>
-              <a:t>常にゆっくり下がる</a:t>
-            </a:r>
-            <a:endParaRPr kumimoji="1" lang="ja-JP" altLang="en-US" sz="2400" b="1" dirty="0">
-              <a:effectLst>
-                <a:glow rad="101600">
-                  <a:schemeClr val="bg1">
-                    <a:alpha val="60000"/>
-                  </a:schemeClr>
-                </a:glow>
-              </a:effectLst>
-            </a:endParaRPr>
-          </a:p>
-        </p:txBody>
-      </p:sp>
-      <p:sp>
-        <p:nvSpPr>
-          <p:cNvPr id="28" name="テキスト ボックス 27">
-            <a:extLst>
-              <a:ext uri="{FF2B5EF4-FFF2-40B4-BE49-F238E27FC236}">
-                <a16:creationId xmlns:a16="http://schemas.microsoft.com/office/drawing/2014/main" id="{AA0E8767-CD2D-01B0-D3D4-D576EFA2CFC3}"/>
-              </a:ext>
-            </a:extLst>
-          </p:cNvPr>
-          <p:cNvSpPr txBox="1"/>
-          <p:nvPr/>
-        </p:nvSpPr>
-        <p:spPr>
-          <a:xfrm>
-            <a:off x="-113623" y="2407245"/>
-            <a:ext cx="3617694" cy="461665"/>
-          </a:xfrm>
-          <a:prstGeom prst="rect">
-            <a:avLst/>
-          </a:prstGeom>
-          <a:noFill/>
-        </p:spPr>
-        <p:txBody>
-          <a:bodyPr wrap="square" rtlCol="0">
-            <a:spAutoFit/>
-          </a:bodyPr>
-          <a:lstStyle/>
-          <a:p>
-            <a:pPr algn="ctr"/>
-            <a:r>
-              <a:rPr kumimoji="1" lang="ja-JP" altLang="en-US" sz="2400" b="1" dirty="0">
-                <a:effectLst>
-                  <a:glow rad="101600">
-                    <a:schemeClr val="bg1">
-                      <a:alpha val="60000"/>
-                    </a:schemeClr>
-                  </a:glow>
-                </a:effectLst>
-              </a:rPr>
-              <a:t>何もしてないと</a:t>
-            </a:r>
-            <a:r>
-              <a:rPr lang="ja-JP" altLang="en-US" sz="2400" b="1" dirty="0">
-                <a:effectLst>
-                  <a:glow rad="101600">
-                    <a:schemeClr val="bg1">
-                      <a:alpha val="60000"/>
-                    </a:schemeClr>
-                  </a:glow>
-                </a:effectLst>
-              </a:rPr>
-              <a:t>・・・</a:t>
-            </a:r>
-            <a:endParaRPr kumimoji="1" lang="en-US" altLang="ja-JP" sz="2400" b="1" dirty="0">
-              <a:effectLst>
-                <a:glow rad="101600">
-                  <a:schemeClr val="bg1">
-                    <a:alpha val="60000"/>
-                  </a:schemeClr>
-                </a:glow>
-              </a:effectLst>
-            </a:endParaRPr>
-          </a:p>
-        </p:txBody>
-      </p:sp>
-      <p:sp>
-        <p:nvSpPr>
-          <p:cNvPr id="29" name="テキスト ボックス 28">
-            <a:extLst>
-              <a:ext uri="{FF2B5EF4-FFF2-40B4-BE49-F238E27FC236}">
-                <a16:creationId xmlns:a16="http://schemas.microsoft.com/office/drawing/2014/main" id="{AB4852B2-E3F7-4C67-DBB9-372BC0FC5727}"/>
-              </a:ext>
-            </a:extLst>
-          </p:cNvPr>
-          <p:cNvSpPr txBox="1"/>
-          <p:nvPr/>
-        </p:nvSpPr>
-        <p:spPr>
-          <a:xfrm>
-            <a:off x="4912515" y="2354424"/>
-            <a:ext cx="2412306" cy="461665"/>
-          </a:xfrm>
-          <a:prstGeom prst="rect">
-            <a:avLst/>
-          </a:prstGeom>
-          <a:noFill/>
-        </p:spPr>
-        <p:txBody>
-          <a:bodyPr wrap="square" rtlCol="0">
-            <a:spAutoFit/>
-          </a:bodyPr>
-          <a:lstStyle/>
-          <a:p>
-            <a:pPr algn="ctr"/>
-            <a:r>
-              <a:rPr kumimoji="1" lang="ja-JP" altLang="en-US" sz="2400" b="1" dirty="0">
-                <a:effectLst>
-                  <a:glow rad="101600">
-                    <a:schemeClr val="bg1">
-                      <a:alpha val="60000"/>
-                    </a:schemeClr>
-                  </a:glow>
-                </a:effectLst>
-              </a:rPr>
-              <a:t>を押すと</a:t>
-            </a:r>
-            <a:r>
-              <a:rPr lang="ja-JP" altLang="en-US" sz="2400" b="1" dirty="0">
-                <a:effectLst>
-                  <a:glow rad="101600">
-                    <a:schemeClr val="bg1">
-                      <a:alpha val="60000"/>
-                    </a:schemeClr>
-                  </a:glow>
-                </a:effectLst>
-              </a:rPr>
-              <a:t>・・・</a:t>
-            </a:r>
-            <a:endParaRPr kumimoji="1" lang="en-US" altLang="ja-JP" sz="2400" b="1" dirty="0">
-              <a:effectLst>
-                <a:glow rad="101600">
-                  <a:schemeClr val="bg1">
-                    <a:alpha val="60000"/>
-                  </a:schemeClr>
-                </a:glow>
-              </a:effectLst>
-            </a:endParaRPr>
-          </a:p>
-        </p:txBody>
-      </p:sp>
-      <p:sp>
-        <p:nvSpPr>
-          <p:cNvPr id="30" name="テキスト ボックス 29">
-            <a:extLst>
-              <a:ext uri="{FF2B5EF4-FFF2-40B4-BE49-F238E27FC236}">
-                <a16:creationId xmlns:a16="http://schemas.microsoft.com/office/drawing/2014/main" id="{9E705338-8582-791F-0503-C2628C4FA459}"/>
-              </a:ext>
-            </a:extLst>
-          </p:cNvPr>
-          <p:cNvSpPr txBox="1"/>
-          <p:nvPr/>
-        </p:nvSpPr>
-        <p:spPr>
-          <a:xfrm>
-            <a:off x="3866635" y="4871003"/>
-            <a:ext cx="2965968" cy="461665"/>
-          </a:xfrm>
-          <a:prstGeom prst="rect">
-            <a:avLst/>
-          </a:prstGeom>
-          <a:noFill/>
-        </p:spPr>
-        <p:txBody>
-          <a:bodyPr wrap="square" rtlCol="0">
-            <a:spAutoFit/>
-          </a:bodyPr>
-          <a:lstStyle/>
-          <a:p>
-            <a:pPr algn="ctr"/>
-            <a:r>
-              <a:rPr kumimoji="1" lang="ja-JP" altLang="en-US" sz="2400" b="1" dirty="0">
-                <a:effectLst>
-                  <a:glow rad="101600">
-                    <a:schemeClr val="bg1">
-                      <a:alpha val="60000"/>
-                    </a:schemeClr>
-                  </a:glow>
-                </a:effectLst>
-              </a:rPr>
-              <a:t>上に進む</a:t>
-            </a:r>
-          </a:p>
-        </p:txBody>
-      </p:sp>
-      <p:pic>
-        <p:nvPicPr>
-          <p:cNvPr id="32" name="グラフィックス 31" descr="ノコ刃 単色塗りつぶし">
-            <a:extLst>
-              <a:ext uri="{FF2B5EF4-FFF2-40B4-BE49-F238E27FC236}">
-                <a16:creationId xmlns:a16="http://schemas.microsoft.com/office/drawing/2014/main" id="{42119996-F4CE-1F38-7816-35F73F738D31}"/>
-              </a:ext>
-            </a:extLst>
-          </p:cNvPr>
-          <p:cNvPicPr>
-            <a:picLocks noChangeAspect="1"/>
-          </p:cNvPicPr>
-          <p:nvPr/>
-        </p:nvPicPr>
-        <p:blipFill>
-          <a:blip r:embed="rId17">
-            <a:extLst>
-              <a:ext uri="{96DAC541-7B7A-43D3-8B79-37D633B846F1}">
-                <asvg:svgBlip xmlns:asvg="http://schemas.microsoft.com/office/drawing/2016/SVG/main" r:embed="rId18"/>
-              </a:ext>
-            </a:extLst>
-          </a:blip>
-          <a:stretch>
-            <a:fillRect/>
-          </a:stretch>
-        </p:blipFill>
-        <p:spPr>
-          <a:xfrm>
-            <a:off x="374554" y="5749411"/>
-            <a:ext cx="621786" cy="650454"/>
-          </a:xfrm>
-          <a:prstGeom prst="rect">
-            <a:avLst/>
-          </a:prstGeom>
-        </p:spPr>
-      </p:pic>
-      <p:sp>
-        <p:nvSpPr>
-          <p:cNvPr id="33" name="テキスト ボックス 32">
-            <a:extLst>
-              <a:ext uri="{FF2B5EF4-FFF2-40B4-BE49-F238E27FC236}">
-                <a16:creationId xmlns:a16="http://schemas.microsoft.com/office/drawing/2014/main" id="{D8FE6380-350C-A066-2500-2874884B558E}"/>
-              </a:ext>
-            </a:extLst>
-          </p:cNvPr>
-          <p:cNvSpPr txBox="1"/>
-          <p:nvPr/>
-        </p:nvSpPr>
-        <p:spPr>
-          <a:xfrm>
-            <a:off x="-113623" y="5332668"/>
-            <a:ext cx="4845280" cy="523220"/>
-          </a:xfrm>
-          <a:prstGeom prst="rect">
-            <a:avLst/>
-          </a:prstGeom>
-          <a:noFill/>
-        </p:spPr>
-        <p:txBody>
-          <a:bodyPr wrap="square" rtlCol="0">
-            <a:spAutoFit/>
-          </a:bodyPr>
-          <a:lstStyle/>
-          <a:p>
-            <a:pPr algn="ctr"/>
-            <a:r>
-              <a:rPr lang="ja-JP" altLang="en-US" sz="2800" b="1" dirty="0">
-                <a:effectLst>
-                  <a:glow rad="101600">
-                    <a:schemeClr val="bg1">
-                      <a:alpha val="60000"/>
-                    </a:schemeClr>
-                  </a:glow>
-                </a:effectLst>
-              </a:rPr>
-              <a:t>＜様々な見た目の</a:t>
-            </a:r>
-            <a:r>
-              <a:rPr lang="ja-JP" altLang="en-US" sz="2800" b="1" dirty="0">
-                <a:ln w="12700">
-                  <a:solidFill>
-                    <a:schemeClr val="tx1"/>
-                  </a:solidFill>
-                </a:ln>
-                <a:solidFill>
-                  <a:schemeClr val="accent2">
-                    <a:lumMod val="60000"/>
-                    <a:lumOff val="40000"/>
-                  </a:schemeClr>
-                </a:solidFill>
-                <a:effectLst>
-                  <a:glow rad="101600">
-                    <a:schemeClr val="bg1">
-                      <a:alpha val="60000"/>
-                    </a:schemeClr>
-                  </a:glow>
-                </a:effectLst>
-              </a:rPr>
-              <a:t>宇宙ゴミ</a:t>
-            </a:r>
-            <a:r>
-              <a:rPr lang="en-US" altLang="ja-JP" sz="2800" b="1" dirty="0">
-                <a:effectLst>
-                  <a:glow rad="101600">
-                    <a:schemeClr val="bg1">
-                      <a:alpha val="60000"/>
-                    </a:schemeClr>
-                  </a:glow>
-                </a:effectLst>
-              </a:rPr>
-              <a:t>&gt;</a:t>
-            </a:r>
-            <a:endParaRPr kumimoji="1" lang="en-US" altLang="ja-JP" sz="2800" b="1" dirty="0">
-              <a:effectLst>
-                <a:glow rad="101600">
-                  <a:schemeClr val="bg1">
-                    <a:alpha val="60000"/>
-                  </a:schemeClr>
-                </a:glow>
-              </a:effectLst>
-            </a:endParaRPr>
-          </a:p>
-        </p:txBody>
-      </p:sp>
-      <p:pic>
-        <p:nvPicPr>
-          <p:cNvPr id="34" name="グラフィックス 33" descr="レイヤー (デザイン) 単色塗りつぶし">
-            <a:extLst>
-              <a:ext uri="{FF2B5EF4-FFF2-40B4-BE49-F238E27FC236}">
-                <a16:creationId xmlns:a16="http://schemas.microsoft.com/office/drawing/2014/main" id="{EA7E053C-6DA3-2ADA-0BE2-5789C15DD454}"/>
-              </a:ext>
-            </a:extLst>
-          </p:cNvPr>
-          <p:cNvPicPr>
-            <a:picLocks noChangeAspect="1"/>
-          </p:cNvPicPr>
-          <p:nvPr/>
-        </p:nvPicPr>
-        <p:blipFill>
-          <a:blip r:embed="rId7">
-            <a:extLst>
-              <a:ext uri="{96DAC541-7B7A-43D3-8B79-37D633B846F1}">
-                <asvg:svgBlip xmlns:asvg="http://schemas.microsoft.com/office/drawing/2016/SVG/main" r:embed="rId8"/>
-              </a:ext>
-            </a:extLst>
-          </a:blip>
-          <a:stretch>
-            <a:fillRect/>
-          </a:stretch>
-        </p:blipFill>
-        <p:spPr>
-          <a:xfrm>
-            <a:off x="1242449" y="5739742"/>
-            <a:ext cx="702077" cy="661871"/>
-          </a:xfrm>
-          <a:prstGeom prst="rect">
-            <a:avLst/>
-          </a:prstGeom>
-        </p:spPr>
-      </p:pic>
-      <p:sp>
-        <p:nvSpPr>
-          <p:cNvPr id="35" name="矢印: 左 34">
-            <a:extLst>
-              <a:ext uri="{FF2B5EF4-FFF2-40B4-BE49-F238E27FC236}">
-                <a16:creationId xmlns:a16="http://schemas.microsoft.com/office/drawing/2014/main" id="{1CD1421B-FC87-6F7D-DD02-195E5E81C8D2}"/>
-              </a:ext>
-            </a:extLst>
-          </p:cNvPr>
-          <p:cNvSpPr/>
-          <p:nvPr/>
-        </p:nvSpPr>
-        <p:spPr>
-          <a:xfrm>
-            <a:off x="3362680" y="6034016"/>
-            <a:ext cx="760009" cy="523220"/>
-          </a:xfrm>
-          <a:prstGeom prst="leftArrow">
-            <a:avLst/>
-          </a:prstGeom>
-        </p:spPr>
-        <p:style>
-          <a:lnRef idx="1">
-            <a:schemeClr val="accent3"/>
-          </a:lnRef>
-          <a:fillRef idx="2">
-            <a:schemeClr val="accent3"/>
-          </a:fillRef>
-          <a:effectRef idx="1">
-            <a:schemeClr val="accent3"/>
-          </a:effectRef>
-          <a:fontRef idx="minor">
-            <a:schemeClr val="dk1"/>
-          </a:fontRef>
-        </p:style>
-        <p:txBody>
-          <a:bodyPr rtlCol="0" anchor="ctr"/>
-          <a:lstStyle/>
-          <a:p>
-            <a:pPr algn="ctr"/>
-            <a:endParaRPr kumimoji="1" lang="ja-JP" altLang="en-US" dirty="0"/>
-          </a:p>
-        </p:txBody>
-      </p:sp>
-      <p:sp>
-        <p:nvSpPr>
-          <p:cNvPr id="36" name="テキスト ボックス 35">
-            <a:extLst>
-              <a:ext uri="{FF2B5EF4-FFF2-40B4-BE49-F238E27FC236}">
-                <a16:creationId xmlns:a16="http://schemas.microsoft.com/office/drawing/2014/main" id="{9B915D2D-8BCB-C8E1-3DC4-7F8BB2621C7F}"/>
-              </a:ext>
-            </a:extLst>
-          </p:cNvPr>
-          <p:cNvSpPr txBox="1"/>
-          <p:nvPr/>
-        </p:nvSpPr>
-        <p:spPr>
-          <a:xfrm>
-            <a:off x="4230284" y="5832020"/>
-            <a:ext cx="2354189" cy="830997"/>
-          </a:xfrm>
-          <a:prstGeom prst="rect">
-            <a:avLst/>
-          </a:prstGeom>
-          <a:noFill/>
-        </p:spPr>
-        <p:txBody>
-          <a:bodyPr wrap="square" rtlCol="0">
-            <a:spAutoFit/>
-          </a:bodyPr>
-          <a:lstStyle/>
-          <a:p>
-            <a:pPr algn="ctr"/>
-            <a:r>
-              <a:rPr lang="ja-JP" altLang="en-US" sz="2400" b="1" dirty="0">
-                <a:effectLst>
-                  <a:glow rad="101600">
-                    <a:schemeClr val="bg1">
-                      <a:alpha val="60000"/>
-                    </a:schemeClr>
-                  </a:glow>
-                </a:effectLst>
-              </a:rPr>
-              <a:t>当たったら</a:t>
-            </a:r>
-            <a:endParaRPr lang="en-US" altLang="ja-JP" sz="2400" b="1" dirty="0">
-              <a:effectLst>
-                <a:glow rad="101600">
-                  <a:schemeClr val="bg1">
-                    <a:alpha val="60000"/>
-                  </a:schemeClr>
-                </a:glow>
-              </a:effectLst>
-            </a:endParaRPr>
-          </a:p>
-          <a:p>
-            <a:pPr algn="ctr"/>
-            <a:r>
-              <a:rPr lang="en-US" altLang="ja-JP" sz="2400" b="1" dirty="0">
-                <a:solidFill>
-                  <a:srgbClr val="002060"/>
-                </a:solidFill>
-                <a:effectLst>
-                  <a:glow rad="101600">
-                    <a:schemeClr val="bg1">
-                      <a:alpha val="60000"/>
-                    </a:schemeClr>
-                  </a:glow>
-                </a:effectLst>
-              </a:rPr>
-              <a:t>GAME OVER</a:t>
-            </a:r>
-            <a:endParaRPr kumimoji="1" lang="ja-JP" altLang="en-US" sz="2400" b="1" dirty="0">
-              <a:solidFill>
-                <a:srgbClr val="002060"/>
-              </a:solidFill>
-              <a:effectLst>
-                <a:glow rad="101600">
-                  <a:schemeClr val="bg1">
-                    <a:alpha val="60000"/>
-                  </a:schemeClr>
-                </a:glow>
-              </a:effectLst>
-            </a:endParaRPr>
-          </a:p>
-        </p:txBody>
-      </p:sp>
-      <p:sp>
-        <p:nvSpPr>
-          <p:cNvPr id="37" name="テキスト ボックス 36">
-            <a:extLst>
-              <a:ext uri="{FF2B5EF4-FFF2-40B4-BE49-F238E27FC236}">
-                <a16:creationId xmlns:a16="http://schemas.microsoft.com/office/drawing/2014/main" id="{F7503E59-9883-EDC0-7F22-367BB9E0D320}"/>
-              </a:ext>
-            </a:extLst>
-          </p:cNvPr>
-          <p:cNvSpPr txBox="1"/>
-          <p:nvPr/>
-        </p:nvSpPr>
-        <p:spPr>
-          <a:xfrm>
-            <a:off x="32477" y="1898174"/>
-            <a:ext cx="2726051" cy="523220"/>
-          </a:xfrm>
-          <a:prstGeom prst="rect">
-            <a:avLst/>
-          </a:prstGeom>
-          <a:noFill/>
-        </p:spPr>
-        <p:txBody>
-          <a:bodyPr wrap="square" rtlCol="0">
-            <a:spAutoFit/>
-          </a:bodyPr>
-          <a:lstStyle/>
-          <a:p>
-            <a:pPr algn="ctr"/>
-            <a:r>
-              <a:rPr lang="ja-JP" altLang="en-US" sz="2800" b="1" dirty="0">
-                <a:effectLst>
-                  <a:glow rad="101600">
-                    <a:schemeClr val="bg1">
-                      <a:alpha val="60000"/>
-                    </a:schemeClr>
-                  </a:glow>
-                </a:effectLst>
-              </a:rPr>
-              <a:t>＜基本の動き</a:t>
-            </a:r>
-            <a:r>
-              <a:rPr lang="en-US" altLang="ja-JP" sz="2800" b="1" dirty="0">
-                <a:effectLst>
-                  <a:glow rad="101600">
-                    <a:schemeClr val="bg1">
-                      <a:alpha val="60000"/>
-                    </a:schemeClr>
-                  </a:glow>
-                </a:effectLst>
-              </a:rPr>
-              <a:t>&gt;</a:t>
-            </a:r>
-            <a:endParaRPr kumimoji="1" lang="en-US" altLang="ja-JP" sz="2800" b="1" dirty="0">
-              <a:effectLst>
-                <a:glow rad="101600">
-                  <a:schemeClr val="bg1">
-                    <a:alpha val="60000"/>
-                  </a:schemeClr>
-                </a:glow>
-              </a:effectLst>
-            </a:endParaRPr>
-          </a:p>
-        </p:txBody>
-      </p:sp>
-      <p:pic>
-        <p:nvPicPr>
-          <p:cNvPr id="38" name="図 37" descr="ロゴ が含まれている画像&#10;&#10;AI によって生成されたコンテンツは間違っている可能性があります。">
-            <a:extLst>
-              <a:ext uri="{FF2B5EF4-FFF2-40B4-BE49-F238E27FC236}">
-                <a16:creationId xmlns:a16="http://schemas.microsoft.com/office/drawing/2014/main" id="{8909DF21-A5F6-970C-4C3A-F42EF1CCA0B3}"/>
-              </a:ext>
-            </a:extLst>
-          </p:cNvPr>
-          <p:cNvPicPr>
-            <a:picLocks noChangeAspect="1"/>
-          </p:cNvPicPr>
-          <p:nvPr/>
-        </p:nvPicPr>
-        <p:blipFill>
-          <a:blip r:embed="rId21">
-            <a:extLst>
-              <a:ext uri="{28A0092B-C50C-407E-A947-70E740481C1C}">
-                <a14:useLocalDpi xmlns:a14="http://schemas.microsoft.com/office/drawing/2010/main" val="0"/>
-              </a:ext>
-            </a:extLst>
-          </a:blip>
-          <a:stretch>
-            <a:fillRect/>
-          </a:stretch>
-        </p:blipFill>
-        <p:spPr>
-          <a:xfrm>
-            <a:off x="3866635" y="2324288"/>
-            <a:ext cx="1139817" cy="476862"/>
-          </a:xfrm>
-          <a:prstGeom prst="rect">
-            <a:avLst/>
-          </a:prstGeom>
-        </p:spPr>
-      </p:pic>
-      <p:sp>
-        <p:nvSpPr>
-          <p:cNvPr id="39" name="テキスト ボックス 38">
-            <a:extLst>
-              <a:ext uri="{FF2B5EF4-FFF2-40B4-BE49-F238E27FC236}">
-                <a16:creationId xmlns:a16="http://schemas.microsoft.com/office/drawing/2014/main" id="{A21B7906-6661-8012-89E6-21D57CDB3C1B}"/>
-              </a:ext>
-            </a:extLst>
-          </p:cNvPr>
-          <p:cNvSpPr txBox="1"/>
-          <p:nvPr/>
-        </p:nvSpPr>
-        <p:spPr>
-          <a:xfrm>
-            <a:off x="8685379" y="6338874"/>
-            <a:ext cx="3405021" cy="461665"/>
-          </a:xfrm>
-          <a:prstGeom prst="rect">
-            <a:avLst/>
-          </a:prstGeom>
-          <a:noFill/>
-        </p:spPr>
-        <p:txBody>
-          <a:bodyPr wrap="square" rtlCol="0">
-            <a:spAutoFit/>
-          </a:bodyPr>
-          <a:lstStyle/>
-          <a:p>
-            <a:pPr algn="ctr"/>
-            <a:r>
-              <a:rPr lang="ja-JP" altLang="en-US" sz="2400" b="1" dirty="0">
-                <a:effectLst>
-                  <a:glow rad="101600">
-                    <a:schemeClr val="bg1">
-                      <a:alpha val="60000"/>
-                    </a:schemeClr>
-                  </a:glow>
-                </a:effectLst>
-              </a:rPr>
-              <a:t>概要</a:t>
-            </a:r>
-            <a:r>
-              <a:rPr lang="en-US" altLang="ja-JP" sz="2400" b="1" dirty="0">
-                <a:effectLst>
-                  <a:glow rad="101600">
-                    <a:schemeClr val="bg1">
-                      <a:alpha val="60000"/>
-                    </a:schemeClr>
-                  </a:glow>
-                </a:effectLst>
-              </a:rPr>
-              <a:t>: 3D</a:t>
-            </a:r>
-            <a:r>
-              <a:rPr lang="ja-JP" altLang="en-US" sz="2400" b="1" dirty="0">
-                <a:effectLst>
-                  <a:glow rad="101600">
-                    <a:schemeClr val="bg1">
-                      <a:alpha val="60000"/>
-                    </a:schemeClr>
-                  </a:glow>
-                </a:effectLst>
-              </a:rPr>
-              <a:t>空間の</a:t>
-            </a:r>
-            <a:r>
-              <a:rPr lang="en-US" altLang="ja-JP" sz="2400" b="1" dirty="0">
-                <a:effectLst>
-                  <a:glow rad="101600">
-                    <a:schemeClr val="bg1">
-                      <a:alpha val="60000"/>
-                    </a:schemeClr>
-                  </a:glow>
-                </a:effectLst>
-              </a:rPr>
-              <a:t>2D</a:t>
-            </a:r>
-            <a:r>
-              <a:rPr lang="ja-JP" altLang="en-US" sz="2400" b="1" dirty="0">
-                <a:effectLst>
-                  <a:glow rad="101600">
-                    <a:schemeClr val="bg1">
-                      <a:alpha val="60000"/>
-                    </a:schemeClr>
-                  </a:glow>
-                </a:effectLst>
-              </a:rPr>
-              <a:t>移動</a:t>
-            </a:r>
-            <a:endParaRPr kumimoji="1" lang="ja-JP" altLang="en-US" sz="2400" b="1" dirty="0">
-              <a:effectLst>
-                <a:glow rad="101600">
-                  <a:schemeClr val="bg1">
-                    <a:alpha val="60000"/>
-                  </a:schemeClr>
-                </a:glow>
-              </a:effectLst>
-            </a:endParaRPr>
-          </a:p>
-        </p:txBody>
-      </p:sp>
-      <p:sp>
-        <p:nvSpPr>
-          <p:cNvPr id="40" name="テキスト ボックス 39">
-            <a:extLst>
-              <a:ext uri="{FF2B5EF4-FFF2-40B4-BE49-F238E27FC236}">
-                <a16:creationId xmlns:a16="http://schemas.microsoft.com/office/drawing/2014/main" id="{A0685E9C-BB0D-7FD3-3B7B-8A77A428C7D2}"/>
-              </a:ext>
-            </a:extLst>
-          </p:cNvPr>
-          <p:cNvSpPr txBox="1"/>
-          <p:nvPr/>
-        </p:nvSpPr>
-        <p:spPr>
-          <a:xfrm>
-            <a:off x="7345661" y="1892759"/>
-            <a:ext cx="1740282" cy="523220"/>
-          </a:xfrm>
-          <a:prstGeom prst="rect">
-            <a:avLst/>
-          </a:prstGeom>
-          <a:noFill/>
-        </p:spPr>
-        <p:txBody>
-          <a:bodyPr wrap="square" rtlCol="0">
-            <a:spAutoFit/>
-          </a:bodyPr>
-          <a:lstStyle/>
-          <a:p>
-            <a:pPr algn="ctr"/>
-            <a:r>
-              <a:rPr lang="en-US" altLang="ja-JP" sz="2800" b="1" dirty="0">
-                <a:effectLst>
-                  <a:glow rad="101600">
-                    <a:schemeClr val="bg1">
-                      <a:alpha val="60000"/>
-                    </a:schemeClr>
-                  </a:glow>
-                </a:effectLst>
-              </a:rPr>
-              <a:t>&lt;</a:t>
-            </a:r>
-            <a:r>
-              <a:rPr lang="ja-JP" altLang="en-US" sz="2800" b="1" dirty="0">
-                <a:effectLst>
-                  <a:glow rad="101600">
-                    <a:schemeClr val="bg1">
-                      <a:alpha val="60000"/>
-                    </a:schemeClr>
-                  </a:glow>
-                </a:effectLst>
-              </a:rPr>
-              <a:t>要素</a:t>
-            </a:r>
-            <a:r>
-              <a:rPr lang="en-US" altLang="ja-JP" sz="2800" b="1" dirty="0">
-                <a:effectLst>
-                  <a:glow rad="101600">
-                    <a:schemeClr val="bg1">
-                      <a:alpha val="60000"/>
-                    </a:schemeClr>
-                  </a:glow>
-                </a:effectLst>
-              </a:rPr>
-              <a:t>&gt;</a:t>
-            </a:r>
-            <a:endParaRPr kumimoji="1" lang="en-US" altLang="ja-JP" sz="2800" b="1" dirty="0">
-              <a:effectLst>
-                <a:glow rad="101600">
-                  <a:schemeClr val="bg1">
-                    <a:alpha val="60000"/>
-                  </a:schemeClr>
-                </a:glow>
-              </a:effectLst>
-            </a:endParaRPr>
-          </a:p>
-        </p:txBody>
-      </p:sp>
-      <p:cxnSp>
-        <p:nvCxnSpPr>
-          <p:cNvPr id="42" name="直線コネクタ 41">
-            <a:extLst>
-              <a:ext uri="{FF2B5EF4-FFF2-40B4-BE49-F238E27FC236}">
-                <a16:creationId xmlns:a16="http://schemas.microsoft.com/office/drawing/2014/main" id="{342996A0-13ED-3BCB-CB33-43B5DFEEA5B3}"/>
-              </a:ext>
-            </a:extLst>
-          </p:cNvPr>
-          <p:cNvCxnSpPr>
-            <a:cxnSpLocks/>
-          </p:cNvCxnSpPr>
-          <p:nvPr/>
-        </p:nvCxnSpPr>
-        <p:spPr>
-          <a:xfrm>
-            <a:off x="7324821" y="1919588"/>
-            <a:ext cx="0" cy="4517498"/>
-          </a:xfrm>
-          <a:prstGeom prst="line">
-            <a:avLst/>
-          </a:prstGeom>
-        </p:spPr>
-        <p:style>
-          <a:lnRef idx="2">
-            <a:schemeClr val="dk1"/>
-          </a:lnRef>
-          <a:fillRef idx="0">
-            <a:schemeClr val="dk1"/>
-          </a:fillRef>
-          <a:effectRef idx="1">
-            <a:schemeClr val="dk1"/>
-          </a:effectRef>
-          <a:fontRef idx="minor">
-            <a:schemeClr val="tx1"/>
-          </a:fontRef>
-        </p:style>
-      </p:cxnSp>
-      <p:cxnSp>
-        <p:nvCxnSpPr>
-          <p:cNvPr id="44" name="直線コネクタ 43">
-            <a:extLst>
-              <a:ext uri="{FF2B5EF4-FFF2-40B4-BE49-F238E27FC236}">
-                <a16:creationId xmlns:a16="http://schemas.microsoft.com/office/drawing/2014/main" id="{3A5E37D3-CB52-37D7-B92C-848A84BE741D}"/>
-              </a:ext>
-            </a:extLst>
-          </p:cNvPr>
-          <p:cNvCxnSpPr>
-            <a:cxnSpLocks/>
-          </p:cNvCxnSpPr>
-          <p:nvPr/>
-        </p:nvCxnSpPr>
-        <p:spPr>
-          <a:xfrm flipV="1">
-            <a:off x="7395783" y="1857287"/>
-            <a:ext cx="3983964" cy="14957"/>
-          </a:xfrm>
-          <a:prstGeom prst="line">
-            <a:avLst/>
-          </a:prstGeom>
-        </p:spPr>
-        <p:style>
-          <a:lnRef idx="2">
-            <a:schemeClr val="dk1"/>
-          </a:lnRef>
-          <a:fillRef idx="0">
-            <a:schemeClr val="dk1"/>
-          </a:fillRef>
-          <a:effectRef idx="1">
-            <a:schemeClr val="dk1"/>
-          </a:effectRef>
-          <a:fontRef idx="minor">
-            <a:schemeClr val="tx1"/>
-          </a:fontRef>
-        </p:style>
-      </p:cxnSp>
-      <p:pic>
-        <p:nvPicPr>
-          <p:cNvPr id="50" name="グラフィックス 49" descr="下弦の月 単色塗りつぶし">
-            <a:extLst>
-              <a:ext uri="{FF2B5EF4-FFF2-40B4-BE49-F238E27FC236}">
-                <a16:creationId xmlns:a16="http://schemas.microsoft.com/office/drawing/2014/main" id="{F2C1B883-2390-9668-DE66-6945B08F3EE2}"/>
-              </a:ext>
-            </a:extLst>
-          </p:cNvPr>
-          <p:cNvPicPr>
-            <a:picLocks noChangeAspect="1"/>
-          </p:cNvPicPr>
-          <p:nvPr/>
-        </p:nvPicPr>
-        <p:blipFill>
-          <a:blip r:embed="rId15">
-            <a:extLst>
-              <a:ext uri="{96DAC541-7B7A-43D3-8B79-37D633B846F1}">
-                <asvg:svgBlip xmlns:asvg="http://schemas.microsoft.com/office/drawing/2016/SVG/main" r:embed="rId16"/>
-              </a:ext>
-            </a:extLst>
-          </a:blip>
-          <a:stretch>
-            <a:fillRect/>
-          </a:stretch>
-        </p:blipFill>
-        <p:spPr>
-          <a:xfrm>
-            <a:off x="2069119" y="5695037"/>
-            <a:ext cx="702077" cy="734447"/>
-          </a:xfrm>
-          <a:prstGeom prst="rect">
-            <a:avLst/>
-          </a:prstGeom>
-        </p:spPr>
-      </p:pic>
-      <p:sp>
-        <p:nvSpPr>
-          <p:cNvPr id="51" name="テキスト ボックス 50">
-            <a:extLst>
-              <a:ext uri="{FF2B5EF4-FFF2-40B4-BE49-F238E27FC236}">
-                <a16:creationId xmlns:a16="http://schemas.microsoft.com/office/drawing/2014/main" id="{54639B4C-7945-B762-91E4-AAB0350A1ECE}"/>
-              </a:ext>
-            </a:extLst>
-          </p:cNvPr>
-          <p:cNvSpPr txBox="1"/>
-          <p:nvPr/>
-        </p:nvSpPr>
-        <p:spPr>
-          <a:xfrm>
-            <a:off x="108299" y="6381708"/>
-            <a:ext cx="2965968" cy="461665"/>
-          </a:xfrm>
-          <a:prstGeom prst="rect">
-            <a:avLst/>
-          </a:prstGeom>
-          <a:noFill/>
-        </p:spPr>
-        <p:txBody>
-          <a:bodyPr wrap="square" rtlCol="0">
-            <a:spAutoFit/>
-          </a:bodyPr>
-          <a:lstStyle/>
-          <a:p>
-            <a:pPr algn="ctr"/>
-            <a:r>
-              <a:rPr kumimoji="1" lang="ja-JP" altLang="en-US" sz="2400" b="1" dirty="0">
-                <a:effectLst>
-                  <a:glow rad="101600">
-                    <a:schemeClr val="bg1">
-                      <a:alpha val="60000"/>
-                    </a:schemeClr>
-                  </a:glow>
-                </a:effectLst>
-              </a:rPr>
-              <a:t>横に飛ぶよ</a:t>
-            </a:r>
-          </a:p>
-        </p:txBody>
-      </p:sp>
-      <p:grpSp>
-        <p:nvGrpSpPr>
-          <p:cNvPr id="52" name="グループ化 51">
-            <a:extLst>
-              <a:ext uri="{FF2B5EF4-FFF2-40B4-BE49-F238E27FC236}">
-                <a16:creationId xmlns:a16="http://schemas.microsoft.com/office/drawing/2014/main" id="{CECDCB64-361B-D54E-1DE7-BDB47651015C}"/>
-              </a:ext>
-            </a:extLst>
-          </p:cNvPr>
-          <p:cNvGrpSpPr/>
-          <p:nvPr/>
-        </p:nvGrpSpPr>
-        <p:grpSpPr>
-          <a:xfrm>
-            <a:off x="7496007" y="2875447"/>
-            <a:ext cx="3271790" cy="1916488"/>
-            <a:chOff x="232085" y="3700663"/>
-            <a:chExt cx="4087437" cy="2386030"/>
-          </a:xfrm>
-        </p:grpSpPr>
-        <p:pic>
-          <p:nvPicPr>
-            <p:cNvPr id="53" name="図 52" descr="星と惑星のcg&#10;&#10;AI によって生成されたコンテンツは間違っている可能性があります。">
-              <a:extLst>
-                <a:ext uri="{FF2B5EF4-FFF2-40B4-BE49-F238E27FC236}">
-                  <a16:creationId xmlns:a16="http://schemas.microsoft.com/office/drawing/2014/main" id="{8E6147E1-F6A4-39D5-767F-7C431F4A3E66}"/>
-                </a:ext>
-              </a:extLst>
-            </p:cNvPr>
-            <p:cNvPicPr>
-              <a:picLocks noChangeAspect="1"/>
-            </p:cNvPicPr>
-            <p:nvPr/>
-          </p:nvPicPr>
-          <p:blipFill>
-            <a:blip r:embed="rId2">
-              <a:alphaModFix amt="60000"/>
-              <a:extLst>
-                <a:ext uri="{28A0092B-C50C-407E-A947-70E740481C1C}">
-                  <a14:useLocalDpi xmlns:a14="http://schemas.microsoft.com/office/drawing/2010/main" val="0"/>
-                </a:ext>
-              </a:extLst>
-            </a:blip>
-            <a:stretch>
-              <a:fillRect/>
-            </a:stretch>
-          </p:blipFill>
-          <p:spPr>
-            <a:xfrm>
-              <a:off x="232085" y="3700663"/>
-              <a:ext cx="4087435" cy="2384053"/>
-            </a:xfrm>
-            <a:prstGeom prst="rect">
-              <a:avLst/>
-            </a:prstGeom>
-          </p:spPr>
-        </p:pic>
-        <p:sp>
-          <p:nvSpPr>
-            <p:cNvPr id="55" name="正方形/長方形 54">
-              <a:extLst>
-                <a:ext uri="{FF2B5EF4-FFF2-40B4-BE49-F238E27FC236}">
-                  <a16:creationId xmlns:a16="http://schemas.microsoft.com/office/drawing/2014/main" id="{CC36636D-E206-F495-1E06-7D09D07775CA}"/>
-                </a:ext>
-              </a:extLst>
-            </p:cNvPr>
-            <p:cNvSpPr/>
-            <p:nvPr/>
-          </p:nvSpPr>
-          <p:spPr>
-            <a:xfrm>
-              <a:off x="232087" y="3702640"/>
-              <a:ext cx="4087435" cy="2384053"/>
-            </a:xfrm>
-            <a:prstGeom prst="rect">
-              <a:avLst/>
-            </a:prstGeom>
-            <a:noFill/>
-            <a:ln w="57150" cap="flat" cmpd="sng" algn="ctr">
-              <a:solidFill>
-                <a:schemeClr val="dk1"/>
-              </a:solidFill>
-              <a:prstDash val="solid"/>
-              <a:round/>
-              <a:headEnd type="none" w="med" len="med"/>
-              <a:tailEnd type="none" w="med" len="med"/>
-            </a:ln>
-          </p:spPr>
-          <p:style>
-            <a:lnRef idx="0">
-              <a:scrgbClr r="0" g="0" b="0"/>
-            </a:lnRef>
-            <a:fillRef idx="0">
-              <a:scrgbClr r="0" g="0" b="0"/>
-            </a:fillRef>
-            <a:effectRef idx="0">
-              <a:scrgbClr r="0" g="0" b="0"/>
-            </a:effectRef>
-            <a:fontRef idx="minor">
-              <a:schemeClr val="dk1"/>
-            </a:fontRef>
-          </p:style>
-          <p:txBody>
-            <a:bodyPr rtlCol="0" anchor="ctr"/>
-            <a:lstStyle/>
-            <a:p>
-              <a:pPr algn="ctr"/>
-              <a:endParaRPr kumimoji="1" lang="ja-JP" altLang="en-US"/>
-            </a:p>
-          </p:txBody>
-        </p:sp>
-        <p:sp>
-          <p:nvSpPr>
-            <p:cNvPr id="56" name="楕円 55">
-              <a:extLst>
-                <a:ext uri="{FF2B5EF4-FFF2-40B4-BE49-F238E27FC236}">
-                  <a16:creationId xmlns:a16="http://schemas.microsoft.com/office/drawing/2014/main" id="{C9EEF480-AAFC-3C0F-C40E-105C011B55C2}"/>
-                </a:ext>
-              </a:extLst>
-            </p:cNvPr>
-            <p:cNvSpPr/>
-            <p:nvPr/>
-          </p:nvSpPr>
-          <p:spPr>
-            <a:xfrm>
-              <a:off x="2048625" y="5615921"/>
-              <a:ext cx="404848" cy="403271"/>
-            </a:xfrm>
-            <a:prstGeom prst="ellipse">
-              <a:avLst/>
-            </a:prstGeom>
-            <a:solidFill>
-              <a:schemeClr val="bg1"/>
-            </a:solidFill>
-            <a:ln w="38100">
-              <a:solidFill>
-                <a:schemeClr val="accent1">
-                  <a:lumMod val="60000"/>
-                  <a:lumOff val="40000"/>
-                </a:schemeClr>
-              </a:solidFill>
-            </a:ln>
-          </p:spPr>
-          <p:style>
-            <a:lnRef idx="2">
-              <a:schemeClr val="accent1">
-                <a:shade val="15000"/>
-              </a:schemeClr>
-            </a:lnRef>
-            <a:fillRef idx="1">
-              <a:schemeClr val="accent1"/>
-            </a:fillRef>
-            <a:effectRef idx="0">
-              <a:schemeClr val="accent1"/>
-            </a:effectRef>
-            <a:fontRef idx="minor">
-              <a:schemeClr val="lt1"/>
-            </a:fontRef>
-          </p:style>
-          <p:txBody>
-            <a:bodyPr rtlCol="0" anchor="ctr"/>
-            <a:lstStyle/>
-            <a:p>
-              <a:pPr algn="ctr"/>
-              <a:endParaRPr kumimoji="1" lang="ja-JP" altLang="en-US" dirty="0"/>
-            </a:p>
-          </p:txBody>
-        </p:sp>
-        <p:pic>
-          <p:nvPicPr>
-            <p:cNvPr id="57" name="グラフィックス 56" descr="アリ 単色塗りつぶし">
-              <a:extLst>
-                <a:ext uri="{FF2B5EF4-FFF2-40B4-BE49-F238E27FC236}">
-                  <a16:creationId xmlns:a16="http://schemas.microsoft.com/office/drawing/2014/main" id="{CC842DFD-2D6A-A468-1A41-34258D419309}"/>
-                </a:ext>
-              </a:extLst>
-            </p:cNvPr>
-            <p:cNvPicPr>
-              <a:picLocks noChangeAspect="1"/>
-            </p:cNvPicPr>
-            <p:nvPr/>
-          </p:nvPicPr>
-          <p:blipFill>
-            <a:blip r:embed="rId3">
-              <a:extLst>
-                <a:ext uri="{96DAC541-7B7A-43D3-8B79-37D633B846F1}">
-                  <asvg:svgBlip xmlns:asvg="http://schemas.microsoft.com/office/drawing/2016/SVG/main" r:embed="rId4"/>
-                </a:ext>
-              </a:extLst>
-            </a:blip>
-            <a:stretch>
-              <a:fillRect/>
-            </a:stretch>
-          </p:blipFill>
-          <p:spPr>
-            <a:xfrm rot="16200000">
-              <a:off x="501280" y="4393187"/>
-              <a:ext cx="457201" cy="457200"/>
-            </a:xfrm>
-            <a:prstGeom prst="rect">
-              <a:avLst/>
-            </a:prstGeom>
-          </p:spPr>
-        </p:pic>
-        <p:pic>
-          <p:nvPicPr>
-            <p:cNvPr id="58" name="グラフィックス 57" descr="木星 単色塗りつぶし">
-              <a:extLst>
-                <a:ext uri="{FF2B5EF4-FFF2-40B4-BE49-F238E27FC236}">
-                  <a16:creationId xmlns:a16="http://schemas.microsoft.com/office/drawing/2014/main" id="{6A2AC91E-02B9-84B8-E8EE-3C852C55BE47}"/>
-                </a:ext>
-              </a:extLst>
-            </p:cNvPr>
-            <p:cNvPicPr>
-              <a:picLocks noChangeAspect="1"/>
-            </p:cNvPicPr>
-            <p:nvPr/>
-          </p:nvPicPr>
-          <p:blipFill>
-            <a:blip r:embed="rId5">
-              <a:extLst>
-                <a:ext uri="{96DAC541-7B7A-43D3-8B79-37D633B846F1}">
-                  <asvg:svgBlip xmlns:asvg="http://schemas.microsoft.com/office/drawing/2016/SVG/main" r:embed="rId6"/>
-                </a:ext>
-              </a:extLst>
-            </a:blip>
-            <a:stretch>
-              <a:fillRect/>
-            </a:stretch>
-          </p:blipFill>
-          <p:spPr>
-            <a:xfrm>
-              <a:off x="3347359" y="4532899"/>
-              <a:ext cx="457200" cy="457201"/>
-            </a:xfrm>
-            <a:prstGeom prst="rect">
-              <a:avLst/>
-            </a:prstGeom>
-          </p:spPr>
-        </p:pic>
-        <p:pic>
-          <p:nvPicPr>
-            <p:cNvPr id="60" name="グラフィックス 59" descr="金星 単色塗りつぶし">
-              <a:extLst>
-                <a:ext uri="{FF2B5EF4-FFF2-40B4-BE49-F238E27FC236}">
-                  <a16:creationId xmlns:a16="http://schemas.microsoft.com/office/drawing/2014/main" id="{E324ECC8-7DD6-4147-7C83-DE466C50AE3F}"/>
-                </a:ext>
-              </a:extLst>
-            </p:cNvPr>
-            <p:cNvPicPr>
-              <a:picLocks noChangeAspect="1"/>
-            </p:cNvPicPr>
-            <p:nvPr/>
-          </p:nvPicPr>
-          <p:blipFill>
-            <a:blip r:embed="rId9">
-              <a:extLst>
-                <a:ext uri="{96DAC541-7B7A-43D3-8B79-37D633B846F1}">
-                  <asvg:svgBlip xmlns:asvg="http://schemas.microsoft.com/office/drawing/2016/SVG/main" r:embed="rId10"/>
-                </a:ext>
-              </a:extLst>
-            </a:blip>
-            <a:stretch>
-              <a:fillRect/>
-            </a:stretch>
-          </p:blipFill>
-          <p:spPr>
-            <a:xfrm>
-              <a:off x="3688789" y="5351683"/>
-              <a:ext cx="457200" cy="457201"/>
-            </a:xfrm>
-            <a:prstGeom prst="rect">
-              <a:avLst/>
-            </a:prstGeom>
-          </p:spPr>
-        </p:pic>
-        <p:pic>
-          <p:nvPicPr>
-            <p:cNvPr id="61" name="グラフィックス 60" descr="水星 単色塗りつぶし">
-              <a:extLst>
-                <a:ext uri="{FF2B5EF4-FFF2-40B4-BE49-F238E27FC236}">
-                  <a16:creationId xmlns:a16="http://schemas.microsoft.com/office/drawing/2014/main" id="{23886A4C-713F-2A03-43D9-0F351BF08E1D}"/>
-                </a:ext>
-              </a:extLst>
-            </p:cNvPr>
-            <p:cNvPicPr>
-              <a:picLocks noChangeAspect="1"/>
-            </p:cNvPicPr>
-            <p:nvPr/>
-          </p:nvPicPr>
-          <p:blipFill>
-            <a:blip r:embed="rId11">
-              <a:extLst>
-                <a:ext uri="{96DAC541-7B7A-43D3-8B79-37D633B846F1}">
-                  <asvg:svgBlip xmlns:asvg="http://schemas.microsoft.com/office/drawing/2016/SVG/main" r:embed="rId12"/>
-                </a:ext>
-              </a:extLst>
-            </a:blip>
-            <a:stretch>
-              <a:fillRect/>
-            </a:stretch>
-          </p:blipFill>
-          <p:spPr>
-            <a:xfrm>
-              <a:off x="303473" y="3895947"/>
-              <a:ext cx="457200" cy="457200"/>
-            </a:xfrm>
-            <a:prstGeom prst="rect">
-              <a:avLst/>
-            </a:prstGeom>
-          </p:spPr>
-        </p:pic>
-      </p:grpSp>
-      <p:sp>
-        <p:nvSpPr>
-          <p:cNvPr id="74" name="矢印: 上 73">
-            <a:extLst>
-              <a:ext uri="{FF2B5EF4-FFF2-40B4-BE49-F238E27FC236}">
-                <a16:creationId xmlns:a16="http://schemas.microsoft.com/office/drawing/2014/main" id="{9F612DEC-C3B1-4A2E-FFAB-CA08BD57BFC6}"/>
-              </a:ext>
-            </a:extLst>
-          </p:cNvPr>
-          <p:cNvSpPr/>
-          <p:nvPr/>
-        </p:nvSpPr>
-        <p:spPr>
-          <a:xfrm rot="10800000">
-            <a:off x="9002736" y="2908641"/>
-            <a:ext cx="224164" cy="1119667"/>
-          </a:xfrm>
-          <a:prstGeom prst="upArrow">
-            <a:avLst/>
-          </a:prstGeom>
-          <a:solidFill>
-            <a:schemeClr val="bg2">
-              <a:lumMod val="75000"/>
-            </a:schemeClr>
-          </a:solidFill>
-        </p:spPr>
-        <p:style>
-          <a:lnRef idx="2">
-            <a:schemeClr val="dk1">
-              <a:shade val="15000"/>
-            </a:schemeClr>
-          </a:lnRef>
-          <a:fillRef idx="1">
-            <a:schemeClr val="dk1"/>
-          </a:fillRef>
-          <a:effectRef idx="0">
-            <a:schemeClr val="dk1"/>
-          </a:effectRef>
-          <a:fontRef idx="minor">
-            <a:schemeClr val="lt1"/>
-          </a:fontRef>
-        </p:style>
-        <p:txBody>
-          <a:bodyPr rtlCol="0" anchor="ctr"/>
-          <a:lstStyle/>
-          <a:p>
-            <a:pPr algn="ctr"/>
-            <a:endParaRPr kumimoji="1" lang="ja-JP" altLang="en-US" dirty="0"/>
-          </a:p>
-        </p:txBody>
-      </p:sp>
-      <p:pic>
-        <p:nvPicPr>
-          <p:cNvPr id="63" name="グラフィックス 62" descr="エイリアンの顔 単色塗りつぶし">
-            <a:extLst>
-              <a:ext uri="{FF2B5EF4-FFF2-40B4-BE49-F238E27FC236}">
-                <a16:creationId xmlns:a16="http://schemas.microsoft.com/office/drawing/2014/main" id="{8BAB71C5-128C-4874-0D43-C64BAECFC044}"/>
-              </a:ext>
-            </a:extLst>
-          </p:cNvPr>
-          <p:cNvPicPr>
-            <a:picLocks noChangeAspect="1"/>
-          </p:cNvPicPr>
-          <p:nvPr/>
-        </p:nvPicPr>
-        <p:blipFill>
-          <a:blip r:embed="rId22">
-            <a:extLst>
-              <a:ext uri="{96DAC541-7B7A-43D3-8B79-37D633B846F1}">
-                <asvg:svgBlip xmlns:asvg="http://schemas.microsoft.com/office/drawing/2016/SVG/main" r:embed="rId23"/>
-              </a:ext>
-            </a:extLst>
-          </a:blip>
-          <a:stretch>
-            <a:fillRect/>
-          </a:stretch>
-        </p:blipFill>
-        <p:spPr>
-          <a:xfrm>
-            <a:off x="8732296" y="2908641"/>
-            <a:ext cx="775041" cy="775041"/>
-          </a:xfrm>
-          <a:prstGeom prst="rect">
-            <a:avLst/>
-          </a:prstGeom>
-        </p:spPr>
-      </p:pic>
-      <p:sp>
-        <p:nvSpPr>
-          <p:cNvPr id="75" name="テキスト ボックス 74">
-            <a:extLst>
-              <a:ext uri="{FF2B5EF4-FFF2-40B4-BE49-F238E27FC236}">
-                <a16:creationId xmlns:a16="http://schemas.microsoft.com/office/drawing/2014/main" id="{EA70910A-B1E9-4945-E341-CCC38454BB5F}"/>
-              </a:ext>
-            </a:extLst>
-          </p:cNvPr>
-          <p:cNvSpPr txBox="1"/>
-          <p:nvPr/>
-        </p:nvSpPr>
-        <p:spPr>
-          <a:xfrm>
-            <a:off x="7474928" y="2368189"/>
-            <a:ext cx="2965968" cy="461665"/>
-          </a:xfrm>
-          <a:prstGeom prst="rect">
-            <a:avLst/>
-          </a:prstGeom>
-          <a:noFill/>
-        </p:spPr>
-        <p:txBody>
-          <a:bodyPr wrap="square" rtlCol="0">
-            <a:spAutoFit/>
-          </a:bodyPr>
-          <a:lstStyle/>
-          <a:p>
-            <a:pPr algn="ctr"/>
-            <a:r>
-              <a:rPr kumimoji="1" lang="ja-JP" altLang="en-US" sz="2400" b="1" dirty="0">
-                <a:effectLst>
-                  <a:glow rad="101600">
-                    <a:schemeClr val="bg1">
-                      <a:alpha val="60000"/>
-                    </a:schemeClr>
-                  </a:glow>
-                </a:effectLst>
-              </a:rPr>
-              <a:t>上から降りてくる</a:t>
-            </a:r>
-            <a:r>
-              <a:rPr kumimoji="1" lang="ja-JP" altLang="en-US" sz="2400" b="1" dirty="0">
-                <a:solidFill>
-                  <a:srgbClr val="FF0000"/>
-                </a:solidFill>
-                <a:effectLst>
-                  <a:glow rad="101600">
-                    <a:schemeClr val="bg1">
-                      <a:alpha val="60000"/>
-                    </a:schemeClr>
-                  </a:glow>
-                </a:effectLst>
-              </a:rPr>
-              <a:t>敵</a:t>
-            </a:r>
-          </a:p>
-        </p:txBody>
-      </p:sp>
-      <p:pic>
-        <p:nvPicPr>
-          <p:cNvPr id="76" name="図 75" descr="図形 が含まれている画像&#10;&#10;AI 生成コンテンツは誤りを含む可能性があります。">
-            <a:extLst>
-              <a:ext uri="{FF2B5EF4-FFF2-40B4-BE49-F238E27FC236}">
-                <a16:creationId xmlns:a16="http://schemas.microsoft.com/office/drawing/2014/main" id="{C810996A-A95C-8114-2058-9CD7C04211C9}"/>
-              </a:ext>
-            </a:extLst>
-          </p:cNvPr>
-          <p:cNvPicPr>
-            <a:picLocks noChangeAspect="1"/>
-          </p:cNvPicPr>
-          <p:nvPr/>
-        </p:nvPicPr>
-        <p:blipFill>
-          <a:blip r:embed="rId24">
-            <a:duotone>
-              <a:schemeClr val="accent3">
-                <a:shade val="45000"/>
-                <a:satMod val="135000"/>
-              </a:schemeClr>
-              <a:prstClr val="white"/>
-            </a:duotone>
-            <a:extLst>
-              <a:ext uri="{BEBA8EAE-BF5A-486C-A8C5-ECC9F3942E4B}">
-                <a14:imgProps xmlns:a14="http://schemas.microsoft.com/office/drawing/2010/main">
-                  <a14:imgLayer r:embed="rId25">
-                    <a14:imgEffect>
-                      <a14:sharpenSoften amount="100000"/>
-                    </a14:imgEffect>
-                    <a14:imgEffect>
-                      <a14:saturation sat="97000"/>
-                    </a14:imgEffect>
-                    <a14:imgEffect>
-                      <a14:brightnessContrast bright="21000"/>
-                    </a14:imgEffect>
-                  </a14:imgLayer>
-                </a14:imgProps>
-              </a:ext>
-              <a:ext uri="{28A0092B-C50C-407E-A947-70E740481C1C}">
-                <a14:useLocalDpi xmlns:a14="http://schemas.microsoft.com/office/drawing/2010/main" val="0"/>
-              </a:ext>
-            </a:extLst>
-          </a:blip>
-          <a:stretch>
-            <a:fillRect/>
-          </a:stretch>
-        </p:blipFill>
-        <p:spPr>
-          <a:xfrm rot="16200000">
-            <a:off x="7656131" y="4874117"/>
-            <a:ext cx="636527" cy="842487"/>
-          </a:xfrm>
-          <a:prstGeom prst="rect">
-            <a:avLst/>
-          </a:prstGeom>
-          <a:effectLst>
-            <a:outerShdw blurRad="50800" dist="50800" dir="5400000" algn="ctr" rotWithShape="0">
-              <a:schemeClr val="bg2">
-                <a:lumMod val="50000"/>
-              </a:schemeClr>
-            </a:outerShdw>
-          </a:effectLst>
-        </p:spPr>
-      </p:pic>
-      <p:sp>
-        <p:nvSpPr>
-          <p:cNvPr id="77" name="楕円 76">
-            <a:extLst>
-              <a:ext uri="{FF2B5EF4-FFF2-40B4-BE49-F238E27FC236}">
-                <a16:creationId xmlns:a16="http://schemas.microsoft.com/office/drawing/2014/main" id="{D8DC955A-FFEE-79AB-D497-B49B4BA68CE6}"/>
-              </a:ext>
-            </a:extLst>
-          </p:cNvPr>
-          <p:cNvSpPr/>
-          <p:nvPr/>
-        </p:nvSpPr>
-        <p:spPr>
-          <a:xfrm>
-            <a:off x="7610658" y="5722208"/>
-            <a:ext cx="727472" cy="696937"/>
-          </a:xfrm>
-          <a:prstGeom prst="ellipse">
-            <a:avLst/>
-          </a:prstGeom>
-          <a:solidFill>
-            <a:schemeClr val="bg1"/>
-          </a:solidFill>
-          <a:ln w="38100">
-            <a:solidFill>
-              <a:schemeClr val="accent1">
-                <a:lumMod val="60000"/>
-                <a:lumOff val="40000"/>
-              </a:schemeClr>
-            </a:solidFill>
-          </a:ln>
-        </p:spPr>
-        <p:style>
-          <a:lnRef idx="2">
-            <a:schemeClr val="accent1">
-              <a:shade val="15000"/>
-            </a:schemeClr>
-          </a:lnRef>
-          <a:fillRef idx="1">
-            <a:schemeClr val="accent1"/>
-          </a:fillRef>
-          <a:effectRef idx="0">
-            <a:schemeClr val="accent1"/>
-          </a:effectRef>
-          <a:fontRef idx="minor">
-            <a:schemeClr val="lt1"/>
-          </a:fontRef>
-        </p:style>
-        <p:txBody>
-          <a:bodyPr rtlCol="0" anchor="ctr"/>
-          <a:lstStyle/>
-          <a:p>
-            <a:pPr algn="ctr"/>
-            <a:endParaRPr kumimoji="1" lang="ja-JP" altLang="en-US" dirty="0"/>
-          </a:p>
-        </p:txBody>
-      </p:sp>
-      <p:sp>
-        <p:nvSpPr>
-          <p:cNvPr id="78" name="矢印: 左 77">
-            <a:extLst>
-              <a:ext uri="{FF2B5EF4-FFF2-40B4-BE49-F238E27FC236}">
-                <a16:creationId xmlns:a16="http://schemas.microsoft.com/office/drawing/2014/main" id="{F12374D5-681E-30A5-BB27-764A1A285198}"/>
-              </a:ext>
-            </a:extLst>
-          </p:cNvPr>
-          <p:cNvSpPr/>
-          <p:nvPr/>
-        </p:nvSpPr>
-        <p:spPr>
-          <a:xfrm>
-            <a:off x="8417628" y="5433427"/>
-            <a:ext cx="760009" cy="523220"/>
-          </a:xfrm>
-          <a:prstGeom prst="leftArrow">
-            <a:avLst/>
-          </a:prstGeom>
-        </p:spPr>
-        <p:style>
-          <a:lnRef idx="1">
-            <a:schemeClr val="accent3"/>
-          </a:lnRef>
-          <a:fillRef idx="2">
-            <a:schemeClr val="accent3"/>
-          </a:fillRef>
-          <a:effectRef idx="1">
-            <a:schemeClr val="accent3"/>
-          </a:effectRef>
-          <a:fontRef idx="minor">
-            <a:schemeClr val="dk1"/>
-          </a:fontRef>
-        </p:style>
-        <p:txBody>
-          <a:bodyPr rtlCol="0" anchor="ctr"/>
-          <a:lstStyle/>
-          <a:p>
-            <a:pPr algn="ctr"/>
-            <a:endParaRPr kumimoji="1" lang="ja-JP" altLang="en-US" dirty="0"/>
-          </a:p>
-        </p:txBody>
-      </p:sp>
-      <p:sp>
-        <p:nvSpPr>
-          <p:cNvPr id="79" name="テキスト ボックス 78">
-            <a:extLst>
-              <a:ext uri="{FF2B5EF4-FFF2-40B4-BE49-F238E27FC236}">
-                <a16:creationId xmlns:a16="http://schemas.microsoft.com/office/drawing/2014/main" id="{E18BED22-A197-F22E-958A-A24C7FFDAEBD}"/>
-              </a:ext>
-            </a:extLst>
-          </p:cNvPr>
-          <p:cNvSpPr txBox="1"/>
-          <p:nvPr/>
-        </p:nvSpPr>
-        <p:spPr>
-          <a:xfrm>
-            <a:off x="9150972" y="5263891"/>
-            <a:ext cx="1853751" cy="830997"/>
-          </a:xfrm>
-          <a:prstGeom prst="rect">
-            <a:avLst/>
-          </a:prstGeom>
-          <a:noFill/>
-        </p:spPr>
-        <p:txBody>
-          <a:bodyPr wrap="square" rtlCol="0">
-            <a:spAutoFit/>
-          </a:bodyPr>
-          <a:lstStyle/>
-          <a:p>
-            <a:pPr algn="ctr"/>
-            <a:r>
-              <a:rPr lang="ja-JP" altLang="en-US" sz="2400" b="1" dirty="0">
-                <a:effectLst>
-                  <a:glow rad="101600">
-                    <a:schemeClr val="bg1">
-                      <a:alpha val="60000"/>
-                    </a:schemeClr>
-                  </a:glow>
-                </a:effectLst>
-              </a:rPr>
-              <a:t>弾を撃って</a:t>
-            </a:r>
-            <a:endParaRPr lang="en-US" altLang="ja-JP" sz="2400" b="1" dirty="0">
-              <a:effectLst>
-                <a:glow rad="101600">
-                  <a:schemeClr val="bg1">
-                    <a:alpha val="60000"/>
-                  </a:schemeClr>
-                </a:glow>
-              </a:effectLst>
-            </a:endParaRPr>
-          </a:p>
-          <a:p>
-            <a:pPr algn="ctr"/>
-            <a:r>
-              <a:rPr lang="ja-JP" altLang="en-US" sz="2400" b="1" dirty="0">
-                <a:solidFill>
-                  <a:schemeClr val="tx2">
-                    <a:lumMod val="50000"/>
-                    <a:lumOff val="50000"/>
-                  </a:schemeClr>
-                </a:solidFill>
-                <a:effectLst>
-                  <a:glow rad="101600">
-                    <a:schemeClr val="bg1">
-                      <a:alpha val="60000"/>
-                    </a:schemeClr>
-                  </a:glow>
-                </a:effectLst>
-              </a:rPr>
-              <a:t>撃退</a:t>
-            </a:r>
-            <a:r>
-              <a:rPr lang="ja-JP" altLang="en-US" sz="2400" b="1" dirty="0">
-                <a:solidFill>
-                  <a:srgbClr val="002060"/>
-                </a:solidFill>
-                <a:effectLst>
-                  <a:glow rad="101600">
-                    <a:schemeClr val="bg1">
-                      <a:alpha val="60000"/>
-                    </a:schemeClr>
-                  </a:glow>
-                </a:effectLst>
-              </a:rPr>
-              <a:t> </a:t>
-            </a:r>
-            <a:r>
-              <a:rPr lang="en-US" altLang="ja-JP" sz="2400" b="1" dirty="0">
-                <a:solidFill>
-                  <a:srgbClr val="002060"/>
-                </a:solidFill>
-                <a:effectLst>
-                  <a:glow rad="101600">
-                    <a:schemeClr val="bg1">
-                      <a:alpha val="60000"/>
-                    </a:schemeClr>
-                  </a:glow>
-                </a:effectLst>
-              </a:rPr>
-              <a:t>!</a:t>
-            </a:r>
-            <a:endParaRPr kumimoji="1" lang="ja-JP" altLang="en-US" sz="2400" b="1" dirty="0">
-              <a:solidFill>
-                <a:srgbClr val="002060"/>
-              </a:solidFill>
-              <a:effectLst>
-                <a:glow rad="101600">
-                  <a:schemeClr val="bg1">
-                    <a:alpha val="60000"/>
-                  </a:schemeClr>
-                </a:glow>
-              </a:effectLst>
-            </a:endParaRPr>
-          </a:p>
-        </p:txBody>
-      </p:sp>
-      <p:sp>
-        <p:nvSpPr>
-          <p:cNvPr id="81" name="テキスト ボックス 80">
-            <a:extLst>
-              <a:ext uri="{FF2B5EF4-FFF2-40B4-BE49-F238E27FC236}">
-                <a16:creationId xmlns:a16="http://schemas.microsoft.com/office/drawing/2014/main" id="{4DC86E93-ADCC-93F6-B80F-FB31C4584455}"/>
-              </a:ext>
-            </a:extLst>
-          </p:cNvPr>
-          <p:cNvSpPr txBox="1"/>
-          <p:nvPr/>
-        </p:nvSpPr>
-        <p:spPr>
-          <a:xfrm>
-            <a:off x="11202606" y="2861731"/>
-            <a:ext cx="553998" cy="2790420"/>
-          </a:xfrm>
-          <a:prstGeom prst="rect">
-            <a:avLst/>
-          </a:prstGeom>
-          <a:noFill/>
-        </p:spPr>
-        <p:txBody>
-          <a:bodyPr vert="eaVert" wrap="square" rtlCol="0">
-            <a:spAutoFit/>
-          </a:bodyPr>
-          <a:lstStyle/>
-          <a:p>
-            <a:pPr algn="ctr"/>
-            <a:r>
-              <a:rPr kumimoji="1" lang="ja-JP" altLang="en-US" sz="2400" b="1" dirty="0">
-                <a:effectLst>
-                  <a:glow rad="101600">
-                    <a:schemeClr val="bg1">
-                      <a:alpha val="60000"/>
-                    </a:schemeClr>
-                  </a:glow>
-                </a:effectLst>
-              </a:rPr>
-              <a:t>移動以外に意識を</a:t>
-            </a:r>
-          </a:p>
-        </p:txBody>
-      </p:sp>
-    </p:spTree>
-    <p:extLst>
-      <p:ext uri="{BB962C8B-B14F-4D97-AF65-F5344CB8AC3E}">
-        <p14:creationId xmlns:p14="http://schemas.microsoft.com/office/powerpoint/2010/main" val="3515331795"/>
-      </p:ext>
-    </p:extLst>
-  </p:cSld>
-  <p:clrMapOvr>
-    <a:masterClrMapping/>
-  </p:clrMapOvr>
-</p:sld>
-</file>
-
-<file path=ppt/slides/slide2.xml><?xml version="1.0" encoding="utf-8"?>
-<p:sld xmlns:a="http://schemas.openxmlformats.org/drawingml/2006/main" xmlns:r="http://schemas.openxmlformats.org/officeDocument/2006/relationships" xmlns:p="http://schemas.openxmlformats.org/presentationml/2006/main">
-  <p:cSld>
-    <p:spTree>
-      <p:nvGrpSpPr>
         <p:cNvPr id="1" name="">
           <a:extLst>
             <a:ext uri="{FF2B5EF4-FFF2-40B4-BE49-F238E27FC236}">
@@ -8754,6 +5570,18 @@
             </a:r>
             <a:r>
               <a:rPr lang="ja-JP" altLang="en-US" sz="2400" b="1" dirty="0">
+                <a:effectLst>
+                  <a:glow rad="101600">
+                    <a:schemeClr val="bg1">
+                      <a:alpha val="60000"/>
+                    </a:schemeClr>
+                  </a:glow>
+                </a:effectLst>
+              </a:rPr>
+              <a:t>と</a:t>
+            </a:r>
+            <a:r>
+              <a:rPr lang="ja-JP" altLang="en-US" sz="2400" b="1" dirty="0">
                 <a:solidFill>
                   <a:schemeClr val="accent2">
                     <a:lumMod val="75000"/>
@@ -9514,7 +6342,7 @@
 </p:sld>
 </file>
 
-<file path=ppt/slides/slide3.xml><?xml version="1.0" encoding="utf-8"?>
+<file path=ppt/slides/slide2.xml><?xml version="1.0" encoding="utf-8"?>
 <p:sld xmlns:a="http://schemas.openxmlformats.org/drawingml/2006/main" xmlns:r="http://schemas.openxmlformats.org/officeDocument/2006/relationships" xmlns:p="http://schemas.openxmlformats.org/presentationml/2006/main">
   <p:cSld>
     <p:spTree>
@@ -11929,6 +8757,578 @@
           </a:p>
         </p:txBody>
       </p:sp>
+      <p:pic>
+        <p:nvPicPr>
+          <p:cNvPr id="2" name="グラフィックス 1" descr="レイヤー (デザイン) 単色塗りつぶし">
+            <a:extLst>
+              <a:ext uri="{FF2B5EF4-FFF2-40B4-BE49-F238E27FC236}">
+                <a16:creationId xmlns:a16="http://schemas.microsoft.com/office/drawing/2014/main" id="{ABCDCCB6-4469-9ACE-E1D2-10B01A35C435}"/>
+              </a:ext>
+            </a:extLst>
+          </p:cNvPr>
+          <p:cNvPicPr>
+            <a:picLocks noChangeAspect="1"/>
+          </p:cNvPicPr>
+          <p:nvPr/>
+        </p:nvPicPr>
+        <p:blipFill>
+          <a:blip r:embed="rId15">
+            <a:extLst>
+              <a:ext uri="{96DAC541-7B7A-43D3-8B79-37D633B846F1}">
+                <asvg:svgBlip xmlns:asvg="http://schemas.microsoft.com/office/drawing/2016/SVG/main" r:embed="rId16"/>
+              </a:ext>
+            </a:extLst>
+          </a:blip>
+          <a:stretch>
+            <a:fillRect/>
+          </a:stretch>
+        </p:blipFill>
+        <p:spPr>
+          <a:xfrm rot="6667307">
+            <a:off x="4872636" y="5503067"/>
+            <a:ext cx="551378" cy="519803"/>
+          </a:xfrm>
+          <a:prstGeom prst="rect">
+            <a:avLst/>
+          </a:prstGeom>
+        </p:spPr>
+      </p:pic>
+      <p:pic>
+        <p:nvPicPr>
+          <p:cNvPr id="3" name="グラフィックス 2" descr="金星 単色塗りつぶし">
+            <a:extLst>
+              <a:ext uri="{FF2B5EF4-FFF2-40B4-BE49-F238E27FC236}">
+                <a16:creationId xmlns:a16="http://schemas.microsoft.com/office/drawing/2014/main" id="{C18A1973-B787-6B08-EBE4-BC18F61382E4}"/>
+              </a:ext>
+            </a:extLst>
+          </p:cNvPr>
+          <p:cNvPicPr>
+            <a:picLocks noChangeAspect="1"/>
+          </p:cNvPicPr>
+          <p:nvPr/>
+        </p:nvPicPr>
+        <p:blipFill>
+          <a:blip r:embed="rId17">
+            <a:extLst>
+              <a:ext uri="{96DAC541-7B7A-43D3-8B79-37D633B846F1}">
+                <asvg:svgBlip xmlns:asvg="http://schemas.microsoft.com/office/drawing/2016/SVG/main" r:embed="rId18"/>
+              </a:ext>
+            </a:extLst>
+          </a:blip>
+          <a:stretch>
+            <a:fillRect/>
+          </a:stretch>
+        </p:blipFill>
+        <p:spPr>
+          <a:xfrm>
+            <a:off x="7302234" y="5648977"/>
+            <a:ext cx="515279" cy="546580"/>
+          </a:xfrm>
+          <a:prstGeom prst="rect">
+            <a:avLst/>
+          </a:prstGeom>
+        </p:spPr>
+      </p:pic>
+      <p:pic>
+        <p:nvPicPr>
+          <p:cNvPr id="33" name="グラフィックス 32" descr="アリ 単色塗りつぶし">
+            <a:extLst>
+              <a:ext uri="{FF2B5EF4-FFF2-40B4-BE49-F238E27FC236}">
+                <a16:creationId xmlns:a16="http://schemas.microsoft.com/office/drawing/2014/main" id="{EDE6CAC7-83C8-4BBA-3BFA-8BEC04CDA2BD}"/>
+              </a:ext>
+            </a:extLst>
+          </p:cNvPr>
+          <p:cNvPicPr>
+            <a:picLocks noChangeAspect="1"/>
+          </p:cNvPicPr>
+          <p:nvPr/>
+        </p:nvPicPr>
+        <p:blipFill>
+          <a:blip r:embed="rId11">
+            <a:extLst>
+              <a:ext uri="{96DAC541-7B7A-43D3-8B79-37D633B846F1}">
+                <asvg:svgBlip xmlns:asvg="http://schemas.microsoft.com/office/drawing/2016/SVG/main" r:embed="rId12"/>
+              </a:ext>
+            </a:extLst>
+          </a:blip>
+          <a:stretch>
+            <a:fillRect/>
+          </a:stretch>
+        </p:blipFill>
+        <p:spPr>
+          <a:xfrm rot="16200000">
+            <a:off x="7872849" y="4433633"/>
+            <a:ext cx="546582" cy="515281"/>
+          </a:xfrm>
+          <a:prstGeom prst="rect">
+            <a:avLst/>
+          </a:prstGeom>
+        </p:spPr>
+      </p:pic>
+      <p:pic>
+        <p:nvPicPr>
+          <p:cNvPr id="34" name="グラフィックス 33" descr="下弦の月 単色塗りつぶし">
+            <a:extLst>
+              <a:ext uri="{FF2B5EF4-FFF2-40B4-BE49-F238E27FC236}">
+                <a16:creationId xmlns:a16="http://schemas.microsoft.com/office/drawing/2014/main" id="{9D1EABAB-453E-5D19-7938-222DC28E036E}"/>
+              </a:ext>
+            </a:extLst>
+          </p:cNvPr>
+          <p:cNvPicPr>
+            <a:picLocks noChangeAspect="1"/>
+          </p:cNvPicPr>
+          <p:nvPr/>
+        </p:nvPicPr>
+        <p:blipFill>
+          <a:blip r:embed="rId5">
+            <a:extLst>
+              <a:ext uri="{96DAC541-7B7A-43D3-8B79-37D633B846F1}">
+                <asvg:svgBlip xmlns:asvg="http://schemas.microsoft.com/office/drawing/2016/SVG/main" r:embed="rId6"/>
+              </a:ext>
+            </a:extLst>
+          </a:blip>
+          <a:stretch>
+            <a:fillRect/>
+          </a:stretch>
+        </p:blipFill>
+        <p:spPr>
+          <a:xfrm>
+            <a:off x="4556186" y="4774825"/>
+            <a:ext cx="526342" cy="550609"/>
+          </a:xfrm>
+          <a:prstGeom prst="rect">
+            <a:avLst/>
+          </a:prstGeom>
+        </p:spPr>
+      </p:pic>
+      <p:pic>
+        <p:nvPicPr>
+          <p:cNvPr id="35" name="図 34">
+            <a:extLst>
+              <a:ext uri="{FF2B5EF4-FFF2-40B4-BE49-F238E27FC236}">
+                <a16:creationId xmlns:a16="http://schemas.microsoft.com/office/drawing/2014/main" id="{1A558045-E4B3-2AB4-957C-57671ACB65EE}"/>
+              </a:ext>
+            </a:extLst>
+          </p:cNvPr>
+          <p:cNvPicPr>
+            <a:picLocks noChangeAspect="1"/>
+          </p:cNvPicPr>
+          <p:nvPr/>
+        </p:nvPicPr>
+        <p:blipFill>
+          <a:blip r:embed="rId24">
+            <a:extLst>
+              <a:ext uri="{28A0092B-C50C-407E-A947-70E740481C1C}">
+                <a14:useLocalDpi xmlns:a14="http://schemas.microsoft.com/office/drawing/2010/main" val="0"/>
+              </a:ext>
+            </a:extLst>
+          </a:blip>
+          <a:srcRect t="32241"/>
+          <a:stretch>
+            <a:fillRect/>
+          </a:stretch>
+        </p:blipFill>
+        <p:spPr>
+          <a:xfrm>
+            <a:off x="4972178" y="3893782"/>
+            <a:ext cx="1324990" cy="740492"/>
+          </a:xfrm>
+          <a:prstGeom prst="rect">
+            <a:avLst/>
+          </a:prstGeom>
+        </p:spPr>
+      </p:pic>
+      <p:pic>
+        <p:nvPicPr>
+          <p:cNvPr id="36" name="グラフィックス 35" descr="ノコ刃 単色塗りつぶし">
+            <a:extLst>
+              <a:ext uri="{FF2B5EF4-FFF2-40B4-BE49-F238E27FC236}">
+                <a16:creationId xmlns:a16="http://schemas.microsoft.com/office/drawing/2014/main" id="{21A49A7E-6A65-E35F-DEC0-8405136F4A2B}"/>
+              </a:ext>
+            </a:extLst>
+          </p:cNvPr>
+          <p:cNvPicPr>
+            <a:picLocks noChangeAspect="1"/>
+          </p:cNvPicPr>
+          <p:nvPr/>
+        </p:nvPicPr>
+        <p:blipFill>
+          <a:blip r:embed="rId7">
+            <a:extLst>
+              <a:ext uri="{96DAC541-7B7A-43D3-8B79-37D633B846F1}">
+                <asvg:svgBlip xmlns:asvg="http://schemas.microsoft.com/office/drawing/2016/SVG/main" r:embed="rId8"/>
+              </a:ext>
+            </a:extLst>
+          </a:blip>
+          <a:stretch>
+            <a:fillRect/>
+          </a:stretch>
+        </p:blipFill>
+        <p:spPr>
+          <a:xfrm>
+            <a:off x="8781342" y="4904982"/>
+            <a:ext cx="479588" cy="501700"/>
+          </a:xfrm>
+          <a:prstGeom prst="rect">
+            <a:avLst/>
+          </a:prstGeom>
+        </p:spPr>
+      </p:pic>
+      <p:sp>
+        <p:nvSpPr>
+          <p:cNvPr id="38" name="テキスト ボックス 37">
+            <a:extLst>
+              <a:ext uri="{FF2B5EF4-FFF2-40B4-BE49-F238E27FC236}">
+                <a16:creationId xmlns:a16="http://schemas.microsoft.com/office/drawing/2014/main" id="{E8A37E72-1106-023F-DF7F-3BD576558568}"/>
+              </a:ext>
+            </a:extLst>
+          </p:cNvPr>
+          <p:cNvSpPr txBox="1"/>
+          <p:nvPr/>
+        </p:nvSpPr>
+        <p:spPr>
+          <a:xfrm>
+            <a:off x="9426676" y="4112322"/>
+            <a:ext cx="2674596" cy="707886"/>
+          </a:xfrm>
+          <a:prstGeom prst="rect">
+            <a:avLst/>
+          </a:prstGeom>
+          <a:noFill/>
+        </p:spPr>
+        <p:txBody>
+          <a:bodyPr wrap="square" rtlCol="0">
+            <a:spAutoFit/>
+          </a:bodyPr>
+          <a:lstStyle/>
+          <a:p>
+            <a:pPr algn="ctr"/>
+            <a:r>
+              <a:rPr lang="ja-JP" altLang="en-US" sz="2000" b="1" dirty="0">
+                <a:solidFill>
+                  <a:schemeClr val="accent6">
+                    <a:lumMod val="75000"/>
+                  </a:schemeClr>
+                </a:solidFill>
+                <a:effectLst>
+                  <a:glow rad="101600">
+                    <a:schemeClr val="bg1">
+                      <a:alpha val="60000"/>
+                    </a:schemeClr>
+                  </a:glow>
+                </a:effectLst>
+              </a:rPr>
+              <a:t>宇宙ゴミ</a:t>
+            </a:r>
+            <a:r>
+              <a:rPr kumimoji="1" lang="ja-JP" altLang="en-US" sz="2000" b="1" dirty="0">
+                <a:effectLst>
+                  <a:glow rad="101600">
+                    <a:schemeClr val="bg1">
+                      <a:alpha val="60000"/>
+                    </a:schemeClr>
+                  </a:glow>
+                </a:effectLst>
+              </a:rPr>
+              <a:t>が多く</a:t>
+            </a:r>
+            <a:endParaRPr kumimoji="1" lang="en-US" altLang="ja-JP" sz="2000" b="1" dirty="0">
+              <a:effectLst>
+                <a:glow rad="101600">
+                  <a:schemeClr val="bg1">
+                    <a:alpha val="60000"/>
+                  </a:schemeClr>
+                </a:glow>
+              </a:effectLst>
+            </a:endParaRPr>
+          </a:p>
+          <a:p>
+            <a:pPr algn="ctr"/>
+            <a:r>
+              <a:rPr lang="ja-JP" altLang="en-US" sz="2000" b="1" dirty="0">
+                <a:effectLst>
+                  <a:glow rad="101600">
+                    <a:schemeClr val="bg1">
+                      <a:alpha val="60000"/>
+                    </a:schemeClr>
+                  </a:glow>
+                </a:effectLst>
+              </a:rPr>
+              <a:t>よけにくい場面</a:t>
+            </a:r>
+            <a:endParaRPr lang="en-US" altLang="ja-JP" sz="2000" b="1" dirty="0">
+              <a:effectLst>
+                <a:glow rad="101600">
+                  <a:schemeClr val="bg1">
+                    <a:alpha val="60000"/>
+                  </a:schemeClr>
+                </a:glow>
+              </a:effectLst>
+            </a:endParaRPr>
+          </a:p>
+        </p:txBody>
+      </p:sp>
+      <p:sp>
+        <p:nvSpPr>
+          <p:cNvPr id="42" name="テキスト ボックス 41">
+            <a:extLst>
+              <a:ext uri="{FF2B5EF4-FFF2-40B4-BE49-F238E27FC236}">
+                <a16:creationId xmlns:a16="http://schemas.microsoft.com/office/drawing/2014/main" id="{7D3F683D-8619-4D4B-6663-8166B32C794C}"/>
+              </a:ext>
+            </a:extLst>
+          </p:cNvPr>
+          <p:cNvSpPr txBox="1"/>
+          <p:nvPr/>
+        </p:nvSpPr>
+        <p:spPr>
+          <a:xfrm>
+            <a:off x="9415627" y="5579634"/>
+            <a:ext cx="2674596" cy="707886"/>
+          </a:xfrm>
+          <a:prstGeom prst="rect">
+            <a:avLst/>
+          </a:prstGeom>
+          <a:noFill/>
+        </p:spPr>
+        <p:txBody>
+          <a:bodyPr wrap="square" rtlCol="0">
+            <a:spAutoFit/>
+          </a:bodyPr>
+          <a:lstStyle/>
+          <a:p>
+            <a:pPr algn="ctr"/>
+            <a:r>
+              <a:rPr lang="ja-JP" altLang="en-US" sz="2000" b="1" dirty="0">
+                <a:solidFill>
+                  <a:srgbClr val="FF0000"/>
+                </a:solidFill>
+                <a:effectLst>
+                  <a:glow rad="101600">
+                    <a:schemeClr val="bg1">
+                      <a:alpha val="60000"/>
+                    </a:schemeClr>
+                  </a:glow>
+                </a:effectLst>
+              </a:rPr>
+              <a:t>パワー</a:t>
+            </a:r>
+            <a:r>
+              <a:rPr lang="ja-JP" altLang="en-US" sz="2000" b="1" dirty="0">
+                <a:effectLst>
+                  <a:glow rad="101600">
+                    <a:schemeClr val="bg1">
+                      <a:alpha val="60000"/>
+                    </a:schemeClr>
+                  </a:glow>
+                </a:effectLst>
+              </a:rPr>
+              <a:t>を発動して</a:t>
+            </a:r>
+            <a:endParaRPr lang="en-US" altLang="ja-JP" sz="2000" b="1" dirty="0">
+              <a:effectLst>
+                <a:glow rad="101600">
+                  <a:schemeClr val="bg1">
+                    <a:alpha val="60000"/>
+                  </a:schemeClr>
+                </a:glow>
+              </a:effectLst>
+            </a:endParaRPr>
+          </a:p>
+          <a:p>
+            <a:pPr algn="ctr"/>
+            <a:r>
+              <a:rPr lang="ja-JP" altLang="en-US" sz="2000" b="1" dirty="0">
+                <a:effectLst>
+                  <a:glow rad="101600">
+                    <a:schemeClr val="bg1">
+                      <a:alpha val="60000"/>
+                    </a:schemeClr>
+                  </a:glow>
+                </a:effectLst>
+              </a:rPr>
+              <a:t>かいくぐろう</a:t>
+            </a:r>
+            <a:endParaRPr lang="en-US" altLang="ja-JP" sz="2000" b="1" dirty="0">
+              <a:effectLst>
+                <a:glow rad="101600">
+                  <a:schemeClr val="bg1">
+                    <a:alpha val="60000"/>
+                  </a:schemeClr>
+                </a:glow>
+              </a:effectLst>
+            </a:endParaRPr>
+          </a:p>
+        </p:txBody>
+      </p:sp>
+      <p:sp>
+        <p:nvSpPr>
+          <p:cNvPr id="44" name="楕円 43">
+            <a:extLst>
+              <a:ext uri="{FF2B5EF4-FFF2-40B4-BE49-F238E27FC236}">
+                <a16:creationId xmlns:a16="http://schemas.microsoft.com/office/drawing/2014/main" id="{43FD31D2-C26F-2676-7195-E43D8A9FF5A7}"/>
+              </a:ext>
+            </a:extLst>
+          </p:cNvPr>
+          <p:cNvSpPr/>
+          <p:nvPr/>
+        </p:nvSpPr>
+        <p:spPr>
+          <a:xfrm>
+            <a:off x="11208537" y="4833644"/>
+            <a:ext cx="727472" cy="696937"/>
+          </a:xfrm>
+          <a:prstGeom prst="ellipse">
+            <a:avLst/>
+          </a:prstGeom>
+          <a:solidFill>
+            <a:schemeClr val="accent2">
+              <a:lumMod val="20000"/>
+              <a:lumOff val="80000"/>
+            </a:schemeClr>
+          </a:solidFill>
+          <a:ln w="38100">
+            <a:solidFill>
+              <a:srgbClr val="FF0000"/>
+            </a:solidFill>
+          </a:ln>
+          <a:effectLst>
+            <a:glow rad="63500">
+              <a:srgbClr val="FF0000">
+                <a:alpha val="40000"/>
+              </a:srgbClr>
+            </a:glow>
+          </a:effectLst>
+        </p:spPr>
+        <p:style>
+          <a:lnRef idx="2">
+            <a:schemeClr val="accent1">
+              <a:shade val="15000"/>
+            </a:schemeClr>
+          </a:lnRef>
+          <a:fillRef idx="1">
+            <a:schemeClr val="accent1"/>
+          </a:fillRef>
+          <a:effectRef idx="0">
+            <a:schemeClr val="accent1"/>
+          </a:effectRef>
+          <a:fontRef idx="minor">
+            <a:schemeClr val="lt1"/>
+          </a:fontRef>
+        </p:style>
+        <p:txBody>
+          <a:bodyPr rtlCol="0" anchor="ctr"/>
+          <a:lstStyle/>
+          <a:p>
+            <a:pPr algn="ctr"/>
+            <a:endParaRPr kumimoji="1" lang="ja-JP" altLang="en-US" dirty="0"/>
+          </a:p>
+        </p:txBody>
+      </p:sp>
+      <p:sp>
+        <p:nvSpPr>
+          <p:cNvPr id="56" name="楕円 55">
+            <a:extLst>
+              <a:ext uri="{FF2B5EF4-FFF2-40B4-BE49-F238E27FC236}">
+                <a16:creationId xmlns:a16="http://schemas.microsoft.com/office/drawing/2014/main" id="{E4746A54-EE6A-0528-0EAD-A3FD858FC3F8}"/>
+              </a:ext>
+            </a:extLst>
+          </p:cNvPr>
+          <p:cNvSpPr/>
+          <p:nvPr/>
+        </p:nvSpPr>
+        <p:spPr>
+          <a:xfrm>
+            <a:off x="9637328" y="4837844"/>
+            <a:ext cx="669583" cy="696937"/>
+          </a:xfrm>
+          <a:prstGeom prst="ellipse">
+            <a:avLst/>
+          </a:prstGeom>
+          <a:solidFill>
+            <a:srgbClr val="EEF0D6"/>
+          </a:solidFill>
+          <a:ln w="38100">
+            <a:solidFill>
+              <a:srgbClr val="ECD780"/>
+            </a:solidFill>
+          </a:ln>
+          <a:effectLst>
+            <a:glow rad="63500">
+              <a:srgbClr val="FFFF00">
+                <a:alpha val="40000"/>
+              </a:srgbClr>
+            </a:glow>
+          </a:effectLst>
+        </p:spPr>
+        <p:style>
+          <a:lnRef idx="2">
+            <a:schemeClr val="accent1">
+              <a:shade val="15000"/>
+            </a:schemeClr>
+          </a:lnRef>
+          <a:fillRef idx="1">
+            <a:schemeClr val="accent1"/>
+          </a:fillRef>
+          <a:effectRef idx="0">
+            <a:schemeClr val="accent1"/>
+          </a:effectRef>
+          <a:fontRef idx="minor">
+            <a:schemeClr val="lt1"/>
+          </a:fontRef>
+        </p:style>
+        <p:txBody>
+          <a:bodyPr rtlCol="0" anchor="ctr"/>
+          <a:lstStyle/>
+          <a:p>
+            <a:pPr algn="ctr"/>
+            <a:endParaRPr kumimoji="1" lang="ja-JP" altLang="en-US" dirty="0"/>
+          </a:p>
+        </p:txBody>
+      </p:sp>
+      <p:sp>
+        <p:nvSpPr>
+          <p:cNvPr id="57" name="矢印: 左 56">
+            <a:extLst>
+              <a:ext uri="{FF2B5EF4-FFF2-40B4-BE49-F238E27FC236}">
+                <a16:creationId xmlns:a16="http://schemas.microsoft.com/office/drawing/2014/main" id="{4AFB5100-CD01-3006-AF9A-D8750ED0ADE6}"/>
+              </a:ext>
+            </a:extLst>
+          </p:cNvPr>
+          <p:cNvSpPr/>
+          <p:nvPr/>
+        </p:nvSpPr>
+        <p:spPr>
+          <a:xfrm rot="10800000">
+            <a:off x="10537035" y="4920502"/>
+            <a:ext cx="559636" cy="523220"/>
+          </a:xfrm>
+          <a:prstGeom prst="leftArrow">
+            <a:avLst/>
+          </a:prstGeom>
+        </p:spPr>
+        <p:style>
+          <a:lnRef idx="1">
+            <a:schemeClr val="accent3"/>
+          </a:lnRef>
+          <a:fillRef idx="2">
+            <a:schemeClr val="accent3"/>
+          </a:fillRef>
+          <a:effectRef idx="1">
+            <a:schemeClr val="accent3"/>
+          </a:effectRef>
+          <a:fontRef idx="minor">
+            <a:schemeClr val="dk1"/>
+          </a:fontRef>
+        </p:style>
+        <p:txBody>
+          <a:bodyPr rtlCol="0" anchor="ctr"/>
+          <a:lstStyle/>
+          <a:p>
+            <a:pPr algn="ctr"/>
+            <a:endParaRPr kumimoji="1" lang="ja-JP" altLang="en-US" dirty="0"/>
+          </a:p>
+        </p:txBody>
+      </p:sp>
     </p:spTree>
     <p:extLst>
       <p:ext uri="{BB962C8B-B14F-4D97-AF65-F5344CB8AC3E}">

--- a/PowerPoint/SPACE By SPACE_企画書.pptx
+++ b/PowerPoint/SPACE By SPACE_企画書.pptx
@@ -4,9 +4,15 @@
   <p:sldMasterIdLst>
     <p:sldMasterId id="2147483648" r:id="rId1"/>
   </p:sldMasterIdLst>
+  <p:notesMasterIdLst>
+    <p:notesMasterId r:id="rId7"/>
+  </p:notesMasterIdLst>
   <p:sldIdLst>
-    <p:sldId id="261" r:id="rId2"/>
-    <p:sldId id="262" r:id="rId3"/>
+    <p:sldId id="263" r:id="rId2"/>
+    <p:sldId id="264" r:id="rId3"/>
+    <p:sldId id="265" r:id="rId4"/>
+    <p:sldId id="266" r:id="rId5"/>
+    <p:sldId id="267" r:id="rId6"/>
   </p:sldIdLst>
   <p:sldSz cx="12192000" cy="6858000"/>
   <p:notesSz cx="6858000" cy="9144000"/>
@@ -111,6 +117,687 @@
     </p:ext>
   </p:extLst>
 </p:presentation>
+</file>
+
+<file path=ppt/notesMasters/notesMaster1.xml><?xml version="1.0" encoding="utf-8"?>
+<p:notesMaster xmlns:a="http://schemas.openxmlformats.org/drawingml/2006/main" xmlns:r="http://schemas.openxmlformats.org/officeDocument/2006/relationships" xmlns:p="http://schemas.openxmlformats.org/presentationml/2006/main">
+  <p:cSld>
+    <p:bg>
+      <p:bgRef idx="1001">
+        <a:schemeClr val="bg1"/>
+      </p:bgRef>
+    </p:bg>
+    <p:spTree>
+      <p:nvGrpSpPr>
+        <p:cNvPr id="1" name=""/>
+        <p:cNvGrpSpPr/>
+        <p:nvPr/>
+      </p:nvGrpSpPr>
+      <p:grpSpPr>
+        <a:xfrm>
+          <a:off x="0" y="0"/>
+          <a:ext cx="0" cy="0"/>
+          <a:chOff x="0" y="0"/>
+          <a:chExt cx="0" cy="0"/>
+        </a:xfrm>
+      </p:grpSpPr>
+      <p:sp>
+        <p:nvSpPr>
+          <p:cNvPr id="2" name="ヘッダー プレースホルダー 1"/>
+          <p:cNvSpPr>
+            <a:spLocks noGrp="1"/>
+          </p:cNvSpPr>
+          <p:nvPr>
+            <p:ph type="hdr" sz="quarter"/>
+          </p:nvPr>
+        </p:nvSpPr>
+        <p:spPr>
+          <a:xfrm>
+            <a:off x="0" y="0"/>
+            <a:ext cx="2971800" cy="458788"/>
+          </a:xfrm>
+          <a:prstGeom prst="rect">
+            <a:avLst/>
+          </a:prstGeom>
+        </p:spPr>
+        <p:txBody>
+          <a:bodyPr vert="horz" lIns="91440" tIns="45720" rIns="91440" bIns="45720" rtlCol="0"/>
+          <a:lstStyle>
+            <a:lvl1pPr algn="l">
+              <a:defRPr sz="1200"/>
+            </a:lvl1pPr>
+          </a:lstStyle>
+          <a:p>
+            <a:endParaRPr kumimoji="1" lang="ja-JP" altLang="en-US"/>
+          </a:p>
+        </p:txBody>
+      </p:sp>
+      <p:sp>
+        <p:nvSpPr>
+          <p:cNvPr id="3" name="日付プレースホルダー 2"/>
+          <p:cNvSpPr>
+            <a:spLocks noGrp="1"/>
+          </p:cNvSpPr>
+          <p:nvPr>
+            <p:ph type="dt" idx="1"/>
+          </p:nvPr>
+        </p:nvSpPr>
+        <p:spPr>
+          <a:xfrm>
+            <a:off x="3884613" y="0"/>
+            <a:ext cx="2971800" cy="458788"/>
+          </a:xfrm>
+          <a:prstGeom prst="rect">
+            <a:avLst/>
+          </a:prstGeom>
+        </p:spPr>
+        <p:txBody>
+          <a:bodyPr vert="horz" lIns="91440" tIns="45720" rIns="91440" bIns="45720" rtlCol="0"/>
+          <a:lstStyle>
+            <a:lvl1pPr algn="r">
+              <a:defRPr sz="1200"/>
+            </a:lvl1pPr>
+          </a:lstStyle>
+          <a:p>
+            <a:fld id="{4F928B30-5627-4E8E-A5C8-E9CBAB402F90}" type="datetimeFigureOut">
+              <a:rPr kumimoji="1" lang="ja-JP" altLang="en-US" smtClean="0"/>
+              <a:t>2025/6/10</a:t>
+            </a:fld>
+            <a:endParaRPr kumimoji="1" lang="ja-JP" altLang="en-US"/>
+          </a:p>
+        </p:txBody>
+      </p:sp>
+      <p:sp>
+        <p:nvSpPr>
+          <p:cNvPr id="4" name="スライド イメージ プレースホルダー 3"/>
+          <p:cNvSpPr>
+            <a:spLocks noGrp="1" noRot="1" noChangeAspect="1"/>
+          </p:cNvSpPr>
+          <p:nvPr>
+            <p:ph type="sldImg" idx="2"/>
+          </p:nvPr>
+        </p:nvSpPr>
+        <p:spPr>
+          <a:xfrm>
+            <a:off x="685800" y="1143000"/>
+            <a:ext cx="5486400" cy="3086100"/>
+          </a:xfrm>
+          <a:prstGeom prst="rect">
+            <a:avLst/>
+          </a:prstGeom>
+          <a:noFill/>
+          <a:ln w="12700">
+            <a:solidFill>
+              <a:prstClr val="black"/>
+            </a:solidFill>
+          </a:ln>
+        </p:spPr>
+        <p:txBody>
+          <a:bodyPr vert="horz" lIns="91440" tIns="45720" rIns="91440" bIns="45720" rtlCol="0" anchor="ctr"/>
+          <a:lstStyle/>
+          <a:p>
+            <a:endParaRPr lang="ja-JP" altLang="en-US"/>
+          </a:p>
+        </p:txBody>
+      </p:sp>
+      <p:sp>
+        <p:nvSpPr>
+          <p:cNvPr id="5" name="ノート プレースホルダー 4"/>
+          <p:cNvSpPr>
+            <a:spLocks noGrp="1"/>
+          </p:cNvSpPr>
+          <p:nvPr>
+            <p:ph type="body" sz="quarter" idx="3"/>
+          </p:nvPr>
+        </p:nvSpPr>
+        <p:spPr>
+          <a:xfrm>
+            <a:off x="685800" y="4400550"/>
+            <a:ext cx="5486400" cy="3600450"/>
+          </a:xfrm>
+          <a:prstGeom prst="rect">
+            <a:avLst/>
+          </a:prstGeom>
+        </p:spPr>
+        <p:txBody>
+          <a:bodyPr vert="horz" lIns="91440" tIns="45720" rIns="91440" bIns="45720" rtlCol="0"/>
+          <a:lstStyle/>
+          <a:p>
+            <a:pPr lvl="0"/>
+            <a:r>
+              <a:rPr kumimoji="1" lang="ja-JP" altLang="en-US"/>
+              <a:t>マスター テキストの書式設定</a:t>
+            </a:r>
+          </a:p>
+          <a:p>
+            <a:pPr lvl="1"/>
+            <a:r>
+              <a:rPr kumimoji="1" lang="ja-JP" altLang="en-US"/>
+              <a:t>第 </a:t>
+            </a:r>
+            <a:r>
+              <a:rPr kumimoji="1" lang="en-US" altLang="ja-JP"/>
+              <a:t>2 </a:t>
+            </a:r>
+            <a:r>
+              <a:rPr kumimoji="1" lang="ja-JP" altLang="en-US"/>
+              <a:t>レベル</a:t>
+            </a:r>
+          </a:p>
+          <a:p>
+            <a:pPr lvl="2"/>
+            <a:r>
+              <a:rPr kumimoji="1" lang="ja-JP" altLang="en-US"/>
+              <a:t>第 </a:t>
+            </a:r>
+            <a:r>
+              <a:rPr kumimoji="1" lang="en-US" altLang="ja-JP"/>
+              <a:t>3 </a:t>
+            </a:r>
+            <a:r>
+              <a:rPr kumimoji="1" lang="ja-JP" altLang="en-US"/>
+              <a:t>レベル</a:t>
+            </a:r>
+          </a:p>
+          <a:p>
+            <a:pPr lvl="3"/>
+            <a:r>
+              <a:rPr kumimoji="1" lang="ja-JP" altLang="en-US"/>
+              <a:t>第 </a:t>
+            </a:r>
+            <a:r>
+              <a:rPr kumimoji="1" lang="en-US" altLang="ja-JP"/>
+              <a:t>4 </a:t>
+            </a:r>
+            <a:r>
+              <a:rPr kumimoji="1" lang="ja-JP" altLang="en-US"/>
+              <a:t>レベル</a:t>
+            </a:r>
+          </a:p>
+          <a:p>
+            <a:pPr lvl="4"/>
+            <a:r>
+              <a:rPr kumimoji="1" lang="ja-JP" altLang="en-US"/>
+              <a:t>第 </a:t>
+            </a:r>
+            <a:r>
+              <a:rPr kumimoji="1" lang="en-US" altLang="ja-JP"/>
+              <a:t>5 </a:t>
+            </a:r>
+            <a:r>
+              <a:rPr kumimoji="1" lang="ja-JP" altLang="en-US"/>
+              <a:t>レベル</a:t>
+            </a:r>
+          </a:p>
+        </p:txBody>
+      </p:sp>
+      <p:sp>
+        <p:nvSpPr>
+          <p:cNvPr id="6" name="フッター プレースホルダー 5"/>
+          <p:cNvSpPr>
+            <a:spLocks noGrp="1"/>
+          </p:cNvSpPr>
+          <p:nvPr>
+            <p:ph type="ftr" sz="quarter" idx="4"/>
+          </p:nvPr>
+        </p:nvSpPr>
+        <p:spPr>
+          <a:xfrm>
+            <a:off x="0" y="8685213"/>
+            <a:ext cx="2971800" cy="458787"/>
+          </a:xfrm>
+          <a:prstGeom prst="rect">
+            <a:avLst/>
+          </a:prstGeom>
+        </p:spPr>
+        <p:txBody>
+          <a:bodyPr vert="horz" lIns="91440" tIns="45720" rIns="91440" bIns="45720" rtlCol="0" anchor="b"/>
+          <a:lstStyle>
+            <a:lvl1pPr algn="l">
+              <a:defRPr sz="1200"/>
+            </a:lvl1pPr>
+          </a:lstStyle>
+          <a:p>
+            <a:endParaRPr kumimoji="1" lang="ja-JP" altLang="en-US"/>
+          </a:p>
+        </p:txBody>
+      </p:sp>
+      <p:sp>
+        <p:nvSpPr>
+          <p:cNvPr id="7" name="スライド番号プレースホルダー 6"/>
+          <p:cNvSpPr>
+            <a:spLocks noGrp="1"/>
+          </p:cNvSpPr>
+          <p:nvPr>
+            <p:ph type="sldNum" sz="quarter" idx="5"/>
+          </p:nvPr>
+        </p:nvSpPr>
+        <p:spPr>
+          <a:xfrm>
+            <a:off x="3884613" y="8685213"/>
+            <a:ext cx="2971800" cy="458787"/>
+          </a:xfrm>
+          <a:prstGeom prst="rect">
+            <a:avLst/>
+          </a:prstGeom>
+        </p:spPr>
+        <p:txBody>
+          <a:bodyPr vert="horz" lIns="91440" tIns="45720" rIns="91440" bIns="45720" rtlCol="0" anchor="b"/>
+          <a:lstStyle>
+            <a:lvl1pPr algn="r">
+              <a:defRPr sz="1200"/>
+            </a:lvl1pPr>
+          </a:lstStyle>
+          <a:p>
+            <a:fld id="{78D811F8-ACE5-4A00-AE7A-B9EE2A6ADED4}" type="slidenum">
+              <a:rPr kumimoji="1" lang="ja-JP" altLang="en-US" smtClean="0"/>
+              <a:t>‹#›</a:t>
+            </a:fld>
+            <a:endParaRPr kumimoji="1" lang="ja-JP" altLang="en-US"/>
+          </a:p>
+        </p:txBody>
+      </p:sp>
+    </p:spTree>
+    <p:extLst>
+      <p:ext uri="{BB962C8B-B14F-4D97-AF65-F5344CB8AC3E}">
+        <p14:creationId xmlns:p14="http://schemas.microsoft.com/office/powerpoint/2010/main" val="1475561830"/>
+      </p:ext>
+    </p:extLst>
+  </p:cSld>
+  <p:clrMap bg1="lt1" tx1="dk1" bg2="lt2" tx2="dk2" accent1="accent1" accent2="accent2" accent3="accent3" accent4="accent4" accent5="accent5" accent6="accent6" hlink="hlink" folHlink="folHlink"/>
+  <p:notesStyle>
+    <a:lvl1pPr marL="0" algn="l" defTabSz="914400" rtl="0" eaLnBrk="1" latinLnBrk="0" hangingPunct="1">
+      <a:defRPr kumimoji="1" sz="1200" kern="1200">
+        <a:solidFill>
+          <a:schemeClr val="tx1"/>
+        </a:solidFill>
+        <a:latin typeface="+mn-lt"/>
+        <a:ea typeface="+mn-ea"/>
+        <a:cs typeface="+mn-cs"/>
+      </a:defRPr>
+    </a:lvl1pPr>
+    <a:lvl2pPr marL="457200" algn="l" defTabSz="914400" rtl="0" eaLnBrk="1" latinLnBrk="0" hangingPunct="1">
+      <a:defRPr kumimoji="1" sz="1200" kern="1200">
+        <a:solidFill>
+          <a:schemeClr val="tx1"/>
+        </a:solidFill>
+        <a:latin typeface="+mn-lt"/>
+        <a:ea typeface="+mn-ea"/>
+        <a:cs typeface="+mn-cs"/>
+      </a:defRPr>
+    </a:lvl2pPr>
+    <a:lvl3pPr marL="914400" algn="l" defTabSz="914400" rtl="0" eaLnBrk="1" latinLnBrk="0" hangingPunct="1">
+      <a:defRPr kumimoji="1" sz="1200" kern="1200">
+        <a:solidFill>
+          <a:schemeClr val="tx1"/>
+        </a:solidFill>
+        <a:latin typeface="+mn-lt"/>
+        <a:ea typeface="+mn-ea"/>
+        <a:cs typeface="+mn-cs"/>
+      </a:defRPr>
+    </a:lvl3pPr>
+    <a:lvl4pPr marL="1371600" algn="l" defTabSz="914400" rtl="0" eaLnBrk="1" latinLnBrk="0" hangingPunct="1">
+      <a:defRPr kumimoji="1" sz="1200" kern="1200">
+        <a:solidFill>
+          <a:schemeClr val="tx1"/>
+        </a:solidFill>
+        <a:latin typeface="+mn-lt"/>
+        <a:ea typeface="+mn-ea"/>
+        <a:cs typeface="+mn-cs"/>
+      </a:defRPr>
+    </a:lvl4pPr>
+    <a:lvl5pPr marL="1828800" algn="l" defTabSz="914400" rtl="0" eaLnBrk="1" latinLnBrk="0" hangingPunct="1">
+      <a:defRPr kumimoji="1" sz="1200" kern="1200">
+        <a:solidFill>
+          <a:schemeClr val="tx1"/>
+        </a:solidFill>
+        <a:latin typeface="+mn-lt"/>
+        <a:ea typeface="+mn-ea"/>
+        <a:cs typeface="+mn-cs"/>
+      </a:defRPr>
+    </a:lvl5pPr>
+    <a:lvl6pPr marL="2286000" algn="l" defTabSz="914400" rtl="0" eaLnBrk="1" latinLnBrk="0" hangingPunct="1">
+      <a:defRPr kumimoji="1" sz="1200" kern="1200">
+        <a:solidFill>
+          <a:schemeClr val="tx1"/>
+        </a:solidFill>
+        <a:latin typeface="+mn-lt"/>
+        <a:ea typeface="+mn-ea"/>
+        <a:cs typeface="+mn-cs"/>
+      </a:defRPr>
+    </a:lvl6pPr>
+    <a:lvl7pPr marL="2743200" algn="l" defTabSz="914400" rtl="0" eaLnBrk="1" latinLnBrk="0" hangingPunct="1">
+      <a:defRPr kumimoji="1" sz="1200" kern="1200">
+        <a:solidFill>
+          <a:schemeClr val="tx1"/>
+        </a:solidFill>
+        <a:latin typeface="+mn-lt"/>
+        <a:ea typeface="+mn-ea"/>
+        <a:cs typeface="+mn-cs"/>
+      </a:defRPr>
+    </a:lvl7pPr>
+    <a:lvl8pPr marL="3200400" algn="l" defTabSz="914400" rtl="0" eaLnBrk="1" latinLnBrk="0" hangingPunct="1">
+      <a:defRPr kumimoji="1" sz="1200" kern="1200">
+        <a:solidFill>
+          <a:schemeClr val="tx1"/>
+        </a:solidFill>
+        <a:latin typeface="+mn-lt"/>
+        <a:ea typeface="+mn-ea"/>
+        <a:cs typeface="+mn-cs"/>
+      </a:defRPr>
+    </a:lvl8pPr>
+    <a:lvl9pPr marL="3657600" algn="l" defTabSz="914400" rtl="0" eaLnBrk="1" latinLnBrk="0" hangingPunct="1">
+      <a:defRPr kumimoji="1" sz="1200" kern="1200">
+        <a:solidFill>
+          <a:schemeClr val="tx1"/>
+        </a:solidFill>
+        <a:latin typeface="+mn-lt"/>
+        <a:ea typeface="+mn-ea"/>
+        <a:cs typeface="+mn-cs"/>
+      </a:defRPr>
+    </a:lvl9pPr>
+  </p:notesStyle>
+</p:notesMaster>
+</file>
+
+<file path=ppt/notesSlides/notesSlide1.xml><?xml version="1.0" encoding="utf-8"?>
+<p:notes xmlns:a="http://schemas.openxmlformats.org/drawingml/2006/main" xmlns:r="http://schemas.openxmlformats.org/officeDocument/2006/relationships" xmlns:p="http://schemas.openxmlformats.org/presentationml/2006/main">
+  <p:cSld>
+    <p:spTree>
+      <p:nvGrpSpPr>
+        <p:cNvPr id="1" name=""/>
+        <p:cNvGrpSpPr/>
+        <p:nvPr/>
+      </p:nvGrpSpPr>
+      <p:grpSpPr>
+        <a:xfrm>
+          <a:off x="0" y="0"/>
+          <a:ext cx="0" cy="0"/>
+          <a:chOff x="0" y="0"/>
+          <a:chExt cx="0" cy="0"/>
+        </a:xfrm>
+      </p:grpSpPr>
+      <p:sp>
+        <p:nvSpPr>
+          <p:cNvPr id="2" name="スライド イメージ プレースホルダー 1"/>
+          <p:cNvSpPr>
+            <a:spLocks noGrp="1" noRot="1" noChangeAspect="1"/>
+          </p:cNvSpPr>
+          <p:nvPr>
+            <p:ph type="sldImg"/>
+          </p:nvPr>
+        </p:nvSpPr>
+        <p:spPr/>
+      </p:sp>
+      <p:sp>
+        <p:nvSpPr>
+          <p:cNvPr id="3" name="ノート プレースホルダー 2"/>
+          <p:cNvSpPr>
+            <a:spLocks noGrp="1"/>
+          </p:cNvSpPr>
+          <p:nvPr>
+            <p:ph type="body" idx="1"/>
+          </p:nvPr>
+        </p:nvSpPr>
+        <p:spPr/>
+        <p:txBody>
+          <a:bodyPr/>
+          <a:lstStyle/>
+          <a:p>
+            <a:endParaRPr kumimoji="1" lang="ja-JP" altLang="en-US" dirty="0"/>
+          </a:p>
+        </p:txBody>
+      </p:sp>
+      <p:sp>
+        <p:nvSpPr>
+          <p:cNvPr id="4" name="スライド番号プレースホルダー 3"/>
+          <p:cNvSpPr>
+            <a:spLocks noGrp="1"/>
+          </p:cNvSpPr>
+          <p:nvPr>
+            <p:ph type="sldNum" sz="quarter" idx="5"/>
+          </p:nvPr>
+        </p:nvSpPr>
+        <p:spPr/>
+        <p:txBody>
+          <a:bodyPr/>
+          <a:lstStyle/>
+          <a:p>
+            <a:fld id="{78D811F8-ACE5-4A00-AE7A-B9EE2A6ADED4}" type="slidenum">
+              <a:rPr kumimoji="1" lang="ja-JP" altLang="en-US" smtClean="0"/>
+              <a:t>1</a:t>
+            </a:fld>
+            <a:endParaRPr kumimoji="1" lang="ja-JP" altLang="en-US"/>
+          </a:p>
+        </p:txBody>
+      </p:sp>
+    </p:spTree>
+    <p:extLst>
+      <p:ext uri="{BB962C8B-B14F-4D97-AF65-F5344CB8AC3E}">
+        <p14:creationId xmlns:p14="http://schemas.microsoft.com/office/powerpoint/2010/main" val="1277331291"/>
+      </p:ext>
+    </p:extLst>
+  </p:cSld>
+  <p:clrMapOvr>
+    <a:masterClrMapping/>
+  </p:clrMapOvr>
+</p:notes>
+</file>
+
+<file path=ppt/notesSlides/notesSlide2.xml><?xml version="1.0" encoding="utf-8"?>
+<p:notes xmlns:a="http://schemas.openxmlformats.org/drawingml/2006/main" xmlns:r="http://schemas.openxmlformats.org/officeDocument/2006/relationships" xmlns:p="http://schemas.openxmlformats.org/presentationml/2006/main">
+  <p:cSld>
+    <p:spTree>
+      <p:nvGrpSpPr>
+        <p:cNvPr id="1" name="">
+          <a:extLst>
+            <a:ext uri="{FF2B5EF4-FFF2-40B4-BE49-F238E27FC236}">
+              <a16:creationId xmlns:a16="http://schemas.microsoft.com/office/drawing/2014/main" id="{52904D56-F69A-373C-29EF-167516160B9C}"/>
+            </a:ext>
+          </a:extLst>
+        </p:cNvPr>
+        <p:cNvGrpSpPr/>
+        <p:nvPr/>
+      </p:nvGrpSpPr>
+      <p:grpSpPr>
+        <a:xfrm>
+          <a:off x="0" y="0"/>
+          <a:ext cx="0" cy="0"/>
+          <a:chOff x="0" y="0"/>
+          <a:chExt cx="0" cy="0"/>
+        </a:xfrm>
+      </p:grpSpPr>
+      <p:sp>
+        <p:nvSpPr>
+          <p:cNvPr id="2" name="スライド イメージ プレースホルダー 1">
+            <a:extLst>
+              <a:ext uri="{FF2B5EF4-FFF2-40B4-BE49-F238E27FC236}">
+                <a16:creationId xmlns:a16="http://schemas.microsoft.com/office/drawing/2014/main" id="{968FE300-FFC8-3B5A-0380-E7316770C424}"/>
+              </a:ext>
+            </a:extLst>
+          </p:cNvPr>
+          <p:cNvSpPr>
+            <a:spLocks noGrp="1" noRot="1" noChangeAspect="1"/>
+          </p:cNvSpPr>
+          <p:nvPr>
+            <p:ph type="sldImg"/>
+          </p:nvPr>
+        </p:nvSpPr>
+        <p:spPr/>
+      </p:sp>
+      <p:sp>
+        <p:nvSpPr>
+          <p:cNvPr id="3" name="ノート プレースホルダー 2">
+            <a:extLst>
+              <a:ext uri="{FF2B5EF4-FFF2-40B4-BE49-F238E27FC236}">
+                <a16:creationId xmlns:a16="http://schemas.microsoft.com/office/drawing/2014/main" id="{ED8F2831-4CD6-11C3-F083-CEBE16AFCCC2}"/>
+              </a:ext>
+            </a:extLst>
+          </p:cNvPr>
+          <p:cNvSpPr>
+            <a:spLocks noGrp="1"/>
+          </p:cNvSpPr>
+          <p:nvPr>
+            <p:ph type="body" idx="1"/>
+          </p:nvPr>
+        </p:nvSpPr>
+        <p:spPr/>
+        <p:txBody>
+          <a:bodyPr/>
+          <a:lstStyle/>
+          <a:p>
+            <a:endParaRPr kumimoji="1" lang="ja-JP" altLang="en-US" dirty="0"/>
+          </a:p>
+        </p:txBody>
+      </p:sp>
+      <p:sp>
+        <p:nvSpPr>
+          <p:cNvPr id="4" name="スライド番号プレースホルダー 3">
+            <a:extLst>
+              <a:ext uri="{FF2B5EF4-FFF2-40B4-BE49-F238E27FC236}">
+                <a16:creationId xmlns:a16="http://schemas.microsoft.com/office/drawing/2014/main" id="{9D2E7479-230D-C11B-5142-9AC72E95A548}"/>
+              </a:ext>
+            </a:extLst>
+          </p:cNvPr>
+          <p:cNvSpPr>
+            <a:spLocks noGrp="1"/>
+          </p:cNvSpPr>
+          <p:nvPr>
+            <p:ph type="sldNum" sz="quarter" idx="5"/>
+          </p:nvPr>
+        </p:nvSpPr>
+        <p:spPr/>
+        <p:txBody>
+          <a:bodyPr/>
+          <a:lstStyle/>
+          <a:p>
+            <a:fld id="{78D811F8-ACE5-4A00-AE7A-B9EE2A6ADED4}" type="slidenum">
+              <a:rPr kumimoji="1" lang="ja-JP" altLang="en-US" smtClean="0"/>
+              <a:t>4</a:t>
+            </a:fld>
+            <a:endParaRPr kumimoji="1" lang="ja-JP" altLang="en-US"/>
+          </a:p>
+        </p:txBody>
+      </p:sp>
+    </p:spTree>
+    <p:extLst>
+      <p:ext uri="{BB962C8B-B14F-4D97-AF65-F5344CB8AC3E}">
+        <p14:creationId xmlns:p14="http://schemas.microsoft.com/office/powerpoint/2010/main" val="2116562588"/>
+      </p:ext>
+    </p:extLst>
+  </p:cSld>
+  <p:clrMapOvr>
+    <a:masterClrMapping/>
+  </p:clrMapOvr>
+</p:notes>
+</file>
+
+<file path=ppt/notesSlides/notesSlide3.xml><?xml version="1.0" encoding="utf-8"?>
+<p:notes xmlns:a="http://schemas.openxmlformats.org/drawingml/2006/main" xmlns:r="http://schemas.openxmlformats.org/officeDocument/2006/relationships" xmlns:p="http://schemas.openxmlformats.org/presentationml/2006/main">
+  <p:cSld>
+    <p:spTree>
+      <p:nvGrpSpPr>
+        <p:cNvPr id="1" name="">
+          <a:extLst>
+            <a:ext uri="{FF2B5EF4-FFF2-40B4-BE49-F238E27FC236}">
+              <a16:creationId xmlns:a16="http://schemas.microsoft.com/office/drawing/2014/main" id="{44E26F02-5A8E-16C5-7D0D-BA5C060B71C2}"/>
+            </a:ext>
+          </a:extLst>
+        </p:cNvPr>
+        <p:cNvGrpSpPr/>
+        <p:nvPr/>
+      </p:nvGrpSpPr>
+      <p:grpSpPr>
+        <a:xfrm>
+          <a:off x="0" y="0"/>
+          <a:ext cx="0" cy="0"/>
+          <a:chOff x="0" y="0"/>
+          <a:chExt cx="0" cy="0"/>
+        </a:xfrm>
+      </p:grpSpPr>
+      <p:sp>
+        <p:nvSpPr>
+          <p:cNvPr id="2" name="スライド イメージ プレースホルダー 1">
+            <a:extLst>
+              <a:ext uri="{FF2B5EF4-FFF2-40B4-BE49-F238E27FC236}">
+                <a16:creationId xmlns:a16="http://schemas.microsoft.com/office/drawing/2014/main" id="{4816E9A2-EE94-3A34-1B4D-F778C4A714CE}"/>
+              </a:ext>
+            </a:extLst>
+          </p:cNvPr>
+          <p:cNvSpPr>
+            <a:spLocks noGrp="1" noRot="1" noChangeAspect="1"/>
+          </p:cNvSpPr>
+          <p:nvPr>
+            <p:ph type="sldImg"/>
+          </p:nvPr>
+        </p:nvSpPr>
+        <p:spPr/>
+      </p:sp>
+      <p:sp>
+        <p:nvSpPr>
+          <p:cNvPr id="3" name="ノート プレースホルダー 2">
+            <a:extLst>
+              <a:ext uri="{FF2B5EF4-FFF2-40B4-BE49-F238E27FC236}">
+                <a16:creationId xmlns:a16="http://schemas.microsoft.com/office/drawing/2014/main" id="{742A897F-A71D-8486-90E4-E35BA4BAD4D7}"/>
+              </a:ext>
+            </a:extLst>
+          </p:cNvPr>
+          <p:cNvSpPr>
+            <a:spLocks noGrp="1"/>
+          </p:cNvSpPr>
+          <p:nvPr>
+            <p:ph type="body" idx="1"/>
+          </p:nvPr>
+        </p:nvSpPr>
+        <p:spPr/>
+        <p:txBody>
+          <a:bodyPr/>
+          <a:lstStyle/>
+          <a:p>
+            <a:endParaRPr kumimoji="1" lang="ja-JP" altLang="en-US" dirty="0"/>
+          </a:p>
+        </p:txBody>
+      </p:sp>
+      <p:sp>
+        <p:nvSpPr>
+          <p:cNvPr id="4" name="スライド番号プレースホルダー 3">
+            <a:extLst>
+              <a:ext uri="{FF2B5EF4-FFF2-40B4-BE49-F238E27FC236}">
+                <a16:creationId xmlns:a16="http://schemas.microsoft.com/office/drawing/2014/main" id="{E2EF8F1B-C5A8-4982-A8EA-9F113F212E19}"/>
+              </a:ext>
+            </a:extLst>
+          </p:cNvPr>
+          <p:cNvSpPr>
+            <a:spLocks noGrp="1"/>
+          </p:cNvSpPr>
+          <p:nvPr>
+            <p:ph type="sldNum" sz="quarter" idx="5"/>
+          </p:nvPr>
+        </p:nvSpPr>
+        <p:spPr/>
+        <p:txBody>
+          <a:bodyPr/>
+          <a:lstStyle/>
+          <a:p>
+            <a:fld id="{78D811F8-ACE5-4A00-AE7A-B9EE2A6ADED4}" type="slidenum">
+              <a:rPr kumimoji="1" lang="ja-JP" altLang="en-US" smtClean="0"/>
+              <a:t>5</a:t>
+            </a:fld>
+            <a:endParaRPr kumimoji="1" lang="ja-JP" altLang="en-US"/>
+          </a:p>
+        </p:txBody>
+      </p:sp>
+    </p:spTree>
+    <p:extLst>
+      <p:ext uri="{BB962C8B-B14F-4D97-AF65-F5344CB8AC3E}">
+        <p14:creationId xmlns:p14="http://schemas.microsoft.com/office/powerpoint/2010/main" val="3777109673"/>
+      </p:ext>
+    </p:extLst>
+  </p:cSld>
+  <p:clrMapOvr>
+    <a:masterClrMapping/>
+  </p:clrMapOvr>
+</p:notes>
 </file>
 
 <file path=ppt/slideLayouts/slideLayout1.xml><?xml version="1.0" encoding="utf-8"?>
@@ -3613,13 +4300,7 @@
   <p:cSld>
     <p:spTree>
       <p:nvGrpSpPr>
-        <p:cNvPr id="1" name="">
-          <a:extLst>
-            <a:ext uri="{FF2B5EF4-FFF2-40B4-BE49-F238E27FC236}">
-              <a16:creationId xmlns:a16="http://schemas.microsoft.com/office/drawing/2014/main" id="{CFBB18D9-23C5-00A4-FE85-FC73223A4EBB}"/>
-            </a:ext>
-          </a:extLst>
-        </p:cNvPr>
+        <p:cNvPr id="1" name=""/>
         <p:cNvGrpSpPr/>
         <p:nvPr/>
       </p:nvGrpSpPr>
@@ -3636,7 +4317,7 @@
           <p:cNvPr id="4" name="テキスト ボックス 3">
             <a:extLst>
               <a:ext uri="{FF2B5EF4-FFF2-40B4-BE49-F238E27FC236}">
-                <a16:creationId xmlns:a16="http://schemas.microsoft.com/office/drawing/2014/main" id="{BDF1334C-0492-5E64-5117-ACC470AC7EF1}"/>
+                <a16:creationId xmlns:a16="http://schemas.microsoft.com/office/drawing/2014/main" id="{386DE3CA-FACF-D3EE-5F9E-F1A18458180F}"/>
               </a:ext>
             </a:extLst>
           </p:cNvPr>
@@ -3645,7 +4326,7 @@
         </p:nvSpPr>
         <p:spPr>
           <a:xfrm>
-            <a:off x="1064785" y="291002"/>
+            <a:off x="2930501" y="2444115"/>
             <a:ext cx="6330998" cy="523220"/>
           </a:xfrm>
           <a:prstGeom prst="rect">
@@ -3740,7 +4421,7 @@
           <p:cNvPr id="5" name="テキスト ボックス 4">
             <a:extLst>
               <a:ext uri="{FF2B5EF4-FFF2-40B4-BE49-F238E27FC236}">
-                <a16:creationId xmlns:a16="http://schemas.microsoft.com/office/drawing/2014/main" id="{1834E46F-DA62-ACA7-82C2-D94522687A1B}"/>
+                <a16:creationId xmlns:a16="http://schemas.microsoft.com/office/drawing/2014/main" id="{A140F834-72DD-FA0C-C128-D4E7AF3956C6}"/>
               </a:ext>
             </a:extLst>
           </p:cNvPr>
@@ -3749,8 +4430,8 @@
         </p:nvSpPr>
         <p:spPr>
           <a:xfrm>
-            <a:off x="-563930" y="390744"/>
-            <a:ext cx="9093676" cy="1446550"/>
+            <a:off x="0" y="2705725"/>
+            <a:ext cx="12192000" cy="2215991"/>
           </a:xfrm>
           <a:prstGeom prst="rect">
             <a:avLst/>
@@ -3765,6 +4446,106 @@
           <a:p>
             <a:pPr algn="ctr"/>
             <a:r>
+              <a:rPr lang="en-US" altLang="ja-JP" sz="13800" b="1" dirty="0">
+                <a:ln w="19050">
+                  <a:solidFill>
+                    <a:schemeClr val="bg2">
+                      <a:lumMod val="90000"/>
+                    </a:schemeClr>
+                  </a:solidFill>
+                </a:ln>
+                <a:solidFill>
+                  <a:schemeClr val="accent1"/>
+                </a:solidFill>
+                <a:effectLst>
+                  <a:glow rad="63500">
+                    <a:schemeClr val="accent1">
+                      <a:satMod val="175000"/>
+                      <a:alpha val="40000"/>
+                    </a:schemeClr>
+                  </a:glow>
+                </a:effectLst>
+                <a:latin typeface="STCaiyun" panose="020B0503020204020204" pitchFamily="2" charset="-122"/>
+                <a:ea typeface="STCaiyun" panose="020B0503020204020204" pitchFamily="2" charset="-122"/>
+              </a:rPr>
+              <a:t>SPA</a:t>
+            </a:r>
+            <a:r>
+              <a:rPr lang="en-US" altLang="ja-JP" sz="11500" b="1" dirty="0">
+                <a:ln w="19050">
+                  <a:solidFill>
+                    <a:schemeClr val="bg2">
+                      <a:lumMod val="90000"/>
+                    </a:schemeClr>
+                  </a:solidFill>
+                </a:ln>
+                <a:solidFill>
+                  <a:schemeClr val="accent1"/>
+                </a:solidFill>
+                <a:effectLst>
+                  <a:glow rad="63500">
+                    <a:schemeClr val="accent1">
+                      <a:satMod val="175000"/>
+                      <a:alpha val="40000"/>
+                    </a:schemeClr>
+                  </a:glow>
+                </a:effectLst>
+                <a:latin typeface="STCaiyun" panose="020B0503020204020204" pitchFamily="2" charset="-122"/>
+                <a:ea typeface="STCaiyun" panose="020B0503020204020204" pitchFamily="2" charset="-122"/>
+              </a:rPr>
+              <a:t>C</a:t>
+            </a:r>
+            <a:r>
+              <a:rPr lang="en-US" altLang="ja-JP" sz="13800" b="1" dirty="0">
+                <a:ln w="19050">
+                  <a:solidFill>
+                    <a:schemeClr val="bg2">
+                      <a:lumMod val="90000"/>
+                    </a:schemeClr>
+                  </a:solidFill>
+                </a:ln>
+                <a:solidFill>
+                  <a:schemeClr val="accent1"/>
+                </a:solidFill>
+                <a:effectLst>
+                  <a:glow rad="63500">
+                    <a:schemeClr val="accent1">
+                      <a:satMod val="175000"/>
+                      <a:alpha val="40000"/>
+                    </a:schemeClr>
+                  </a:glow>
+                </a:effectLst>
+                <a:latin typeface="STCaiyun" panose="020B0503020204020204" pitchFamily="2" charset="-122"/>
+                <a:ea typeface="STCaiyun" panose="020B0503020204020204" pitchFamily="2" charset="-122"/>
+              </a:rPr>
+              <a:t>E</a:t>
+            </a:r>
+            <a:r>
+              <a:rPr lang="ja-JP" altLang="en-US" sz="13800" b="1" dirty="0">
+                <a:ln w="19050">
+                  <a:solidFill>
+                    <a:schemeClr val="bg2">
+                      <a:lumMod val="90000"/>
+                    </a:schemeClr>
+                  </a:solidFill>
+                </a:ln>
+                <a:solidFill>
+                  <a:schemeClr val="accent1"/>
+                </a:solidFill>
+                <a:effectLst>
+                  <a:glow rad="63500">
+                    <a:schemeClr val="accent1">
+                      <a:satMod val="175000"/>
+                      <a:alpha val="40000"/>
+                    </a:schemeClr>
+                  </a:glow>
+                </a:effectLst>
+                <a:latin typeface="STCaiyun" panose="020B0503020204020204" pitchFamily="2" charset="-122"/>
+                <a:ea typeface="STCaiyun" panose="020B0503020204020204" pitchFamily="2" charset="-122"/>
+              </a:rPr>
+              <a:t> </a:t>
+            </a:r>
+            <a:r>
               <a:rPr lang="en-US" altLang="ja-JP" sz="8800" b="1" dirty="0">
                 <a:ln w="19050">
                   <a:solidFill>
@@ -3787,10 +4568,10 @@
                 <a:latin typeface="STCaiyun" panose="020B0503020204020204" pitchFamily="2" charset="-122"/>
                 <a:ea typeface="STCaiyun" panose="020B0503020204020204" pitchFamily="2" charset="-122"/>
               </a:rPr>
-              <a:t>SPA</a:t>
-            </a:r>
-            <a:r>
-              <a:rPr lang="en-US" altLang="ja-JP" sz="8000" b="1" dirty="0">
+              <a:t>By</a:t>
+            </a:r>
+            <a:r>
+              <a:rPr lang="en-US" altLang="ja-JP" sz="13800" b="1" dirty="0">
                 <a:ln w="19050">
                   <a:solidFill>
                     <a:schemeClr val="bg2">
@@ -3812,10 +4593,10 @@
                 <a:latin typeface="STCaiyun" panose="020B0503020204020204" pitchFamily="2" charset="-122"/>
                 <a:ea typeface="STCaiyun" panose="020B0503020204020204" pitchFamily="2" charset="-122"/>
               </a:rPr>
-              <a:t>C</a:t>
-            </a:r>
-            <a:r>
-              <a:rPr lang="en-US" altLang="ja-JP" sz="8800" b="1" dirty="0">
+              <a:t> SPA</a:t>
+            </a:r>
+            <a:r>
+              <a:rPr lang="en-US" altLang="ja-JP" sz="11500" b="1" dirty="0">
                 <a:ln w="19050">
                   <a:solidFill>
                     <a:schemeClr val="bg2">
@@ -3837,10 +4618,10 @@
                 <a:latin typeface="STCaiyun" panose="020B0503020204020204" pitchFamily="2" charset="-122"/>
                 <a:ea typeface="STCaiyun" panose="020B0503020204020204" pitchFamily="2" charset="-122"/>
               </a:rPr>
-              <a:t>E</a:t>
-            </a:r>
-            <a:r>
-              <a:rPr lang="ja-JP" altLang="en-US" sz="8800" b="1" dirty="0">
+              <a:t>C</a:t>
+            </a:r>
+            <a:r>
+              <a:rPr lang="en-US" altLang="ja-JP" sz="13800" b="1" dirty="0">
                 <a:ln w="19050">
                   <a:solidFill>
                     <a:schemeClr val="bg2">
@@ -3862,106 +4643,6 @@
                 <a:latin typeface="STCaiyun" panose="020B0503020204020204" pitchFamily="2" charset="-122"/>
                 <a:ea typeface="STCaiyun" panose="020B0503020204020204" pitchFamily="2" charset="-122"/>
               </a:rPr>
-              <a:t> </a:t>
-            </a:r>
-            <a:r>
-              <a:rPr lang="en-US" altLang="ja-JP" sz="6600" b="1" dirty="0">
-                <a:ln w="19050">
-                  <a:solidFill>
-                    <a:schemeClr val="bg2">
-                      <a:lumMod val="90000"/>
-                    </a:schemeClr>
-                  </a:solidFill>
-                </a:ln>
-                <a:solidFill>
-                  <a:schemeClr val="accent1"/>
-                </a:solidFill>
-                <a:effectLst>
-                  <a:glow rad="63500">
-                    <a:schemeClr val="accent1">
-                      <a:satMod val="175000"/>
-                      <a:alpha val="40000"/>
-                    </a:schemeClr>
-                  </a:glow>
-                </a:effectLst>
-                <a:latin typeface="STCaiyun" panose="020B0503020204020204" pitchFamily="2" charset="-122"/>
-                <a:ea typeface="STCaiyun" panose="020B0503020204020204" pitchFamily="2" charset="-122"/>
-              </a:rPr>
-              <a:t>By</a:t>
-            </a:r>
-            <a:r>
-              <a:rPr lang="en-US" altLang="ja-JP" sz="8800" b="1" dirty="0">
-                <a:ln w="19050">
-                  <a:solidFill>
-                    <a:schemeClr val="bg2">
-                      <a:lumMod val="90000"/>
-                    </a:schemeClr>
-                  </a:solidFill>
-                </a:ln>
-                <a:solidFill>
-                  <a:schemeClr val="accent1"/>
-                </a:solidFill>
-                <a:effectLst>
-                  <a:glow rad="63500">
-                    <a:schemeClr val="accent1">
-                      <a:satMod val="175000"/>
-                      <a:alpha val="40000"/>
-                    </a:schemeClr>
-                  </a:glow>
-                </a:effectLst>
-                <a:latin typeface="STCaiyun" panose="020B0503020204020204" pitchFamily="2" charset="-122"/>
-                <a:ea typeface="STCaiyun" panose="020B0503020204020204" pitchFamily="2" charset="-122"/>
-              </a:rPr>
-              <a:t> SPA</a:t>
-            </a:r>
-            <a:r>
-              <a:rPr lang="en-US" altLang="ja-JP" sz="8000" b="1" dirty="0">
-                <a:ln w="19050">
-                  <a:solidFill>
-                    <a:schemeClr val="bg2">
-                      <a:lumMod val="90000"/>
-                    </a:schemeClr>
-                  </a:solidFill>
-                </a:ln>
-                <a:solidFill>
-                  <a:schemeClr val="accent1"/>
-                </a:solidFill>
-                <a:effectLst>
-                  <a:glow rad="63500">
-                    <a:schemeClr val="accent1">
-                      <a:satMod val="175000"/>
-                      <a:alpha val="40000"/>
-                    </a:schemeClr>
-                  </a:glow>
-                </a:effectLst>
-                <a:latin typeface="STCaiyun" panose="020B0503020204020204" pitchFamily="2" charset="-122"/>
-                <a:ea typeface="STCaiyun" panose="020B0503020204020204" pitchFamily="2" charset="-122"/>
-              </a:rPr>
-              <a:t>C</a:t>
-            </a:r>
-            <a:r>
-              <a:rPr lang="en-US" altLang="ja-JP" sz="8800" b="1" dirty="0">
-                <a:ln w="19050">
-                  <a:solidFill>
-                    <a:schemeClr val="bg2">
-                      <a:lumMod val="90000"/>
-                    </a:schemeClr>
-                  </a:solidFill>
-                </a:ln>
-                <a:solidFill>
-                  <a:schemeClr val="accent1"/>
-                </a:solidFill>
-                <a:effectLst>
-                  <a:glow rad="63500">
-                    <a:schemeClr val="accent1">
-                      <a:satMod val="175000"/>
-                      <a:alpha val="40000"/>
-                    </a:schemeClr>
-                  </a:glow>
-                </a:effectLst>
-                <a:latin typeface="STCaiyun" panose="020B0503020204020204" pitchFamily="2" charset="-122"/>
-                <a:ea typeface="STCaiyun" panose="020B0503020204020204" pitchFamily="2" charset="-122"/>
-              </a:rPr>
               <a:t>E</a:t>
             </a:r>
           </a:p>
@@ -3969,10 +4650,10 @@
       </p:sp>
       <p:sp>
         <p:nvSpPr>
-          <p:cNvPr id="25" name="テキスト ボックス 24">
-            <a:extLst>
-              <a:ext uri="{FF2B5EF4-FFF2-40B4-BE49-F238E27FC236}">
-                <a16:creationId xmlns:a16="http://schemas.microsoft.com/office/drawing/2014/main" id="{5F1C70D9-EF3A-C80C-3C47-03AEFD9D1DD5}"/>
+          <p:cNvPr id="6" name="テキスト ボックス 5">
+            <a:extLst>
+              <a:ext uri="{FF2B5EF4-FFF2-40B4-BE49-F238E27FC236}">
+                <a16:creationId xmlns:a16="http://schemas.microsoft.com/office/drawing/2014/main" id="{2ADCBDF8-5499-83BB-8045-34F991FE5309}"/>
               </a:ext>
             </a:extLst>
           </p:cNvPr>
@@ -3981,8 +4662,8 @@
         </p:nvSpPr>
         <p:spPr>
           <a:xfrm>
-            <a:off x="7855962" y="380380"/>
-            <a:ext cx="4021574" cy="1200329"/>
+            <a:off x="8522814" y="9271"/>
+            <a:ext cx="3405021" cy="461665"/>
           </a:xfrm>
           <a:prstGeom prst="rect">
             <a:avLst/>
@@ -3995,8 +4676,140 @@
           </a:bodyPr>
           <a:lstStyle/>
           <a:p>
-            <a:r>
-              <a:rPr lang="en-US" altLang="ja-JP" sz="3600" b="1" dirty="0">
+            <a:pPr algn="ctr"/>
+            <a:r>
+              <a:rPr lang="ja-JP" altLang="en-US" sz="2400" b="1" dirty="0">
+                <a:effectLst>
+                  <a:glow rad="101600">
+                    <a:schemeClr val="bg1">
+                      <a:alpha val="60000"/>
+                    </a:schemeClr>
+                  </a:glow>
+                </a:effectLst>
+              </a:rPr>
+              <a:t>概要</a:t>
+            </a:r>
+            <a:r>
+              <a:rPr lang="en-US" altLang="ja-JP" sz="2400" b="1" dirty="0">
+                <a:effectLst>
+                  <a:glow rad="101600">
+                    <a:schemeClr val="bg1">
+                      <a:alpha val="60000"/>
+                    </a:schemeClr>
+                  </a:glow>
+                </a:effectLst>
+              </a:rPr>
+              <a:t>: 3D</a:t>
+            </a:r>
+            <a:r>
+              <a:rPr lang="ja-JP" altLang="en-US" sz="2400" b="1" dirty="0">
+                <a:effectLst>
+                  <a:glow rad="101600">
+                    <a:schemeClr val="bg1">
+                      <a:alpha val="60000"/>
+                    </a:schemeClr>
+                  </a:glow>
+                </a:effectLst>
+              </a:rPr>
+              <a:t>空間の</a:t>
+            </a:r>
+            <a:r>
+              <a:rPr lang="en-US" altLang="ja-JP" sz="2400" b="1" dirty="0">
+                <a:effectLst>
+                  <a:glow rad="101600">
+                    <a:schemeClr val="bg1">
+                      <a:alpha val="60000"/>
+                    </a:schemeClr>
+                  </a:glow>
+                </a:effectLst>
+              </a:rPr>
+              <a:t>2D</a:t>
+            </a:r>
+            <a:r>
+              <a:rPr lang="ja-JP" altLang="en-US" sz="2400" b="1" dirty="0">
+                <a:effectLst>
+                  <a:glow rad="101600">
+                    <a:schemeClr val="bg1">
+                      <a:alpha val="60000"/>
+                    </a:schemeClr>
+                  </a:glow>
+                </a:effectLst>
+              </a:rPr>
+              <a:t>移動</a:t>
+            </a:r>
+            <a:endParaRPr kumimoji="1" lang="ja-JP" altLang="en-US" sz="2400" b="1" dirty="0">
+              <a:effectLst>
+                <a:glow rad="101600">
+                  <a:schemeClr val="bg1">
+                    <a:alpha val="60000"/>
+                  </a:schemeClr>
+                </a:glow>
+              </a:effectLst>
+            </a:endParaRPr>
+          </a:p>
+        </p:txBody>
+      </p:sp>
+    </p:spTree>
+    <p:extLst>
+      <p:ext uri="{BB962C8B-B14F-4D97-AF65-F5344CB8AC3E}">
+        <p14:creationId xmlns:p14="http://schemas.microsoft.com/office/powerpoint/2010/main" val="2869756959"/>
+      </p:ext>
+    </p:extLst>
+  </p:cSld>
+  <p:clrMapOvr>
+    <a:masterClrMapping/>
+  </p:clrMapOvr>
+</p:sld>
+</file>
+
+<file path=ppt/slides/slide2.xml><?xml version="1.0" encoding="utf-8"?>
+<p:sld xmlns:a="http://schemas.openxmlformats.org/drawingml/2006/main" xmlns:r="http://schemas.openxmlformats.org/officeDocument/2006/relationships" xmlns:p="http://schemas.openxmlformats.org/presentationml/2006/main">
+  <p:cSld>
+    <p:spTree>
+      <p:nvGrpSpPr>
+        <p:cNvPr id="1" name=""/>
+        <p:cNvGrpSpPr/>
+        <p:nvPr/>
+      </p:nvGrpSpPr>
+      <p:grpSpPr>
+        <a:xfrm>
+          <a:off x="0" y="0"/>
+          <a:ext cx="0" cy="0"/>
+          <a:chOff x="0" y="0"/>
+          <a:chExt cx="0" cy="0"/>
+        </a:xfrm>
+      </p:grpSpPr>
+      <p:sp>
+        <p:nvSpPr>
+          <p:cNvPr id="4" name="テキスト ボックス 3">
+            <a:extLst>
+              <a:ext uri="{FF2B5EF4-FFF2-40B4-BE49-F238E27FC236}">
+                <a16:creationId xmlns:a16="http://schemas.microsoft.com/office/drawing/2014/main" id="{D3DE46E5-FDD0-4318-2F78-5E9C196451B7}"/>
+              </a:ext>
+            </a:extLst>
+          </p:cNvPr>
+          <p:cNvSpPr txBox="1"/>
+          <p:nvPr/>
+        </p:nvSpPr>
+        <p:spPr>
+          <a:xfrm>
+            <a:off x="2001079" y="1252279"/>
+            <a:ext cx="7717078" cy="923330"/>
+          </a:xfrm>
+          <a:prstGeom prst="rect">
+            <a:avLst/>
+          </a:prstGeom>
+          <a:noFill/>
+        </p:spPr>
+        <p:txBody>
+          <a:bodyPr wrap="square" rtlCol="0">
+            <a:spAutoFit/>
+          </a:bodyPr>
+          <a:lstStyle/>
+          <a:p>
+            <a:pPr algn="ctr"/>
+            <a:r>
+              <a:rPr kumimoji="1" lang="ja-JP" altLang="en-US" sz="5400" b="1" dirty="0">
                 <a:ln w="12700">
                   <a:solidFill>
                     <a:schemeClr val="tx1"/>
@@ -4015,10 +4828,10 @@
                   </a:glow>
                 </a:effectLst>
               </a:rPr>
-              <a:t>~</a:t>
-            </a:r>
-            <a:r>
-              <a:rPr kumimoji="1" lang="ja-JP" altLang="en-US" sz="3600" b="1" dirty="0">
+              <a:t>“</a:t>
+            </a:r>
+            <a:r>
+              <a:rPr kumimoji="1" lang="ja-JP" altLang="en-US" sz="5400" b="1" dirty="0">
                 <a:ln w="12700">
                   <a:solidFill>
                     <a:schemeClr val="tx1"/>
@@ -4041,7 +4854,7 @@
               <a:t>宇宙空間</a:t>
             </a:r>
             <a:r>
-              <a:rPr lang="ja-JP" altLang="en-US" sz="3600" b="1" dirty="0">
+              <a:rPr lang="ja-JP" altLang="en-US" sz="5400" b="1" dirty="0">
                 <a:ln w="12700">
                   <a:solidFill>
                     <a:schemeClr val="tx1"/>
@@ -4060,9 +4873,9 @@
                   </a:glow>
                 </a:effectLst>
               </a:rPr>
-              <a:t>を</a:t>
-            </a:r>
-            <a:endParaRPr lang="en-US" altLang="ja-JP" sz="3600" b="1" dirty="0">
+              <a:t>を生き残れ”</a:t>
+            </a:r>
+            <a:endParaRPr kumimoji="1" lang="en-US" altLang="ja-JP" sz="5400" b="1" i="1" dirty="0">
               <a:ln w="12700">
                 <a:solidFill>
                   <a:schemeClr val="tx1"/>
@@ -4082,20 +4895,38 @@
               </a:effectLst>
             </a:endParaRPr>
           </a:p>
-          <a:p>
-            <a:pPr algn="r"/>
-            <a:r>
-              <a:rPr lang="ja-JP" altLang="en-US" sz="3600" b="1" dirty="0">
-                <a:ln w="12700">
-                  <a:solidFill>
-                    <a:schemeClr val="tx1"/>
-                  </a:solidFill>
-                </a:ln>
-                <a:solidFill>
-                  <a:schemeClr val="bg2">
-                    <a:lumMod val="90000"/>
-                  </a:schemeClr>
-                </a:solidFill>
+        </p:txBody>
+      </p:sp>
+      <p:sp>
+        <p:nvSpPr>
+          <p:cNvPr id="5" name="テキスト ボックス 4">
+            <a:extLst>
+              <a:ext uri="{FF2B5EF4-FFF2-40B4-BE49-F238E27FC236}">
+                <a16:creationId xmlns:a16="http://schemas.microsoft.com/office/drawing/2014/main" id="{0269E8B8-3345-D411-8005-736E4FD52E88}"/>
+              </a:ext>
+            </a:extLst>
+          </p:cNvPr>
+          <p:cNvSpPr txBox="1"/>
+          <p:nvPr/>
+        </p:nvSpPr>
+        <p:spPr>
+          <a:xfrm>
+            <a:off x="2491209" y="2760729"/>
+            <a:ext cx="7347450" cy="584775"/>
+          </a:xfrm>
+          <a:prstGeom prst="rect">
+            <a:avLst/>
+          </a:prstGeom>
+          <a:noFill/>
+        </p:spPr>
+        <p:txBody>
+          <a:bodyPr wrap="square" rtlCol="0">
+            <a:spAutoFit/>
+          </a:bodyPr>
+          <a:lstStyle/>
+          <a:p>
+            <a:r>
+              <a:rPr kumimoji="1" lang="ja-JP" altLang="en-US" sz="3200" b="1" dirty="0">
                 <a:effectLst>
                   <a:glow rad="101600">
                     <a:schemeClr val="bg1">
@@ -4104,20 +4935,41 @@
                   </a:glow>
                 </a:effectLst>
               </a:rPr>
-              <a:t>生き残れ</a:t>
-            </a:r>
-            <a:r>
-              <a:rPr lang="en-US" altLang="ja-JP" sz="3600" b="1" dirty="0">
-                <a:ln w="12700">
-                  <a:solidFill>
-                    <a:schemeClr val="tx1"/>
-                  </a:solidFill>
-                </a:ln>
-                <a:solidFill>
-                  <a:schemeClr val="bg2">
-                    <a:lumMod val="90000"/>
-                  </a:schemeClr>
-                </a:solidFill>
+              <a:t>瞬発力と判断力を揺さぶる避けゲーム</a:t>
+            </a:r>
+          </a:p>
+        </p:txBody>
+      </p:sp>
+      <p:sp>
+        <p:nvSpPr>
+          <p:cNvPr id="7" name="テキスト ボックス 6">
+            <a:extLst>
+              <a:ext uri="{FF2B5EF4-FFF2-40B4-BE49-F238E27FC236}">
+                <a16:creationId xmlns:a16="http://schemas.microsoft.com/office/drawing/2014/main" id="{24BA7585-3A77-0AE4-1F3E-82B197610CCA}"/>
+              </a:ext>
+            </a:extLst>
+          </p:cNvPr>
+          <p:cNvSpPr txBox="1"/>
+          <p:nvPr/>
+        </p:nvSpPr>
+        <p:spPr>
+          <a:xfrm>
+            <a:off x="2491209" y="3944487"/>
+            <a:ext cx="7347450" cy="584775"/>
+          </a:xfrm>
+          <a:prstGeom prst="rect">
+            <a:avLst/>
+          </a:prstGeom>
+          <a:noFill/>
+        </p:spPr>
+        <p:txBody>
+          <a:bodyPr wrap="square" rtlCol="0">
+            <a:spAutoFit/>
+          </a:bodyPr>
+          <a:lstStyle/>
+          <a:p>
+            <a:r>
+              <a:rPr kumimoji="1" lang="ja-JP" altLang="en-US" sz="3200" b="1" dirty="0">
                 <a:effectLst>
                   <a:glow rad="101600">
                     <a:schemeClr val="bg1">
@@ -4126,19 +4978,96 @@
                   </a:glow>
                 </a:effectLst>
               </a:rPr>
-              <a:t>~</a:t>
-            </a:r>
-            <a:endParaRPr kumimoji="1" lang="en-US" altLang="ja-JP" sz="3600" b="1" i="1" dirty="0">
-              <a:ln w="12700">
-                <a:solidFill>
-                  <a:schemeClr val="tx1"/>
-                </a:solidFill>
-              </a:ln>
-              <a:solidFill>
-                <a:schemeClr val="bg2">
-                  <a:lumMod val="90000"/>
-                </a:schemeClr>
-              </a:solidFill>
+              <a:t>自分の意思だけでは動けない操作感</a:t>
+            </a:r>
+          </a:p>
+        </p:txBody>
+      </p:sp>
+      <p:sp>
+        <p:nvSpPr>
+          <p:cNvPr id="8" name="テキスト ボックス 7">
+            <a:extLst>
+              <a:ext uri="{FF2B5EF4-FFF2-40B4-BE49-F238E27FC236}">
+                <a16:creationId xmlns:a16="http://schemas.microsoft.com/office/drawing/2014/main" id="{E7B9463A-7B9F-5B9B-7142-EAAB9903017C}"/>
+              </a:ext>
+            </a:extLst>
+          </p:cNvPr>
+          <p:cNvSpPr txBox="1"/>
+          <p:nvPr/>
+        </p:nvSpPr>
+        <p:spPr>
+          <a:xfrm>
+            <a:off x="2491209" y="5128245"/>
+            <a:ext cx="7347450" cy="584775"/>
+          </a:xfrm>
+          <a:prstGeom prst="rect">
+            <a:avLst/>
+          </a:prstGeom>
+          <a:noFill/>
+        </p:spPr>
+        <p:txBody>
+          <a:bodyPr wrap="square" rtlCol="0">
+            <a:spAutoFit/>
+          </a:bodyPr>
+          <a:lstStyle/>
+          <a:p>
+            <a:r>
+              <a:rPr kumimoji="1" lang="ja-JP" altLang="en-US" sz="3200" b="1" dirty="0">
+                <a:effectLst>
+                  <a:glow rad="101600">
+                    <a:schemeClr val="bg1">
+                      <a:alpha val="60000"/>
+                    </a:schemeClr>
+                  </a:glow>
+                </a:effectLst>
+              </a:rPr>
+              <a:t>障害物を次々とかわしてく気持ちよさ</a:t>
+            </a:r>
+          </a:p>
+        </p:txBody>
+      </p:sp>
+      <p:sp>
+        <p:nvSpPr>
+          <p:cNvPr id="9" name="テキスト ボックス 8">
+            <a:extLst>
+              <a:ext uri="{FF2B5EF4-FFF2-40B4-BE49-F238E27FC236}">
+                <a16:creationId xmlns:a16="http://schemas.microsoft.com/office/drawing/2014/main" id="{370DA72D-1A90-45F8-FD50-EED90E7A615F}"/>
+              </a:ext>
+            </a:extLst>
+          </p:cNvPr>
+          <p:cNvSpPr txBox="1"/>
+          <p:nvPr/>
+        </p:nvSpPr>
+        <p:spPr>
+          <a:xfrm>
+            <a:off x="169532" y="78771"/>
+            <a:ext cx="3816727" cy="646331"/>
+          </a:xfrm>
+          <a:prstGeom prst="rect">
+            <a:avLst/>
+          </a:prstGeom>
+          <a:noFill/>
+        </p:spPr>
+        <p:txBody>
+          <a:bodyPr wrap="square" rtlCol="0">
+            <a:spAutoFit/>
+          </a:bodyPr>
+          <a:lstStyle/>
+          <a:p>
+            <a:pPr algn="ctr"/>
+            <a:r>
+              <a:rPr lang="ja-JP" altLang="en-US" sz="3600" b="1" dirty="0">
+                <a:effectLst>
+                  <a:glow rad="101600">
+                    <a:schemeClr val="bg1">
+                      <a:alpha val="60000"/>
+                    </a:schemeClr>
+                  </a:glow>
+                </a:effectLst>
+              </a:rPr>
+              <a:t>～コンセプト～</a:t>
+            </a:r>
+            <a:endParaRPr kumimoji="1" lang="en-US" altLang="ja-JP" sz="3600" b="1" dirty="0">
               <a:effectLst>
                 <a:glow rad="101600">
                   <a:schemeClr val="bg1">
@@ -4150,113 +5079,42 @@
           </a:p>
         </p:txBody>
       </p:sp>
-      <p:sp>
-        <p:nvSpPr>
-          <p:cNvPr id="39" name="テキスト ボックス 38">
-            <a:extLst>
-              <a:ext uri="{FF2B5EF4-FFF2-40B4-BE49-F238E27FC236}">
-                <a16:creationId xmlns:a16="http://schemas.microsoft.com/office/drawing/2014/main" id="{D09715E4-13A2-776D-CF6E-0E3430656A4C}"/>
-              </a:ext>
-            </a:extLst>
-          </p:cNvPr>
-          <p:cNvSpPr txBox="1"/>
-          <p:nvPr/>
-        </p:nvSpPr>
-        <p:spPr>
-          <a:xfrm>
-            <a:off x="8522814" y="9271"/>
-            <a:ext cx="3405021" cy="461665"/>
-          </a:xfrm>
-          <a:prstGeom prst="rect">
-            <a:avLst/>
-          </a:prstGeom>
-          <a:noFill/>
-        </p:spPr>
-        <p:txBody>
-          <a:bodyPr wrap="square" rtlCol="0">
-            <a:spAutoFit/>
-          </a:bodyPr>
-          <a:lstStyle/>
-          <a:p>
-            <a:pPr algn="ctr"/>
-            <a:r>
-              <a:rPr lang="ja-JP" altLang="en-US" sz="2400" b="1" dirty="0">
-                <a:effectLst>
-                  <a:glow rad="101600">
-                    <a:schemeClr val="bg1">
-                      <a:alpha val="60000"/>
-                    </a:schemeClr>
-                  </a:glow>
-                </a:effectLst>
-              </a:rPr>
-              <a:t>概要</a:t>
-            </a:r>
-            <a:r>
-              <a:rPr lang="en-US" altLang="ja-JP" sz="2400" b="1" dirty="0">
-                <a:effectLst>
-                  <a:glow rad="101600">
-                    <a:schemeClr val="bg1">
-                      <a:alpha val="60000"/>
-                    </a:schemeClr>
-                  </a:glow>
-                </a:effectLst>
-              </a:rPr>
-              <a:t>: 3D</a:t>
-            </a:r>
-            <a:r>
-              <a:rPr lang="ja-JP" altLang="en-US" sz="2400" b="1" dirty="0">
-                <a:effectLst>
-                  <a:glow rad="101600">
-                    <a:schemeClr val="bg1">
-                      <a:alpha val="60000"/>
-                    </a:schemeClr>
-                  </a:glow>
-                </a:effectLst>
-              </a:rPr>
-              <a:t>空間の</a:t>
-            </a:r>
-            <a:r>
-              <a:rPr lang="en-US" altLang="ja-JP" sz="2400" b="1" dirty="0">
-                <a:effectLst>
-                  <a:glow rad="101600">
-                    <a:schemeClr val="bg1">
-                      <a:alpha val="60000"/>
-                    </a:schemeClr>
-                  </a:glow>
-                </a:effectLst>
-              </a:rPr>
-              <a:t>2D</a:t>
-            </a:r>
-            <a:r>
-              <a:rPr lang="ja-JP" altLang="en-US" sz="2400" b="1" dirty="0">
-                <a:effectLst>
-                  <a:glow rad="101600">
-                    <a:schemeClr val="bg1">
-                      <a:alpha val="60000"/>
-                    </a:schemeClr>
-                  </a:glow>
-                </a:effectLst>
-              </a:rPr>
-              <a:t>移動</a:t>
-            </a:r>
-            <a:endParaRPr kumimoji="1" lang="ja-JP" altLang="en-US" sz="2400" b="1" dirty="0">
-              <a:effectLst>
-                <a:glow rad="101600">
-                  <a:schemeClr val="bg1">
-                    <a:alpha val="60000"/>
-                  </a:schemeClr>
-                </a:glow>
-              </a:effectLst>
-            </a:endParaRPr>
-          </a:p>
-        </p:txBody>
-      </p:sp>
+    </p:spTree>
+    <p:extLst>
+      <p:ext uri="{BB962C8B-B14F-4D97-AF65-F5344CB8AC3E}">
+        <p14:creationId xmlns:p14="http://schemas.microsoft.com/office/powerpoint/2010/main" val="2801840416"/>
+      </p:ext>
+    </p:extLst>
+  </p:cSld>
+  <p:clrMapOvr>
+    <a:masterClrMapping/>
+  </p:clrMapOvr>
+</p:sld>
+</file>
+
+<file path=ppt/slides/slide3.xml><?xml version="1.0" encoding="utf-8"?>
+<p:sld xmlns:a="http://schemas.openxmlformats.org/drawingml/2006/main" xmlns:r="http://schemas.openxmlformats.org/officeDocument/2006/relationships" xmlns:p="http://schemas.openxmlformats.org/presentationml/2006/main">
+  <p:cSld>
+    <p:spTree>
+      <p:nvGrpSpPr>
+        <p:cNvPr id="1" name=""/>
+        <p:cNvGrpSpPr/>
+        <p:nvPr/>
+      </p:nvGrpSpPr>
+      <p:grpSpPr>
+        <a:xfrm>
+          <a:off x="0" y="0"/>
+          <a:ext cx="0" cy="0"/>
+          <a:chOff x="0" y="0"/>
+          <a:chExt cx="0" cy="0"/>
+        </a:xfrm>
+      </p:grpSpPr>
       <p:pic>
         <p:nvPicPr>
-          <p:cNvPr id="3" name="グラフィックス 2" descr="星 単色塗りつぶし">
-            <a:extLst>
-              <a:ext uri="{FF2B5EF4-FFF2-40B4-BE49-F238E27FC236}">
-                <a16:creationId xmlns:a16="http://schemas.microsoft.com/office/drawing/2014/main" id="{21DB065F-2817-A04B-E614-2765252C664E}"/>
+          <p:cNvPr id="4" name="グラフィックス 3" descr="星 単色塗りつぶし">
+            <a:extLst>
+              <a:ext uri="{FF2B5EF4-FFF2-40B4-BE49-F238E27FC236}">
+                <a16:creationId xmlns:a16="http://schemas.microsoft.com/office/drawing/2014/main" id="{4E3248C9-2225-6A58-B16F-23F851694796}"/>
               </a:ext>
             </a:extLst>
           </p:cNvPr>
@@ -4279,7 +5137,7 @@
         </p:blipFill>
         <p:spPr>
           <a:xfrm>
-            <a:off x="8583659" y="2018601"/>
+            <a:off x="8583659" y="1331037"/>
             <a:ext cx="961274" cy="896165"/>
           </a:xfrm>
           <a:prstGeom prst="rect">
@@ -4289,10 +5147,10 @@
       </p:pic>
       <p:sp>
         <p:nvSpPr>
-          <p:cNvPr id="41" name="楕円 40">
-            <a:extLst>
-              <a:ext uri="{FF2B5EF4-FFF2-40B4-BE49-F238E27FC236}">
-                <a16:creationId xmlns:a16="http://schemas.microsoft.com/office/drawing/2014/main" id="{C7A098AC-9611-F9DE-A408-A7746DDBF1EF}"/>
+          <p:cNvPr id="5" name="楕円 4">
+            <a:extLst>
+              <a:ext uri="{FF2B5EF4-FFF2-40B4-BE49-F238E27FC236}">
+                <a16:creationId xmlns:a16="http://schemas.microsoft.com/office/drawing/2014/main" id="{5CBFDC6F-7496-9390-5829-01A73BD809AE}"/>
               </a:ext>
             </a:extLst>
           </p:cNvPr>
@@ -4301,7 +5159,7 @@
         </p:nvSpPr>
         <p:spPr>
           <a:xfrm>
-            <a:off x="216774" y="2169408"/>
+            <a:off x="216774" y="1481844"/>
             <a:ext cx="727472" cy="696937"/>
           </a:xfrm>
           <a:prstGeom prst="ellipse">
@@ -4357,10 +5215,10 @@
       </p:sp>
       <p:sp>
         <p:nvSpPr>
-          <p:cNvPr id="43" name="テキスト ボックス 42">
-            <a:extLst>
-              <a:ext uri="{FF2B5EF4-FFF2-40B4-BE49-F238E27FC236}">
-                <a16:creationId xmlns:a16="http://schemas.microsoft.com/office/drawing/2014/main" id="{3C70763D-723F-92DF-91D6-DEEFCAF73321}"/>
+          <p:cNvPr id="6" name="テキスト ボックス 5">
+            <a:extLst>
+              <a:ext uri="{FF2B5EF4-FFF2-40B4-BE49-F238E27FC236}">
+                <a16:creationId xmlns:a16="http://schemas.microsoft.com/office/drawing/2014/main" id="{E04DE5D0-ABC0-192E-EC77-026C5CB677EE}"/>
               </a:ext>
             </a:extLst>
           </p:cNvPr>
@@ -4369,7 +5227,7 @@
         </p:nvSpPr>
         <p:spPr>
           <a:xfrm>
-            <a:off x="216774" y="1639241"/>
+            <a:off x="216774" y="951677"/>
             <a:ext cx="2726051" cy="523220"/>
           </a:xfrm>
           <a:prstGeom prst="rect">
@@ -4440,10 +5298,10 @@
       </p:sp>
       <p:sp>
         <p:nvSpPr>
-          <p:cNvPr id="45" name="テキスト ボックス 44">
-            <a:extLst>
-              <a:ext uri="{FF2B5EF4-FFF2-40B4-BE49-F238E27FC236}">
-                <a16:creationId xmlns:a16="http://schemas.microsoft.com/office/drawing/2014/main" id="{5CA05AA4-2A52-423D-424F-9FD2E6BCC15D}"/>
+          <p:cNvPr id="7" name="テキスト ボックス 6">
+            <a:extLst>
+              <a:ext uri="{FF2B5EF4-FFF2-40B4-BE49-F238E27FC236}">
+                <a16:creationId xmlns:a16="http://schemas.microsoft.com/office/drawing/2014/main" id="{F727CEE2-B9F9-3156-54F5-D295A95EBF7A}"/>
               </a:ext>
             </a:extLst>
           </p:cNvPr>
@@ -4452,7 +5310,7 @@
         </p:nvSpPr>
         <p:spPr>
           <a:xfrm>
-            <a:off x="1406190" y="5432546"/>
+            <a:off x="1413767" y="5374611"/>
             <a:ext cx="4612196" cy="461665"/>
           </a:xfrm>
           <a:prstGeom prst="rect">
@@ -4493,10 +5351,10 @@
       </p:sp>
       <p:sp>
         <p:nvSpPr>
-          <p:cNvPr id="46" name="テキスト ボックス 45">
-            <a:extLst>
-              <a:ext uri="{FF2B5EF4-FFF2-40B4-BE49-F238E27FC236}">
-                <a16:creationId xmlns:a16="http://schemas.microsoft.com/office/drawing/2014/main" id="{C07C1212-1A9A-2566-4CAD-6B554C897AF7}"/>
+          <p:cNvPr id="8" name="テキスト ボックス 7">
+            <a:extLst>
+              <a:ext uri="{FF2B5EF4-FFF2-40B4-BE49-F238E27FC236}">
+                <a16:creationId xmlns:a16="http://schemas.microsoft.com/office/drawing/2014/main" id="{959ED553-1D39-1C0A-051B-D0810E568D96}"/>
               </a:ext>
             </a:extLst>
           </p:cNvPr>
@@ -4505,7 +5363,7 @@
         </p:nvSpPr>
         <p:spPr>
           <a:xfrm>
-            <a:off x="2590538" y="1634718"/>
+            <a:off x="2590538" y="947154"/>
             <a:ext cx="3184246" cy="523220"/>
           </a:xfrm>
           <a:prstGeom prst="rect">
@@ -4575,10 +5433,10 @@
       </p:sp>
       <p:cxnSp>
         <p:nvCxnSpPr>
-          <p:cNvPr id="54" name="直線コネクタ 53">
-            <a:extLst>
-              <a:ext uri="{FF2B5EF4-FFF2-40B4-BE49-F238E27FC236}">
-                <a16:creationId xmlns:a16="http://schemas.microsoft.com/office/drawing/2014/main" id="{54046417-71F0-CE1A-FC1D-B1890CE2D21F}"/>
+          <p:cNvPr id="9" name="直線コネクタ 8">
+            <a:extLst>
+              <a:ext uri="{FF2B5EF4-FFF2-40B4-BE49-F238E27FC236}">
+                <a16:creationId xmlns:a16="http://schemas.microsoft.com/office/drawing/2014/main" id="{7E08DBD3-A13A-476F-5842-C7FA78043B0F}"/>
               </a:ext>
             </a:extLst>
           </p:cNvPr>
@@ -4589,8 +5447,8 @@
         </p:nvCxnSpPr>
         <p:spPr>
           <a:xfrm>
-            <a:off x="3074331" y="1580709"/>
-            <a:ext cx="0" cy="1509823"/>
+            <a:off x="3056838" y="925016"/>
+            <a:ext cx="0" cy="1733124"/>
           </a:xfrm>
           <a:prstGeom prst="line">
             <a:avLst/>
@@ -4613,10 +5471,10 @@
       </p:cxnSp>
       <p:grpSp>
         <p:nvGrpSpPr>
-          <p:cNvPr id="65" name="グループ化 64">
-            <a:extLst>
-              <a:ext uri="{FF2B5EF4-FFF2-40B4-BE49-F238E27FC236}">
-                <a16:creationId xmlns:a16="http://schemas.microsoft.com/office/drawing/2014/main" id="{BF757CE0-E577-0732-92C7-F38DA9067A65}"/>
+          <p:cNvPr id="10" name="グループ化 9">
+            <a:extLst>
+              <a:ext uri="{FF2B5EF4-FFF2-40B4-BE49-F238E27FC236}">
+                <a16:creationId xmlns:a16="http://schemas.microsoft.com/office/drawing/2014/main" id="{CE5E7A01-39B8-28A4-B0E1-6398E96E8974}"/>
               </a:ext>
             </a:extLst>
           </p:cNvPr>
@@ -4625,7 +5483,7 @@
         </p:nvGrpSpPr>
         <p:grpSpPr>
           <a:xfrm>
-            <a:off x="3257687" y="2367492"/>
+            <a:off x="3257687" y="1679928"/>
             <a:ext cx="3222608" cy="169377"/>
             <a:chOff x="8781143" y="3440458"/>
             <a:chExt cx="1334736" cy="318742"/>
@@ -4633,10 +5491,10 @@
         </p:grpSpPr>
         <p:sp>
           <p:nvSpPr>
-            <p:cNvPr id="66" name="矢印: 左 65">
+            <p:cNvPr id="11" name="矢印: 左 10">
               <a:extLst>
                 <a:ext uri="{FF2B5EF4-FFF2-40B4-BE49-F238E27FC236}">
-                  <a16:creationId xmlns:a16="http://schemas.microsoft.com/office/drawing/2014/main" id="{ADA313E5-3CF9-F73F-5610-2ACFFF9310EC}"/>
+                  <a16:creationId xmlns:a16="http://schemas.microsoft.com/office/drawing/2014/main" id="{3B85E3D6-98C2-4FB3-69DE-B28072A19D7C}"/>
                 </a:ext>
               </a:extLst>
             </p:cNvPr>
@@ -4677,10 +5535,10 @@
         </p:sp>
         <p:sp>
           <p:nvSpPr>
-            <p:cNvPr id="67" name="矢印: 右 66">
+            <p:cNvPr id="12" name="矢印: 右 11">
               <a:extLst>
                 <a:ext uri="{FF2B5EF4-FFF2-40B4-BE49-F238E27FC236}">
-                  <a16:creationId xmlns:a16="http://schemas.microsoft.com/office/drawing/2014/main" id="{E1F2BFC8-45DD-4A3F-FCF7-3F5163B31BF4}"/>
+                  <a16:creationId xmlns:a16="http://schemas.microsoft.com/office/drawing/2014/main" id="{D51A3461-7C50-1F97-C2A1-6DCF60154646}"/>
                 </a:ext>
               </a:extLst>
             </p:cNvPr>
@@ -4722,10 +5580,10 @@
       </p:grpSp>
       <p:pic>
         <p:nvPicPr>
-          <p:cNvPr id="68" name="グラフィックス 67" descr="ノコ刃 単色塗りつぶし">
-            <a:extLst>
-              <a:ext uri="{FF2B5EF4-FFF2-40B4-BE49-F238E27FC236}">
-                <a16:creationId xmlns:a16="http://schemas.microsoft.com/office/drawing/2014/main" id="{AB2B95D1-713D-0608-2BD6-1F121058704D}"/>
+          <p:cNvPr id="13" name="グラフィックス 12" descr="ノコ刃 単色塗りつぶし">
+            <a:extLst>
+              <a:ext uri="{FF2B5EF4-FFF2-40B4-BE49-F238E27FC236}">
+                <a16:creationId xmlns:a16="http://schemas.microsoft.com/office/drawing/2014/main" id="{48E56D20-931C-8DDD-ADAC-FD9697F72C39}"/>
               </a:ext>
             </a:extLst>
           </p:cNvPr>
@@ -4748,7 +5606,7 @@
         </p:blipFill>
         <p:spPr>
           <a:xfrm>
-            <a:off x="3599764" y="2106703"/>
+            <a:off x="3599764" y="1419139"/>
             <a:ext cx="621786" cy="650454"/>
           </a:xfrm>
           <a:prstGeom prst="rect">
@@ -4758,10 +5616,10 @@
       </p:pic>
       <p:pic>
         <p:nvPicPr>
-          <p:cNvPr id="69" name="グラフィックス 68" descr="レイヤー (デザイン) 単色塗りつぶし">
-            <a:extLst>
-              <a:ext uri="{FF2B5EF4-FFF2-40B4-BE49-F238E27FC236}">
-                <a16:creationId xmlns:a16="http://schemas.microsoft.com/office/drawing/2014/main" id="{B432942A-8EC3-E543-F6F0-370D37DFAA74}"/>
+          <p:cNvPr id="14" name="グラフィックス 13" descr="レイヤー (デザイン) 単色塗りつぶし">
+            <a:extLst>
+              <a:ext uri="{FF2B5EF4-FFF2-40B4-BE49-F238E27FC236}">
+                <a16:creationId xmlns:a16="http://schemas.microsoft.com/office/drawing/2014/main" id="{2BC9F360-3617-DC6A-401B-E7A4381B4747}"/>
               </a:ext>
             </a:extLst>
           </p:cNvPr>
@@ -4784,7 +5642,7 @@
         </p:blipFill>
         <p:spPr>
           <a:xfrm>
-            <a:off x="4467659" y="2097034"/>
+            <a:off x="4467659" y="1409470"/>
             <a:ext cx="702077" cy="661871"/>
           </a:xfrm>
           <a:prstGeom prst="rect">
@@ -4794,10 +5652,10 @@
       </p:pic>
       <p:pic>
         <p:nvPicPr>
-          <p:cNvPr id="70" name="グラフィックス 69" descr="下弦の月 単色塗りつぶし">
-            <a:extLst>
-              <a:ext uri="{FF2B5EF4-FFF2-40B4-BE49-F238E27FC236}">
-                <a16:creationId xmlns:a16="http://schemas.microsoft.com/office/drawing/2014/main" id="{DAE84AE7-C9D3-9A5F-D7AB-AC01B3A0EB4D}"/>
+          <p:cNvPr id="15" name="グラフィックス 14" descr="下弦の月 単色塗りつぶし">
+            <a:extLst>
+              <a:ext uri="{FF2B5EF4-FFF2-40B4-BE49-F238E27FC236}">
+                <a16:creationId xmlns:a16="http://schemas.microsoft.com/office/drawing/2014/main" id="{B917CDF7-F4F5-71B6-2837-F1D3B51B955F}"/>
               </a:ext>
             </a:extLst>
           </p:cNvPr>
@@ -4820,7 +5678,7 @@
         </p:blipFill>
         <p:spPr>
           <a:xfrm>
-            <a:off x="5294329" y="2052329"/>
+            <a:off x="5294329" y="1364765"/>
             <a:ext cx="702077" cy="734447"/>
           </a:xfrm>
           <a:prstGeom prst="rect">
@@ -4830,10 +5688,10 @@
       </p:pic>
       <p:sp>
         <p:nvSpPr>
-          <p:cNvPr id="71" name="テキスト ボックス 70">
-            <a:extLst>
-              <a:ext uri="{FF2B5EF4-FFF2-40B4-BE49-F238E27FC236}">
-                <a16:creationId xmlns:a16="http://schemas.microsoft.com/office/drawing/2014/main" id="{304E30EE-4A81-2916-EFA6-42D8D3A92870}"/>
+          <p:cNvPr id="16" name="テキスト ボックス 15">
+            <a:extLst>
+              <a:ext uri="{FF2B5EF4-FFF2-40B4-BE49-F238E27FC236}">
+                <a16:creationId xmlns:a16="http://schemas.microsoft.com/office/drawing/2014/main" id="{80B0C9AF-6EBE-890B-BF24-8710666EDEF6}"/>
               </a:ext>
             </a:extLst>
           </p:cNvPr>
@@ -4842,7 +5700,7 @@
         </p:nvSpPr>
         <p:spPr>
           <a:xfrm>
-            <a:off x="3333509" y="2739000"/>
+            <a:off x="3333509" y="2051436"/>
             <a:ext cx="2965968" cy="461665"/>
           </a:xfrm>
           <a:prstGeom prst="rect">
@@ -4880,10 +5738,10 @@
       </p:sp>
       <p:sp>
         <p:nvSpPr>
-          <p:cNvPr id="73" name="テキスト ボックス 72">
-            <a:extLst>
-              <a:ext uri="{FF2B5EF4-FFF2-40B4-BE49-F238E27FC236}">
-                <a16:creationId xmlns:a16="http://schemas.microsoft.com/office/drawing/2014/main" id="{2B6222C4-7B70-A404-753E-A2355BAD7DA0}"/>
+          <p:cNvPr id="17" name="テキスト ボックス 16">
+            <a:extLst>
+              <a:ext uri="{FF2B5EF4-FFF2-40B4-BE49-F238E27FC236}">
+                <a16:creationId xmlns:a16="http://schemas.microsoft.com/office/drawing/2014/main" id="{B61587D5-3B31-F13E-5992-E7D1A91CE399}"/>
               </a:ext>
             </a:extLst>
           </p:cNvPr>
@@ -4892,7 +5750,7 @@
         </p:nvSpPr>
         <p:spPr>
           <a:xfrm>
-            <a:off x="6256532" y="1841975"/>
+            <a:off x="6256532" y="1154411"/>
             <a:ext cx="2354189" cy="1200329"/>
           </a:xfrm>
           <a:prstGeom prst="rect">
@@ -5009,10 +5867,10 @@
       </p:sp>
       <p:cxnSp>
         <p:nvCxnSpPr>
-          <p:cNvPr id="80" name="直線コネクタ 79">
-            <a:extLst>
-              <a:ext uri="{FF2B5EF4-FFF2-40B4-BE49-F238E27FC236}">
-                <a16:creationId xmlns:a16="http://schemas.microsoft.com/office/drawing/2014/main" id="{D63B7080-A76F-4241-8B25-690376D08E40}"/>
+          <p:cNvPr id="18" name="直線コネクタ 17">
+            <a:extLst>
+              <a:ext uri="{FF2B5EF4-FFF2-40B4-BE49-F238E27FC236}">
+                <a16:creationId xmlns:a16="http://schemas.microsoft.com/office/drawing/2014/main" id="{3526E86D-C255-E3AA-75E5-1AAE7C4AC290}"/>
               </a:ext>
             </a:extLst>
           </p:cNvPr>
@@ -5023,8 +5881,8 @@
         </p:nvCxnSpPr>
         <p:spPr>
           <a:xfrm>
-            <a:off x="8522814" y="1612580"/>
-            <a:ext cx="0" cy="1509823"/>
+            <a:off x="8512130" y="881717"/>
+            <a:ext cx="0" cy="1776423"/>
           </a:xfrm>
           <a:prstGeom prst="line">
             <a:avLst/>
@@ -5047,10 +5905,10 @@
       </p:cxnSp>
       <p:sp>
         <p:nvSpPr>
-          <p:cNvPr id="82" name="テキスト ボックス 81">
-            <a:extLst>
-              <a:ext uri="{FF2B5EF4-FFF2-40B4-BE49-F238E27FC236}">
-                <a16:creationId xmlns:a16="http://schemas.microsoft.com/office/drawing/2014/main" id="{D3BC1909-FEF3-EDD3-FA3C-63C65D54E91D}"/>
+          <p:cNvPr id="19" name="テキスト ボックス 18">
+            <a:extLst>
+              <a:ext uri="{FF2B5EF4-FFF2-40B4-BE49-F238E27FC236}">
+                <a16:creationId xmlns:a16="http://schemas.microsoft.com/office/drawing/2014/main" id="{D150985E-F3C0-6D1D-F251-370435A8839B}"/>
               </a:ext>
             </a:extLst>
           </p:cNvPr>
@@ -5059,7 +5917,7 @@
         </p:nvSpPr>
         <p:spPr>
           <a:xfrm>
-            <a:off x="8178471" y="1534502"/>
+            <a:off x="8178471" y="846938"/>
             <a:ext cx="3184246" cy="523220"/>
           </a:xfrm>
           <a:prstGeom prst="rect">
@@ -5130,10 +5988,10 @@
       </p:sp>
       <p:sp>
         <p:nvSpPr>
-          <p:cNvPr id="83" name="テキスト ボックス 82">
-            <a:extLst>
-              <a:ext uri="{FF2B5EF4-FFF2-40B4-BE49-F238E27FC236}">
-                <a16:creationId xmlns:a16="http://schemas.microsoft.com/office/drawing/2014/main" id="{3BECCA04-2800-CD05-5EF5-875E43ABED46}"/>
+          <p:cNvPr id="20" name="テキスト ボックス 19">
+            <a:extLst>
+              <a:ext uri="{FF2B5EF4-FFF2-40B4-BE49-F238E27FC236}">
+                <a16:creationId xmlns:a16="http://schemas.microsoft.com/office/drawing/2014/main" id="{732DAF51-DAAD-D609-D3C9-4C3604D9C685}"/>
               </a:ext>
             </a:extLst>
           </p:cNvPr>
@@ -5142,7 +6000,7 @@
         </p:nvSpPr>
         <p:spPr>
           <a:xfrm>
-            <a:off x="9429964" y="1943778"/>
+            <a:off x="9429964" y="1256214"/>
             <a:ext cx="2446552" cy="1200329"/>
           </a:xfrm>
           <a:prstGeom prst="rect">
@@ -5255,10 +6113,10 @@
       </p:sp>
       <p:cxnSp>
         <p:nvCxnSpPr>
-          <p:cNvPr id="84" name="直線コネクタ 83">
-            <a:extLst>
-              <a:ext uri="{FF2B5EF4-FFF2-40B4-BE49-F238E27FC236}">
-                <a16:creationId xmlns:a16="http://schemas.microsoft.com/office/drawing/2014/main" id="{7E7D8314-97B2-AF00-0493-AD40CB995E26}"/>
+          <p:cNvPr id="21" name="直線コネクタ 20">
+            <a:extLst>
+              <a:ext uri="{FF2B5EF4-FFF2-40B4-BE49-F238E27FC236}">
+                <a16:creationId xmlns:a16="http://schemas.microsoft.com/office/drawing/2014/main" id="{A68A6F97-8542-5ADE-8B38-6B2644C91555}"/>
               </a:ext>
             </a:extLst>
           </p:cNvPr>
@@ -5269,7 +6127,7 @@
         </p:nvCxnSpPr>
         <p:spPr>
           <a:xfrm flipV="1">
-            <a:off x="151467" y="3292663"/>
+            <a:off x="108222" y="2944040"/>
             <a:ext cx="11776368" cy="19622"/>
           </a:xfrm>
           <a:prstGeom prst="line">
@@ -5293,10 +6151,10 @@
       </p:cxnSp>
       <p:sp>
         <p:nvSpPr>
-          <p:cNvPr id="86" name="楕円 85">
-            <a:extLst>
-              <a:ext uri="{FF2B5EF4-FFF2-40B4-BE49-F238E27FC236}">
-                <a16:creationId xmlns:a16="http://schemas.microsoft.com/office/drawing/2014/main" id="{68F792B5-5354-D0DD-303E-69E091E71D76}"/>
+          <p:cNvPr id="22" name="楕円 21">
+            <a:extLst>
+              <a:ext uri="{FF2B5EF4-FFF2-40B4-BE49-F238E27FC236}">
+                <a16:creationId xmlns:a16="http://schemas.microsoft.com/office/drawing/2014/main" id="{89FA95BC-6A40-0B0E-466D-AF6B437A5684}"/>
               </a:ext>
             </a:extLst>
           </p:cNvPr>
@@ -5354,10 +6212,10 @@
       </p:sp>
       <p:sp>
         <p:nvSpPr>
-          <p:cNvPr id="89" name="テキスト ボックス 88">
-            <a:extLst>
-              <a:ext uri="{FF2B5EF4-FFF2-40B4-BE49-F238E27FC236}">
-                <a16:creationId xmlns:a16="http://schemas.microsoft.com/office/drawing/2014/main" id="{34A61FF9-0296-99E0-14E0-CE844870D90C}"/>
+          <p:cNvPr id="23" name="テキスト ボックス 22">
+            <a:extLst>
+              <a:ext uri="{FF2B5EF4-FFF2-40B4-BE49-F238E27FC236}">
+                <a16:creationId xmlns:a16="http://schemas.microsoft.com/office/drawing/2014/main" id="{2F7A6CA2-403F-EE35-758C-95B84ACFFD34}"/>
               </a:ext>
             </a:extLst>
           </p:cNvPr>
@@ -5366,7 +6224,7 @@
         </p:nvSpPr>
         <p:spPr>
           <a:xfrm>
-            <a:off x="-88025" y="3496646"/>
+            <a:off x="-57295" y="3183657"/>
             <a:ext cx="5184565" cy="523220"/>
           </a:xfrm>
           <a:prstGeom prst="rect">
@@ -5434,10 +6292,10 @@
       </p:sp>
       <p:sp>
         <p:nvSpPr>
-          <p:cNvPr id="90" name="テキスト ボックス 89">
-            <a:extLst>
-              <a:ext uri="{FF2B5EF4-FFF2-40B4-BE49-F238E27FC236}">
-                <a16:creationId xmlns:a16="http://schemas.microsoft.com/office/drawing/2014/main" id="{7B3D98C6-7258-15F0-A3D7-0E5B1053D1DE}"/>
+          <p:cNvPr id="24" name="テキスト ボックス 23">
+            <a:extLst>
+              <a:ext uri="{FF2B5EF4-FFF2-40B4-BE49-F238E27FC236}">
+                <a16:creationId xmlns:a16="http://schemas.microsoft.com/office/drawing/2014/main" id="{0E7A20B2-05FC-3D6E-9484-C3DF09410A38}"/>
               </a:ext>
             </a:extLst>
           </p:cNvPr>
@@ -5446,7 +6304,7 @@
         </p:nvSpPr>
         <p:spPr>
           <a:xfrm>
-            <a:off x="787356" y="3881193"/>
+            <a:off x="784154" y="3764868"/>
             <a:ext cx="6122738" cy="1631216"/>
           </a:xfrm>
           <a:prstGeom prst="rect">
@@ -5674,10 +6532,10 @@
       </p:sp>
       <p:sp>
         <p:nvSpPr>
-          <p:cNvPr id="91" name="テキスト ボックス 90">
-            <a:extLst>
-              <a:ext uri="{FF2B5EF4-FFF2-40B4-BE49-F238E27FC236}">
-                <a16:creationId xmlns:a16="http://schemas.microsoft.com/office/drawing/2014/main" id="{0F957AAC-4901-F92B-DAF5-3E7ADC8CE98B}"/>
+          <p:cNvPr id="25" name="テキスト ボックス 24">
+            <a:extLst>
+              <a:ext uri="{FF2B5EF4-FFF2-40B4-BE49-F238E27FC236}">
+                <a16:creationId xmlns:a16="http://schemas.microsoft.com/office/drawing/2014/main" id="{25A72CBC-802D-E19B-751F-ABD44A460436}"/>
               </a:ext>
             </a:extLst>
           </p:cNvPr>
@@ -5686,7 +6544,7 @@
         </p:nvSpPr>
         <p:spPr>
           <a:xfrm>
-            <a:off x="6682503" y="3413959"/>
+            <a:off x="6703768" y="3101659"/>
             <a:ext cx="3184246" cy="523220"/>
           </a:xfrm>
           <a:prstGeom prst="rect">
@@ -5756,10 +6614,10 @@
       </p:sp>
       <p:cxnSp>
         <p:nvCxnSpPr>
-          <p:cNvPr id="92" name="直線コネクタ 91">
-            <a:extLst>
-              <a:ext uri="{FF2B5EF4-FFF2-40B4-BE49-F238E27FC236}">
-                <a16:creationId xmlns:a16="http://schemas.microsoft.com/office/drawing/2014/main" id="{3033DFA6-9DD9-2A29-7805-74628A00C16D}"/>
+          <p:cNvPr id="26" name="直線コネクタ 25">
+            <a:extLst>
+              <a:ext uri="{FF2B5EF4-FFF2-40B4-BE49-F238E27FC236}">
+                <a16:creationId xmlns:a16="http://schemas.microsoft.com/office/drawing/2014/main" id="{FC364662-65E8-F038-FF0D-E4067BD19DAB}"/>
               </a:ext>
             </a:extLst>
           </p:cNvPr>
@@ -5770,8 +6628,8 @@
         </p:nvCxnSpPr>
         <p:spPr>
           <a:xfrm>
-            <a:off x="6956896" y="3431506"/>
-            <a:ext cx="0" cy="3274094"/>
+            <a:off x="6729306" y="3119999"/>
+            <a:ext cx="46802" cy="3603941"/>
           </a:xfrm>
           <a:prstGeom prst="line">
             <a:avLst/>
@@ -5794,10 +6652,10 @@
       </p:cxnSp>
       <p:sp>
         <p:nvSpPr>
-          <p:cNvPr id="94" name="テキスト ボックス 93">
-            <a:extLst>
-              <a:ext uri="{FF2B5EF4-FFF2-40B4-BE49-F238E27FC236}">
-                <a16:creationId xmlns:a16="http://schemas.microsoft.com/office/drawing/2014/main" id="{B503E361-9BF9-2960-1355-F9C44D0782ED}"/>
+          <p:cNvPr id="27" name="テキスト ボックス 26">
+            <a:extLst>
+              <a:ext uri="{FF2B5EF4-FFF2-40B4-BE49-F238E27FC236}">
+                <a16:creationId xmlns:a16="http://schemas.microsoft.com/office/drawing/2014/main" id="{5813D615-96E9-70D8-9F66-4B9CFA70C457}"/>
               </a:ext>
             </a:extLst>
           </p:cNvPr>
@@ -5806,7 +6664,7 @@
         </p:nvSpPr>
         <p:spPr>
           <a:xfrm>
-            <a:off x="961739" y="2149480"/>
+            <a:off x="961739" y="1461916"/>
             <a:ext cx="2095099" cy="830997"/>
           </a:xfrm>
           <a:prstGeom prst="rect">
@@ -5874,10 +6732,10 @@
       </p:sp>
       <p:sp>
         <p:nvSpPr>
-          <p:cNvPr id="95" name="テキスト ボックス 94">
-            <a:extLst>
-              <a:ext uri="{FF2B5EF4-FFF2-40B4-BE49-F238E27FC236}">
-                <a16:creationId xmlns:a16="http://schemas.microsoft.com/office/drawing/2014/main" id="{C602E155-2B8C-9717-A1C4-E4E68B194E80}"/>
+          <p:cNvPr id="28" name="テキスト ボックス 27">
+            <a:extLst>
+              <a:ext uri="{FF2B5EF4-FFF2-40B4-BE49-F238E27FC236}">
+                <a16:creationId xmlns:a16="http://schemas.microsoft.com/office/drawing/2014/main" id="{6C893202-37F4-0FB9-DF7C-4C6E22EC7F66}"/>
               </a:ext>
             </a:extLst>
           </p:cNvPr>
@@ -5963,10 +6821,10 @@
       </p:sp>
       <p:pic>
         <p:nvPicPr>
-          <p:cNvPr id="97" name="図 96">
-            <a:extLst>
-              <a:ext uri="{FF2B5EF4-FFF2-40B4-BE49-F238E27FC236}">
-                <a16:creationId xmlns:a16="http://schemas.microsoft.com/office/drawing/2014/main" id="{2AFBB03E-4884-F428-37DD-3880E212309F}"/>
+          <p:cNvPr id="29" name="図 28">
+            <a:extLst>
+              <a:ext uri="{FF2B5EF4-FFF2-40B4-BE49-F238E27FC236}">
+                <a16:creationId xmlns:a16="http://schemas.microsoft.com/office/drawing/2014/main" id="{D7C37CBD-8CB8-FF89-E695-337F74E5C9BD}"/>
               </a:ext>
             </a:extLst>
           </p:cNvPr>
@@ -5989,7 +6847,7 @@
         </p:blipFill>
         <p:spPr>
           <a:xfrm>
-            <a:off x="6872896" y="4338232"/>
+            <a:off x="6703768" y="4202601"/>
             <a:ext cx="1954697" cy="1612202"/>
           </a:xfrm>
           <a:prstGeom prst="rect">
@@ -5999,10 +6857,10 @@
       </p:pic>
       <p:sp>
         <p:nvSpPr>
-          <p:cNvPr id="98" name="テキスト ボックス 97">
-            <a:extLst>
-              <a:ext uri="{FF2B5EF4-FFF2-40B4-BE49-F238E27FC236}">
-                <a16:creationId xmlns:a16="http://schemas.microsoft.com/office/drawing/2014/main" id="{F2E90EEC-E44D-8751-9CAF-8F8A081DE3E9}"/>
+          <p:cNvPr id="30" name="テキスト ボックス 29">
+            <a:extLst>
+              <a:ext uri="{FF2B5EF4-FFF2-40B4-BE49-F238E27FC236}">
+                <a16:creationId xmlns:a16="http://schemas.microsoft.com/office/drawing/2014/main" id="{EF4ABB59-C8E2-986C-74AF-7A0C636F947C}"/>
               </a:ext>
             </a:extLst>
           </p:cNvPr>
@@ -6084,10 +6942,10 @@
       </p:sp>
       <p:sp>
         <p:nvSpPr>
-          <p:cNvPr id="100" name="テキスト ボックス 99">
-            <a:extLst>
-              <a:ext uri="{FF2B5EF4-FFF2-40B4-BE49-F238E27FC236}">
-                <a16:creationId xmlns:a16="http://schemas.microsoft.com/office/drawing/2014/main" id="{FE3772F4-6F60-9516-EF79-E7C31CEF2C98}"/>
+          <p:cNvPr id="31" name="テキスト ボックス 30">
+            <a:extLst>
+              <a:ext uri="{FF2B5EF4-FFF2-40B4-BE49-F238E27FC236}">
+                <a16:creationId xmlns:a16="http://schemas.microsoft.com/office/drawing/2014/main" id="{FD407214-3ED3-CFA5-D427-3DB040323E25}"/>
               </a:ext>
             </a:extLst>
           </p:cNvPr>
@@ -6179,10 +7037,10 @@
       </p:sp>
       <p:sp>
         <p:nvSpPr>
-          <p:cNvPr id="101" name="テキスト ボックス 100">
-            <a:extLst>
-              <a:ext uri="{FF2B5EF4-FFF2-40B4-BE49-F238E27FC236}">
-                <a16:creationId xmlns:a16="http://schemas.microsoft.com/office/drawing/2014/main" id="{2A464FF8-028E-DD73-09C7-D0E5EACE2AD9}"/>
+          <p:cNvPr id="32" name="テキスト ボックス 31">
+            <a:extLst>
+              <a:ext uri="{FF2B5EF4-FFF2-40B4-BE49-F238E27FC236}">
+                <a16:creationId xmlns:a16="http://schemas.microsoft.com/office/drawing/2014/main" id="{8EBEBCE6-95F0-A43B-9A14-F4031F7204B4}"/>
               </a:ext>
             </a:extLst>
           </p:cNvPr>
@@ -6223,10 +7081,10 @@
       </p:sp>
       <p:sp>
         <p:nvSpPr>
-          <p:cNvPr id="102" name="楕円 101">
-            <a:extLst>
-              <a:ext uri="{FF2B5EF4-FFF2-40B4-BE49-F238E27FC236}">
-                <a16:creationId xmlns:a16="http://schemas.microsoft.com/office/drawing/2014/main" id="{47392549-DBF0-4435-C6F4-2EFC526EB6F3}"/>
+          <p:cNvPr id="33" name="楕円 32">
+            <a:extLst>
+              <a:ext uri="{FF2B5EF4-FFF2-40B4-BE49-F238E27FC236}">
+                <a16:creationId xmlns:a16="http://schemas.microsoft.com/office/drawing/2014/main" id="{AEDC462D-608E-B970-4092-8C8EA41F865C}"/>
               </a:ext>
             </a:extLst>
           </p:cNvPr>
@@ -6287,10 +7145,10 @@
       </p:sp>
       <p:sp>
         <p:nvSpPr>
-          <p:cNvPr id="103" name="テキスト ボックス 102">
-            <a:extLst>
-              <a:ext uri="{FF2B5EF4-FFF2-40B4-BE49-F238E27FC236}">
-                <a16:creationId xmlns:a16="http://schemas.microsoft.com/office/drawing/2014/main" id="{1C6B6BAA-1BB1-55F8-8B6C-3B083A667B31}"/>
+          <p:cNvPr id="34" name="テキスト ボックス 33">
+            <a:extLst>
+              <a:ext uri="{FF2B5EF4-FFF2-40B4-BE49-F238E27FC236}">
+                <a16:creationId xmlns:a16="http://schemas.microsoft.com/office/drawing/2014/main" id="{8159FE54-3820-442E-0D54-5240209F444F}"/>
               </a:ext>
             </a:extLst>
           </p:cNvPr>
@@ -6329,10 +7187,63 @@
           </a:p>
         </p:txBody>
       </p:sp>
+      <p:sp>
+        <p:nvSpPr>
+          <p:cNvPr id="39" name="テキスト ボックス 38">
+            <a:extLst>
+              <a:ext uri="{FF2B5EF4-FFF2-40B4-BE49-F238E27FC236}">
+                <a16:creationId xmlns:a16="http://schemas.microsoft.com/office/drawing/2014/main" id="{06882B59-1FF3-E0D8-580C-12E4F9A154DA}"/>
+              </a:ext>
+            </a:extLst>
+          </p:cNvPr>
+          <p:cNvSpPr txBox="1"/>
+          <p:nvPr/>
+        </p:nvSpPr>
+        <p:spPr>
+          <a:xfrm>
+            <a:off x="-57295" y="71682"/>
+            <a:ext cx="3816727" cy="646331"/>
+          </a:xfrm>
+          <a:prstGeom prst="rect">
+            <a:avLst/>
+          </a:prstGeom>
+          <a:noFill/>
+        </p:spPr>
+        <p:txBody>
+          <a:bodyPr wrap="square" rtlCol="0">
+            <a:spAutoFit/>
+          </a:bodyPr>
+          <a:lstStyle/>
+          <a:p>
+            <a:pPr algn="ctr"/>
+            <a:r>
+              <a:rPr lang="ja-JP" altLang="en-US" sz="3600" b="1" dirty="0">
+                <a:effectLst>
+                  <a:glow rad="101600">
+                    <a:schemeClr val="bg1">
+                      <a:alpha val="60000"/>
+                    </a:schemeClr>
+                  </a:glow>
+                </a:effectLst>
+              </a:rPr>
+              <a:t>～登場キャラ～</a:t>
+            </a:r>
+            <a:endParaRPr kumimoji="1" lang="en-US" altLang="ja-JP" sz="3600" b="1" dirty="0">
+              <a:effectLst>
+                <a:glow rad="101600">
+                  <a:schemeClr val="bg1">
+                    <a:alpha val="60000"/>
+                  </a:schemeClr>
+                </a:glow>
+              </a:effectLst>
+            </a:endParaRPr>
+          </a:p>
+        </p:txBody>
+      </p:sp>
     </p:spTree>
     <p:extLst>
       <p:ext uri="{BB962C8B-B14F-4D97-AF65-F5344CB8AC3E}">
-        <p14:creationId xmlns:p14="http://schemas.microsoft.com/office/powerpoint/2010/main" val="2213029950"/>
+        <p14:creationId xmlns:p14="http://schemas.microsoft.com/office/powerpoint/2010/main" val="1421897933"/>
       </p:ext>
     </p:extLst>
   </p:cSld>
@@ -6342,12 +7253,18 @@
 </p:sld>
 </file>
 
-<file path=ppt/slides/slide2.xml><?xml version="1.0" encoding="utf-8"?>
+<file path=ppt/slides/slide4.xml><?xml version="1.0" encoding="utf-8"?>
 <p:sld xmlns:a="http://schemas.openxmlformats.org/drawingml/2006/main" xmlns:r="http://schemas.openxmlformats.org/officeDocument/2006/relationships" xmlns:p="http://schemas.openxmlformats.org/presentationml/2006/main">
   <p:cSld>
     <p:spTree>
       <p:nvGrpSpPr>
-        <p:cNvPr id="1" name=""/>
+        <p:cNvPr id="1" name="">
+          <a:extLst>
+            <a:ext uri="{FF2B5EF4-FFF2-40B4-BE49-F238E27FC236}">
+              <a16:creationId xmlns:a16="http://schemas.microsoft.com/office/drawing/2014/main" id="{CF39AAAE-198E-F20D-E7CE-1073DDF18AAD}"/>
+            </a:ext>
+          </a:extLst>
+        </p:cNvPr>
         <p:cNvGrpSpPr/>
         <p:nvPr/>
       </p:nvGrpSpPr>
@@ -6359,12 +7276,443 @@
           <a:chExt cx="0" cy="0"/>
         </a:xfrm>
       </p:grpSpPr>
+      <p:cxnSp>
+        <p:nvCxnSpPr>
+          <p:cNvPr id="9" name="直線コネクタ 8">
+            <a:extLst>
+              <a:ext uri="{FF2B5EF4-FFF2-40B4-BE49-F238E27FC236}">
+                <a16:creationId xmlns:a16="http://schemas.microsoft.com/office/drawing/2014/main" id="{1B2E45DE-5DBD-2193-3958-4F304255BFE6}"/>
+              </a:ext>
+            </a:extLst>
+          </p:cNvPr>
+          <p:cNvCxnSpPr>
+            <a:cxnSpLocks/>
+          </p:cNvCxnSpPr>
+          <p:nvPr/>
+        </p:nvCxnSpPr>
+        <p:spPr>
+          <a:xfrm>
+            <a:off x="191386" y="3621790"/>
+            <a:ext cx="11802494" cy="3904"/>
+          </a:xfrm>
+          <a:prstGeom prst="line">
+            <a:avLst/>
+          </a:prstGeom>
+        </p:spPr>
+        <p:style>
+          <a:lnRef idx="2">
+            <a:schemeClr val="dk1"/>
+          </a:lnRef>
+          <a:fillRef idx="0">
+            <a:schemeClr val="dk1"/>
+          </a:fillRef>
+          <a:effectRef idx="1">
+            <a:schemeClr val="dk1"/>
+          </a:effectRef>
+          <a:fontRef idx="minor">
+            <a:schemeClr val="tx1"/>
+          </a:fontRef>
+        </p:style>
+      </p:cxnSp>
+      <p:sp>
+        <p:nvSpPr>
+          <p:cNvPr id="13" name="テキスト ボックス 12">
+            <a:extLst>
+              <a:ext uri="{FF2B5EF4-FFF2-40B4-BE49-F238E27FC236}">
+                <a16:creationId xmlns:a16="http://schemas.microsoft.com/office/drawing/2014/main" id="{C334CB3B-919E-63EC-03B6-E27D1A3CA391}"/>
+              </a:ext>
+            </a:extLst>
+          </p:cNvPr>
+          <p:cNvSpPr txBox="1"/>
+          <p:nvPr/>
+        </p:nvSpPr>
+        <p:spPr>
+          <a:xfrm>
+            <a:off x="-414632" y="22633"/>
+            <a:ext cx="6496440" cy="646331"/>
+          </a:xfrm>
+          <a:prstGeom prst="rect">
+            <a:avLst/>
+          </a:prstGeom>
+          <a:noFill/>
+        </p:spPr>
+        <p:txBody>
+          <a:bodyPr wrap="square" rtlCol="0">
+            <a:spAutoFit/>
+          </a:bodyPr>
+          <a:lstStyle/>
+          <a:p>
+            <a:pPr algn="ctr"/>
+            <a:r>
+              <a:rPr lang="ja-JP" altLang="en-US" sz="3600" b="1" dirty="0">
+                <a:effectLst>
+                  <a:glow rad="101600">
+                    <a:schemeClr val="bg1">
+                      <a:alpha val="60000"/>
+                    </a:schemeClr>
+                  </a:glow>
+                </a:effectLst>
+              </a:rPr>
+              <a:t>～イメージゲーム画面～</a:t>
+            </a:r>
+            <a:endParaRPr kumimoji="1" lang="en-US" altLang="ja-JP" sz="3600" b="1" dirty="0">
+              <a:effectLst>
+                <a:glow rad="101600">
+                  <a:schemeClr val="bg1">
+                    <a:alpha val="60000"/>
+                  </a:schemeClr>
+                </a:glow>
+              </a:effectLst>
+            </a:endParaRPr>
+          </a:p>
+        </p:txBody>
+      </p:sp>
+      <p:sp>
+        <p:nvSpPr>
+          <p:cNvPr id="14" name="テキスト ボックス 13">
+            <a:extLst>
+              <a:ext uri="{FF2B5EF4-FFF2-40B4-BE49-F238E27FC236}">
+                <a16:creationId xmlns:a16="http://schemas.microsoft.com/office/drawing/2014/main" id="{9127C3E3-8AB3-96C9-5BDF-8E7D2D450AB8}"/>
+              </a:ext>
+            </a:extLst>
+          </p:cNvPr>
+          <p:cNvSpPr txBox="1"/>
+          <p:nvPr/>
+        </p:nvSpPr>
+        <p:spPr>
+          <a:xfrm>
+            <a:off x="522502" y="791381"/>
+            <a:ext cx="492443" cy="2544631"/>
+          </a:xfrm>
+          <a:prstGeom prst="rect">
+            <a:avLst/>
+          </a:prstGeom>
+          <a:noFill/>
+        </p:spPr>
+        <p:txBody>
+          <a:bodyPr vert="eaVert" wrap="square" rtlCol="0">
+            <a:spAutoFit/>
+          </a:bodyPr>
+          <a:lstStyle/>
+          <a:p>
+            <a:pPr algn="ctr"/>
+            <a:r>
+              <a:rPr kumimoji="1" lang="ja-JP" altLang="en-US" sz="1400" b="1" dirty="0">
+                <a:effectLst>
+                  <a:glow rad="101600">
+                    <a:schemeClr val="bg1">
+                      <a:alpha val="60000"/>
+                    </a:schemeClr>
+                  </a:glow>
+                </a:effectLst>
+              </a:rPr>
+              <a:t>▼</a:t>
+            </a:r>
+            <a:r>
+              <a:rPr kumimoji="1" lang="ja-JP" altLang="en-US" sz="2000" b="1" dirty="0">
+                <a:solidFill>
+                  <a:schemeClr val="accent1">
+                    <a:lumMod val="60000"/>
+                    <a:lumOff val="40000"/>
+                  </a:schemeClr>
+                </a:solidFill>
+                <a:effectLst>
+                  <a:glow rad="101600">
+                    <a:schemeClr val="bg1">
+                      <a:alpha val="60000"/>
+                    </a:schemeClr>
+                  </a:glow>
+                </a:effectLst>
+              </a:rPr>
+              <a:t>プレイヤー</a:t>
+            </a:r>
+            <a:r>
+              <a:rPr kumimoji="1" lang="ja-JP" altLang="en-US" sz="2000" b="1" dirty="0">
+                <a:effectLst>
+                  <a:glow rad="101600">
+                    <a:schemeClr val="bg1">
+                      <a:alpha val="60000"/>
+                    </a:schemeClr>
+                  </a:glow>
+                </a:effectLst>
+              </a:rPr>
+              <a:t>通常時</a:t>
+            </a:r>
+          </a:p>
+        </p:txBody>
+      </p:sp>
+      <p:sp>
+        <p:nvSpPr>
+          <p:cNvPr id="15" name="テキスト ボックス 14">
+            <a:extLst>
+              <a:ext uri="{FF2B5EF4-FFF2-40B4-BE49-F238E27FC236}">
+                <a16:creationId xmlns:a16="http://schemas.microsoft.com/office/drawing/2014/main" id="{DB9A13AD-83F9-E553-B5D1-52C18CD6EECC}"/>
+              </a:ext>
+            </a:extLst>
+          </p:cNvPr>
+          <p:cNvSpPr txBox="1"/>
+          <p:nvPr/>
+        </p:nvSpPr>
+        <p:spPr>
+          <a:xfrm>
+            <a:off x="331687" y="3844234"/>
+            <a:ext cx="800219" cy="2744675"/>
+          </a:xfrm>
+          <a:prstGeom prst="rect">
+            <a:avLst/>
+          </a:prstGeom>
+          <a:noFill/>
+        </p:spPr>
+        <p:txBody>
+          <a:bodyPr vert="eaVert" wrap="square" rtlCol="0">
+            <a:spAutoFit/>
+          </a:bodyPr>
+          <a:lstStyle/>
+          <a:p>
+            <a:r>
+              <a:rPr kumimoji="1" lang="ja-JP" altLang="en-US" sz="1400" b="1" dirty="0">
+                <a:effectLst>
+                  <a:glow rad="101600">
+                    <a:schemeClr val="bg1">
+                      <a:alpha val="60000"/>
+                    </a:schemeClr>
+                  </a:glow>
+                </a:effectLst>
+              </a:rPr>
+              <a:t>▼</a:t>
+            </a:r>
+            <a:r>
+              <a:rPr kumimoji="1" lang="ja-JP" altLang="en-US" sz="2000" b="1" dirty="0">
+                <a:solidFill>
+                  <a:schemeClr val="accent1">
+                    <a:lumMod val="60000"/>
+                    <a:lumOff val="40000"/>
+                  </a:schemeClr>
+                </a:solidFill>
+                <a:effectLst>
+                  <a:glow rad="101600">
+                    <a:schemeClr val="bg1">
+                      <a:alpha val="60000"/>
+                    </a:schemeClr>
+                  </a:glow>
+                </a:effectLst>
+              </a:rPr>
+              <a:t>プレイヤー</a:t>
+            </a:r>
+            <a:endParaRPr kumimoji="1" lang="en-US" altLang="ja-JP" sz="2000" b="1" dirty="0">
+              <a:solidFill>
+                <a:schemeClr val="accent1">
+                  <a:lumMod val="60000"/>
+                  <a:lumOff val="40000"/>
+                </a:schemeClr>
+              </a:solidFill>
+              <a:effectLst>
+                <a:glow rad="101600">
+                  <a:schemeClr val="bg1">
+                    <a:alpha val="60000"/>
+                  </a:schemeClr>
+                </a:glow>
+              </a:effectLst>
+            </a:endParaRPr>
+          </a:p>
+          <a:p>
+            <a:pPr algn="r"/>
+            <a:r>
+              <a:rPr lang="ja-JP" altLang="en-US" sz="2000" b="1" dirty="0">
+                <a:solidFill>
+                  <a:srgbClr val="FFC000"/>
+                </a:solidFill>
+                <a:effectLst>
+                  <a:glow rad="101600">
+                    <a:schemeClr val="bg1">
+                      <a:alpha val="60000"/>
+                    </a:schemeClr>
+                  </a:glow>
+                </a:effectLst>
+              </a:rPr>
+              <a:t>パワーアップ</a:t>
+            </a:r>
+            <a:r>
+              <a:rPr lang="ja-JP" altLang="en-US" sz="2000" b="1" dirty="0">
+                <a:effectLst>
+                  <a:glow rad="101600">
+                    <a:schemeClr val="bg1">
+                      <a:alpha val="60000"/>
+                    </a:schemeClr>
+                  </a:glow>
+                </a:effectLst>
+              </a:rPr>
+              <a:t>時</a:t>
+            </a:r>
+            <a:endParaRPr kumimoji="1" lang="ja-JP" altLang="en-US" sz="2000" b="1" dirty="0">
+              <a:effectLst>
+                <a:glow rad="101600">
+                  <a:schemeClr val="bg1">
+                    <a:alpha val="60000"/>
+                  </a:schemeClr>
+                </a:glow>
+              </a:effectLst>
+            </a:endParaRPr>
+          </a:p>
+        </p:txBody>
+      </p:sp>
+      <p:sp>
+        <p:nvSpPr>
+          <p:cNvPr id="19" name="テキスト ボックス 18">
+            <a:extLst>
+              <a:ext uri="{FF2B5EF4-FFF2-40B4-BE49-F238E27FC236}">
+                <a16:creationId xmlns:a16="http://schemas.microsoft.com/office/drawing/2014/main" id="{896AAB95-784F-D810-CA68-FD636133E2BA}"/>
+              </a:ext>
+            </a:extLst>
+          </p:cNvPr>
+          <p:cNvSpPr txBox="1"/>
+          <p:nvPr/>
+        </p:nvSpPr>
+        <p:spPr>
+          <a:xfrm>
+            <a:off x="6290056" y="1639385"/>
+            <a:ext cx="5955980" cy="830997"/>
+          </a:xfrm>
+          <a:prstGeom prst="rect">
+            <a:avLst/>
+          </a:prstGeom>
+          <a:noFill/>
+        </p:spPr>
+        <p:txBody>
+          <a:bodyPr wrap="square" rtlCol="0">
+            <a:spAutoFit/>
+          </a:bodyPr>
+          <a:lstStyle/>
+          <a:p>
+            <a:pPr algn="ctr"/>
+            <a:r>
+              <a:rPr lang="ja-JP" altLang="en-US" sz="2400" b="1" dirty="0">
+                <a:solidFill>
+                  <a:schemeClr val="accent6">
+                    <a:lumMod val="75000"/>
+                  </a:schemeClr>
+                </a:solidFill>
+                <a:effectLst>
+                  <a:glow rad="101600">
+                    <a:schemeClr val="bg1">
+                      <a:alpha val="60000"/>
+                    </a:schemeClr>
+                  </a:glow>
+                </a:effectLst>
+              </a:rPr>
+              <a:t>宇宙ゴミ</a:t>
+            </a:r>
+            <a:r>
+              <a:rPr lang="ja-JP" altLang="en-US" sz="2400" b="1" dirty="0">
+                <a:effectLst>
+                  <a:glow rad="101600">
+                    <a:schemeClr val="bg1">
+                      <a:alpha val="60000"/>
+                    </a:schemeClr>
+                  </a:glow>
+                </a:effectLst>
+              </a:rPr>
+              <a:t>を避けつつ</a:t>
+            </a:r>
+            <a:r>
+              <a:rPr lang="ja-JP" altLang="en-US" sz="2400" b="1" dirty="0">
+                <a:solidFill>
+                  <a:schemeClr val="accent5">
+                    <a:lumMod val="60000"/>
+                    <a:lumOff val="40000"/>
+                  </a:schemeClr>
+                </a:solidFill>
+                <a:effectLst>
+                  <a:glow rad="101600">
+                    <a:schemeClr val="bg1">
+                      <a:alpha val="60000"/>
+                    </a:schemeClr>
+                  </a:glow>
+                </a:effectLst>
+              </a:rPr>
+              <a:t>小さな星屑</a:t>
+            </a:r>
+            <a:r>
+              <a:rPr lang="ja-JP" altLang="en-US" sz="2400" b="1" dirty="0">
+                <a:effectLst>
+                  <a:glow rad="101600">
+                    <a:schemeClr val="bg1">
+                      <a:alpha val="60000"/>
+                    </a:schemeClr>
+                  </a:glow>
+                </a:effectLst>
+              </a:rPr>
+              <a:t>を取って</a:t>
+            </a:r>
+            <a:endParaRPr lang="en-US" altLang="ja-JP" sz="2400" b="1" dirty="0">
+              <a:effectLst>
+                <a:glow rad="101600">
+                  <a:schemeClr val="bg1">
+                    <a:alpha val="60000"/>
+                  </a:schemeClr>
+                </a:glow>
+              </a:effectLst>
+            </a:endParaRPr>
+          </a:p>
+          <a:p>
+            <a:pPr algn="ctr"/>
+            <a:r>
+              <a:rPr lang="ja-JP" altLang="en-US" sz="2400" b="1" dirty="0">
+                <a:solidFill>
+                  <a:srgbClr val="FFC000"/>
+                </a:solidFill>
+                <a:effectLst>
+                  <a:glow rad="101600">
+                    <a:schemeClr val="bg1">
+                      <a:alpha val="60000"/>
+                    </a:schemeClr>
+                  </a:glow>
+                </a:effectLst>
+              </a:rPr>
+              <a:t>パワーアップ</a:t>
+            </a:r>
+            <a:r>
+              <a:rPr lang="ja-JP" altLang="en-US" sz="2400" b="1" dirty="0">
+                <a:effectLst>
+                  <a:glow rad="101600">
+                    <a:schemeClr val="bg1">
+                      <a:alpha val="60000"/>
+                    </a:schemeClr>
+                  </a:glow>
+                </a:effectLst>
+              </a:rPr>
+              <a:t>したい</a:t>
+            </a:r>
+            <a:r>
+              <a:rPr kumimoji="1" lang="ja-JP" altLang="en-US" sz="2400" b="1" dirty="0">
+                <a:effectLst>
+                  <a:glow rad="101600">
+                    <a:schemeClr val="bg1">
+                      <a:alpha val="60000"/>
+                    </a:schemeClr>
+                  </a:glow>
+                </a:effectLst>
+              </a:rPr>
+              <a:t>という状況</a:t>
+            </a:r>
+            <a:endParaRPr kumimoji="1" lang="en-US" altLang="ja-JP" sz="2400" b="1" dirty="0">
+              <a:effectLst>
+                <a:glow rad="101600">
+                  <a:schemeClr val="bg1">
+                    <a:alpha val="60000"/>
+                  </a:schemeClr>
+                </a:glow>
+              </a:effectLst>
+            </a:endParaRPr>
+          </a:p>
+        </p:txBody>
+      </p:sp>
       <p:grpSp>
         <p:nvGrpSpPr>
-          <p:cNvPr id="4" name="グループ化 3">
-            <a:extLst>
-              <a:ext uri="{FF2B5EF4-FFF2-40B4-BE49-F238E27FC236}">
-                <a16:creationId xmlns:a16="http://schemas.microsoft.com/office/drawing/2014/main" id="{7C0EF147-98E9-1AC3-964D-46BD56AC8B5F}"/>
+          <p:cNvPr id="37" name="グループ化 36">
+            <a:extLst>
+              <a:ext uri="{FF2B5EF4-FFF2-40B4-BE49-F238E27FC236}">
+                <a16:creationId xmlns:a16="http://schemas.microsoft.com/office/drawing/2014/main" id="{73BB03F0-E697-1926-DA56-77B633456CDF}"/>
               </a:ext>
             </a:extLst>
           </p:cNvPr>
@@ -6373,18 +7721,187 @@
         </p:nvGrpSpPr>
         <p:grpSpPr>
           <a:xfrm>
-            <a:off x="116530" y="943760"/>
-            <a:ext cx="3249647" cy="1991368"/>
-            <a:chOff x="4667996" y="3702639"/>
-            <a:chExt cx="4096720" cy="2399809"/>
+            <a:off x="1210488" y="659694"/>
+            <a:ext cx="4871324" cy="2863105"/>
+            <a:chOff x="4611440" y="750844"/>
+            <a:chExt cx="4858619" cy="2771955"/>
           </a:xfrm>
         </p:grpSpPr>
+        <p:grpSp>
+          <p:nvGrpSpPr>
+            <p:cNvPr id="2" name="グループ化 1">
+              <a:extLst>
+                <a:ext uri="{FF2B5EF4-FFF2-40B4-BE49-F238E27FC236}">
+                  <a16:creationId xmlns:a16="http://schemas.microsoft.com/office/drawing/2014/main" id="{B820EC67-6E33-9CAF-A4BB-63E0F3F8487C}"/>
+                </a:ext>
+              </a:extLst>
+            </p:cNvPr>
+            <p:cNvGrpSpPr/>
+            <p:nvPr/>
+          </p:nvGrpSpPr>
+          <p:grpSpPr>
+            <a:xfrm>
+              <a:off x="4611440" y="750844"/>
+              <a:ext cx="4858619" cy="2771955"/>
+              <a:chOff x="232085" y="3700663"/>
+              <a:chExt cx="4087437" cy="2386030"/>
+            </a:xfrm>
+          </p:grpSpPr>
+          <p:pic>
+            <p:nvPicPr>
+              <p:cNvPr id="3" name="図 2" descr="星と惑星のcg&#10;&#10;AI によって生成されたコンテンツは間違っている可能性があります。">
+                <a:extLst>
+                  <a:ext uri="{FF2B5EF4-FFF2-40B4-BE49-F238E27FC236}">
+                    <a16:creationId xmlns:a16="http://schemas.microsoft.com/office/drawing/2014/main" id="{F4B1A9C1-1E49-5151-AE5A-00CF5E26D5FE}"/>
+                  </a:ext>
+                </a:extLst>
+              </p:cNvPr>
+              <p:cNvPicPr>
+                <a:picLocks noChangeAspect="1"/>
+              </p:cNvPicPr>
+              <p:nvPr/>
+            </p:nvPicPr>
+            <p:blipFill>
+              <a:blip r:embed="rId3">
+                <a:alphaModFix amt="60000"/>
+                <a:extLst>
+                  <a:ext uri="{28A0092B-C50C-407E-A947-70E740481C1C}">
+                    <a14:useLocalDpi xmlns:a14="http://schemas.microsoft.com/office/drawing/2010/main" val="0"/>
+                  </a:ext>
+                </a:extLst>
+              </a:blip>
+              <a:stretch>
+                <a:fillRect/>
+              </a:stretch>
+            </p:blipFill>
+            <p:spPr>
+              <a:xfrm>
+                <a:off x="232085" y="3700663"/>
+                <a:ext cx="4087435" cy="2384053"/>
+              </a:xfrm>
+              <a:prstGeom prst="rect">
+                <a:avLst/>
+              </a:prstGeom>
+            </p:spPr>
+          </p:pic>
+          <p:sp>
+            <p:nvSpPr>
+              <p:cNvPr id="4" name="正方形/長方形 3">
+                <a:extLst>
+                  <a:ext uri="{FF2B5EF4-FFF2-40B4-BE49-F238E27FC236}">
+                    <a16:creationId xmlns:a16="http://schemas.microsoft.com/office/drawing/2014/main" id="{0761F0F5-6B15-A20C-C071-EDB9797B66AA}"/>
+                  </a:ext>
+                </a:extLst>
+              </p:cNvPr>
+              <p:cNvSpPr/>
+              <p:nvPr/>
+            </p:nvSpPr>
+            <p:spPr>
+              <a:xfrm>
+                <a:off x="232087" y="3702640"/>
+                <a:ext cx="4087435" cy="2384053"/>
+              </a:xfrm>
+              <a:prstGeom prst="rect">
+                <a:avLst/>
+              </a:prstGeom>
+              <a:noFill/>
+              <a:ln w="57150" cap="flat" cmpd="sng" algn="ctr">
+                <a:solidFill>
+                  <a:schemeClr val="dk1"/>
+                </a:solidFill>
+                <a:prstDash val="solid"/>
+                <a:round/>
+                <a:headEnd type="none" w="med" len="med"/>
+                <a:tailEnd type="none" w="med" len="med"/>
+              </a:ln>
+            </p:spPr>
+            <p:style>
+              <a:lnRef idx="0">
+                <a:scrgbClr r="0" g="0" b="0"/>
+              </a:lnRef>
+              <a:fillRef idx="0">
+                <a:scrgbClr r="0" g="0" b="0"/>
+              </a:fillRef>
+              <a:effectRef idx="0">
+                <a:scrgbClr r="0" g="0" b="0"/>
+              </a:effectRef>
+              <a:fontRef idx="minor">
+                <a:schemeClr val="dk1"/>
+              </a:fontRef>
+            </p:style>
+            <p:txBody>
+              <a:bodyPr rtlCol="0" anchor="ctr"/>
+              <a:lstStyle/>
+              <a:p>
+                <a:pPr algn="ctr"/>
+                <a:endParaRPr kumimoji="1" lang="ja-JP" altLang="en-US"/>
+              </a:p>
+            </p:txBody>
+          </p:sp>
+          <p:sp>
+            <p:nvSpPr>
+              <p:cNvPr id="5" name="楕円 4">
+                <a:extLst>
+                  <a:ext uri="{FF2B5EF4-FFF2-40B4-BE49-F238E27FC236}">
+                    <a16:creationId xmlns:a16="http://schemas.microsoft.com/office/drawing/2014/main" id="{43AED42D-A62B-33B8-4678-1281E562FB76}"/>
+                  </a:ext>
+                </a:extLst>
+              </p:cNvPr>
+              <p:cNvSpPr/>
+              <p:nvPr/>
+            </p:nvSpPr>
+            <p:spPr>
+              <a:xfrm>
+                <a:off x="2090936" y="4830734"/>
+                <a:ext cx="404848" cy="403271"/>
+              </a:xfrm>
+              <a:prstGeom prst="ellipse">
+                <a:avLst/>
+              </a:prstGeom>
+              <a:solidFill>
+                <a:schemeClr val="bg1"/>
+              </a:solidFill>
+              <a:ln w="38100">
+                <a:solidFill>
+                  <a:schemeClr val="accent1">
+                    <a:lumMod val="60000"/>
+                    <a:lumOff val="40000"/>
+                  </a:schemeClr>
+                </a:solidFill>
+              </a:ln>
+            </p:spPr>
+            <p:style>
+              <a:lnRef idx="2">
+                <a:schemeClr val="accent1">
+                  <a:shade val="15000"/>
+                </a:schemeClr>
+              </a:lnRef>
+              <a:fillRef idx="1">
+                <a:schemeClr val="accent1"/>
+              </a:fillRef>
+              <a:effectRef idx="0">
+                <a:schemeClr val="accent1"/>
+              </a:effectRef>
+              <a:fontRef idx="minor">
+                <a:schemeClr val="lt1"/>
+              </a:fontRef>
+            </p:style>
+            <p:txBody>
+              <a:bodyPr rtlCol="0" anchor="ctr"/>
+              <a:lstStyle/>
+              <a:p>
+                <a:pPr algn="ctr"/>
+                <a:endParaRPr kumimoji="1" lang="ja-JP" altLang="en-US" dirty="0"/>
+              </a:p>
+            </p:txBody>
+          </p:sp>
+        </p:grpSp>
         <p:pic>
           <p:nvPicPr>
-            <p:cNvPr id="5" name="図 4" descr="星と惑星のcg&#10;&#10;AI によって生成されたコンテンツは間違っている可能性があります。">
+            <p:cNvPr id="10" name="グラフィックス 9" descr="水星 単色塗りつぶし">
               <a:extLst>
                 <a:ext uri="{FF2B5EF4-FFF2-40B4-BE49-F238E27FC236}">
-                  <a16:creationId xmlns:a16="http://schemas.microsoft.com/office/drawing/2014/main" id="{CE7798A1-1BD1-6DF4-55C9-9C96288378F1}"/>
+                  <a16:creationId xmlns:a16="http://schemas.microsoft.com/office/drawing/2014/main" id="{9D471D61-C9A2-FC79-8FAC-5914B49675B6}"/>
                 </a:ext>
               </a:extLst>
             </p:cNvPr>
@@ -6394,11 +7911,10 @@
             <p:nvPr/>
           </p:nvPicPr>
           <p:blipFill>
-            <a:blip r:embed="rId2">
-              <a:alphaModFix amt="60000"/>
+            <a:blip r:embed="rId4">
               <a:extLst>
-                <a:ext uri="{28A0092B-C50C-407E-A947-70E740481C1C}">
-                  <a14:useLocalDpi xmlns:a14="http://schemas.microsoft.com/office/drawing/2010/main" val="0"/>
+                <a:ext uri="{96DAC541-7B7A-43D3-8B79-37D633B846F1}">
+                  <asvg:svgBlip xmlns:asvg="http://schemas.microsoft.com/office/drawing/2016/SVG/main" r:embed="rId5"/>
                 </a:ext>
               </a:extLst>
             </a:blip>
@@ -6408,240 +7924,8 @@
           </p:blipFill>
           <p:spPr>
             <a:xfrm>
-              <a:off x="4667996" y="3718395"/>
-              <a:ext cx="4087435" cy="2384053"/>
-            </a:xfrm>
-            <a:prstGeom prst="rect">
-              <a:avLst/>
-            </a:prstGeom>
-          </p:spPr>
-        </p:pic>
-        <p:sp>
-          <p:nvSpPr>
-            <p:cNvPr id="6" name="矢印: 上 5">
-              <a:extLst>
-                <a:ext uri="{FF2B5EF4-FFF2-40B4-BE49-F238E27FC236}">
-                  <a16:creationId xmlns:a16="http://schemas.microsoft.com/office/drawing/2014/main" id="{AF7B82F1-E807-0605-D4B6-AABC367E2BD4}"/>
-                </a:ext>
-              </a:extLst>
-            </p:cNvPr>
-            <p:cNvSpPr/>
-            <p:nvPr/>
-          </p:nvSpPr>
-          <p:spPr>
-            <a:xfrm rot="10800000">
-              <a:off x="6509091" y="4659920"/>
-              <a:ext cx="282596" cy="1349317"/>
-            </a:xfrm>
-            <a:prstGeom prst="upArrow">
-              <a:avLst/>
-            </a:prstGeom>
-            <a:solidFill>
-              <a:schemeClr val="accent4"/>
-            </a:solidFill>
-          </p:spPr>
-          <p:style>
-            <a:lnRef idx="2">
-              <a:schemeClr val="dk1">
-                <a:shade val="15000"/>
-              </a:schemeClr>
-            </a:lnRef>
-            <a:fillRef idx="1">
-              <a:schemeClr val="dk1"/>
-            </a:fillRef>
-            <a:effectRef idx="0">
-              <a:schemeClr val="dk1"/>
-            </a:effectRef>
-            <a:fontRef idx="minor">
-              <a:schemeClr val="lt1"/>
-            </a:fontRef>
-          </p:style>
-          <p:txBody>
-            <a:bodyPr rtlCol="0" anchor="ctr"/>
-            <a:lstStyle/>
-            <a:p>
-              <a:pPr algn="ctr"/>
-              <a:endParaRPr kumimoji="1" lang="ja-JP" altLang="en-US" dirty="0"/>
-            </a:p>
-          </p:txBody>
-        </p:sp>
-        <p:sp>
-          <p:nvSpPr>
-            <p:cNvPr id="7" name="正方形/長方形 6">
-              <a:extLst>
-                <a:ext uri="{FF2B5EF4-FFF2-40B4-BE49-F238E27FC236}">
-                  <a16:creationId xmlns:a16="http://schemas.microsoft.com/office/drawing/2014/main" id="{4E32591A-2B67-E288-7578-85E9FE2B8FCD}"/>
-                </a:ext>
-              </a:extLst>
-            </p:cNvPr>
-            <p:cNvSpPr/>
-            <p:nvPr/>
-          </p:nvSpPr>
-          <p:spPr>
-            <a:xfrm>
-              <a:off x="4677281" y="3702639"/>
-              <a:ext cx="4087435" cy="2384053"/>
-            </a:xfrm>
-            <a:prstGeom prst="rect">
-              <a:avLst/>
-            </a:prstGeom>
-            <a:noFill/>
-            <a:ln w="57150" cap="flat" cmpd="sng" algn="ctr">
-              <a:solidFill>
-                <a:schemeClr val="dk1"/>
-              </a:solidFill>
-              <a:prstDash val="solid"/>
-              <a:round/>
-              <a:headEnd type="none" w="med" len="med"/>
-              <a:tailEnd type="none" w="med" len="med"/>
-            </a:ln>
-          </p:spPr>
-          <p:style>
-            <a:lnRef idx="0">
-              <a:scrgbClr r="0" g="0" b="0"/>
-            </a:lnRef>
-            <a:fillRef idx="0">
-              <a:scrgbClr r="0" g="0" b="0"/>
-            </a:fillRef>
-            <a:effectRef idx="0">
-              <a:scrgbClr r="0" g="0" b="0"/>
-            </a:effectRef>
-            <a:fontRef idx="minor">
-              <a:schemeClr val="dk1"/>
-            </a:fontRef>
-          </p:style>
-          <p:txBody>
-            <a:bodyPr rtlCol="0" anchor="ctr"/>
-            <a:lstStyle/>
-            <a:p>
-              <a:pPr algn="ctr"/>
-              <a:endParaRPr kumimoji="1" lang="ja-JP" altLang="en-US"/>
-            </a:p>
-          </p:txBody>
-        </p:sp>
-        <p:sp>
-          <p:nvSpPr>
-            <p:cNvPr id="8" name="楕円 7">
-              <a:extLst>
-                <a:ext uri="{FF2B5EF4-FFF2-40B4-BE49-F238E27FC236}">
-                  <a16:creationId xmlns:a16="http://schemas.microsoft.com/office/drawing/2014/main" id="{C13457EC-2E84-AD9A-9BE2-469F87A5228D}"/>
-                </a:ext>
-              </a:extLst>
-            </p:cNvPr>
-            <p:cNvSpPr/>
-            <p:nvPr/>
-          </p:nvSpPr>
-          <p:spPr>
-            <a:xfrm>
-              <a:off x="6447965" y="5132942"/>
-              <a:ext cx="404848" cy="403271"/>
-            </a:xfrm>
-            <a:prstGeom prst="ellipse">
-              <a:avLst/>
-            </a:prstGeom>
-            <a:solidFill>
-              <a:schemeClr val="bg1"/>
-            </a:solidFill>
-            <a:ln w="38100">
-              <a:solidFill>
-                <a:schemeClr val="accent1">
-                  <a:lumMod val="60000"/>
-                  <a:lumOff val="40000"/>
-                </a:schemeClr>
-              </a:solidFill>
-            </a:ln>
-          </p:spPr>
-          <p:style>
-            <a:lnRef idx="2">
-              <a:schemeClr val="accent1">
-                <a:shade val="15000"/>
-              </a:schemeClr>
-            </a:lnRef>
-            <a:fillRef idx="1">
-              <a:schemeClr val="accent1"/>
-            </a:fillRef>
-            <a:effectRef idx="0">
-              <a:schemeClr val="accent1"/>
-            </a:effectRef>
-            <a:fontRef idx="minor">
-              <a:schemeClr val="lt1"/>
-            </a:fontRef>
-          </p:style>
-          <p:txBody>
-            <a:bodyPr rtlCol="0" anchor="ctr"/>
-            <a:lstStyle/>
-            <a:p>
-              <a:pPr algn="ctr"/>
-              <a:endParaRPr kumimoji="1" lang="ja-JP" altLang="en-US"/>
-            </a:p>
-          </p:txBody>
-        </p:sp>
-        <p:pic>
-          <p:nvPicPr>
-            <p:cNvPr id="9" name="グラフィックス 8" descr="チェック マーク 単色塗りつぶし">
-              <a:extLst>
-                <a:ext uri="{FF2B5EF4-FFF2-40B4-BE49-F238E27FC236}">
-                  <a16:creationId xmlns:a16="http://schemas.microsoft.com/office/drawing/2014/main" id="{D287E518-C391-7610-F74E-EAAFB3F0DD2A}"/>
-                </a:ext>
-              </a:extLst>
-            </p:cNvPr>
-            <p:cNvPicPr>
-              <a:picLocks noChangeAspect="1"/>
-            </p:cNvPicPr>
-            <p:nvPr/>
-          </p:nvPicPr>
-          <p:blipFill>
-            <a:blip r:embed="rId3">
-              <a:extLst>
-                <a:ext uri="{96DAC541-7B7A-43D3-8B79-37D633B846F1}">
-                  <asvg:svgBlip xmlns:asvg="http://schemas.microsoft.com/office/drawing/2016/SVG/main" r:embed="rId4"/>
-                </a:ext>
-              </a:extLst>
-            </a:blip>
-            <a:stretch>
-              <a:fillRect/>
-            </a:stretch>
-          </p:blipFill>
-          <p:spPr>
-            <a:xfrm rot="3631528">
-              <a:off x="4820792" y="5417775"/>
-              <a:ext cx="457200" cy="457200"/>
-            </a:xfrm>
-            <a:prstGeom prst="rect">
-              <a:avLst/>
-            </a:prstGeom>
-          </p:spPr>
-        </p:pic>
-        <p:pic>
-          <p:nvPicPr>
-            <p:cNvPr id="10" name="グラフィックス 9" descr="下弦の月 単色塗りつぶし">
-              <a:extLst>
-                <a:ext uri="{FF2B5EF4-FFF2-40B4-BE49-F238E27FC236}">
-                  <a16:creationId xmlns:a16="http://schemas.microsoft.com/office/drawing/2014/main" id="{59E5F8CB-9C5A-E9D0-0E62-6E59C5C68342}"/>
-                </a:ext>
-              </a:extLst>
-            </p:cNvPr>
-            <p:cNvPicPr>
-              <a:picLocks noChangeAspect="1"/>
-            </p:cNvPicPr>
-            <p:nvPr/>
-          </p:nvPicPr>
-          <p:blipFill>
-            <a:blip r:embed="rId5">
-              <a:extLst>
-                <a:ext uri="{96DAC541-7B7A-43D3-8B79-37D633B846F1}">
-                  <asvg:svgBlip xmlns:asvg="http://schemas.microsoft.com/office/drawing/2016/SVG/main" r:embed="rId6"/>
-                </a:ext>
-              </a:extLst>
-            </a:blip>
-            <a:stretch>
-              <a:fillRect/>
-            </a:stretch>
-          </p:blipFill>
-          <p:spPr>
-            <a:xfrm>
-              <a:off x="7404197" y="3903015"/>
-              <a:ext cx="457200" cy="457200"/>
+              <a:off x="4806540" y="1029656"/>
+              <a:ext cx="551977" cy="553882"/>
             </a:xfrm>
             <a:prstGeom prst="rect">
               <a:avLst/>
@@ -6653,7 +7937,7 @@
             <p:cNvPr id="11" name="グラフィックス 10" descr="ノコ刃 単色塗りつぶし">
               <a:extLst>
                 <a:ext uri="{FF2B5EF4-FFF2-40B4-BE49-F238E27FC236}">
-                  <a16:creationId xmlns:a16="http://schemas.microsoft.com/office/drawing/2014/main" id="{99854711-CA34-047D-DB95-38881A35F1E1}"/>
+                  <a16:creationId xmlns:a16="http://schemas.microsoft.com/office/drawing/2014/main" id="{8FCAF4E3-7FEF-34D7-5491-3F26A5D2D7EC}"/>
                 </a:ext>
               </a:extLst>
             </p:cNvPr>
@@ -6663,10 +7947,10 @@
             <p:nvPr/>
           </p:nvPicPr>
           <p:blipFill>
-            <a:blip r:embed="rId7">
+            <a:blip r:embed="rId6">
               <a:extLst>
                 <a:ext uri="{96DAC541-7B7A-43D3-8B79-37D633B846F1}">
-                  <asvg:svgBlip xmlns:asvg="http://schemas.microsoft.com/office/drawing/2016/SVG/main" r:embed="rId8"/>
+                  <asvg:svgBlip xmlns:asvg="http://schemas.microsoft.com/office/drawing/2016/SVG/main" r:embed="rId7"/>
                 </a:ext>
               </a:extLst>
             </a:blip>
@@ -6676,8 +7960,8 @@
           </p:blipFill>
           <p:spPr>
             <a:xfrm>
-              <a:off x="7544960" y="4867723"/>
-              <a:ext cx="457200" cy="457200"/>
+              <a:off x="5309179" y="1910550"/>
+              <a:ext cx="479588" cy="501700"/>
             </a:xfrm>
             <a:prstGeom prst="rect">
               <a:avLst/>
@@ -6686,10 +7970,10 @@
         </p:pic>
         <p:pic>
           <p:nvPicPr>
-            <p:cNvPr id="12" name="グラフィックス 11" descr="二十六夜の月 単色塗りつぶし">
+            <p:cNvPr id="12" name="グラフィックス 11" descr="星 単色塗りつぶし">
               <a:extLst>
                 <a:ext uri="{FF2B5EF4-FFF2-40B4-BE49-F238E27FC236}">
-                  <a16:creationId xmlns:a16="http://schemas.microsoft.com/office/drawing/2014/main" id="{30953BE0-E50F-7D27-5175-50C87D3D0DBD}"/>
+                  <a16:creationId xmlns:a16="http://schemas.microsoft.com/office/drawing/2014/main" id="{8C290C7C-C984-B53A-5A36-80FB053474F2}"/>
                 </a:ext>
               </a:extLst>
             </p:cNvPr>
@@ -6699,10 +7983,10 @@
             <p:nvPr/>
           </p:nvPicPr>
           <p:blipFill>
-            <a:blip r:embed="rId9">
+            <a:blip r:embed="rId8">
               <a:extLst>
                 <a:ext uri="{96DAC541-7B7A-43D3-8B79-37D633B846F1}">
-                  <asvg:svgBlip xmlns:asvg="http://schemas.microsoft.com/office/drawing/2016/SVG/main" r:embed="rId10"/>
+                  <asvg:svgBlip xmlns:asvg="http://schemas.microsoft.com/office/drawing/2016/SVG/main" r:embed="rId9"/>
                 </a:ext>
               </a:extLst>
             </a:blip>
@@ -6712,66 +7996,8 @@
           </p:blipFill>
           <p:spPr>
             <a:xfrm>
-              <a:off x="4778123" y="4080613"/>
-              <a:ext cx="457200" cy="457200"/>
-            </a:xfrm>
-            <a:prstGeom prst="rect">
-              <a:avLst/>
-            </a:prstGeom>
-          </p:spPr>
-        </p:pic>
-      </p:grpSp>
-      <p:grpSp>
-        <p:nvGrpSpPr>
-          <p:cNvPr id="13" name="グループ化 12">
-            <a:extLst>
-              <a:ext uri="{FF2B5EF4-FFF2-40B4-BE49-F238E27FC236}">
-                <a16:creationId xmlns:a16="http://schemas.microsoft.com/office/drawing/2014/main" id="{1E548978-8CF9-F5B1-5891-4FAA24F253B0}"/>
-              </a:ext>
-            </a:extLst>
-          </p:cNvPr>
-          <p:cNvGrpSpPr/>
-          <p:nvPr/>
-        </p:nvGrpSpPr>
-        <p:grpSpPr>
-          <a:xfrm>
-            <a:off x="167865" y="4231743"/>
-            <a:ext cx="3174126" cy="1965443"/>
-            <a:chOff x="232085" y="3700663"/>
-            <a:chExt cx="4087437" cy="2386030"/>
-          </a:xfrm>
-        </p:grpSpPr>
-        <p:pic>
-          <p:nvPicPr>
-            <p:cNvPr id="14" name="図 13" descr="星と惑星のcg&#10;&#10;AI によって生成されたコンテンツは間違っている可能性があります。">
-              <a:extLst>
-                <a:ext uri="{FF2B5EF4-FFF2-40B4-BE49-F238E27FC236}">
-                  <a16:creationId xmlns:a16="http://schemas.microsoft.com/office/drawing/2014/main" id="{1150D3AD-84E8-B444-5B51-C6DAAE5E21B2}"/>
-                </a:ext>
-              </a:extLst>
-            </p:cNvPr>
-            <p:cNvPicPr>
-              <a:picLocks noChangeAspect="1"/>
-            </p:cNvPicPr>
-            <p:nvPr/>
-          </p:nvPicPr>
-          <p:blipFill>
-            <a:blip r:embed="rId2">
-              <a:alphaModFix amt="60000"/>
-              <a:extLst>
-                <a:ext uri="{28A0092B-C50C-407E-A947-70E740481C1C}">
-                  <a14:useLocalDpi xmlns:a14="http://schemas.microsoft.com/office/drawing/2010/main" val="0"/>
-                </a:ext>
-              </a:extLst>
-            </a:blip>
-            <a:stretch>
-              <a:fillRect/>
-            </a:stretch>
-          </p:blipFill>
-          <p:spPr>
-            <a:xfrm>
-              <a:off x="232085" y="3700663"/>
-              <a:ext cx="4087435" cy="2384053"/>
+              <a:off x="8334471" y="1345859"/>
+              <a:ext cx="624136" cy="581862"/>
             </a:xfrm>
             <a:prstGeom prst="rect">
               <a:avLst/>
@@ -6780,351 +8006,106 @@
         </p:pic>
         <p:sp>
           <p:nvSpPr>
-            <p:cNvPr id="15" name="矢印: 上 14">
+            <p:cNvPr id="17" name="テキスト ボックス 16">
               <a:extLst>
                 <a:ext uri="{FF2B5EF4-FFF2-40B4-BE49-F238E27FC236}">
-                  <a16:creationId xmlns:a16="http://schemas.microsoft.com/office/drawing/2014/main" id="{C52011A6-7F9A-912D-21DE-4D0CE69A8247}"/>
+                  <a16:creationId xmlns:a16="http://schemas.microsoft.com/office/drawing/2014/main" id="{16BA53A2-AA60-8472-2795-2AA2296315FF}"/>
                 </a:ext>
               </a:extLst>
             </p:cNvPr>
-            <p:cNvSpPr/>
+            <p:cNvSpPr txBox="1"/>
             <p:nvPr/>
           </p:nvSpPr>
           <p:spPr>
             <a:xfrm>
-              <a:off x="2101975" y="3824234"/>
-              <a:ext cx="334667" cy="1766510"/>
-            </a:xfrm>
-            <a:prstGeom prst="upArrow">
-              <a:avLst/>
-            </a:prstGeom>
-            <a:solidFill>
-              <a:srgbClr val="FF0000"/>
-            </a:solidFill>
-          </p:spPr>
-          <p:style>
-            <a:lnRef idx="2">
-              <a:schemeClr val="dk1">
-                <a:shade val="15000"/>
-              </a:schemeClr>
-            </a:lnRef>
-            <a:fillRef idx="1">
-              <a:schemeClr val="dk1"/>
-            </a:fillRef>
-            <a:effectRef idx="0">
-              <a:schemeClr val="dk1"/>
-            </a:effectRef>
-            <a:fontRef idx="minor">
-              <a:schemeClr val="lt1"/>
-            </a:fontRef>
-          </p:style>
-          <p:txBody>
-            <a:bodyPr rtlCol="0" anchor="ctr"/>
-            <a:lstStyle/>
-            <a:p>
-              <a:pPr algn="ctr"/>
-              <a:endParaRPr kumimoji="1" lang="ja-JP" altLang="en-US" dirty="0"/>
-            </a:p>
-          </p:txBody>
-        </p:sp>
-        <p:sp>
-          <p:nvSpPr>
-            <p:cNvPr id="16" name="正方形/長方形 15">
-              <a:extLst>
-                <a:ext uri="{FF2B5EF4-FFF2-40B4-BE49-F238E27FC236}">
-                  <a16:creationId xmlns:a16="http://schemas.microsoft.com/office/drawing/2014/main" id="{321BACF0-7C5E-46DF-D311-394037DD4A9A}"/>
-                </a:ext>
-              </a:extLst>
-            </p:cNvPr>
-            <p:cNvSpPr/>
-            <p:nvPr/>
-          </p:nvSpPr>
-          <p:spPr>
-            <a:xfrm>
-              <a:off x="232087" y="3702640"/>
-              <a:ext cx="4087435" cy="2384053"/>
+              <a:off x="7888499" y="831686"/>
+              <a:ext cx="1538177" cy="369332"/>
             </a:xfrm>
             <a:prstGeom prst="rect">
               <a:avLst/>
             </a:prstGeom>
             <a:noFill/>
-            <a:ln w="57150" cap="flat" cmpd="sng" algn="ctr">
-              <a:solidFill>
-                <a:schemeClr val="dk1"/>
-              </a:solidFill>
-              <a:prstDash val="solid"/>
-              <a:round/>
-              <a:headEnd type="none" w="med" len="med"/>
-              <a:tailEnd type="none" w="med" len="med"/>
-            </a:ln>
           </p:spPr>
-          <p:style>
-            <a:lnRef idx="0">
-              <a:scrgbClr r="0" g="0" b="0"/>
-            </a:lnRef>
-            <a:fillRef idx="0">
-              <a:scrgbClr r="0" g="0" b="0"/>
-            </a:fillRef>
-            <a:effectRef idx="0">
-              <a:scrgbClr r="0" g="0" b="0"/>
-            </a:effectRef>
-            <a:fontRef idx="minor">
-              <a:schemeClr val="dk1"/>
-            </a:fontRef>
-          </p:style>
           <p:txBody>
-            <a:bodyPr rtlCol="0" anchor="ctr"/>
+            <a:bodyPr wrap="square" rtlCol="0">
+              <a:spAutoFit/>
+            </a:bodyPr>
             <a:lstStyle/>
             <a:p>
               <a:pPr algn="ctr"/>
-              <a:endParaRPr kumimoji="1" lang="ja-JP" altLang="en-US"/>
+              <a:r>
+                <a:rPr kumimoji="1" lang="en-US" altLang="ja-JP" b="1" dirty="0">
+                  <a:solidFill>
+                    <a:schemeClr val="bg1"/>
+                  </a:solidFill>
+                </a:rPr>
+                <a:t>SCORE: 004</a:t>
+              </a:r>
+              <a:endParaRPr kumimoji="1" lang="ja-JP" altLang="en-US" b="1" dirty="0">
+                <a:solidFill>
+                  <a:schemeClr val="bg1"/>
+                </a:solidFill>
+              </a:endParaRPr>
             </a:p>
           </p:txBody>
         </p:sp>
-        <p:sp>
-          <p:nvSpPr>
-            <p:cNvPr id="17" name="楕円 16">
+        <p:cxnSp>
+          <p:nvCxnSpPr>
+            <p:cNvPr id="20" name="直線コネクタ 19">
               <a:extLst>
                 <a:ext uri="{FF2B5EF4-FFF2-40B4-BE49-F238E27FC236}">
-                  <a16:creationId xmlns:a16="http://schemas.microsoft.com/office/drawing/2014/main" id="{F642F748-8567-5AB2-7B3D-BF26A5B35E71}"/>
+                  <a16:creationId xmlns:a16="http://schemas.microsoft.com/office/drawing/2014/main" id="{9D90748F-1549-8E52-9B71-8D4A2636A538}"/>
                 </a:ext>
               </a:extLst>
             </p:cNvPr>
-            <p:cNvSpPr/>
+            <p:cNvCxnSpPr>
+              <a:cxnSpLocks/>
+            </p:cNvCxnSpPr>
             <p:nvPr/>
-          </p:nvSpPr>
+          </p:nvCxnSpPr>
           <p:spPr>
-            <a:xfrm>
-              <a:off x="2073380" y="4517969"/>
-              <a:ext cx="404848" cy="403271"/>
+            <a:xfrm flipV="1">
+              <a:off x="4634123" y="762781"/>
+              <a:ext cx="4835932" cy="24812"/>
             </a:xfrm>
-            <a:prstGeom prst="ellipse">
+            <a:prstGeom prst="line">
               <a:avLst/>
             </a:prstGeom>
-            <a:solidFill>
-              <a:schemeClr val="bg1"/>
-            </a:solidFill>
-            <a:ln w="38100">
+            <a:ln>
               <a:solidFill>
-                <a:schemeClr val="accent1">
-                  <a:lumMod val="60000"/>
-                  <a:lumOff val="40000"/>
-                </a:schemeClr>
+                <a:srgbClr val="FF0000"/>
               </a:solidFill>
             </a:ln>
+            <a:effectLst>
+              <a:glow rad="63500">
+                <a:srgbClr val="FF0000">
+                  <a:alpha val="40000"/>
+                </a:srgbClr>
+              </a:glow>
+            </a:effectLst>
           </p:spPr>
           <p:style>
             <a:lnRef idx="2">
-              <a:schemeClr val="accent1">
-                <a:shade val="15000"/>
-              </a:schemeClr>
+              <a:schemeClr val="dk1"/>
             </a:lnRef>
-            <a:fillRef idx="1">
-              <a:schemeClr val="accent1"/>
+            <a:fillRef idx="0">
+              <a:schemeClr val="dk1"/>
             </a:fillRef>
-            <a:effectRef idx="0">
-              <a:schemeClr val="accent1"/>
+            <a:effectRef idx="1">
+              <a:schemeClr val="dk1"/>
             </a:effectRef>
             <a:fontRef idx="minor">
-              <a:schemeClr val="lt1"/>
+              <a:schemeClr val="tx1"/>
             </a:fontRef>
           </p:style>
-          <p:txBody>
-            <a:bodyPr rtlCol="0" anchor="ctr"/>
-            <a:lstStyle/>
-            <a:p>
-              <a:pPr algn="ctr"/>
-              <a:endParaRPr kumimoji="1" lang="ja-JP" altLang="en-US"/>
-            </a:p>
-          </p:txBody>
-        </p:sp>
-        <p:pic>
-          <p:nvPicPr>
-            <p:cNvPr id="18" name="グラフィックス 17" descr="アリ 単色塗りつぶし">
-              <a:extLst>
-                <a:ext uri="{FF2B5EF4-FFF2-40B4-BE49-F238E27FC236}">
-                  <a16:creationId xmlns:a16="http://schemas.microsoft.com/office/drawing/2014/main" id="{180D19A6-0986-0DAD-3046-DA9A38B19A9C}"/>
-                </a:ext>
-              </a:extLst>
-            </p:cNvPr>
-            <p:cNvPicPr>
-              <a:picLocks noChangeAspect="1"/>
-            </p:cNvPicPr>
-            <p:nvPr/>
-          </p:nvPicPr>
-          <p:blipFill>
-            <a:blip r:embed="rId11">
-              <a:extLst>
-                <a:ext uri="{96DAC541-7B7A-43D3-8B79-37D633B846F1}">
-                  <asvg:svgBlip xmlns:asvg="http://schemas.microsoft.com/office/drawing/2016/SVG/main" r:embed="rId12"/>
-                </a:ext>
-              </a:extLst>
-            </a:blip>
-            <a:stretch>
-              <a:fillRect/>
-            </a:stretch>
-          </p:blipFill>
-          <p:spPr>
-            <a:xfrm rot="16200000">
-              <a:off x="2720998" y="4383957"/>
-              <a:ext cx="457200" cy="457200"/>
-            </a:xfrm>
-            <a:prstGeom prst="rect">
-              <a:avLst/>
-            </a:prstGeom>
-          </p:spPr>
-        </p:pic>
-        <p:pic>
-          <p:nvPicPr>
-            <p:cNvPr id="19" name="グラフィックス 18" descr="木星 単色塗りつぶし">
-              <a:extLst>
-                <a:ext uri="{FF2B5EF4-FFF2-40B4-BE49-F238E27FC236}">
-                  <a16:creationId xmlns:a16="http://schemas.microsoft.com/office/drawing/2014/main" id="{8ADB3F2B-DFD4-EE42-C787-468B20A90003}"/>
-                </a:ext>
-              </a:extLst>
-            </p:cNvPr>
-            <p:cNvPicPr>
-              <a:picLocks noChangeAspect="1"/>
-            </p:cNvPicPr>
-            <p:nvPr/>
-          </p:nvPicPr>
-          <p:blipFill>
-            <a:blip r:embed="rId13">
-              <a:extLst>
-                <a:ext uri="{96DAC541-7B7A-43D3-8B79-37D633B846F1}">
-                  <asvg:svgBlip xmlns:asvg="http://schemas.microsoft.com/office/drawing/2016/SVG/main" r:embed="rId14"/>
-                </a:ext>
-              </a:extLst>
-            </a:blip>
-            <a:stretch>
-              <a:fillRect/>
-            </a:stretch>
-          </p:blipFill>
-          <p:spPr>
-            <a:xfrm>
-              <a:off x="3584840" y="3852013"/>
-              <a:ext cx="457200" cy="457200"/>
-            </a:xfrm>
-            <a:prstGeom prst="rect">
-              <a:avLst/>
-            </a:prstGeom>
-          </p:spPr>
-        </p:pic>
-        <p:pic>
-          <p:nvPicPr>
-            <p:cNvPr id="20" name="グラフィックス 19" descr="レイヤー (デザイン) 単色塗りつぶし">
-              <a:extLst>
-                <a:ext uri="{FF2B5EF4-FFF2-40B4-BE49-F238E27FC236}">
-                  <a16:creationId xmlns:a16="http://schemas.microsoft.com/office/drawing/2014/main" id="{EE829DD5-F1BF-8740-596B-42EEC0ADAFD8}"/>
-                </a:ext>
-              </a:extLst>
-            </p:cNvPr>
-            <p:cNvPicPr>
-              <a:picLocks noChangeAspect="1"/>
-            </p:cNvPicPr>
-            <p:nvPr/>
-          </p:nvPicPr>
-          <p:blipFill>
-            <a:blip r:embed="rId15">
-              <a:extLst>
-                <a:ext uri="{96DAC541-7B7A-43D3-8B79-37D633B846F1}">
-                  <asvg:svgBlip xmlns:asvg="http://schemas.microsoft.com/office/drawing/2016/SVG/main" r:embed="rId16"/>
-                </a:ext>
-              </a:extLst>
-            </a:blip>
-            <a:stretch>
-              <a:fillRect/>
-            </a:stretch>
-          </p:blipFill>
-          <p:spPr>
-            <a:xfrm rot="6667307">
-              <a:off x="409359" y="5468451"/>
-              <a:ext cx="457200" cy="457200"/>
-            </a:xfrm>
-            <a:prstGeom prst="rect">
-              <a:avLst/>
-            </a:prstGeom>
-          </p:spPr>
-        </p:pic>
-        <p:pic>
-          <p:nvPicPr>
-            <p:cNvPr id="21" name="グラフィックス 20" descr="金星 単色塗りつぶし">
-              <a:extLst>
-                <a:ext uri="{FF2B5EF4-FFF2-40B4-BE49-F238E27FC236}">
-                  <a16:creationId xmlns:a16="http://schemas.microsoft.com/office/drawing/2014/main" id="{6B57421E-CC55-8726-1F6A-DD6E902522CF}"/>
-                </a:ext>
-              </a:extLst>
-            </p:cNvPr>
-            <p:cNvPicPr>
-              <a:picLocks noChangeAspect="1"/>
-            </p:cNvPicPr>
-            <p:nvPr/>
-          </p:nvPicPr>
-          <p:blipFill>
-            <a:blip r:embed="rId17">
-              <a:extLst>
-                <a:ext uri="{96DAC541-7B7A-43D3-8B79-37D633B846F1}">
-                  <asvg:svgBlip xmlns:asvg="http://schemas.microsoft.com/office/drawing/2016/SVG/main" r:embed="rId18"/>
-                </a:ext>
-              </a:extLst>
-            </a:blip>
-            <a:stretch>
-              <a:fillRect/>
-            </a:stretch>
-          </p:blipFill>
-          <p:spPr>
-            <a:xfrm>
-              <a:off x="3227461" y="5336990"/>
-              <a:ext cx="457200" cy="457200"/>
-            </a:xfrm>
-            <a:prstGeom prst="rect">
-              <a:avLst/>
-            </a:prstGeom>
-          </p:spPr>
-        </p:pic>
-        <p:pic>
-          <p:nvPicPr>
-            <p:cNvPr id="22" name="グラフィックス 21" descr="水星 単色塗りつぶし">
-              <a:extLst>
-                <a:ext uri="{FF2B5EF4-FFF2-40B4-BE49-F238E27FC236}">
-                  <a16:creationId xmlns:a16="http://schemas.microsoft.com/office/drawing/2014/main" id="{1C1BE777-459A-861A-9D74-AD7619806023}"/>
-                </a:ext>
-              </a:extLst>
-            </p:cNvPr>
-            <p:cNvPicPr>
-              <a:picLocks noChangeAspect="1"/>
-            </p:cNvPicPr>
-            <p:nvPr/>
-          </p:nvPicPr>
-          <p:blipFill>
-            <a:blip r:embed="rId19">
-              <a:extLst>
-                <a:ext uri="{96DAC541-7B7A-43D3-8B79-37D633B846F1}">
-                  <asvg:svgBlip xmlns:asvg="http://schemas.microsoft.com/office/drawing/2016/SVG/main" r:embed="rId20"/>
-                </a:ext>
-              </a:extLst>
-            </a:blip>
-            <a:stretch>
-              <a:fillRect/>
-            </a:stretch>
-          </p:blipFill>
-          <p:spPr>
-            <a:xfrm>
-              <a:off x="303473" y="3895947"/>
-              <a:ext cx="457200" cy="457200"/>
-            </a:xfrm>
-            <a:prstGeom prst="rect">
-              <a:avLst/>
-            </a:prstGeom>
-          </p:spPr>
-        </p:pic>
+        </p:cxnSp>
       </p:grpSp>
       <p:sp>
         <p:nvSpPr>
-          <p:cNvPr id="23" name="テキスト ボックス 22">
-            <a:extLst>
-              <a:ext uri="{FF2B5EF4-FFF2-40B4-BE49-F238E27FC236}">
-                <a16:creationId xmlns:a16="http://schemas.microsoft.com/office/drawing/2014/main" id="{53081E67-972F-EC90-153F-822DE213384F}"/>
+          <p:cNvPr id="22" name="テキスト ボックス 21">
+            <a:extLst>
+              <a:ext uri="{FF2B5EF4-FFF2-40B4-BE49-F238E27FC236}">
+                <a16:creationId xmlns:a16="http://schemas.microsoft.com/office/drawing/2014/main" id="{ACDE2CAE-1852-8F59-957F-3D33AC6909F9}"/>
               </a:ext>
             </a:extLst>
           </p:cNvPr>
@@ -7133,8 +8114,8 @@
         </p:nvSpPr>
         <p:spPr>
           <a:xfrm>
-            <a:off x="18949" y="8111"/>
-            <a:ext cx="2726051" cy="523220"/>
+            <a:off x="6383167" y="831686"/>
+            <a:ext cx="3923744" cy="461665"/>
           </a:xfrm>
           <a:prstGeom prst="rect">
             <a:avLst/>
@@ -7149,7 +8130,10 @@
           <a:p>
             <a:pPr algn="ctr"/>
             <a:r>
-              <a:rPr lang="ja-JP" altLang="en-US" sz="2800" b="1" dirty="0">
+              <a:rPr lang="ja-JP" altLang="en-US" sz="2400" b="1" dirty="0">
+                <a:solidFill>
+                  <a:srgbClr val="FF0000"/>
+                </a:solidFill>
                 <a:effectLst>
                   <a:glow rad="101600">
                     <a:schemeClr val="bg1">
@@ -7158,10 +8142,10 @@
                   </a:glow>
                 </a:effectLst>
               </a:rPr>
-              <a:t>＜基本の操作</a:t>
-            </a:r>
-            <a:r>
-              <a:rPr lang="en-US" altLang="ja-JP" sz="2800" b="1" dirty="0">
+              <a:t>赤の線</a:t>
+            </a:r>
+            <a:r>
+              <a:rPr lang="ja-JP" altLang="en-US" sz="2400" b="1" dirty="0">
                 <a:effectLst>
                   <a:glow rad="101600">
                     <a:schemeClr val="bg1">
@@ -7170,72 +8154,7 @@
                   </a:glow>
                 </a:effectLst>
               </a:rPr>
-              <a:t>&gt;</a:t>
-            </a:r>
-            <a:endParaRPr kumimoji="1" lang="en-US" altLang="ja-JP" sz="2800" b="1" dirty="0">
-              <a:effectLst>
-                <a:glow rad="101600">
-                  <a:schemeClr val="bg1">
-                    <a:alpha val="60000"/>
-                  </a:schemeClr>
-                </a:glow>
-              </a:effectLst>
-            </a:endParaRPr>
-          </a:p>
-        </p:txBody>
-      </p:sp>
-      <p:sp>
-        <p:nvSpPr>
-          <p:cNvPr id="24" name="テキスト ボックス 23">
-            <a:extLst>
-              <a:ext uri="{FF2B5EF4-FFF2-40B4-BE49-F238E27FC236}">
-                <a16:creationId xmlns:a16="http://schemas.microsoft.com/office/drawing/2014/main" id="{A7E52DAA-82C3-14DC-72F0-88039C9A8293}"/>
-              </a:ext>
-            </a:extLst>
-          </p:cNvPr>
-          <p:cNvSpPr txBox="1"/>
-          <p:nvPr/>
-        </p:nvSpPr>
-        <p:spPr>
-          <a:xfrm>
-            <a:off x="-38015" y="476525"/>
-            <a:ext cx="3617694" cy="461665"/>
-          </a:xfrm>
-          <a:prstGeom prst="rect">
-            <a:avLst/>
-          </a:prstGeom>
-          <a:noFill/>
-        </p:spPr>
-        <p:txBody>
-          <a:bodyPr wrap="square" rtlCol="0">
-            <a:spAutoFit/>
-          </a:bodyPr>
-          <a:lstStyle/>
-          <a:p>
-            <a:pPr algn="ctr"/>
-            <a:r>
-              <a:rPr kumimoji="1" lang="ja-JP" altLang="en-US" sz="2400" b="1" dirty="0">
-                <a:effectLst>
-                  <a:glow rad="101600">
-                    <a:schemeClr val="bg1">
-                      <a:alpha val="60000"/>
-                    </a:schemeClr>
-                  </a:glow>
-                </a:effectLst>
-              </a:rPr>
-              <a:t>何もしてないと</a:t>
-            </a:r>
-            <a:r>
-              <a:rPr lang="ja-JP" altLang="en-US" sz="2400" b="1" dirty="0">
-                <a:effectLst>
-                  <a:glow rad="101600">
-                    <a:schemeClr val="bg1">
-                      <a:alpha val="60000"/>
-                    </a:schemeClr>
-                  </a:glow>
-                </a:effectLst>
-              </a:rPr>
-              <a:t>・・・</a:t>
+              <a:t>はデッドゾーン</a:t>
             </a:r>
             <a:endParaRPr kumimoji="1" lang="en-US" altLang="ja-JP" sz="2400" b="1" dirty="0">
               <a:effectLst>
@@ -7251,10 +8170,10 @@
       </p:sp>
       <p:sp>
         <p:nvSpPr>
-          <p:cNvPr id="25" name="テキスト ボックス 24">
-            <a:extLst>
-              <a:ext uri="{FF2B5EF4-FFF2-40B4-BE49-F238E27FC236}">
-                <a16:creationId xmlns:a16="http://schemas.microsoft.com/office/drawing/2014/main" id="{E02D154F-F0F5-619A-CF6A-BF48A1A94610}"/>
+          <p:cNvPr id="23" name="テキスト ボックス 22">
+            <a:extLst>
+              <a:ext uri="{FF2B5EF4-FFF2-40B4-BE49-F238E27FC236}">
+                <a16:creationId xmlns:a16="http://schemas.microsoft.com/office/drawing/2014/main" id="{6DAC4D4E-53F4-8D72-CBD6-421B5C83B6D3}"/>
               </a:ext>
             </a:extLst>
           </p:cNvPr>
@@ -7263,8 +8182,8 @@
         </p:nvSpPr>
         <p:spPr>
           <a:xfrm>
-            <a:off x="249392" y="2915792"/>
-            <a:ext cx="2965968" cy="461665"/>
+            <a:off x="7147510" y="2706587"/>
+            <a:ext cx="2674596" cy="461665"/>
           </a:xfrm>
           <a:prstGeom prst="rect">
             <a:avLst/>
@@ -7279,7 +8198,7 @@
           <a:p>
             <a:pPr algn="ctr"/>
             <a:r>
-              <a:rPr lang="ja-JP" altLang="en-US" sz="2400" b="1" dirty="0">
+              <a:rPr lang="en-US" altLang="ja-JP" sz="2400" b="1" dirty="0">
                 <a:effectLst>
                   <a:glow rad="101600">
                     <a:schemeClr val="bg1">
@@ -7288,51 +8207,10 @@
                   </a:glow>
                 </a:effectLst>
               </a:rPr>
-              <a:t>常にゆっくり下がる</a:t>
-            </a:r>
-            <a:endParaRPr kumimoji="1" lang="ja-JP" altLang="en-US" sz="2400" b="1" dirty="0">
-              <a:effectLst>
-                <a:glow rad="101600">
-                  <a:schemeClr val="bg1">
-                    <a:alpha val="60000"/>
-                  </a:schemeClr>
-                </a:glow>
-              </a:effectLst>
-            </a:endParaRPr>
-          </a:p>
-        </p:txBody>
-      </p:sp>
-      <p:sp>
-        <p:nvSpPr>
-          <p:cNvPr id="26" name="テキスト ボックス 25">
-            <a:extLst>
-              <a:ext uri="{FF2B5EF4-FFF2-40B4-BE49-F238E27FC236}">
-                <a16:creationId xmlns:a16="http://schemas.microsoft.com/office/drawing/2014/main" id="{7DB20E10-5D8B-F9BD-53E4-AFA504996ADE}"/>
-              </a:ext>
-            </a:extLst>
-          </p:cNvPr>
-          <p:cNvSpPr txBox="1"/>
-          <p:nvPr/>
-        </p:nvSpPr>
-        <p:spPr>
-          <a:xfrm>
-            <a:off x="1107799" y="3712943"/>
-            <a:ext cx="2412306" cy="461665"/>
-          </a:xfrm>
-          <a:prstGeom prst="rect">
-            <a:avLst/>
-          </a:prstGeom>
-          <a:noFill/>
-        </p:spPr>
-        <p:txBody>
-          <a:bodyPr wrap="square" rtlCol="0">
-            <a:spAutoFit/>
-          </a:bodyPr>
-          <a:lstStyle/>
-          <a:p>
-            <a:pPr algn="ctr"/>
-            <a:r>
-              <a:rPr kumimoji="1" lang="ja-JP" altLang="en-US" sz="2400" b="1" dirty="0">
+              <a:t>1</a:t>
+            </a:r>
+            <a:r>
+              <a:rPr lang="ja-JP" altLang="en-US" sz="2400" b="1" dirty="0">
                 <a:effectLst>
                   <a:glow rad="101600">
                     <a:schemeClr val="bg1">
@@ -7341,10 +8219,10 @@
                   </a:glow>
                 </a:effectLst>
               </a:rPr>
-              <a:t>を押すと</a:t>
-            </a:r>
-            <a:r>
-              <a:rPr lang="ja-JP" altLang="en-US" sz="2400" b="1" dirty="0">
+              <a:t>秒ごとに</a:t>
+            </a:r>
+            <a:r>
+              <a:rPr lang="en-US" altLang="ja-JP" sz="2400" b="1" dirty="0">
                 <a:effectLst>
                   <a:glow rad="101600">
                     <a:schemeClr val="bg1">
@@ -7353,7 +8231,19 @@
                   </a:glow>
                 </a:effectLst>
               </a:rPr>
-              <a:t>・・・</a:t>
+              <a:t>1</a:t>
+            </a:r>
+            <a:r>
+              <a:rPr lang="ja-JP" altLang="en-US" sz="2400" b="1" dirty="0">
+                <a:effectLst>
+                  <a:glow rad="101600">
+                    <a:schemeClr val="bg1">
+                      <a:alpha val="60000"/>
+                    </a:schemeClr>
+                  </a:glow>
+                </a:effectLst>
+              </a:rPr>
+              <a:t>スコア</a:t>
             </a:r>
             <a:endParaRPr kumimoji="1" lang="en-US" altLang="ja-JP" sz="2400" b="1" dirty="0">
               <a:effectLst>
@@ -7367,92 +8257,12 @@
           </a:p>
         </p:txBody>
       </p:sp>
-      <p:pic>
-        <p:nvPicPr>
-          <p:cNvPr id="27" name="図 26" descr="ロゴ が含まれている画像&#10;&#10;AI によって生成されたコンテンツは間違っている可能性があります。">
-            <a:extLst>
-              <a:ext uri="{FF2B5EF4-FFF2-40B4-BE49-F238E27FC236}">
-                <a16:creationId xmlns:a16="http://schemas.microsoft.com/office/drawing/2014/main" id="{ED28C3D6-E8DA-4E1C-AEF6-C6C8890CF42E}"/>
-              </a:ext>
-            </a:extLst>
-          </p:cNvPr>
-          <p:cNvPicPr>
-            <a:picLocks noChangeAspect="1"/>
-          </p:cNvPicPr>
-          <p:nvPr/>
-        </p:nvPicPr>
-        <p:blipFill>
-          <a:blip r:embed="rId21">
-            <a:extLst>
-              <a:ext uri="{28A0092B-C50C-407E-A947-70E740481C1C}">
-                <a14:useLocalDpi xmlns:a14="http://schemas.microsoft.com/office/drawing/2010/main" val="0"/>
-              </a:ext>
-            </a:extLst>
-          </a:blip>
-          <a:stretch>
-            <a:fillRect/>
-          </a:stretch>
-        </p:blipFill>
-        <p:spPr>
-          <a:xfrm>
-            <a:off x="34938" y="3683801"/>
-            <a:ext cx="1139817" cy="476862"/>
-          </a:xfrm>
-          <a:prstGeom prst="rect">
-            <a:avLst/>
-          </a:prstGeom>
-        </p:spPr>
-      </p:pic>
-      <p:sp>
-        <p:nvSpPr>
-          <p:cNvPr id="28" name="テキスト ボックス 27">
-            <a:extLst>
-              <a:ext uri="{FF2B5EF4-FFF2-40B4-BE49-F238E27FC236}">
-                <a16:creationId xmlns:a16="http://schemas.microsoft.com/office/drawing/2014/main" id="{838C7AB9-C9F5-5357-A2EC-6D73BBC57CF7}"/>
-              </a:ext>
-            </a:extLst>
-          </p:cNvPr>
-          <p:cNvSpPr txBox="1"/>
-          <p:nvPr/>
-        </p:nvSpPr>
-        <p:spPr>
-          <a:xfrm>
-            <a:off x="148026" y="6238971"/>
-            <a:ext cx="2965968" cy="461665"/>
-          </a:xfrm>
-          <a:prstGeom prst="rect">
-            <a:avLst/>
-          </a:prstGeom>
-          <a:noFill/>
-        </p:spPr>
-        <p:txBody>
-          <a:bodyPr wrap="square" rtlCol="0">
-            <a:spAutoFit/>
-          </a:bodyPr>
-          <a:lstStyle/>
-          <a:p>
-            <a:pPr algn="ctr"/>
-            <a:r>
-              <a:rPr kumimoji="1" lang="ja-JP" altLang="en-US" sz="2400" b="1" dirty="0">
-                <a:effectLst>
-                  <a:glow rad="101600">
-                    <a:schemeClr val="bg1">
-                      <a:alpha val="60000"/>
-                    </a:schemeClr>
-                  </a:glow>
-                </a:effectLst>
-              </a:rPr>
-              <a:t>上に進む</a:t>
-            </a:r>
-          </a:p>
-        </p:txBody>
-      </p:sp>
       <p:grpSp>
         <p:nvGrpSpPr>
-          <p:cNvPr id="29" name="グループ化 28">
-            <a:extLst>
-              <a:ext uri="{FF2B5EF4-FFF2-40B4-BE49-F238E27FC236}">
-                <a16:creationId xmlns:a16="http://schemas.microsoft.com/office/drawing/2014/main" id="{F61F3A17-04FC-8E0E-CFF1-769E20611B4D}"/>
+          <p:cNvPr id="38" name="グループ化 37">
+            <a:extLst>
+              <a:ext uri="{FF2B5EF4-FFF2-40B4-BE49-F238E27FC236}">
+                <a16:creationId xmlns:a16="http://schemas.microsoft.com/office/drawing/2014/main" id="{3D4AE940-F550-A0E2-E748-BA7E96F572F3}"/>
               </a:ext>
             </a:extLst>
           </p:cNvPr>
@@ -7461,55 +8271,130 @@
         </p:nvGrpSpPr>
         <p:grpSpPr>
           <a:xfrm>
-            <a:off x="4611440" y="750844"/>
-            <a:ext cx="4858619" cy="2771955"/>
-            <a:chOff x="232085" y="3700663"/>
-            <a:chExt cx="4087437" cy="2386030"/>
+            <a:off x="1131906" y="3724800"/>
+            <a:ext cx="4964094" cy="3011830"/>
+            <a:chOff x="4556186" y="3844234"/>
+            <a:chExt cx="4923398" cy="2660781"/>
           </a:xfrm>
         </p:grpSpPr>
-        <p:pic>
-          <p:nvPicPr>
-            <p:cNvPr id="30" name="図 29" descr="星と惑星のcg&#10;&#10;AI によって生成されたコンテンツは間違っている可能性があります。">
+        <p:grpSp>
+          <p:nvGrpSpPr>
+            <p:cNvPr id="6" name="グループ化 5">
               <a:extLst>
                 <a:ext uri="{FF2B5EF4-FFF2-40B4-BE49-F238E27FC236}">
-                  <a16:creationId xmlns:a16="http://schemas.microsoft.com/office/drawing/2014/main" id="{369683D5-9E2C-F574-2A8E-D13BD89F9DF9}"/>
+                  <a16:creationId xmlns:a16="http://schemas.microsoft.com/office/drawing/2014/main" id="{4C64190F-DC7B-BC93-1826-98618712D3D4}"/>
                 </a:ext>
               </a:extLst>
             </p:cNvPr>
-            <p:cNvPicPr>
-              <a:picLocks noChangeAspect="1"/>
-            </p:cNvPicPr>
+            <p:cNvGrpSpPr/>
             <p:nvPr/>
-          </p:nvPicPr>
-          <p:blipFill>
-            <a:blip r:embed="rId2">
-              <a:alphaModFix amt="60000"/>
-              <a:extLst>
-                <a:ext uri="{28A0092B-C50C-407E-A947-70E740481C1C}">
-                  <a14:useLocalDpi xmlns:a14="http://schemas.microsoft.com/office/drawing/2010/main" val="0"/>
-                </a:ext>
-              </a:extLst>
-            </a:blip>
-            <a:stretch>
-              <a:fillRect/>
-            </a:stretch>
-          </p:blipFill>
-          <p:spPr>
+          </p:nvGrpSpPr>
+          <p:grpSpPr>
             <a:xfrm>
-              <a:off x="232085" y="3700663"/>
-              <a:ext cx="4087435" cy="2384053"/>
+              <a:off x="4634123" y="3844234"/>
+              <a:ext cx="4835941" cy="2660781"/>
+              <a:chOff x="232085" y="3700663"/>
+              <a:chExt cx="4087437" cy="2386030"/>
             </a:xfrm>
-            <a:prstGeom prst="rect">
-              <a:avLst/>
-            </a:prstGeom>
-          </p:spPr>
-        </p:pic>
+          </p:grpSpPr>
+          <p:pic>
+            <p:nvPicPr>
+              <p:cNvPr id="7" name="図 6" descr="星と惑星のcg&#10;&#10;AI によって生成されたコンテンツは間違っている可能性があります。">
+                <a:extLst>
+                  <a:ext uri="{FF2B5EF4-FFF2-40B4-BE49-F238E27FC236}">
+                    <a16:creationId xmlns:a16="http://schemas.microsoft.com/office/drawing/2014/main" id="{7991787B-C308-58DF-A4AF-676D5B85D377}"/>
+                  </a:ext>
+                </a:extLst>
+              </p:cNvPr>
+              <p:cNvPicPr>
+                <a:picLocks noChangeAspect="1"/>
+              </p:cNvPicPr>
+              <p:nvPr/>
+            </p:nvPicPr>
+            <p:blipFill>
+              <a:blip r:embed="rId3">
+                <a:alphaModFix amt="60000"/>
+                <a:extLst>
+                  <a:ext uri="{28A0092B-C50C-407E-A947-70E740481C1C}">
+                    <a14:useLocalDpi xmlns:a14="http://schemas.microsoft.com/office/drawing/2010/main" val="0"/>
+                  </a:ext>
+                </a:extLst>
+              </a:blip>
+              <a:stretch>
+                <a:fillRect/>
+              </a:stretch>
+            </p:blipFill>
+            <p:spPr>
+              <a:xfrm>
+                <a:off x="232085" y="3700663"/>
+                <a:ext cx="4087435" cy="2384053"/>
+              </a:xfrm>
+              <a:prstGeom prst="rect">
+                <a:avLst/>
+              </a:prstGeom>
+            </p:spPr>
+          </p:pic>
+          <p:sp>
+            <p:nvSpPr>
+              <p:cNvPr id="8" name="正方形/長方形 7">
+                <a:extLst>
+                  <a:ext uri="{FF2B5EF4-FFF2-40B4-BE49-F238E27FC236}">
+                    <a16:creationId xmlns:a16="http://schemas.microsoft.com/office/drawing/2014/main" id="{0F5D6BE5-4229-8E26-B017-07ABFD587FD9}"/>
+                  </a:ext>
+                </a:extLst>
+              </p:cNvPr>
+              <p:cNvSpPr/>
+              <p:nvPr/>
+            </p:nvSpPr>
+            <p:spPr>
+              <a:xfrm>
+                <a:off x="232087" y="3702640"/>
+                <a:ext cx="4087435" cy="2384053"/>
+              </a:xfrm>
+              <a:prstGeom prst="rect">
+                <a:avLst/>
+              </a:prstGeom>
+              <a:noFill/>
+              <a:ln w="57150" cap="flat" cmpd="sng" algn="ctr">
+                <a:solidFill>
+                  <a:schemeClr val="dk1"/>
+                </a:solidFill>
+                <a:prstDash val="solid"/>
+                <a:round/>
+                <a:headEnd type="none" w="med" len="med"/>
+                <a:tailEnd type="none" w="med" len="med"/>
+              </a:ln>
+            </p:spPr>
+            <p:style>
+              <a:lnRef idx="0">
+                <a:scrgbClr r="0" g="0" b="0"/>
+              </a:lnRef>
+              <a:fillRef idx="0">
+                <a:scrgbClr r="0" g="0" b="0"/>
+              </a:fillRef>
+              <a:effectRef idx="0">
+                <a:scrgbClr r="0" g="0" b="0"/>
+              </a:effectRef>
+              <a:fontRef idx="minor">
+                <a:schemeClr val="dk1"/>
+              </a:fontRef>
+            </p:style>
+            <p:txBody>
+              <a:bodyPr rtlCol="0" anchor="ctr"/>
+              <a:lstStyle/>
+              <a:p>
+                <a:pPr algn="ctr"/>
+                <a:endParaRPr kumimoji="1" lang="ja-JP" altLang="en-US"/>
+              </a:p>
+            </p:txBody>
+          </p:sp>
+        </p:grpSp>
         <p:sp>
           <p:nvSpPr>
-            <p:cNvPr id="31" name="正方形/長方形 30">
+            <p:cNvPr id="16" name="楕円 15">
               <a:extLst>
                 <a:ext uri="{FF2B5EF4-FFF2-40B4-BE49-F238E27FC236}">
-                  <a16:creationId xmlns:a16="http://schemas.microsoft.com/office/drawing/2014/main" id="{1E5F6366-9E1B-53E9-15E2-DFD9AA83E9E8}"/>
+                  <a16:creationId xmlns:a16="http://schemas.microsoft.com/office/drawing/2014/main" id="{E446F4A8-D501-75BB-EB21-E44667ADFEB2}"/>
                 </a:ext>
               </a:extLst>
             </p:cNvPr>
@@ -7518,77 +8403,27 @@
           </p:nvSpPr>
           <p:spPr>
             <a:xfrm>
-              <a:off x="232087" y="3702640"/>
-              <a:ext cx="4087435" cy="2384053"/>
-            </a:xfrm>
-            <a:prstGeom prst="rect">
-              <a:avLst/>
-            </a:prstGeom>
-            <a:noFill/>
-            <a:ln w="57150" cap="flat" cmpd="sng" algn="ctr">
-              <a:solidFill>
-                <a:schemeClr val="dk1"/>
-              </a:solidFill>
-              <a:prstDash val="solid"/>
-              <a:round/>
-              <a:headEnd type="none" w="med" len="med"/>
-              <a:tailEnd type="none" w="med" len="med"/>
-            </a:ln>
-          </p:spPr>
-          <p:style>
-            <a:lnRef idx="0">
-              <a:scrgbClr r="0" g="0" b="0"/>
-            </a:lnRef>
-            <a:fillRef idx="0">
-              <a:scrgbClr r="0" g="0" b="0"/>
-            </a:fillRef>
-            <a:effectRef idx="0">
-              <a:scrgbClr r="0" g="0" b="0"/>
-            </a:effectRef>
-            <a:fontRef idx="minor">
-              <a:schemeClr val="dk1"/>
-            </a:fontRef>
-          </p:style>
-          <p:txBody>
-            <a:bodyPr rtlCol="0" anchor="ctr"/>
-            <a:lstStyle/>
-            <a:p>
-              <a:pPr algn="ctr"/>
-              <a:endParaRPr kumimoji="1" lang="ja-JP" altLang="en-US"/>
-            </a:p>
-          </p:txBody>
-        </p:sp>
-        <p:sp>
-          <p:nvSpPr>
-            <p:cNvPr id="32" name="楕円 31">
-              <a:extLst>
-                <a:ext uri="{FF2B5EF4-FFF2-40B4-BE49-F238E27FC236}">
-                  <a16:creationId xmlns:a16="http://schemas.microsoft.com/office/drawing/2014/main" id="{56C9A191-4B41-6069-EBE5-CDB171640BE2}"/>
-                </a:ext>
-              </a:extLst>
-            </p:cNvPr>
-            <p:cNvSpPr/>
-            <p:nvPr/>
-          </p:nvSpPr>
-          <p:spPr>
-            <a:xfrm>
-              <a:off x="2090936" y="4830734"/>
-              <a:ext cx="404848" cy="403271"/>
+              <a:off x="6821003" y="4635301"/>
+              <a:ext cx="461658" cy="435774"/>
             </a:xfrm>
             <a:prstGeom prst="ellipse">
               <a:avLst/>
             </a:prstGeom>
             <a:solidFill>
-              <a:schemeClr val="bg1"/>
+              <a:srgbClr val="EEF0D6"/>
             </a:solidFill>
             <a:ln w="38100">
               <a:solidFill>
-                <a:schemeClr val="accent1">
-                  <a:lumMod val="60000"/>
-                  <a:lumOff val="40000"/>
-                </a:schemeClr>
+                <a:srgbClr val="ECD780"/>
               </a:solidFill>
             </a:ln>
+            <a:effectLst>
+              <a:glow rad="63500">
+                <a:srgbClr val="FFFF00">
+                  <a:alpha val="40000"/>
+                </a:srgbClr>
+              </a:glow>
+            </a:effectLst>
           </p:spPr>
           <p:style>
             <a:lnRef idx="2">
@@ -7615,71 +8450,107 @@
             </a:p>
           </p:txBody>
         </p:sp>
-      </p:grpSp>
-      <p:cxnSp>
-        <p:nvCxnSpPr>
-          <p:cNvPr id="37" name="直線コネクタ 36">
-            <a:extLst>
-              <a:ext uri="{FF2B5EF4-FFF2-40B4-BE49-F238E27FC236}">
-                <a16:creationId xmlns:a16="http://schemas.microsoft.com/office/drawing/2014/main" id="{01480E26-0936-827B-F9FF-08784BFAF46E}"/>
-              </a:ext>
-            </a:extLst>
-          </p:cNvPr>
-          <p:cNvCxnSpPr>
-            <a:cxnSpLocks/>
-          </p:cNvCxnSpPr>
-          <p:nvPr/>
-        </p:nvCxnSpPr>
-        <p:spPr>
-          <a:xfrm>
-            <a:off x="3681398" y="140406"/>
-            <a:ext cx="0" cy="6560230"/>
-          </a:xfrm>
-          <a:prstGeom prst="line">
-            <a:avLst/>
-          </a:prstGeom>
-        </p:spPr>
-        <p:style>
-          <a:lnRef idx="2">
-            <a:schemeClr val="dk1"/>
-          </a:lnRef>
-          <a:fillRef idx="0">
-            <a:schemeClr val="dk1"/>
-          </a:fillRef>
-          <a:effectRef idx="1">
-            <a:schemeClr val="dk1"/>
-          </a:effectRef>
-          <a:fontRef idx="minor">
-            <a:schemeClr val="tx1"/>
-          </a:fontRef>
-        </p:style>
-      </p:cxnSp>
-      <p:grpSp>
-        <p:nvGrpSpPr>
-          <p:cNvPr id="39" name="グループ化 38">
-            <a:extLst>
-              <a:ext uri="{FF2B5EF4-FFF2-40B4-BE49-F238E27FC236}">
-                <a16:creationId xmlns:a16="http://schemas.microsoft.com/office/drawing/2014/main" id="{26AE304F-CFF2-ED4A-566F-6FAA740DDA39}"/>
-              </a:ext>
-            </a:extLst>
-          </p:cNvPr>
-          <p:cNvGrpSpPr/>
-          <p:nvPr/>
-        </p:nvGrpSpPr>
-        <p:grpSpPr>
-          <a:xfrm>
-            <a:off x="4634123" y="3844234"/>
-            <a:ext cx="4835941" cy="2660781"/>
-            <a:chOff x="232085" y="3700663"/>
-            <a:chExt cx="4087437" cy="2386030"/>
-          </a:xfrm>
-        </p:grpSpPr>
+        <p:sp>
+          <p:nvSpPr>
+            <p:cNvPr id="18" name="テキスト ボックス 17">
+              <a:extLst>
+                <a:ext uri="{FF2B5EF4-FFF2-40B4-BE49-F238E27FC236}">
+                  <a16:creationId xmlns:a16="http://schemas.microsoft.com/office/drawing/2014/main" id="{B4CDB1CC-2003-9E85-2209-1C45D97B8299}"/>
+                </a:ext>
+              </a:extLst>
+            </p:cNvPr>
+            <p:cNvSpPr txBox="1"/>
+            <p:nvPr/>
+          </p:nvSpPr>
+          <p:spPr>
+            <a:xfrm>
+              <a:off x="7877450" y="3893782"/>
+              <a:ext cx="1538177" cy="369332"/>
+            </a:xfrm>
+            <a:prstGeom prst="rect">
+              <a:avLst/>
+            </a:prstGeom>
+            <a:noFill/>
+          </p:spPr>
+          <p:txBody>
+            <a:bodyPr wrap="square" rtlCol="0">
+              <a:spAutoFit/>
+            </a:bodyPr>
+            <a:lstStyle/>
+            <a:p>
+              <a:pPr algn="ctr"/>
+              <a:r>
+                <a:rPr kumimoji="1" lang="en-US" altLang="ja-JP" b="1" dirty="0">
+                  <a:solidFill>
+                    <a:schemeClr val="bg1"/>
+                  </a:solidFill>
+                </a:rPr>
+                <a:t>SCORE: 026</a:t>
+              </a:r>
+              <a:endParaRPr kumimoji="1" lang="ja-JP" altLang="en-US" b="1" dirty="0">
+                <a:solidFill>
+                  <a:schemeClr val="bg1"/>
+                </a:solidFill>
+              </a:endParaRPr>
+            </a:p>
+          </p:txBody>
+        </p:sp>
+        <p:cxnSp>
+          <p:nvCxnSpPr>
+            <p:cNvPr id="21" name="直線コネクタ 20">
+              <a:extLst>
+                <a:ext uri="{FF2B5EF4-FFF2-40B4-BE49-F238E27FC236}">
+                  <a16:creationId xmlns:a16="http://schemas.microsoft.com/office/drawing/2014/main" id="{EDC2D89B-8BA6-0321-36B1-7C9E72F5DF07}"/>
+                </a:ext>
+              </a:extLst>
+            </p:cNvPr>
+            <p:cNvCxnSpPr>
+              <a:cxnSpLocks/>
+            </p:cNvCxnSpPr>
+            <p:nvPr/>
+          </p:nvCxnSpPr>
+          <p:spPr>
+            <a:xfrm flipV="1">
+              <a:off x="4643652" y="3857705"/>
+              <a:ext cx="4835932" cy="24812"/>
+            </a:xfrm>
+            <a:prstGeom prst="line">
+              <a:avLst/>
+            </a:prstGeom>
+            <a:ln>
+              <a:solidFill>
+                <a:srgbClr val="FF0000"/>
+              </a:solidFill>
+            </a:ln>
+            <a:effectLst>
+              <a:glow rad="63500">
+                <a:srgbClr val="FF0000">
+                  <a:alpha val="40000"/>
+                </a:srgbClr>
+              </a:glow>
+            </a:effectLst>
+          </p:spPr>
+          <p:style>
+            <a:lnRef idx="2">
+              <a:schemeClr val="dk1"/>
+            </a:lnRef>
+            <a:fillRef idx="0">
+              <a:schemeClr val="dk1"/>
+            </a:fillRef>
+            <a:effectRef idx="1">
+              <a:schemeClr val="dk1"/>
+            </a:effectRef>
+            <a:fontRef idx="minor">
+              <a:schemeClr val="tx1"/>
+            </a:fontRef>
+          </p:style>
+        </p:cxnSp>
         <p:pic>
           <p:nvPicPr>
-            <p:cNvPr id="40" name="図 39" descr="星と惑星のcg&#10;&#10;AI によって生成されたコンテンツは間違っている可能性があります。">
+            <p:cNvPr id="24" name="グラフィックス 23" descr="レイヤー (デザイン) 単色塗りつぶし">
               <a:extLst>
                 <a:ext uri="{FF2B5EF4-FFF2-40B4-BE49-F238E27FC236}">
-                  <a16:creationId xmlns:a16="http://schemas.microsoft.com/office/drawing/2014/main" id="{ABF07CF7-674C-D3A0-5562-AF34E1B9C95F}"/>
+                  <a16:creationId xmlns:a16="http://schemas.microsoft.com/office/drawing/2014/main" id="{C63F9CF8-3CC6-C68A-3A5F-A12A87CF0F4F}"/>
                 </a:ext>
               </a:extLst>
             </p:cNvPr>
@@ -7689,11 +8560,46 @@
             <p:nvPr/>
           </p:nvPicPr>
           <p:blipFill>
-            <a:blip r:embed="rId2">
-              <a:alphaModFix amt="60000"/>
+            <a:blip r:embed="rId10">
               <a:extLst>
-                <a:ext uri="{28A0092B-C50C-407E-A947-70E740481C1C}">
-                  <a14:useLocalDpi xmlns:a14="http://schemas.microsoft.com/office/drawing/2010/main" val="0"/>
+                <a:ext uri="{96DAC541-7B7A-43D3-8B79-37D633B846F1}">
+                  <asvg:svgBlip xmlns:asvg="http://schemas.microsoft.com/office/drawing/2016/SVG/main" r:embed="rId11"/>
+                </a:ext>
+              </a:extLst>
+            </a:blip>
+            <a:stretch>
+              <a:fillRect/>
+            </a:stretch>
+          </p:blipFill>
+          <p:spPr>
+            <a:xfrm rot="6667307">
+              <a:off x="4872636" y="5503067"/>
+              <a:ext cx="551378" cy="519803"/>
+            </a:xfrm>
+            <a:prstGeom prst="rect">
+              <a:avLst/>
+            </a:prstGeom>
+          </p:spPr>
+        </p:pic>
+        <p:pic>
+          <p:nvPicPr>
+            <p:cNvPr id="25" name="グラフィックス 24" descr="金星 単色塗りつぶし">
+              <a:extLst>
+                <a:ext uri="{FF2B5EF4-FFF2-40B4-BE49-F238E27FC236}">
+                  <a16:creationId xmlns:a16="http://schemas.microsoft.com/office/drawing/2014/main" id="{2FE58005-77D2-78D9-0512-221D90295E45}"/>
+                </a:ext>
+              </a:extLst>
+            </p:cNvPr>
+            <p:cNvPicPr>
+              <a:picLocks noChangeAspect="1"/>
+            </p:cNvPicPr>
+            <p:nvPr/>
+          </p:nvPicPr>
+          <p:blipFill>
+            <a:blip r:embed="rId12">
+              <a:extLst>
+                <a:ext uri="{96DAC541-7B7A-43D3-8B79-37D633B846F1}">
+                  <asvg:svgBlip xmlns:asvg="http://schemas.microsoft.com/office/drawing/2016/SVG/main" r:embed="rId13"/>
                 </a:ext>
               </a:extLst>
             </a:blip>
@@ -7703,231 +8609,176 @@
           </p:blipFill>
           <p:spPr>
             <a:xfrm>
-              <a:off x="232085" y="3700663"/>
-              <a:ext cx="4087435" cy="2384053"/>
+              <a:off x="7302234" y="5648977"/>
+              <a:ext cx="515279" cy="546580"/>
             </a:xfrm>
             <a:prstGeom prst="rect">
               <a:avLst/>
             </a:prstGeom>
           </p:spPr>
         </p:pic>
-        <p:sp>
-          <p:nvSpPr>
-            <p:cNvPr id="41" name="正方形/長方形 40">
+        <p:pic>
+          <p:nvPicPr>
+            <p:cNvPr id="26" name="グラフィックス 25" descr="アリ 単色塗りつぶし">
               <a:extLst>
                 <a:ext uri="{FF2B5EF4-FFF2-40B4-BE49-F238E27FC236}">
-                  <a16:creationId xmlns:a16="http://schemas.microsoft.com/office/drawing/2014/main" id="{2F1D2D85-3F5C-9EF6-104C-0057E3DCEE5F}"/>
+                  <a16:creationId xmlns:a16="http://schemas.microsoft.com/office/drawing/2014/main" id="{A1851770-B41F-1154-2899-1FD6EAB39384}"/>
                 </a:ext>
               </a:extLst>
             </p:cNvPr>
-            <p:cNvSpPr/>
+            <p:cNvPicPr>
+              <a:picLocks noChangeAspect="1"/>
+            </p:cNvPicPr>
             <p:nvPr/>
-          </p:nvSpPr>
+          </p:nvPicPr>
+          <p:blipFill>
+            <a:blip r:embed="rId14">
+              <a:extLst>
+                <a:ext uri="{96DAC541-7B7A-43D3-8B79-37D633B846F1}">
+                  <asvg:svgBlip xmlns:asvg="http://schemas.microsoft.com/office/drawing/2016/SVG/main" r:embed="rId15"/>
+                </a:ext>
+              </a:extLst>
+            </a:blip>
+            <a:stretch>
+              <a:fillRect/>
+            </a:stretch>
+          </p:blipFill>
           <p:spPr>
-            <a:xfrm>
-              <a:off x="232087" y="3702640"/>
-              <a:ext cx="4087435" cy="2384053"/>
+            <a:xfrm rot="16200000">
+              <a:off x="7872849" y="4433633"/>
+              <a:ext cx="546582" cy="515281"/>
             </a:xfrm>
             <a:prstGeom prst="rect">
               <a:avLst/>
             </a:prstGeom>
-            <a:noFill/>
-            <a:ln w="57150" cap="flat" cmpd="sng" algn="ctr">
-              <a:solidFill>
-                <a:schemeClr val="dk1"/>
-              </a:solidFill>
-              <a:prstDash val="solid"/>
-              <a:round/>
-              <a:headEnd type="none" w="med" len="med"/>
-              <a:tailEnd type="none" w="med" len="med"/>
-            </a:ln>
           </p:spPr>
-          <p:style>
-            <a:lnRef idx="0">
-              <a:scrgbClr r="0" g="0" b="0"/>
-            </a:lnRef>
-            <a:fillRef idx="0">
-              <a:scrgbClr r="0" g="0" b="0"/>
-            </a:fillRef>
-            <a:effectRef idx="0">
-              <a:scrgbClr r="0" g="0" b="0"/>
-            </a:effectRef>
-            <a:fontRef idx="minor">
-              <a:schemeClr val="dk1"/>
-            </a:fontRef>
-          </p:style>
-          <p:txBody>
-            <a:bodyPr rtlCol="0" anchor="ctr"/>
-            <a:lstStyle/>
-            <a:p>
-              <a:pPr algn="ctr"/>
-              <a:endParaRPr kumimoji="1" lang="ja-JP" altLang="en-US"/>
-            </a:p>
-          </p:txBody>
-        </p:sp>
+        </p:pic>
+        <p:pic>
+          <p:nvPicPr>
+            <p:cNvPr id="27" name="グラフィックス 26" descr="下弦の月 単色塗りつぶし">
+              <a:extLst>
+                <a:ext uri="{FF2B5EF4-FFF2-40B4-BE49-F238E27FC236}">
+                  <a16:creationId xmlns:a16="http://schemas.microsoft.com/office/drawing/2014/main" id="{00AE01CD-94DA-1513-D361-4B5D99A629C5}"/>
+                </a:ext>
+              </a:extLst>
+            </p:cNvPr>
+            <p:cNvPicPr>
+              <a:picLocks noChangeAspect="1"/>
+            </p:cNvPicPr>
+            <p:nvPr/>
+          </p:nvPicPr>
+          <p:blipFill>
+            <a:blip r:embed="rId16">
+              <a:extLst>
+                <a:ext uri="{96DAC541-7B7A-43D3-8B79-37D633B846F1}">
+                  <asvg:svgBlip xmlns:asvg="http://schemas.microsoft.com/office/drawing/2016/SVG/main" r:embed="rId17"/>
+                </a:ext>
+              </a:extLst>
+            </a:blip>
+            <a:stretch>
+              <a:fillRect/>
+            </a:stretch>
+          </p:blipFill>
+          <p:spPr>
+            <a:xfrm>
+              <a:off x="4556186" y="4774825"/>
+              <a:ext cx="526342" cy="550609"/>
+            </a:xfrm>
+            <a:prstGeom prst="rect">
+              <a:avLst/>
+            </a:prstGeom>
+          </p:spPr>
+        </p:pic>
+        <p:pic>
+          <p:nvPicPr>
+            <p:cNvPr id="28" name="図 27">
+              <a:extLst>
+                <a:ext uri="{FF2B5EF4-FFF2-40B4-BE49-F238E27FC236}">
+                  <a16:creationId xmlns:a16="http://schemas.microsoft.com/office/drawing/2014/main" id="{26A8956D-2F9A-4084-AB6C-191E857EC6FE}"/>
+                </a:ext>
+              </a:extLst>
+            </p:cNvPr>
+            <p:cNvPicPr>
+              <a:picLocks noChangeAspect="1"/>
+            </p:cNvPicPr>
+            <p:nvPr/>
+          </p:nvPicPr>
+          <p:blipFill>
+            <a:blip r:embed="rId18">
+              <a:extLst>
+                <a:ext uri="{28A0092B-C50C-407E-A947-70E740481C1C}">
+                  <a14:useLocalDpi xmlns:a14="http://schemas.microsoft.com/office/drawing/2010/main" val="0"/>
+                </a:ext>
+              </a:extLst>
+            </a:blip>
+            <a:srcRect t="32241"/>
+            <a:stretch>
+              <a:fillRect/>
+            </a:stretch>
+          </p:blipFill>
+          <p:spPr>
+            <a:xfrm>
+              <a:off x="4972178" y="3893782"/>
+              <a:ext cx="1324990" cy="740492"/>
+            </a:xfrm>
+            <a:prstGeom prst="rect">
+              <a:avLst/>
+            </a:prstGeom>
+          </p:spPr>
+        </p:pic>
+        <p:pic>
+          <p:nvPicPr>
+            <p:cNvPr id="29" name="グラフィックス 28" descr="ノコ刃 単色塗りつぶし">
+              <a:extLst>
+                <a:ext uri="{FF2B5EF4-FFF2-40B4-BE49-F238E27FC236}">
+                  <a16:creationId xmlns:a16="http://schemas.microsoft.com/office/drawing/2014/main" id="{80C53DEF-971E-215D-5E78-5947ED27B9D0}"/>
+                </a:ext>
+              </a:extLst>
+            </p:cNvPr>
+            <p:cNvPicPr>
+              <a:picLocks noChangeAspect="1"/>
+            </p:cNvPicPr>
+            <p:nvPr/>
+          </p:nvPicPr>
+          <p:blipFill>
+            <a:blip r:embed="rId6">
+              <a:extLst>
+                <a:ext uri="{96DAC541-7B7A-43D3-8B79-37D633B846F1}">
+                  <asvg:svgBlip xmlns:asvg="http://schemas.microsoft.com/office/drawing/2016/SVG/main" r:embed="rId7"/>
+                </a:ext>
+              </a:extLst>
+            </a:blip>
+            <a:stretch>
+              <a:fillRect/>
+            </a:stretch>
+          </p:blipFill>
+          <p:spPr>
+            <a:xfrm>
+              <a:off x="8781342" y="4904982"/>
+              <a:ext cx="479588" cy="501700"/>
+            </a:xfrm>
+            <a:prstGeom prst="rect">
+              <a:avLst/>
+            </a:prstGeom>
+          </p:spPr>
+        </p:pic>
       </p:grpSp>
-      <p:cxnSp>
-        <p:nvCxnSpPr>
-          <p:cNvPr id="43" name="直線コネクタ 42">
-            <a:extLst>
-              <a:ext uri="{FF2B5EF4-FFF2-40B4-BE49-F238E27FC236}">
-                <a16:creationId xmlns:a16="http://schemas.microsoft.com/office/drawing/2014/main" id="{E686E5BC-11D2-6D6F-A435-BFDAE9BEF2C7}"/>
-              </a:ext>
-            </a:extLst>
-          </p:cNvPr>
-          <p:cNvCxnSpPr>
-            <a:cxnSpLocks/>
-          </p:cNvCxnSpPr>
+      <p:sp>
+        <p:nvSpPr>
+          <p:cNvPr id="30" name="テキスト ボックス 29">
+            <a:extLst>
+              <a:ext uri="{FF2B5EF4-FFF2-40B4-BE49-F238E27FC236}">
+                <a16:creationId xmlns:a16="http://schemas.microsoft.com/office/drawing/2014/main" id="{45931195-877F-633F-CDFC-10206AEDF722}"/>
+              </a:ext>
+            </a:extLst>
+          </p:cNvPr>
+          <p:cNvSpPr txBox="1"/>
           <p:nvPr/>
-        </p:nvCxnSpPr>
-        <p:spPr>
-          <a:xfrm flipV="1">
-            <a:off x="3783118" y="3625694"/>
-            <a:ext cx="8210762" cy="14957"/>
-          </a:xfrm>
-          <a:prstGeom prst="line">
-            <a:avLst/>
-          </a:prstGeom>
-        </p:spPr>
-        <p:style>
-          <a:lnRef idx="2">
-            <a:schemeClr val="dk1"/>
-          </a:lnRef>
-          <a:fillRef idx="0">
-            <a:schemeClr val="dk1"/>
-          </a:fillRef>
-          <a:effectRef idx="1">
-            <a:schemeClr val="dk1"/>
-          </a:effectRef>
-          <a:fontRef idx="minor">
-            <a:schemeClr val="tx1"/>
-          </a:fontRef>
-        </p:style>
-      </p:cxnSp>
-      <p:pic>
-        <p:nvPicPr>
-          <p:cNvPr id="45" name="グラフィックス 44" descr="水星 単色塗りつぶし">
-            <a:extLst>
-              <a:ext uri="{FF2B5EF4-FFF2-40B4-BE49-F238E27FC236}">
-                <a16:creationId xmlns:a16="http://schemas.microsoft.com/office/drawing/2014/main" id="{F71D0BEB-E1F2-E5C8-F8FC-81098D015886}"/>
-              </a:ext>
-            </a:extLst>
-          </p:cNvPr>
-          <p:cNvPicPr>
-            <a:picLocks noChangeAspect="1"/>
-          </p:cNvPicPr>
-          <p:nvPr/>
-        </p:nvPicPr>
-        <p:blipFill>
-          <a:blip r:embed="rId19">
-            <a:extLst>
-              <a:ext uri="{96DAC541-7B7A-43D3-8B79-37D633B846F1}">
-                <asvg:svgBlip xmlns:asvg="http://schemas.microsoft.com/office/drawing/2016/SVG/main" r:embed="rId20"/>
-              </a:ext>
-            </a:extLst>
-          </a:blip>
-          <a:stretch>
-            <a:fillRect/>
-          </a:stretch>
-        </p:blipFill>
+        </p:nvSpPr>
         <p:spPr>
           <a:xfrm>
-            <a:off x="4806540" y="1029656"/>
-            <a:ext cx="551977" cy="553882"/>
-          </a:xfrm>
-          <a:prstGeom prst="rect">
-            <a:avLst/>
-          </a:prstGeom>
-        </p:spPr>
-      </p:pic>
-      <p:pic>
-        <p:nvPicPr>
-          <p:cNvPr id="46" name="グラフィックス 45" descr="ノコ刃 単色塗りつぶし">
-            <a:extLst>
-              <a:ext uri="{FF2B5EF4-FFF2-40B4-BE49-F238E27FC236}">
-                <a16:creationId xmlns:a16="http://schemas.microsoft.com/office/drawing/2014/main" id="{7C1F35F8-9011-608D-F27C-9602EB704CB8}"/>
-              </a:ext>
-            </a:extLst>
-          </p:cNvPr>
-          <p:cNvPicPr>
-            <a:picLocks noChangeAspect="1"/>
-          </p:cNvPicPr>
-          <p:nvPr/>
-        </p:nvPicPr>
-        <p:blipFill>
-          <a:blip r:embed="rId7">
-            <a:extLst>
-              <a:ext uri="{96DAC541-7B7A-43D3-8B79-37D633B846F1}">
-                <asvg:svgBlip xmlns:asvg="http://schemas.microsoft.com/office/drawing/2016/SVG/main" r:embed="rId8"/>
-              </a:ext>
-            </a:extLst>
-          </a:blip>
-          <a:stretch>
-            <a:fillRect/>
-          </a:stretch>
-        </p:blipFill>
-        <p:spPr>
-          <a:xfrm>
-            <a:off x="5309179" y="1910550"/>
-            <a:ext cx="479588" cy="501700"/>
-          </a:xfrm>
-          <a:prstGeom prst="rect">
-            <a:avLst/>
-          </a:prstGeom>
-        </p:spPr>
-      </p:pic>
-      <p:pic>
-        <p:nvPicPr>
-          <p:cNvPr id="47" name="グラフィックス 46" descr="星 単色塗りつぶし">
-            <a:extLst>
-              <a:ext uri="{FF2B5EF4-FFF2-40B4-BE49-F238E27FC236}">
-                <a16:creationId xmlns:a16="http://schemas.microsoft.com/office/drawing/2014/main" id="{33EC67CA-3DC7-EE1A-85E8-BF2954A562F4}"/>
-              </a:ext>
-            </a:extLst>
-          </p:cNvPr>
-          <p:cNvPicPr>
-            <a:picLocks noChangeAspect="1"/>
-          </p:cNvPicPr>
-          <p:nvPr/>
-        </p:nvPicPr>
-        <p:blipFill>
-          <a:blip r:embed="rId22">
-            <a:extLst>
-              <a:ext uri="{96DAC541-7B7A-43D3-8B79-37D633B846F1}">
-                <asvg:svgBlip xmlns:asvg="http://schemas.microsoft.com/office/drawing/2016/SVG/main" r:embed="rId23"/>
-              </a:ext>
-            </a:extLst>
-          </a:blip>
-          <a:stretch>
-            <a:fillRect/>
-          </a:stretch>
-        </p:blipFill>
-        <p:spPr>
-          <a:xfrm>
-            <a:off x="8334471" y="1345859"/>
-            <a:ext cx="624136" cy="581862"/>
-          </a:xfrm>
-          <a:prstGeom prst="rect">
-            <a:avLst/>
-          </a:prstGeom>
-        </p:spPr>
-      </p:pic>
-      <p:sp>
-        <p:nvSpPr>
-          <p:cNvPr id="48" name="テキスト ボックス 47">
-            <a:extLst>
-              <a:ext uri="{FF2B5EF4-FFF2-40B4-BE49-F238E27FC236}">
-                <a16:creationId xmlns:a16="http://schemas.microsoft.com/office/drawing/2014/main" id="{220A218E-74D4-A062-F2F1-107360B64A53}"/>
-              </a:ext>
-            </a:extLst>
-          </p:cNvPr>
-          <p:cNvSpPr txBox="1"/>
-          <p:nvPr/>
-        </p:nvSpPr>
-        <p:spPr>
-          <a:xfrm>
-            <a:off x="3894900" y="140406"/>
-            <a:ext cx="4517902" cy="523220"/>
+            <a:off x="6096000" y="3970530"/>
+            <a:ext cx="5575039" cy="461665"/>
           </a:xfrm>
           <a:prstGeom prst="rect">
             <a:avLst/>
@@ -7942,7 +8793,12 @@
           <a:p>
             <a:pPr algn="ctr"/>
             <a:r>
-              <a:rPr lang="ja-JP" altLang="en-US" sz="2800" b="1" dirty="0">
+              <a:rPr lang="ja-JP" altLang="en-US" sz="2400" b="1" dirty="0">
+                <a:solidFill>
+                  <a:schemeClr val="accent6">
+                    <a:lumMod val="75000"/>
+                  </a:schemeClr>
+                </a:solidFill>
                 <a:effectLst>
                   <a:glow rad="101600">
                     <a:schemeClr val="bg1">
@@ -7951,10 +8807,10 @@
                   </a:glow>
                 </a:effectLst>
               </a:rPr>
-              <a:t>＜イメージゲーム画面</a:t>
-            </a:r>
-            <a:r>
-              <a:rPr lang="en-US" altLang="ja-JP" sz="2800" b="1" dirty="0">
+              <a:t>宇宙ゴミ</a:t>
+            </a:r>
+            <a:r>
+              <a:rPr kumimoji="1" lang="ja-JP" altLang="en-US" sz="2400" b="1" dirty="0">
                 <a:effectLst>
                   <a:glow rad="101600">
                     <a:schemeClr val="bg1">
@@ -7963,9 +8819,21 @@
                   </a:glow>
                 </a:effectLst>
               </a:rPr>
-              <a:t>&gt;</a:t>
-            </a:r>
-            <a:endParaRPr kumimoji="1" lang="en-US" altLang="ja-JP" sz="2800" b="1" dirty="0">
+              <a:t>が多く</a:t>
+            </a:r>
+            <a:r>
+              <a:rPr lang="ja-JP" altLang="en-US" sz="2400" b="1" dirty="0">
+                <a:effectLst>
+                  <a:glow rad="101600">
+                    <a:schemeClr val="bg1">
+                      <a:alpha val="60000"/>
+                    </a:schemeClr>
+                  </a:glow>
+                </a:effectLst>
+              </a:rPr>
+              <a:t>よけにくい場面</a:t>
+            </a:r>
+            <a:endParaRPr lang="en-US" altLang="ja-JP" sz="2400" b="1" dirty="0">
               <a:effectLst>
                 <a:glow rad="101600">
                   <a:schemeClr val="bg1">
@@ -7979,10 +8847,10 @@
       </p:sp>
       <p:sp>
         <p:nvSpPr>
-          <p:cNvPr id="49" name="テキスト ボックス 48">
-            <a:extLst>
-              <a:ext uri="{FF2B5EF4-FFF2-40B4-BE49-F238E27FC236}">
-                <a16:creationId xmlns:a16="http://schemas.microsoft.com/office/drawing/2014/main" id="{C7D61147-FA14-515D-ED44-0FB1B99DB814}"/>
+          <p:cNvPr id="31" name="テキスト ボックス 30">
+            <a:extLst>
+              <a:ext uri="{FF2B5EF4-FFF2-40B4-BE49-F238E27FC236}">
+                <a16:creationId xmlns:a16="http://schemas.microsoft.com/office/drawing/2014/main" id="{47394173-6860-722D-89A3-2E1AD61A4409}"/>
               </a:ext>
             </a:extLst>
           </p:cNvPr>
@@ -7991,8 +8859,8 @@
         </p:nvSpPr>
         <p:spPr>
           <a:xfrm>
-            <a:off x="3924926" y="791381"/>
-            <a:ext cx="492443" cy="2544631"/>
+            <a:off x="6383167" y="5484433"/>
+            <a:ext cx="5243127" cy="461665"/>
           </a:xfrm>
           <a:prstGeom prst="rect">
             <a:avLst/>
@@ -8000,14 +8868,17 @@
           <a:noFill/>
         </p:spPr>
         <p:txBody>
-          <a:bodyPr vert="eaVert" wrap="square" rtlCol="0">
+          <a:bodyPr wrap="square" rtlCol="0">
             <a:spAutoFit/>
           </a:bodyPr>
           <a:lstStyle/>
           <a:p>
             <a:pPr algn="ctr"/>
             <a:r>
-              <a:rPr kumimoji="1" lang="ja-JP" altLang="en-US" sz="1400" b="1" dirty="0">
+              <a:rPr lang="ja-JP" altLang="en-US" sz="2400" b="1" dirty="0">
+                <a:solidFill>
+                  <a:srgbClr val="FF0000"/>
+                </a:solidFill>
                 <a:effectLst>
                   <a:glow rad="101600">
                     <a:schemeClr val="bg1">
@@ -8016,16 +8887,10 @@
                   </a:glow>
                 </a:effectLst>
               </a:rPr>
-              <a:t>▼</a:t>
-            </a:r>
-            <a:r>
-              <a:rPr kumimoji="1" lang="ja-JP" altLang="en-US" sz="2000" b="1" dirty="0">
-                <a:solidFill>
-                  <a:schemeClr val="accent1">
-                    <a:lumMod val="60000"/>
-                    <a:lumOff val="40000"/>
-                  </a:schemeClr>
-                </a:solidFill>
+              <a:t>パワー</a:t>
+            </a:r>
+            <a:r>
+              <a:rPr lang="ja-JP" altLang="en-US" sz="2400" b="1" dirty="0">
                 <a:effectLst>
                   <a:glow rad="101600">
                     <a:schemeClr val="bg1">
@@ -8034,88 +8899,9 @@
                   </a:glow>
                 </a:effectLst>
               </a:rPr>
-              <a:t>プレイヤー</a:t>
-            </a:r>
-            <a:r>
-              <a:rPr kumimoji="1" lang="ja-JP" altLang="en-US" sz="2000" b="1" dirty="0">
-                <a:effectLst>
-                  <a:glow rad="101600">
-                    <a:schemeClr val="bg1">
-                      <a:alpha val="60000"/>
-                    </a:schemeClr>
-                  </a:glow>
-                </a:effectLst>
-              </a:rPr>
-              <a:t>通常時</a:t>
-            </a:r>
-          </a:p>
-        </p:txBody>
-      </p:sp>
-      <p:sp>
-        <p:nvSpPr>
-          <p:cNvPr id="50" name="テキスト ボックス 49">
-            <a:extLst>
-              <a:ext uri="{FF2B5EF4-FFF2-40B4-BE49-F238E27FC236}">
-                <a16:creationId xmlns:a16="http://schemas.microsoft.com/office/drawing/2014/main" id="{B4FE0EF6-229D-483C-BB3A-154F535B3595}"/>
-              </a:ext>
-            </a:extLst>
-          </p:cNvPr>
-          <p:cNvSpPr txBox="1"/>
-          <p:nvPr/>
-        </p:nvSpPr>
-        <p:spPr>
-          <a:xfrm>
-            <a:off x="3734111" y="3844234"/>
-            <a:ext cx="800219" cy="2744675"/>
-          </a:xfrm>
-          <a:prstGeom prst="rect">
-            <a:avLst/>
-          </a:prstGeom>
-          <a:noFill/>
-        </p:spPr>
-        <p:txBody>
-          <a:bodyPr vert="eaVert" wrap="square" rtlCol="0">
-            <a:spAutoFit/>
-          </a:bodyPr>
-          <a:lstStyle/>
-          <a:p>
-            <a:r>
-              <a:rPr kumimoji="1" lang="ja-JP" altLang="en-US" sz="1400" b="1" dirty="0">
-                <a:effectLst>
-                  <a:glow rad="101600">
-                    <a:schemeClr val="bg1">
-                      <a:alpha val="60000"/>
-                    </a:schemeClr>
-                  </a:glow>
-                </a:effectLst>
-              </a:rPr>
-              <a:t>▼</a:t>
-            </a:r>
-            <a:r>
-              <a:rPr kumimoji="1" lang="ja-JP" altLang="en-US" sz="2000" b="1" dirty="0">
-                <a:solidFill>
-                  <a:schemeClr val="accent1">
-                    <a:lumMod val="60000"/>
-                    <a:lumOff val="40000"/>
-                  </a:schemeClr>
-                </a:solidFill>
-                <a:effectLst>
-                  <a:glow rad="101600">
-                    <a:schemeClr val="bg1">
-                      <a:alpha val="60000"/>
-                    </a:schemeClr>
-                  </a:glow>
-                </a:effectLst>
-              </a:rPr>
-              <a:t>プレイヤー</a:t>
-            </a:r>
-            <a:endParaRPr kumimoji="1" lang="en-US" altLang="ja-JP" sz="2000" b="1" dirty="0">
-              <a:solidFill>
-                <a:schemeClr val="accent1">
-                  <a:lumMod val="60000"/>
-                  <a:lumOff val="40000"/>
-                </a:schemeClr>
-              </a:solidFill>
+              <a:t>を発動してかいくぐろう</a:t>
+            </a:r>
+            <a:endParaRPr lang="en-US" altLang="ja-JP" sz="2400" b="1" dirty="0">
               <a:effectLst>
                 <a:glow rad="101600">
                   <a:schemeClr val="bg1">
@@ -8125,53 +8911,14 @@
               </a:effectLst>
             </a:endParaRPr>
           </a:p>
-          <a:p>
-            <a:pPr algn="r"/>
-            <a:r>
-              <a:rPr lang="ja-JP" altLang="en-US" sz="2000" b="1" dirty="0">
-                <a:solidFill>
-                  <a:srgbClr val="FFC000"/>
-                </a:solidFill>
-                <a:effectLst>
-                  <a:glow rad="101600">
-                    <a:schemeClr val="bg1">
-                      <a:alpha val="60000"/>
-                    </a:schemeClr>
-                  </a:glow>
-                </a:effectLst>
-              </a:rPr>
-              <a:t>パワーアップ</a:t>
-            </a:r>
-            <a:r>
-              <a:rPr lang="ja-JP" altLang="en-US" sz="2000" b="1" dirty="0">
-                <a:effectLst>
-                  <a:glow rad="101600">
-                    <a:schemeClr val="bg1">
-                      <a:alpha val="60000"/>
-                    </a:schemeClr>
-                  </a:glow>
-                </a:effectLst>
-              </a:rPr>
-              <a:t>時</a:t>
-            </a:r>
-            <a:endParaRPr kumimoji="1" lang="ja-JP" altLang="en-US" sz="2000" b="1" dirty="0">
-              <a:effectLst>
-                <a:glow rad="101600">
-                  <a:schemeClr val="bg1">
-                    <a:alpha val="60000"/>
-                  </a:schemeClr>
-                </a:glow>
-              </a:effectLst>
-            </a:endParaRPr>
-          </a:p>
-        </p:txBody>
-      </p:sp>
-      <p:sp>
-        <p:nvSpPr>
-          <p:cNvPr id="51" name="楕円 50">
-            <a:extLst>
-              <a:ext uri="{FF2B5EF4-FFF2-40B4-BE49-F238E27FC236}">
-                <a16:creationId xmlns:a16="http://schemas.microsoft.com/office/drawing/2014/main" id="{6F676107-E9EE-923B-6C1A-DB3CE6ADD923}"/>
+        </p:txBody>
+      </p:sp>
+      <p:sp>
+        <p:nvSpPr>
+          <p:cNvPr id="32" name="楕円 31">
+            <a:extLst>
+              <a:ext uri="{FF2B5EF4-FFF2-40B4-BE49-F238E27FC236}">
+                <a16:creationId xmlns:a16="http://schemas.microsoft.com/office/drawing/2014/main" id="{4588AA07-1EB7-9782-3AE9-655A69F5DC33}"/>
               </a:ext>
             </a:extLst>
           </p:cNvPr>
@@ -8180,1001 +8927,7 @@
         </p:nvSpPr>
         <p:spPr>
           <a:xfrm>
-            <a:off x="6821003" y="4635301"/>
-            <a:ext cx="461658" cy="435774"/>
-          </a:xfrm>
-          <a:prstGeom prst="ellipse">
-            <a:avLst/>
-          </a:prstGeom>
-          <a:solidFill>
-            <a:srgbClr val="EEF0D6"/>
-          </a:solidFill>
-          <a:ln w="38100">
-            <a:solidFill>
-              <a:srgbClr val="ECD780"/>
-            </a:solidFill>
-          </a:ln>
-          <a:effectLst>
-            <a:glow rad="63500">
-              <a:srgbClr val="FFFF00">
-                <a:alpha val="40000"/>
-              </a:srgbClr>
-            </a:glow>
-          </a:effectLst>
-        </p:spPr>
-        <p:style>
-          <a:lnRef idx="2">
-            <a:schemeClr val="accent1">
-              <a:shade val="15000"/>
-            </a:schemeClr>
-          </a:lnRef>
-          <a:fillRef idx="1">
-            <a:schemeClr val="accent1"/>
-          </a:fillRef>
-          <a:effectRef idx="0">
-            <a:schemeClr val="accent1"/>
-          </a:effectRef>
-          <a:fontRef idx="minor">
-            <a:schemeClr val="lt1"/>
-          </a:fontRef>
-        </p:style>
-        <p:txBody>
-          <a:bodyPr rtlCol="0" anchor="ctr"/>
-          <a:lstStyle/>
-          <a:p>
-            <a:pPr algn="ctr"/>
-            <a:endParaRPr kumimoji="1" lang="ja-JP" altLang="en-US" dirty="0"/>
-          </a:p>
-        </p:txBody>
-      </p:sp>
-      <p:sp>
-        <p:nvSpPr>
-          <p:cNvPr id="52" name="テキスト ボックス 51">
-            <a:extLst>
-              <a:ext uri="{FF2B5EF4-FFF2-40B4-BE49-F238E27FC236}">
-                <a16:creationId xmlns:a16="http://schemas.microsoft.com/office/drawing/2014/main" id="{72088FBC-405A-9075-CD38-08FB54633A11}"/>
-              </a:ext>
-            </a:extLst>
-          </p:cNvPr>
-          <p:cNvSpPr txBox="1"/>
-          <p:nvPr/>
-        </p:nvSpPr>
-        <p:spPr>
-          <a:xfrm>
-            <a:off x="7888499" y="831686"/>
-            <a:ext cx="1538177" cy="369332"/>
-          </a:xfrm>
-          <a:prstGeom prst="rect">
-            <a:avLst/>
-          </a:prstGeom>
-          <a:noFill/>
-        </p:spPr>
-        <p:txBody>
-          <a:bodyPr wrap="square" rtlCol="0">
-            <a:spAutoFit/>
-          </a:bodyPr>
-          <a:lstStyle/>
-          <a:p>
-            <a:pPr algn="ctr"/>
-            <a:r>
-              <a:rPr kumimoji="1" lang="en-US" altLang="ja-JP" b="1" dirty="0"/>
-              <a:t>SCORE: 004</a:t>
-            </a:r>
-            <a:endParaRPr kumimoji="1" lang="ja-JP" altLang="en-US" b="1" dirty="0"/>
-          </a:p>
-        </p:txBody>
-      </p:sp>
-      <p:sp>
-        <p:nvSpPr>
-          <p:cNvPr id="53" name="テキスト ボックス 52">
-            <a:extLst>
-              <a:ext uri="{FF2B5EF4-FFF2-40B4-BE49-F238E27FC236}">
-                <a16:creationId xmlns:a16="http://schemas.microsoft.com/office/drawing/2014/main" id="{155390DA-DCCB-4663-5852-DF4272390BB9}"/>
-              </a:ext>
-            </a:extLst>
-          </p:cNvPr>
-          <p:cNvSpPr txBox="1"/>
-          <p:nvPr/>
-        </p:nvSpPr>
-        <p:spPr>
-          <a:xfrm>
-            <a:off x="7877450" y="3893782"/>
-            <a:ext cx="1538177" cy="369332"/>
-          </a:xfrm>
-          <a:prstGeom prst="rect">
-            <a:avLst/>
-          </a:prstGeom>
-          <a:noFill/>
-        </p:spPr>
-        <p:txBody>
-          <a:bodyPr wrap="square" rtlCol="0">
-            <a:spAutoFit/>
-          </a:bodyPr>
-          <a:lstStyle/>
-          <a:p>
-            <a:pPr algn="ctr"/>
-            <a:r>
-              <a:rPr kumimoji="1" lang="en-US" altLang="ja-JP" b="1" dirty="0"/>
-              <a:t>SCORE: 026</a:t>
-            </a:r>
-            <a:endParaRPr kumimoji="1" lang="ja-JP" altLang="en-US" b="1" dirty="0"/>
-          </a:p>
-        </p:txBody>
-      </p:sp>
-      <p:sp>
-        <p:nvSpPr>
-          <p:cNvPr id="54" name="テキスト ボックス 53">
-            <a:extLst>
-              <a:ext uri="{FF2B5EF4-FFF2-40B4-BE49-F238E27FC236}">
-                <a16:creationId xmlns:a16="http://schemas.microsoft.com/office/drawing/2014/main" id="{FDCE0F3C-0961-5A78-2E69-2192720115F5}"/>
-              </a:ext>
-            </a:extLst>
-          </p:cNvPr>
-          <p:cNvSpPr txBox="1"/>
-          <p:nvPr/>
-        </p:nvSpPr>
-        <p:spPr>
-          <a:xfrm>
-            <a:off x="9479584" y="1487603"/>
-            <a:ext cx="2674596" cy="1323439"/>
-          </a:xfrm>
-          <a:prstGeom prst="rect">
-            <a:avLst/>
-          </a:prstGeom>
-          <a:noFill/>
-        </p:spPr>
-        <p:txBody>
-          <a:bodyPr wrap="square" rtlCol="0">
-            <a:spAutoFit/>
-          </a:bodyPr>
-          <a:lstStyle/>
-          <a:p>
-            <a:pPr algn="ctr"/>
-            <a:r>
-              <a:rPr lang="ja-JP" altLang="en-US" sz="2000" b="1" dirty="0">
-                <a:solidFill>
-                  <a:schemeClr val="accent6">
-                    <a:lumMod val="75000"/>
-                  </a:schemeClr>
-                </a:solidFill>
-                <a:effectLst>
-                  <a:glow rad="101600">
-                    <a:schemeClr val="bg1">
-                      <a:alpha val="60000"/>
-                    </a:schemeClr>
-                  </a:glow>
-                </a:effectLst>
-              </a:rPr>
-              <a:t>宇宙ゴミ</a:t>
-            </a:r>
-            <a:r>
-              <a:rPr lang="ja-JP" altLang="en-US" sz="2000" b="1" dirty="0">
-                <a:effectLst>
-                  <a:glow rad="101600">
-                    <a:schemeClr val="bg1">
-                      <a:alpha val="60000"/>
-                    </a:schemeClr>
-                  </a:glow>
-                </a:effectLst>
-              </a:rPr>
-              <a:t>を避けつつ</a:t>
-            </a:r>
-            <a:endParaRPr lang="en-US" altLang="ja-JP" sz="2000" b="1" dirty="0">
-              <a:effectLst>
-                <a:glow rad="101600">
-                  <a:schemeClr val="bg1">
-                    <a:alpha val="60000"/>
-                  </a:schemeClr>
-                </a:glow>
-              </a:effectLst>
-            </a:endParaRPr>
-          </a:p>
-          <a:p>
-            <a:pPr algn="ctr"/>
-            <a:r>
-              <a:rPr lang="ja-JP" altLang="en-US" sz="2000" b="1" dirty="0">
-                <a:solidFill>
-                  <a:schemeClr val="accent5">
-                    <a:lumMod val="60000"/>
-                    <a:lumOff val="40000"/>
-                  </a:schemeClr>
-                </a:solidFill>
-                <a:effectLst>
-                  <a:glow rad="101600">
-                    <a:schemeClr val="bg1">
-                      <a:alpha val="60000"/>
-                    </a:schemeClr>
-                  </a:glow>
-                </a:effectLst>
-              </a:rPr>
-              <a:t>小さな星屑</a:t>
-            </a:r>
-            <a:r>
-              <a:rPr lang="ja-JP" altLang="en-US" sz="2000" b="1" dirty="0">
-                <a:effectLst>
-                  <a:glow rad="101600">
-                    <a:schemeClr val="bg1">
-                      <a:alpha val="60000"/>
-                    </a:schemeClr>
-                  </a:glow>
-                </a:effectLst>
-              </a:rPr>
-              <a:t>を取って</a:t>
-            </a:r>
-            <a:endParaRPr lang="en-US" altLang="ja-JP" sz="2000" b="1" dirty="0">
-              <a:effectLst>
-                <a:glow rad="101600">
-                  <a:schemeClr val="bg1">
-                    <a:alpha val="60000"/>
-                  </a:schemeClr>
-                </a:glow>
-              </a:effectLst>
-            </a:endParaRPr>
-          </a:p>
-          <a:p>
-            <a:pPr algn="ctr"/>
-            <a:r>
-              <a:rPr lang="ja-JP" altLang="en-US" sz="2000" b="1" dirty="0">
-                <a:solidFill>
-                  <a:srgbClr val="FFC000"/>
-                </a:solidFill>
-                <a:effectLst>
-                  <a:glow rad="101600">
-                    <a:schemeClr val="bg1">
-                      <a:alpha val="60000"/>
-                    </a:schemeClr>
-                  </a:glow>
-                </a:effectLst>
-              </a:rPr>
-              <a:t>パワーアップ</a:t>
-            </a:r>
-            <a:r>
-              <a:rPr lang="ja-JP" altLang="en-US" sz="2000" b="1" dirty="0">
-                <a:effectLst>
-                  <a:glow rad="101600">
-                    <a:schemeClr val="bg1">
-                      <a:alpha val="60000"/>
-                    </a:schemeClr>
-                  </a:glow>
-                </a:effectLst>
-              </a:rPr>
-              <a:t>したい</a:t>
-            </a:r>
-            <a:endParaRPr lang="en-US" altLang="ja-JP" sz="2000" b="1" dirty="0">
-              <a:effectLst>
-                <a:glow rad="101600">
-                  <a:schemeClr val="bg1">
-                    <a:alpha val="60000"/>
-                  </a:schemeClr>
-                </a:glow>
-              </a:effectLst>
-            </a:endParaRPr>
-          </a:p>
-          <a:p>
-            <a:pPr algn="ctr"/>
-            <a:r>
-              <a:rPr kumimoji="1" lang="ja-JP" altLang="en-US" sz="2000" b="1" dirty="0">
-                <a:effectLst>
-                  <a:glow rad="101600">
-                    <a:schemeClr val="bg1">
-                      <a:alpha val="60000"/>
-                    </a:schemeClr>
-                  </a:glow>
-                </a:effectLst>
-              </a:rPr>
-              <a:t>という状況</a:t>
-            </a:r>
-            <a:endParaRPr kumimoji="1" lang="en-US" altLang="ja-JP" sz="2000" b="1" dirty="0">
-              <a:effectLst>
-                <a:glow rad="101600">
-                  <a:schemeClr val="bg1">
-                    <a:alpha val="60000"/>
-                  </a:schemeClr>
-                </a:glow>
-              </a:effectLst>
-            </a:endParaRPr>
-          </a:p>
-        </p:txBody>
-      </p:sp>
-      <p:cxnSp>
-        <p:nvCxnSpPr>
-          <p:cNvPr id="55" name="直線コネクタ 54">
-            <a:extLst>
-              <a:ext uri="{FF2B5EF4-FFF2-40B4-BE49-F238E27FC236}">
-                <a16:creationId xmlns:a16="http://schemas.microsoft.com/office/drawing/2014/main" id="{9A408F91-537A-2BA8-3130-E7E3F1D07886}"/>
-              </a:ext>
-            </a:extLst>
-          </p:cNvPr>
-          <p:cNvCxnSpPr>
-            <a:cxnSpLocks/>
-          </p:cNvCxnSpPr>
-          <p:nvPr/>
-        </p:nvCxnSpPr>
-        <p:spPr>
-          <a:xfrm flipV="1">
-            <a:off x="4634123" y="762781"/>
-            <a:ext cx="4835932" cy="24812"/>
-          </a:xfrm>
-          <a:prstGeom prst="line">
-            <a:avLst/>
-          </a:prstGeom>
-          <a:ln>
-            <a:solidFill>
-              <a:srgbClr val="FF0000"/>
-            </a:solidFill>
-          </a:ln>
-          <a:effectLst>
-            <a:glow rad="63500">
-              <a:srgbClr val="FF0000">
-                <a:alpha val="40000"/>
-              </a:srgbClr>
-            </a:glow>
-          </a:effectLst>
-        </p:spPr>
-        <p:style>
-          <a:lnRef idx="2">
-            <a:schemeClr val="dk1"/>
-          </a:lnRef>
-          <a:fillRef idx="0">
-            <a:schemeClr val="dk1"/>
-          </a:fillRef>
-          <a:effectRef idx="1">
-            <a:schemeClr val="dk1"/>
-          </a:effectRef>
-          <a:fontRef idx="minor">
-            <a:schemeClr val="tx1"/>
-          </a:fontRef>
-        </p:style>
-      </p:cxnSp>
-      <p:cxnSp>
-        <p:nvCxnSpPr>
-          <p:cNvPr id="58" name="直線コネクタ 57">
-            <a:extLst>
-              <a:ext uri="{FF2B5EF4-FFF2-40B4-BE49-F238E27FC236}">
-                <a16:creationId xmlns:a16="http://schemas.microsoft.com/office/drawing/2014/main" id="{66F89586-C94E-3D1F-E5FB-26105DA62F91}"/>
-              </a:ext>
-            </a:extLst>
-          </p:cNvPr>
-          <p:cNvCxnSpPr>
-            <a:cxnSpLocks/>
-          </p:cNvCxnSpPr>
-          <p:nvPr/>
-        </p:nvCxnSpPr>
-        <p:spPr>
-          <a:xfrm flipV="1">
-            <a:off x="4643652" y="3857705"/>
-            <a:ext cx="4835932" cy="24812"/>
-          </a:xfrm>
-          <a:prstGeom prst="line">
-            <a:avLst/>
-          </a:prstGeom>
-          <a:ln>
-            <a:solidFill>
-              <a:srgbClr val="FF0000"/>
-            </a:solidFill>
-          </a:ln>
-          <a:effectLst>
-            <a:glow rad="63500">
-              <a:srgbClr val="FF0000">
-                <a:alpha val="40000"/>
-              </a:srgbClr>
-            </a:glow>
-          </a:effectLst>
-        </p:spPr>
-        <p:style>
-          <a:lnRef idx="2">
-            <a:schemeClr val="dk1"/>
-          </a:lnRef>
-          <a:fillRef idx="0">
-            <a:schemeClr val="dk1"/>
-          </a:fillRef>
-          <a:effectRef idx="1">
-            <a:schemeClr val="dk1"/>
-          </a:effectRef>
-          <a:fontRef idx="minor">
-            <a:schemeClr val="tx1"/>
-          </a:fontRef>
-        </p:style>
-      </p:cxnSp>
-      <p:sp>
-        <p:nvSpPr>
-          <p:cNvPr id="59" name="テキスト ボックス 58">
-            <a:extLst>
-              <a:ext uri="{FF2B5EF4-FFF2-40B4-BE49-F238E27FC236}">
-                <a16:creationId xmlns:a16="http://schemas.microsoft.com/office/drawing/2014/main" id="{28478BBE-4056-5654-8783-F9D378B81105}"/>
-              </a:ext>
-            </a:extLst>
-          </p:cNvPr>
-          <p:cNvSpPr txBox="1"/>
-          <p:nvPr/>
-        </p:nvSpPr>
-        <p:spPr>
-          <a:xfrm>
-            <a:off x="9426676" y="707357"/>
-            <a:ext cx="2674596" cy="707886"/>
-          </a:xfrm>
-          <a:prstGeom prst="rect">
-            <a:avLst/>
-          </a:prstGeom>
-          <a:noFill/>
-        </p:spPr>
-        <p:txBody>
-          <a:bodyPr wrap="square" rtlCol="0">
-            <a:spAutoFit/>
-          </a:bodyPr>
-          <a:lstStyle/>
-          <a:p>
-            <a:pPr algn="ctr"/>
-            <a:r>
-              <a:rPr lang="ja-JP" altLang="en-US" sz="2000" b="1" dirty="0">
-                <a:solidFill>
-                  <a:srgbClr val="FF0000"/>
-                </a:solidFill>
-                <a:effectLst>
-                  <a:glow rad="101600">
-                    <a:schemeClr val="bg1">
-                      <a:alpha val="60000"/>
-                    </a:schemeClr>
-                  </a:glow>
-                </a:effectLst>
-              </a:rPr>
-              <a:t>赤の線</a:t>
-            </a:r>
-            <a:r>
-              <a:rPr lang="ja-JP" altLang="en-US" sz="2000" b="1" dirty="0">
-                <a:effectLst>
-                  <a:glow rad="101600">
-                    <a:schemeClr val="bg1">
-                      <a:alpha val="60000"/>
-                    </a:schemeClr>
-                  </a:glow>
-                </a:effectLst>
-              </a:rPr>
-              <a:t>は</a:t>
-            </a:r>
-            <a:endParaRPr lang="en-US" altLang="ja-JP" sz="2000" b="1" dirty="0">
-              <a:effectLst>
-                <a:glow rad="101600">
-                  <a:schemeClr val="bg1">
-                    <a:alpha val="60000"/>
-                  </a:schemeClr>
-                </a:glow>
-              </a:effectLst>
-            </a:endParaRPr>
-          </a:p>
-          <a:p>
-            <a:pPr algn="ctr"/>
-            <a:r>
-              <a:rPr lang="ja-JP" altLang="en-US" sz="2000" b="1" dirty="0">
-                <a:effectLst>
-                  <a:glow rad="101600">
-                    <a:schemeClr val="bg1">
-                      <a:alpha val="60000"/>
-                    </a:schemeClr>
-                  </a:glow>
-                </a:effectLst>
-              </a:rPr>
-              <a:t>デッドゾーン</a:t>
-            </a:r>
-            <a:endParaRPr kumimoji="1" lang="en-US" altLang="ja-JP" sz="2000" b="1" dirty="0">
-              <a:effectLst>
-                <a:glow rad="101600">
-                  <a:schemeClr val="bg1">
-                    <a:alpha val="60000"/>
-                  </a:schemeClr>
-                </a:glow>
-              </a:effectLst>
-            </a:endParaRPr>
-          </a:p>
-        </p:txBody>
-      </p:sp>
-      <p:sp>
-        <p:nvSpPr>
-          <p:cNvPr id="60" name="テキスト ボックス 59">
-            <a:extLst>
-              <a:ext uri="{FF2B5EF4-FFF2-40B4-BE49-F238E27FC236}">
-                <a16:creationId xmlns:a16="http://schemas.microsoft.com/office/drawing/2014/main" id="{F159CA81-C690-1F59-3BD0-C508EADA37A8}"/>
-              </a:ext>
-            </a:extLst>
-          </p:cNvPr>
-          <p:cNvSpPr txBox="1"/>
-          <p:nvPr/>
-        </p:nvSpPr>
-        <p:spPr>
-          <a:xfrm>
-            <a:off x="9479584" y="2876004"/>
-            <a:ext cx="2674596" cy="400110"/>
-          </a:xfrm>
-          <a:prstGeom prst="rect">
-            <a:avLst/>
-          </a:prstGeom>
-          <a:noFill/>
-        </p:spPr>
-        <p:txBody>
-          <a:bodyPr wrap="square" rtlCol="0">
-            <a:spAutoFit/>
-          </a:bodyPr>
-          <a:lstStyle/>
-          <a:p>
-            <a:pPr algn="ctr"/>
-            <a:r>
-              <a:rPr lang="en-US" altLang="ja-JP" sz="2000" b="1" dirty="0">
-                <a:effectLst>
-                  <a:glow rad="101600">
-                    <a:schemeClr val="bg1">
-                      <a:alpha val="60000"/>
-                    </a:schemeClr>
-                  </a:glow>
-                </a:effectLst>
-              </a:rPr>
-              <a:t>1</a:t>
-            </a:r>
-            <a:r>
-              <a:rPr lang="ja-JP" altLang="en-US" sz="2000" b="1" dirty="0">
-                <a:effectLst>
-                  <a:glow rad="101600">
-                    <a:schemeClr val="bg1">
-                      <a:alpha val="60000"/>
-                    </a:schemeClr>
-                  </a:glow>
-                </a:effectLst>
-              </a:rPr>
-              <a:t>秒ごとに</a:t>
-            </a:r>
-            <a:r>
-              <a:rPr lang="en-US" altLang="ja-JP" sz="2000" b="1" dirty="0">
-                <a:effectLst>
-                  <a:glow rad="101600">
-                    <a:schemeClr val="bg1">
-                      <a:alpha val="60000"/>
-                    </a:schemeClr>
-                  </a:glow>
-                </a:effectLst>
-              </a:rPr>
-              <a:t>1</a:t>
-            </a:r>
-            <a:r>
-              <a:rPr lang="ja-JP" altLang="en-US" sz="2000" b="1" dirty="0">
-                <a:effectLst>
-                  <a:glow rad="101600">
-                    <a:schemeClr val="bg1">
-                      <a:alpha val="60000"/>
-                    </a:schemeClr>
-                  </a:glow>
-                </a:effectLst>
-              </a:rPr>
-              <a:t>スコア</a:t>
-            </a:r>
-            <a:endParaRPr kumimoji="1" lang="en-US" altLang="ja-JP" sz="2000" b="1" dirty="0">
-              <a:effectLst>
-                <a:glow rad="101600">
-                  <a:schemeClr val="bg1">
-                    <a:alpha val="60000"/>
-                  </a:schemeClr>
-                </a:glow>
-              </a:effectLst>
-            </a:endParaRPr>
-          </a:p>
-        </p:txBody>
-      </p:sp>
-      <p:pic>
-        <p:nvPicPr>
-          <p:cNvPr id="2" name="グラフィックス 1" descr="レイヤー (デザイン) 単色塗りつぶし">
-            <a:extLst>
-              <a:ext uri="{FF2B5EF4-FFF2-40B4-BE49-F238E27FC236}">
-                <a16:creationId xmlns:a16="http://schemas.microsoft.com/office/drawing/2014/main" id="{ABCDCCB6-4469-9ACE-E1D2-10B01A35C435}"/>
-              </a:ext>
-            </a:extLst>
-          </p:cNvPr>
-          <p:cNvPicPr>
-            <a:picLocks noChangeAspect="1"/>
-          </p:cNvPicPr>
-          <p:nvPr/>
-        </p:nvPicPr>
-        <p:blipFill>
-          <a:blip r:embed="rId15">
-            <a:extLst>
-              <a:ext uri="{96DAC541-7B7A-43D3-8B79-37D633B846F1}">
-                <asvg:svgBlip xmlns:asvg="http://schemas.microsoft.com/office/drawing/2016/SVG/main" r:embed="rId16"/>
-              </a:ext>
-            </a:extLst>
-          </a:blip>
-          <a:stretch>
-            <a:fillRect/>
-          </a:stretch>
-        </p:blipFill>
-        <p:spPr>
-          <a:xfrm rot="6667307">
-            <a:off x="4872636" y="5503067"/>
-            <a:ext cx="551378" cy="519803"/>
-          </a:xfrm>
-          <a:prstGeom prst="rect">
-            <a:avLst/>
-          </a:prstGeom>
-        </p:spPr>
-      </p:pic>
-      <p:pic>
-        <p:nvPicPr>
-          <p:cNvPr id="3" name="グラフィックス 2" descr="金星 単色塗りつぶし">
-            <a:extLst>
-              <a:ext uri="{FF2B5EF4-FFF2-40B4-BE49-F238E27FC236}">
-                <a16:creationId xmlns:a16="http://schemas.microsoft.com/office/drawing/2014/main" id="{C18A1973-B787-6B08-EBE4-BC18F61382E4}"/>
-              </a:ext>
-            </a:extLst>
-          </p:cNvPr>
-          <p:cNvPicPr>
-            <a:picLocks noChangeAspect="1"/>
-          </p:cNvPicPr>
-          <p:nvPr/>
-        </p:nvPicPr>
-        <p:blipFill>
-          <a:blip r:embed="rId17">
-            <a:extLst>
-              <a:ext uri="{96DAC541-7B7A-43D3-8B79-37D633B846F1}">
-                <asvg:svgBlip xmlns:asvg="http://schemas.microsoft.com/office/drawing/2016/SVG/main" r:embed="rId18"/>
-              </a:ext>
-            </a:extLst>
-          </a:blip>
-          <a:stretch>
-            <a:fillRect/>
-          </a:stretch>
-        </p:blipFill>
-        <p:spPr>
-          <a:xfrm>
-            <a:off x="7302234" y="5648977"/>
-            <a:ext cx="515279" cy="546580"/>
-          </a:xfrm>
-          <a:prstGeom prst="rect">
-            <a:avLst/>
-          </a:prstGeom>
-        </p:spPr>
-      </p:pic>
-      <p:pic>
-        <p:nvPicPr>
-          <p:cNvPr id="33" name="グラフィックス 32" descr="アリ 単色塗りつぶし">
-            <a:extLst>
-              <a:ext uri="{FF2B5EF4-FFF2-40B4-BE49-F238E27FC236}">
-                <a16:creationId xmlns:a16="http://schemas.microsoft.com/office/drawing/2014/main" id="{EDE6CAC7-83C8-4BBA-3BFA-8BEC04CDA2BD}"/>
-              </a:ext>
-            </a:extLst>
-          </p:cNvPr>
-          <p:cNvPicPr>
-            <a:picLocks noChangeAspect="1"/>
-          </p:cNvPicPr>
-          <p:nvPr/>
-        </p:nvPicPr>
-        <p:blipFill>
-          <a:blip r:embed="rId11">
-            <a:extLst>
-              <a:ext uri="{96DAC541-7B7A-43D3-8B79-37D633B846F1}">
-                <asvg:svgBlip xmlns:asvg="http://schemas.microsoft.com/office/drawing/2016/SVG/main" r:embed="rId12"/>
-              </a:ext>
-            </a:extLst>
-          </a:blip>
-          <a:stretch>
-            <a:fillRect/>
-          </a:stretch>
-        </p:blipFill>
-        <p:spPr>
-          <a:xfrm rot="16200000">
-            <a:off x="7872849" y="4433633"/>
-            <a:ext cx="546582" cy="515281"/>
-          </a:xfrm>
-          <a:prstGeom prst="rect">
-            <a:avLst/>
-          </a:prstGeom>
-        </p:spPr>
-      </p:pic>
-      <p:pic>
-        <p:nvPicPr>
-          <p:cNvPr id="34" name="グラフィックス 33" descr="下弦の月 単色塗りつぶし">
-            <a:extLst>
-              <a:ext uri="{FF2B5EF4-FFF2-40B4-BE49-F238E27FC236}">
-                <a16:creationId xmlns:a16="http://schemas.microsoft.com/office/drawing/2014/main" id="{9D1EABAB-453E-5D19-7938-222DC28E036E}"/>
-              </a:ext>
-            </a:extLst>
-          </p:cNvPr>
-          <p:cNvPicPr>
-            <a:picLocks noChangeAspect="1"/>
-          </p:cNvPicPr>
-          <p:nvPr/>
-        </p:nvPicPr>
-        <p:blipFill>
-          <a:blip r:embed="rId5">
-            <a:extLst>
-              <a:ext uri="{96DAC541-7B7A-43D3-8B79-37D633B846F1}">
-                <asvg:svgBlip xmlns:asvg="http://schemas.microsoft.com/office/drawing/2016/SVG/main" r:embed="rId6"/>
-              </a:ext>
-            </a:extLst>
-          </a:blip>
-          <a:stretch>
-            <a:fillRect/>
-          </a:stretch>
-        </p:blipFill>
-        <p:spPr>
-          <a:xfrm>
-            <a:off x="4556186" y="4774825"/>
-            <a:ext cx="526342" cy="550609"/>
-          </a:xfrm>
-          <a:prstGeom prst="rect">
-            <a:avLst/>
-          </a:prstGeom>
-        </p:spPr>
-      </p:pic>
-      <p:pic>
-        <p:nvPicPr>
-          <p:cNvPr id="35" name="図 34">
-            <a:extLst>
-              <a:ext uri="{FF2B5EF4-FFF2-40B4-BE49-F238E27FC236}">
-                <a16:creationId xmlns:a16="http://schemas.microsoft.com/office/drawing/2014/main" id="{1A558045-E4B3-2AB4-957C-57671ACB65EE}"/>
-              </a:ext>
-            </a:extLst>
-          </p:cNvPr>
-          <p:cNvPicPr>
-            <a:picLocks noChangeAspect="1"/>
-          </p:cNvPicPr>
-          <p:nvPr/>
-        </p:nvPicPr>
-        <p:blipFill>
-          <a:blip r:embed="rId24">
-            <a:extLst>
-              <a:ext uri="{28A0092B-C50C-407E-A947-70E740481C1C}">
-                <a14:useLocalDpi xmlns:a14="http://schemas.microsoft.com/office/drawing/2010/main" val="0"/>
-              </a:ext>
-            </a:extLst>
-          </a:blip>
-          <a:srcRect t="32241"/>
-          <a:stretch>
-            <a:fillRect/>
-          </a:stretch>
-        </p:blipFill>
-        <p:spPr>
-          <a:xfrm>
-            <a:off x="4972178" y="3893782"/>
-            <a:ext cx="1324990" cy="740492"/>
-          </a:xfrm>
-          <a:prstGeom prst="rect">
-            <a:avLst/>
-          </a:prstGeom>
-        </p:spPr>
-      </p:pic>
-      <p:pic>
-        <p:nvPicPr>
-          <p:cNvPr id="36" name="グラフィックス 35" descr="ノコ刃 単色塗りつぶし">
-            <a:extLst>
-              <a:ext uri="{FF2B5EF4-FFF2-40B4-BE49-F238E27FC236}">
-                <a16:creationId xmlns:a16="http://schemas.microsoft.com/office/drawing/2014/main" id="{21A49A7E-6A65-E35F-DEC0-8405136F4A2B}"/>
-              </a:ext>
-            </a:extLst>
-          </p:cNvPr>
-          <p:cNvPicPr>
-            <a:picLocks noChangeAspect="1"/>
-          </p:cNvPicPr>
-          <p:nvPr/>
-        </p:nvPicPr>
-        <p:blipFill>
-          <a:blip r:embed="rId7">
-            <a:extLst>
-              <a:ext uri="{96DAC541-7B7A-43D3-8B79-37D633B846F1}">
-                <asvg:svgBlip xmlns:asvg="http://schemas.microsoft.com/office/drawing/2016/SVG/main" r:embed="rId8"/>
-              </a:ext>
-            </a:extLst>
-          </a:blip>
-          <a:stretch>
-            <a:fillRect/>
-          </a:stretch>
-        </p:blipFill>
-        <p:spPr>
-          <a:xfrm>
-            <a:off x="8781342" y="4904982"/>
-            <a:ext cx="479588" cy="501700"/>
-          </a:xfrm>
-          <a:prstGeom prst="rect">
-            <a:avLst/>
-          </a:prstGeom>
-        </p:spPr>
-      </p:pic>
-      <p:sp>
-        <p:nvSpPr>
-          <p:cNvPr id="38" name="テキスト ボックス 37">
-            <a:extLst>
-              <a:ext uri="{FF2B5EF4-FFF2-40B4-BE49-F238E27FC236}">
-                <a16:creationId xmlns:a16="http://schemas.microsoft.com/office/drawing/2014/main" id="{E8A37E72-1106-023F-DF7F-3BD576558568}"/>
-              </a:ext>
-            </a:extLst>
-          </p:cNvPr>
-          <p:cNvSpPr txBox="1"/>
-          <p:nvPr/>
-        </p:nvSpPr>
-        <p:spPr>
-          <a:xfrm>
-            <a:off x="9426676" y="4112322"/>
-            <a:ext cx="2674596" cy="707886"/>
-          </a:xfrm>
-          <a:prstGeom prst="rect">
-            <a:avLst/>
-          </a:prstGeom>
-          <a:noFill/>
-        </p:spPr>
-        <p:txBody>
-          <a:bodyPr wrap="square" rtlCol="0">
-            <a:spAutoFit/>
-          </a:bodyPr>
-          <a:lstStyle/>
-          <a:p>
-            <a:pPr algn="ctr"/>
-            <a:r>
-              <a:rPr lang="ja-JP" altLang="en-US" sz="2000" b="1" dirty="0">
-                <a:solidFill>
-                  <a:schemeClr val="accent6">
-                    <a:lumMod val="75000"/>
-                  </a:schemeClr>
-                </a:solidFill>
-                <a:effectLst>
-                  <a:glow rad="101600">
-                    <a:schemeClr val="bg1">
-                      <a:alpha val="60000"/>
-                    </a:schemeClr>
-                  </a:glow>
-                </a:effectLst>
-              </a:rPr>
-              <a:t>宇宙ゴミ</a:t>
-            </a:r>
-            <a:r>
-              <a:rPr kumimoji="1" lang="ja-JP" altLang="en-US" sz="2000" b="1" dirty="0">
-                <a:effectLst>
-                  <a:glow rad="101600">
-                    <a:schemeClr val="bg1">
-                      <a:alpha val="60000"/>
-                    </a:schemeClr>
-                  </a:glow>
-                </a:effectLst>
-              </a:rPr>
-              <a:t>が多く</a:t>
-            </a:r>
-            <a:endParaRPr kumimoji="1" lang="en-US" altLang="ja-JP" sz="2000" b="1" dirty="0">
-              <a:effectLst>
-                <a:glow rad="101600">
-                  <a:schemeClr val="bg1">
-                    <a:alpha val="60000"/>
-                  </a:schemeClr>
-                </a:glow>
-              </a:effectLst>
-            </a:endParaRPr>
-          </a:p>
-          <a:p>
-            <a:pPr algn="ctr"/>
-            <a:r>
-              <a:rPr lang="ja-JP" altLang="en-US" sz="2000" b="1" dirty="0">
-                <a:effectLst>
-                  <a:glow rad="101600">
-                    <a:schemeClr val="bg1">
-                      <a:alpha val="60000"/>
-                    </a:schemeClr>
-                  </a:glow>
-                </a:effectLst>
-              </a:rPr>
-              <a:t>よけにくい場面</a:t>
-            </a:r>
-            <a:endParaRPr lang="en-US" altLang="ja-JP" sz="2000" b="1" dirty="0">
-              <a:effectLst>
-                <a:glow rad="101600">
-                  <a:schemeClr val="bg1">
-                    <a:alpha val="60000"/>
-                  </a:schemeClr>
-                </a:glow>
-              </a:effectLst>
-            </a:endParaRPr>
-          </a:p>
-        </p:txBody>
-      </p:sp>
-      <p:sp>
-        <p:nvSpPr>
-          <p:cNvPr id="42" name="テキスト ボックス 41">
-            <a:extLst>
-              <a:ext uri="{FF2B5EF4-FFF2-40B4-BE49-F238E27FC236}">
-                <a16:creationId xmlns:a16="http://schemas.microsoft.com/office/drawing/2014/main" id="{7D3F683D-8619-4D4B-6663-8166B32C794C}"/>
-              </a:ext>
-            </a:extLst>
-          </p:cNvPr>
-          <p:cNvSpPr txBox="1"/>
-          <p:nvPr/>
-        </p:nvSpPr>
-        <p:spPr>
-          <a:xfrm>
-            <a:off x="9415627" y="5579634"/>
-            <a:ext cx="2674596" cy="707886"/>
-          </a:xfrm>
-          <a:prstGeom prst="rect">
-            <a:avLst/>
-          </a:prstGeom>
-          <a:noFill/>
-        </p:spPr>
-        <p:txBody>
-          <a:bodyPr wrap="square" rtlCol="0">
-            <a:spAutoFit/>
-          </a:bodyPr>
-          <a:lstStyle/>
-          <a:p>
-            <a:pPr algn="ctr"/>
-            <a:r>
-              <a:rPr lang="ja-JP" altLang="en-US" sz="2000" b="1" dirty="0">
-                <a:solidFill>
-                  <a:srgbClr val="FF0000"/>
-                </a:solidFill>
-                <a:effectLst>
-                  <a:glow rad="101600">
-                    <a:schemeClr val="bg1">
-                      <a:alpha val="60000"/>
-                    </a:schemeClr>
-                  </a:glow>
-                </a:effectLst>
-              </a:rPr>
-              <a:t>パワー</a:t>
-            </a:r>
-            <a:r>
-              <a:rPr lang="ja-JP" altLang="en-US" sz="2000" b="1" dirty="0">
-                <a:effectLst>
-                  <a:glow rad="101600">
-                    <a:schemeClr val="bg1">
-                      <a:alpha val="60000"/>
-                    </a:schemeClr>
-                  </a:glow>
-                </a:effectLst>
-              </a:rPr>
-              <a:t>を発動して</a:t>
-            </a:r>
-            <a:endParaRPr lang="en-US" altLang="ja-JP" sz="2000" b="1" dirty="0">
-              <a:effectLst>
-                <a:glow rad="101600">
-                  <a:schemeClr val="bg1">
-                    <a:alpha val="60000"/>
-                  </a:schemeClr>
-                </a:glow>
-              </a:effectLst>
-            </a:endParaRPr>
-          </a:p>
-          <a:p>
-            <a:pPr algn="ctr"/>
-            <a:r>
-              <a:rPr lang="ja-JP" altLang="en-US" sz="2000" b="1" dirty="0">
-                <a:effectLst>
-                  <a:glow rad="101600">
-                    <a:schemeClr val="bg1">
-                      <a:alpha val="60000"/>
-                    </a:schemeClr>
-                  </a:glow>
-                </a:effectLst>
-              </a:rPr>
-              <a:t>かいくぐろう</a:t>
-            </a:r>
-            <a:endParaRPr lang="en-US" altLang="ja-JP" sz="2000" b="1" dirty="0">
-              <a:effectLst>
-                <a:glow rad="101600">
-                  <a:schemeClr val="bg1">
-                    <a:alpha val="60000"/>
-                  </a:schemeClr>
-                </a:glow>
-              </a:effectLst>
-            </a:endParaRPr>
-          </a:p>
-        </p:txBody>
-      </p:sp>
-      <p:sp>
-        <p:nvSpPr>
-          <p:cNvPr id="44" name="楕円 43">
-            <a:extLst>
-              <a:ext uri="{FF2B5EF4-FFF2-40B4-BE49-F238E27FC236}">
-                <a16:creationId xmlns:a16="http://schemas.microsoft.com/office/drawing/2014/main" id="{43FD31D2-C26F-2676-7195-E43D8A9FF5A7}"/>
-              </a:ext>
-            </a:extLst>
-          </p:cNvPr>
-          <p:cNvSpPr/>
-          <p:nvPr/>
-        </p:nvSpPr>
-        <p:spPr>
-          <a:xfrm>
-            <a:off x="11208537" y="4833644"/>
+            <a:off x="9894774" y="4616007"/>
             <a:ext cx="727472" cy="696937"/>
           </a:xfrm>
           <a:prstGeom prst="ellipse">
@@ -9226,10 +8979,10 @@
       </p:sp>
       <p:sp>
         <p:nvSpPr>
-          <p:cNvPr id="56" name="楕円 55">
-            <a:extLst>
-              <a:ext uri="{FF2B5EF4-FFF2-40B4-BE49-F238E27FC236}">
-                <a16:creationId xmlns:a16="http://schemas.microsoft.com/office/drawing/2014/main" id="{E4746A54-EE6A-0528-0EAD-A3FD858FC3F8}"/>
+          <p:cNvPr id="33" name="楕円 32">
+            <a:extLst>
+              <a:ext uri="{FF2B5EF4-FFF2-40B4-BE49-F238E27FC236}">
+                <a16:creationId xmlns:a16="http://schemas.microsoft.com/office/drawing/2014/main" id="{A41CFC73-F41A-F79A-A534-F6A4CC182C97}"/>
               </a:ext>
             </a:extLst>
           </p:cNvPr>
@@ -9238,7 +8991,7 @@
         </p:nvSpPr>
         <p:spPr>
           <a:xfrm>
-            <a:off x="9637328" y="4837844"/>
+            <a:off x="6909468" y="4628497"/>
             <a:ext cx="669583" cy="696937"/>
           </a:xfrm>
           <a:prstGeom prst="ellipse">
@@ -9287,10 +9040,10 @@
       </p:sp>
       <p:sp>
         <p:nvSpPr>
-          <p:cNvPr id="57" name="矢印: 左 56">
-            <a:extLst>
-              <a:ext uri="{FF2B5EF4-FFF2-40B4-BE49-F238E27FC236}">
-                <a16:creationId xmlns:a16="http://schemas.microsoft.com/office/drawing/2014/main" id="{4AFB5100-CD01-3006-AF9A-D8750ED0ADE6}"/>
+          <p:cNvPr id="34" name="矢印: 左 33">
+            <a:extLst>
+              <a:ext uri="{FF2B5EF4-FFF2-40B4-BE49-F238E27FC236}">
+                <a16:creationId xmlns:a16="http://schemas.microsoft.com/office/drawing/2014/main" id="{6D6917A8-18B1-59D8-30B6-EA067CC168BC}"/>
               </a:ext>
             </a:extLst>
           </p:cNvPr>
@@ -9299,8 +9052,8 @@
         </p:nvSpPr>
         <p:spPr>
           <a:xfrm rot="10800000">
-            <a:off x="10537035" y="4920502"/>
-            <a:ext cx="559636" cy="523220"/>
+            <a:off x="8420879" y="4744304"/>
+            <a:ext cx="838928" cy="523220"/>
           </a:xfrm>
           <a:prstGeom prst="leftArrow">
             <a:avLst/>
@@ -9329,10 +9082,2427 @@
           </a:p>
         </p:txBody>
       </p:sp>
+      <p:sp>
+        <p:nvSpPr>
+          <p:cNvPr id="39" name="テキスト ボックス 38">
+            <a:extLst>
+              <a:ext uri="{FF2B5EF4-FFF2-40B4-BE49-F238E27FC236}">
+                <a16:creationId xmlns:a16="http://schemas.microsoft.com/office/drawing/2014/main" id="{218EC45E-03F8-55E2-D4F3-0DE060DD2480}"/>
+              </a:ext>
+            </a:extLst>
+          </p:cNvPr>
+          <p:cNvSpPr txBox="1"/>
+          <p:nvPr/>
+        </p:nvSpPr>
+        <p:spPr>
+          <a:xfrm>
+            <a:off x="6082322" y="6163006"/>
+            <a:ext cx="6019142" cy="461665"/>
+          </a:xfrm>
+          <a:prstGeom prst="rect">
+            <a:avLst/>
+          </a:prstGeom>
+          <a:noFill/>
+        </p:spPr>
+        <p:txBody>
+          <a:bodyPr wrap="square" rtlCol="0">
+            <a:spAutoFit/>
+          </a:bodyPr>
+          <a:lstStyle/>
+          <a:p>
+            <a:pPr algn="ctr"/>
+            <a:r>
+              <a:rPr lang="ja-JP" altLang="en-US" sz="2400" b="1" dirty="0">
+                <a:effectLst>
+                  <a:glow rad="101600">
+                    <a:schemeClr val="bg1">
+                      <a:alpha val="60000"/>
+                    </a:schemeClr>
+                  </a:glow>
+                </a:effectLst>
+              </a:rPr>
+              <a:t>この状態で</a:t>
+            </a:r>
+            <a:r>
+              <a:rPr lang="ja-JP" altLang="en-US" sz="2400" b="1" dirty="0">
+                <a:solidFill>
+                  <a:schemeClr val="accent6">
+                    <a:lumMod val="75000"/>
+                  </a:schemeClr>
+                </a:solidFill>
+                <a:effectLst>
+                  <a:glow rad="101600">
+                    <a:schemeClr val="bg1">
+                      <a:alpha val="60000"/>
+                    </a:schemeClr>
+                  </a:glow>
+                </a:effectLst>
+              </a:rPr>
+              <a:t>宇宙ゴミ</a:t>
+            </a:r>
+            <a:r>
+              <a:rPr lang="ja-JP" altLang="en-US" sz="2400" b="1" dirty="0">
+                <a:effectLst>
+                  <a:glow rad="101600">
+                    <a:schemeClr val="bg1">
+                      <a:alpha val="60000"/>
+                    </a:schemeClr>
+                  </a:glow>
+                </a:effectLst>
+              </a:rPr>
+              <a:t>ぶつかると</a:t>
+            </a:r>
+            <a:r>
+              <a:rPr lang="en-US" altLang="ja-JP" sz="2400" b="1" dirty="0">
+                <a:effectLst>
+                  <a:glow rad="101600">
+                    <a:schemeClr val="bg1">
+                      <a:alpha val="60000"/>
+                    </a:schemeClr>
+                  </a:glow>
+                </a:effectLst>
+              </a:rPr>
+              <a:t>+1</a:t>
+            </a:r>
+            <a:r>
+              <a:rPr lang="ja-JP" altLang="en-US" sz="2400" b="1" dirty="0">
+                <a:effectLst>
+                  <a:glow rad="101600">
+                    <a:schemeClr val="bg1">
+                      <a:alpha val="60000"/>
+                    </a:schemeClr>
+                  </a:glow>
+                </a:effectLst>
+              </a:rPr>
+              <a:t>スコア</a:t>
+            </a:r>
+            <a:endParaRPr kumimoji="1" lang="en-US" altLang="ja-JP" sz="2400" b="1" dirty="0">
+              <a:effectLst>
+                <a:glow rad="101600">
+                  <a:schemeClr val="bg1">
+                    <a:alpha val="60000"/>
+                  </a:schemeClr>
+                </a:glow>
+              </a:effectLst>
+            </a:endParaRPr>
+          </a:p>
+        </p:txBody>
+      </p:sp>
     </p:spTree>
     <p:extLst>
       <p:ext uri="{BB962C8B-B14F-4D97-AF65-F5344CB8AC3E}">
-        <p14:creationId xmlns:p14="http://schemas.microsoft.com/office/powerpoint/2010/main" val="3805105844"/>
+        <p14:creationId xmlns:p14="http://schemas.microsoft.com/office/powerpoint/2010/main" val="1953695777"/>
+      </p:ext>
+    </p:extLst>
+  </p:cSld>
+  <p:clrMapOvr>
+    <a:masterClrMapping/>
+  </p:clrMapOvr>
+</p:sld>
+</file>
+
+<file path=ppt/slides/slide5.xml><?xml version="1.0" encoding="utf-8"?>
+<p:sld xmlns:a="http://schemas.openxmlformats.org/drawingml/2006/main" xmlns:r="http://schemas.openxmlformats.org/officeDocument/2006/relationships" xmlns:p="http://schemas.openxmlformats.org/presentationml/2006/main">
+  <p:cSld>
+    <p:spTree>
+      <p:nvGrpSpPr>
+        <p:cNvPr id="1" name="">
+          <a:extLst>
+            <a:ext uri="{FF2B5EF4-FFF2-40B4-BE49-F238E27FC236}">
+              <a16:creationId xmlns:a16="http://schemas.microsoft.com/office/drawing/2014/main" id="{3066898A-5E55-3592-FB08-DACC76E96B3D}"/>
+            </a:ext>
+          </a:extLst>
+        </p:cNvPr>
+        <p:cNvGrpSpPr/>
+        <p:nvPr/>
+      </p:nvGrpSpPr>
+      <p:grpSpPr>
+        <a:xfrm>
+          <a:off x="0" y="0"/>
+          <a:ext cx="0" cy="0"/>
+          <a:chOff x="0" y="0"/>
+          <a:chExt cx="0" cy="0"/>
+        </a:xfrm>
+      </p:grpSpPr>
+      <p:sp>
+        <p:nvSpPr>
+          <p:cNvPr id="2" name="テキスト ボックス 1">
+            <a:extLst>
+              <a:ext uri="{FF2B5EF4-FFF2-40B4-BE49-F238E27FC236}">
+                <a16:creationId xmlns:a16="http://schemas.microsoft.com/office/drawing/2014/main" id="{048F3F81-A99F-DB3B-5C93-C569DB5954CD}"/>
+              </a:ext>
+            </a:extLst>
+          </p:cNvPr>
+          <p:cNvSpPr txBox="1"/>
+          <p:nvPr/>
+        </p:nvSpPr>
+        <p:spPr>
+          <a:xfrm>
+            <a:off x="0" y="79340"/>
+            <a:ext cx="7705060" cy="646331"/>
+          </a:xfrm>
+          <a:prstGeom prst="rect">
+            <a:avLst/>
+          </a:prstGeom>
+          <a:noFill/>
+        </p:spPr>
+        <p:txBody>
+          <a:bodyPr wrap="square" rtlCol="0">
+            <a:spAutoFit/>
+          </a:bodyPr>
+          <a:lstStyle/>
+          <a:p>
+            <a:pPr algn="ctr"/>
+            <a:r>
+              <a:rPr lang="ja-JP" altLang="en-US" sz="3600" b="1" dirty="0">
+                <a:effectLst>
+                  <a:glow rad="101600">
+                    <a:schemeClr val="bg1">
+                      <a:alpha val="60000"/>
+                    </a:schemeClr>
+                  </a:glow>
+                </a:effectLst>
+              </a:rPr>
+              <a:t>～アピールポイント</a:t>
+            </a:r>
+            <a:r>
+              <a:rPr lang="en-US" altLang="ja-JP" sz="3600" b="1" dirty="0">
+                <a:effectLst>
+                  <a:glow rad="101600">
+                    <a:schemeClr val="bg1">
+                      <a:alpha val="60000"/>
+                    </a:schemeClr>
+                  </a:glow>
+                </a:effectLst>
+              </a:rPr>
+              <a:t>+</a:t>
+            </a:r>
+            <a:r>
+              <a:rPr lang="ja-JP" altLang="en-US" sz="3600" b="1" dirty="0">
+                <a:effectLst>
+                  <a:glow rad="101600">
+                    <a:schemeClr val="bg1">
+                      <a:alpha val="60000"/>
+                    </a:schemeClr>
+                  </a:glow>
+                </a:effectLst>
+              </a:rPr>
+              <a:t>特徴～</a:t>
+            </a:r>
+            <a:endParaRPr kumimoji="1" lang="en-US" altLang="ja-JP" sz="3600" b="1" dirty="0">
+              <a:effectLst>
+                <a:glow rad="101600">
+                  <a:schemeClr val="bg1">
+                    <a:alpha val="60000"/>
+                  </a:schemeClr>
+                </a:glow>
+              </a:effectLst>
+            </a:endParaRPr>
+          </a:p>
+        </p:txBody>
+      </p:sp>
+      <p:sp>
+        <p:nvSpPr>
+          <p:cNvPr id="22" name="テキスト ボックス 21">
+            <a:extLst>
+              <a:ext uri="{FF2B5EF4-FFF2-40B4-BE49-F238E27FC236}">
+                <a16:creationId xmlns:a16="http://schemas.microsoft.com/office/drawing/2014/main" id="{784975D4-73E7-1E14-B0AE-7306F7C7C2EF}"/>
+              </a:ext>
+            </a:extLst>
+          </p:cNvPr>
+          <p:cNvSpPr txBox="1"/>
+          <p:nvPr/>
+        </p:nvSpPr>
+        <p:spPr>
+          <a:xfrm>
+            <a:off x="-356735" y="689177"/>
+            <a:ext cx="3822949" cy="523220"/>
+          </a:xfrm>
+          <a:prstGeom prst="rect">
+            <a:avLst/>
+          </a:prstGeom>
+          <a:noFill/>
+        </p:spPr>
+        <p:txBody>
+          <a:bodyPr wrap="square" rtlCol="0">
+            <a:spAutoFit/>
+          </a:bodyPr>
+          <a:lstStyle/>
+          <a:p>
+            <a:pPr algn="ctr"/>
+            <a:r>
+              <a:rPr lang="ja-JP" altLang="en-US" sz="2800" b="1" dirty="0">
+                <a:effectLst>
+                  <a:glow rad="101600">
+                    <a:schemeClr val="bg1">
+                      <a:alpha val="60000"/>
+                    </a:schemeClr>
+                  </a:glow>
+                </a:effectLst>
+              </a:rPr>
+              <a:t>＜独特な操作性</a:t>
+            </a:r>
+            <a:r>
+              <a:rPr lang="en-US" altLang="ja-JP" sz="2800" b="1" dirty="0">
+                <a:effectLst>
+                  <a:glow rad="101600">
+                    <a:schemeClr val="bg1">
+                      <a:alpha val="60000"/>
+                    </a:schemeClr>
+                  </a:glow>
+                </a:effectLst>
+              </a:rPr>
+              <a:t>&gt;</a:t>
+            </a:r>
+            <a:endParaRPr kumimoji="1" lang="en-US" altLang="ja-JP" sz="2800" b="1" dirty="0">
+              <a:effectLst>
+                <a:glow rad="101600">
+                  <a:schemeClr val="bg1">
+                    <a:alpha val="60000"/>
+                  </a:schemeClr>
+                </a:glow>
+              </a:effectLst>
+            </a:endParaRPr>
+          </a:p>
+        </p:txBody>
+      </p:sp>
+      <p:sp>
+        <p:nvSpPr>
+          <p:cNvPr id="23" name="テキスト ボックス 22">
+            <a:extLst>
+              <a:ext uri="{FF2B5EF4-FFF2-40B4-BE49-F238E27FC236}">
+                <a16:creationId xmlns:a16="http://schemas.microsoft.com/office/drawing/2014/main" id="{F37AD48A-A718-99FE-13A3-7B6197DEC418}"/>
+              </a:ext>
+            </a:extLst>
+          </p:cNvPr>
+          <p:cNvSpPr txBox="1"/>
+          <p:nvPr/>
+        </p:nvSpPr>
+        <p:spPr>
+          <a:xfrm>
+            <a:off x="3840481" y="1563591"/>
+            <a:ext cx="3617694" cy="461665"/>
+          </a:xfrm>
+          <a:prstGeom prst="rect">
+            <a:avLst/>
+          </a:prstGeom>
+          <a:noFill/>
+        </p:spPr>
+        <p:txBody>
+          <a:bodyPr wrap="square" rtlCol="0">
+            <a:spAutoFit/>
+          </a:bodyPr>
+          <a:lstStyle/>
+          <a:p>
+            <a:pPr algn="ctr"/>
+            <a:r>
+              <a:rPr kumimoji="1" lang="ja-JP" altLang="en-US" sz="2400" b="1" dirty="0">
+                <a:effectLst>
+                  <a:glow rad="101600">
+                    <a:schemeClr val="bg1">
+                      <a:alpha val="60000"/>
+                    </a:schemeClr>
+                  </a:glow>
+                </a:effectLst>
+              </a:rPr>
+              <a:t>何もしてないと</a:t>
+            </a:r>
+            <a:r>
+              <a:rPr lang="ja-JP" altLang="en-US" sz="2400" b="1" dirty="0">
+                <a:effectLst>
+                  <a:glow rad="101600">
+                    <a:schemeClr val="bg1">
+                      <a:alpha val="60000"/>
+                    </a:schemeClr>
+                  </a:glow>
+                </a:effectLst>
+              </a:rPr>
+              <a:t>・・・</a:t>
+            </a:r>
+            <a:endParaRPr kumimoji="1" lang="en-US" altLang="ja-JP" sz="2400" b="1" dirty="0">
+              <a:effectLst>
+                <a:glow rad="101600">
+                  <a:schemeClr val="bg1">
+                    <a:alpha val="60000"/>
+                  </a:schemeClr>
+                </a:glow>
+              </a:effectLst>
+            </a:endParaRPr>
+          </a:p>
+        </p:txBody>
+      </p:sp>
+      <p:sp>
+        <p:nvSpPr>
+          <p:cNvPr id="24" name="テキスト ボックス 23">
+            <a:extLst>
+              <a:ext uri="{FF2B5EF4-FFF2-40B4-BE49-F238E27FC236}">
+                <a16:creationId xmlns:a16="http://schemas.microsoft.com/office/drawing/2014/main" id="{5B905657-5136-5B5C-3B80-DC4EEF0012B9}"/>
+              </a:ext>
+            </a:extLst>
+          </p:cNvPr>
+          <p:cNvSpPr txBox="1"/>
+          <p:nvPr/>
+        </p:nvSpPr>
+        <p:spPr>
+          <a:xfrm>
+            <a:off x="4166344" y="2738091"/>
+            <a:ext cx="2965968" cy="461665"/>
+          </a:xfrm>
+          <a:prstGeom prst="rect">
+            <a:avLst/>
+          </a:prstGeom>
+          <a:noFill/>
+        </p:spPr>
+        <p:txBody>
+          <a:bodyPr wrap="square" rtlCol="0">
+            <a:spAutoFit/>
+          </a:bodyPr>
+          <a:lstStyle/>
+          <a:p>
+            <a:pPr algn="ctr"/>
+            <a:r>
+              <a:rPr lang="ja-JP" altLang="en-US" sz="2400" b="1" dirty="0">
+                <a:effectLst>
+                  <a:glow rad="101600">
+                    <a:schemeClr val="bg1">
+                      <a:alpha val="60000"/>
+                    </a:schemeClr>
+                  </a:glow>
+                </a:effectLst>
+              </a:rPr>
+              <a:t>常にゆっくり下がる</a:t>
+            </a:r>
+            <a:endParaRPr kumimoji="1" lang="ja-JP" altLang="en-US" sz="2400" b="1" dirty="0">
+              <a:effectLst>
+                <a:glow rad="101600">
+                  <a:schemeClr val="bg1">
+                    <a:alpha val="60000"/>
+                  </a:schemeClr>
+                </a:glow>
+              </a:effectLst>
+            </a:endParaRPr>
+          </a:p>
+        </p:txBody>
+      </p:sp>
+      <p:grpSp>
+        <p:nvGrpSpPr>
+          <p:cNvPr id="28" name="グループ化 27">
+            <a:extLst>
+              <a:ext uri="{FF2B5EF4-FFF2-40B4-BE49-F238E27FC236}">
+                <a16:creationId xmlns:a16="http://schemas.microsoft.com/office/drawing/2014/main" id="{3488232E-1B3A-E6FF-01DE-3E6CC322E498}"/>
+              </a:ext>
+            </a:extLst>
+          </p:cNvPr>
+          <p:cNvGrpSpPr/>
+          <p:nvPr/>
+        </p:nvGrpSpPr>
+        <p:grpSpPr>
+          <a:xfrm>
+            <a:off x="4049259" y="4297147"/>
+            <a:ext cx="3687196" cy="1006842"/>
+            <a:chOff x="5003887" y="3896453"/>
+            <a:chExt cx="3552123" cy="937033"/>
+          </a:xfrm>
+        </p:grpSpPr>
+        <p:sp>
+          <p:nvSpPr>
+            <p:cNvPr id="25" name="テキスト ボックス 24">
+              <a:extLst>
+                <a:ext uri="{FF2B5EF4-FFF2-40B4-BE49-F238E27FC236}">
+                  <a16:creationId xmlns:a16="http://schemas.microsoft.com/office/drawing/2014/main" id="{C3E53D48-BCE6-18D6-3BF4-5C22332A4A66}"/>
+                </a:ext>
+              </a:extLst>
+            </p:cNvPr>
+            <p:cNvSpPr txBox="1"/>
+            <p:nvPr/>
+          </p:nvSpPr>
+          <p:spPr>
+            <a:xfrm>
+              <a:off x="6143704" y="3928696"/>
+              <a:ext cx="2412306" cy="904790"/>
+            </a:xfrm>
+            <a:prstGeom prst="rect">
+              <a:avLst/>
+            </a:prstGeom>
+            <a:noFill/>
+          </p:spPr>
+          <p:txBody>
+            <a:bodyPr wrap="square" rtlCol="0">
+              <a:spAutoFit/>
+            </a:bodyPr>
+            <a:lstStyle/>
+            <a:p>
+              <a:pPr algn="ctr"/>
+              <a:r>
+                <a:rPr kumimoji="1" lang="ja-JP" altLang="en-US" sz="2400" b="1" dirty="0">
+                  <a:effectLst>
+                    <a:glow rad="101600">
+                      <a:schemeClr val="bg1">
+                        <a:alpha val="60000"/>
+                      </a:schemeClr>
+                    </a:glow>
+                  </a:effectLst>
+                </a:rPr>
+                <a:t>を押すと</a:t>
+              </a:r>
+              <a:r>
+                <a:rPr lang="ja-JP" altLang="en-US" sz="2400" b="1" dirty="0">
+                  <a:effectLst>
+                    <a:glow rad="101600">
+                      <a:schemeClr val="bg1">
+                        <a:alpha val="60000"/>
+                      </a:schemeClr>
+                    </a:glow>
+                  </a:effectLst>
+                </a:rPr>
+                <a:t>・・・</a:t>
+              </a:r>
+              <a:endParaRPr kumimoji="1" lang="en-US" altLang="ja-JP" sz="2400" b="1" dirty="0">
+                <a:effectLst>
+                  <a:glow rad="101600">
+                    <a:schemeClr val="bg1">
+                      <a:alpha val="60000"/>
+                    </a:schemeClr>
+                  </a:glow>
+                </a:effectLst>
+              </a:endParaRPr>
+            </a:p>
+          </p:txBody>
+        </p:sp>
+        <p:pic>
+          <p:nvPicPr>
+            <p:cNvPr id="26" name="図 25" descr="ロゴ が含まれている画像&#10;&#10;AI によって生成されたコンテンツは間違っている可能性があります。">
+              <a:extLst>
+                <a:ext uri="{FF2B5EF4-FFF2-40B4-BE49-F238E27FC236}">
+                  <a16:creationId xmlns:a16="http://schemas.microsoft.com/office/drawing/2014/main" id="{95AC9CE0-60D4-339D-E56C-DBDDB5477F11}"/>
+                </a:ext>
+              </a:extLst>
+            </p:cNvPr>
+            <p:cNvPicPr>
+              <a:picLocks noChangeAspect="1"/>
+            </p:cNvPicPr>
+            <p:nvPr/>
+          </p:nvPicPr>
+          <p:blipFill>
+            <a:blip r:embed="rId3">
+              <a:extLst>
+                <a:ext uri="{28A0092B-C50C-407E-A947-70E740481C1C}">
+                  <a14:useLocalDpi xmlns:a14="http://schemas.microsoft.com/office/drawing/2010/main" val="0"/>
+                </a:ext>
+              </a:extLst>
+            </a:blip>
+            <a:stretch>
+              <a:fillRect/>
+            </a:stretch>
+          </p:blipFill>
+          <p:spPr>
+            <a:xfrm>
+              <a:off x="5003887" y="3896453"/>
+              <a:ext cx="1139817" cy="476862"/>
+            </a:xfrm>
+            <a:prstGeom prst="rect">
+              <a:avLst/>
+            </a:prstGeom>
+          </p:spPr>
+        </p:pic>
+      </p:grpSp>
+      <p:sp>
+        <p:nvSpPr>
+          <p:cNvPr id="27" name="テキスト ボックス 26">
+            <a:extLst>
+              <a:ext uri="{FF2B5EF4-FFF2-40B4-BE49-F238E27FC236}">
+                <a16:creationId xmlns:a16="http://schemas.microsoft.com/office/drawing/2014/main" id="{8DA6698F-F7B4-3B1B-5A4D-B83EC8DDA4BA}"/>
+              </a:ext>
+            </a:extLst>
+          </p:cNvPr>
+          <p:cNvSpPr txBox="1"/>
+          <p:nvPr/>
+        </p:nvSpPr>
+        <p:spPr>
+          <a:xfrm>
+            <a:off x="3871143" y="5602003"/>
+            <a:ext cx="2965968" cy="461665"/>
+          </a:xfrm>
+          <a:prstGeom prst="rect">
+            <a:avLst/>
+          </a:prstGeom>
+          <a:noFill/>
+        </p:spPr>
+        <p:txBody>
+          <a:bodyPr wrap="square" rtlCol="0">
+            <a:spAutoFit/>
+          </a:bodyPr>
+          <a:lstStyle/>
+          <a:p>
+            <a:pPr algn="ctr"/>
+            <a:r>
+              <a:rPr kumimoji="1" lang="ja-JP" altLang="en-US" sz="2400" b="1" dirty="0">
+                <a:effectLst>
+                  <a:glow rad="101600">
+                    <a:schemeClr val="bg1">
+                      <a:alpha val="60000"/>
+                    </a:schemeClr>
+                  </a:glow>
+                </a:effectLst>
+              </a:rPr>
+              <a:t>上に進む</a:t>
+            </a:r>
+          </a:p>
+        </p:txBody>
+      </p:sp>
+      <p:cxnSp>
+        <p:nvCxnSpPr>
+          <p:cNvPr id="29" name="直線コネクタ 28">
+            <a:extLst>
+              <a:ext uri="{FF2B5EF4-FFF2-40B4-BE49-F238E27FC236}">
+                <a16:creationId xmlns:a16="http://schemas.microsoft.com/office/drawing/2014/main" id="{E61A66F8-271A-ECF7-FD5B-7BE6D6BD008A}"/>
+              </a:ext>
+            </a:extLst>
+          </p:cNvPr>
+          <p:cNvCxnSpPr>
+            <a:cxnSpLocks/>
+          </p:cNvCxnSpPr>
+          <p:nvPr/>
+        </p:nvCxnSpPr>
+        <p:spPr>
+          <a:xfrm flipV="1">
+            <a:off x="136575" y="3824239"/>
+            <a:ext cx="7568485" cy="25733"/>
+          </a:xfrm>
+          <a:prstGeom prst="line">
+            <a:avLst/>
+          </a:prstGeom>
+        </p:spPr>
+        <p:style>
+          <a:lnRef idx="2">
+            <a:schemeClr val="dk1"/>
+          </a:lnRef>
+          <a:fillRef idx="0">
+            <a:schemeClr val="dk1"/>
+          </a:fillRef>
+          <a:effectRef idx="1">
+            <a:schemeClr val="dk1"/>
+          </a:effectRef>
+          <a:fontRef idx="minor">
+            <a:schemeClr val="tx1"/>
+          </a:fontRef>
+        </p:style>
+      </p:cxnSp>
+      <p:grpSp>
+        <p:nvGrpSpPr>
+          <p:cNvPr id="36" name="グループ化 35">
+            <a:extLst>
+              <a:ext uri="{FF2B5EF4-FFF2-40B4-BE49-F238E27FC236}">
+                <a16:creationId xmlns:a16="http://schemas.microsoft.com/office/drawing/2014/main" id="{A8C9B7FA-317D-D86F-C1F1-86333723CDE3}"/>
+              </a:ext>
+            </a:extLst>
+          </p:cNvPr>
+          <p:cNvGrpSpPr/>
+          <p:nvPr/>
+        </p:nvGrpSpPr>
+        <p:grpSpPr>
+          <a:xfrm>
+            <a:off x="216567" y="1319896"/>
+            <a:ext cx="3666242" cy="2342435"/>
+            <a:chOff x="216567" y="1319896"/>
+            <a:chExt cx="3666242" cy="2342435"/>
+          </a:xfrm>
+        </p:grpSpPr>
+        <p:grpSp>
+          <p:nvGrpSpPr>
+            <p:cNvPr id="3" name="グループ化 2">
+              <a:extLst>
+                <a:ext uri="{FF2B5EF4-FFF2-40B4-BE49-F238E27FC236}">
+                  <a16:creationId xmlns:a16="http://schemas.microsoft.com/office/drawing/2014/main" id="{15D43FA9-F6AA-ABDD-AEAF-DC5E9D04E437}"/>
+                </a:ext>
+              </a:extLst>
+            </p:cNvPr>
+            <p:cNvGrpSpPr/>
+            <p:nvPr/>
+          </p:nvGrpSpPr>
+          <p:grpSpPr>
+            <a:xfrm>
+              <a:off x="216567" y="1319896"/>
+              <a:ext cx="3666242" cy="2342435"/>
+              <a:chOff x="4667996" y="3702639"/>
+              <a:chExt cx="4096720" cy="2399809"/>
+            </a:xfrm>
+          </p:grpSpPr>
+          <p:pic>
+            <p:nvPicPr>
+              <p:cNvPr id="4" name="図 3" descr="星と惑星のcg&#10;&#10;AI によって生成されたコンテンツは間違っている可能性があります。">
+                <a:extLst>
+                  <a:ext uri="{FF2B5EF4-FFF2-40B4-BE49-F238E27FC236}">
+                    <a16:creationId xmlns:a16="http://schemas.microsoft.com/office/drawing/2014/main" id="{66935166-077A-52C2-DE00-1BC7D6D680F7}"/>
+                  </a:ext>
+                </a:extLst>
+              </p:cNvPr>
+              <p:cNvPicPr>
+                <a:picLocks noChangeAspect="1"/>
+              </p:cNvPicPr>
+              <p:nvPr/>
+            </p:nvPicPr>
+            <p:blipFill>
+              <a:blip r:embed="rId4">
+                <a:alphaModFix amt="60000"/>
+                <a:extLst>
+                  <a:ext uri="{28A0092B-C50C-407E-A947-70E740481C1C}">
+                    <a14:useLocalDpi xmlns:a14="http://schemas.microsoft.com/office/drawing/2010/main" val="0"/>
+                  </a:ext>
+                </a:extLst>
+              </a:blip>
+              <a:stretch>
+                <a:fillRect/>
+              </a:stretch>
+            </p:blipFill>
+            <p:spPr>
+              <a:xfrm>
+                <a:off x="4667996" y="3718395"/>
+                <a:ext cx="4087435" cy="2384053"/>
+              </a:xfrm>
+              <a:prstGeom prst="rect">
+                <a:avLst/>
+              </a:prstGeom>
+            </p:spPr>
+          </p:pic>
+          <p:sp>
+            <p:nvSpPr>
+              <p:cNvPr id="5" name="矢印: 上 4">
+                <a:extLst>
+                  <a:ext uri="{FF2B5EF4-FFF2-40B4-BE49-F238E27FC236}">
+                    <a16:creationId xmlns:a16="http://schemas.microsoft.com/office/drawing/2014/main" id="{21B601CF-B2BD-B04D-866D-0F2566A3B7CD}"/>
+                  </a:ext>
+                </a:extLst>
+              </p:cNvPr>
+              <p:cNvSpPr/>
+              <p:nvPr/>
+            </p:nvSpPr>
+            <p:spPr>
+              <a:xfrm rot="10800000">
+                <a:off x="6509091" y="4659920"/>
+                <a:ext cx="282596" cy="1349317"/>
+              </a:xfrm>
+              <a:prstGeom prst="upArrow">
+                <a:avLst/>
+              </a:prstGeom>
+              <a:solidFill>
+                <a:schemeClr val="accent4"/>
+              </a:solidFill>
+            </p:spPr>
+            <p:style>
+              <a:lnRef idx="2">
+                <a:schemeClr val="dk1">
+                  <a:shade val="15000"/>
+                </a:schemeClr>
+              </a:lnRef>
+              <a:fillRef idx="1">
+                <a:schemeClr val="dk1"/>
+              </a:fillRef>
+              <a:effectRef idx="0">
+                <a:schemeClr val="dk1"/>
+              </a:effectRef>
+              <a:fontRef idx="minor">
+                <a:schemeClr val="lt1"/>
+              </a:fontRef>
+            </p:style>
+            <p:txBody>
+              <a:bodyPr rtlCol="0" anchor="ctr"/>
+              <a:lstStyle/>
+              <a:p>
+                <a:pPr algn="ctr"/>
+                <a:endParaRPr kumimoji="1" lang="ja-JP" altLang="en-US" dirty="0"/>
+              </a:p>
+            </p:txBody>
+          </p:sp>
+          <p:sp>
+            <p:nvSpPr>
+              <p:cNvPr id="6" name="正方形/長方形 5">
+                <a:extLst>
+                  <a:ext uri="{FF2B5EF4-FFF2-40B4-BE49-F238E27FC236}">
+                    <a16:creationId xmlns:a16="http://schemas.microsoft.com/office/drawing/2014/main" id="{F51DC219-224F-B729-4828-F60EF8F898B1}"/>
+                  </a:ext>
+                </a:extLst>
+              </p:cNvPr>
+              <p:cNvSpPr/>
+              <p:nvPr/>
+            </p:nvSpPr>
+            <p:spPr>
+              <a:xfrm>
+                <a:off x="4677281" y="3702639"/>
+                <a:ext cx="4087435" cy="2384053"/>
+              </a:xfrm>
+              <a:prstGeom prst="rect">
+                <a:avLst/>
+              </a:prstGeom>
+              <a:noFill/>
+              <a:ln w="57150" cap="flat" cmpd="sng" algn="ctr">
+                <a:solidFill>
+                  <a:schemeClr val="dk1"/>
+                </a:solidFill>
+                <a:prstDash val="solid"/>
+                <a:round/>
+                <a:headEnd type="none" w="med" len="med"/>
+                <a:tailEnd type="none" w="med" len="med"/>
+              </a:ln>
+            </p:spPr>
+            <p:style>
+              <a:lnRef idx="0">
+                <a:scrgbClr r="0" g="0" b="0"/>
+              </a:lnRef>
+              <a:fillRef idx="0">
+                <a:scrgbClr r="0" g="0" b="0"/>
+              </a:fillRef>
+              <a:effectRef idx="0">
+                <a:scrgbClr r="0" g="0" b="0"/>
+              </a:effectRef>
+              <a:fontRef idx="minor">
+                <a:schemeClr val="dk1"/>
+              </a:fontRef>
+            </p:style>
+            <p:txBody>
+              <a:bodyPr rtlCol="0" anchor="ctr"/>
+              <a:lstStyle/>
+              <a:p>
+                <a:pPr algn="ctr"/>
+                <a:endParaRPr kumimoji="1" lang="ja-JP" altLang="en-US"/>
+              </a:p>
+            </p:txBody>
+          </p:sp>
+          <p:sp>
+            <p:nvSpPr>
+              <p:cNvPr id="7" name="楕円 6">
+                <a:extLst>
+                  <a:ext uri="{FF2B5EF4-FFF2-40B4-BE49-F238E27FC236}">
+                    <a16:creationId xmlns:a16="http://schemas.microsoft.com/office/drawing/2014/main" id="{37E9AAD0-3719-3855-76E3-7DE4C26D4B82}"/>
+                  </a:ext>
+                </a:extLst>
+              </p:cNvPr>
+              <p:cNvSpPr/>
+              <p:nvPr/>
+            </p:nvSpPr>
+            <p:spPr>
+              <a:xfrm>
+                <a:off x="6447965" y="5132942"/>
+                <a:ext cx="404848" cy="403271"/>
+              </a:xfrm>
+              <a:prstGeom prst="ellipse">
+                <a:avLst/>
+              </a:prstGeom>
+              <a:solidFill>
+                <a:schemeClr val="bg1"/>
+              </a:solidFill>
+              <a:ln w="38100">
+                <a:solidFill>
+                  <a:schemeClr val="accent1">
+                    <a:lumMod val="60000"/>
+                    <a:lumOff val="40000"/>
+                  </a:schemeClr>
+                </a:solidFill>
+              </a:ln>
+            </p:spPr>
+            <p:style>
+              <a:lnRef idx="2">
+                <a:schemeClr val="accent1">
+                  <a:shade val="15000"/>
+                </a:schemeClr>
+              </a:lnRef>
+              <a:fillRef idx="1">
+                <a:schemeClr val="accent1"/>
+              </a:fillRef>
+              <a:effectRef idx="0">
+                <a:schemeClr val="accent1"/>
+              </a:effectRef>
+              <a:fontRef idx="minor">
+                <a:schemeClr val="lt1"/>
+              </a:fontRef>
+            </p:style>
+            <p:txBody>
+              <a:bodyPr rtlCol="0" anchor="ctr"/>
+              <a:lstStyle/>
+              <a:p>
+                <a:pPr algn="ctr"/>
+                <a:endParaRPr kumimoji="1" lang="ja-JP" altLang="en-US"/>
+              </a:p>
+            </p:txBody>
+          </p:sp>
+          <p:pic>
+            <p:nvPicPr>
+              <p:cNvPr id="8" name="グラフィックス 7" descr="チェック マーク 単色塗りつぶし">
+                <a:extLst>
+                  <a:ext uri="{FF2B5EF4-FFF2-40B4-BE49-F238E27FC236}">
+                    <a16:creationId xmlns:a16="http://schemas.microsoft.com/office/drawing/2014/main" id="{E2B357BF-7C46-4E41-A2B2-00AD8CDFF1C4}"/>
+                  </a:ext>
+                </a:extLst>
+              </p:cNvPr>
+              <p:cNvPicPr>
+                <a:picLocks noChangeAspect="1"/>
+              </p:cNvPicPr>
+              <p:nvPr/>
+            </p:nvPicPr>
+            <p:blipFill>
+              <a:blip r:embed="rId5">
+                <a:extLst>
+                  <a:ext uri="{96DAC541-7B7A-43D3-8B79-37D633B846F1}">
+                    <asvg:svgBlip xmlns:asvg="http://schemas.microsoft.com/office/drawing/2016/SVG/main" r:embed="rId6"/>
+                  </a:ext>
+                </a:extLst>
+              </a:blip>
+              <a:stretch>
+                <a:fillRect/>
+              </a:stretch>
+            </p:blipFill>
+            <p:spPr>
+              <a:xfrm rot="3631528">
+                <a:off x="4820792" y="5417775"/>
+                <a:ext cx="457200" cy="457200"/>
+              </a:xfrm>
+              <a:prstGeom prst="rect">
+                <a:avLst/>
+              </a:prstGeom>
+            </p:spPr>
+          </p:pic>
+          <p:pic>
+            <p:nvPicPr>
+              <p:cNvPr id="9" name="グラフィックス 8" descr="下弦の月 単色塗りつぶし">
+                <a:extLst>
+                  <a:ext uri="{FF2B5EF4-FFF2-40B4-BE49-F238E27FC236}">
+                    <a16:creationId xmlns:a16="http://schemas.microsoft.com/office/drawing/2014/main" id="{EF9A81D2-B3A9-33D3-AA63-CA00E91D76B2}"/>
+                  </a:ext>
+                </a:extLst>
+              </p:cNvPr>
+              <p:cNvPicPr>
+                <a:picLocks noChangeAspect="1"/>
+              </p:cNvPicPr>
+              <p:nvPr/>
+            </p:nvPicPr>
+            <p:blipFill>
+              <a:blip r:embed="rId7">
+                <a:extLst>
+                  <a:ext uri="{96DAC541-7B7A-43D3-8B79-37D633B846F1}">
+                    <asvg:svgBlip xmlns:asvg="http://schemas.microsoft.com/office/drawing/2016/SVG/main" r:embed="rId8"/>
+                  </a:ext>
+                </a:extLst>
+              </a:blip>
+              <a:stretch>
+                <a:fillRect/>
+              </a:stretch>
+            </p:blipFill>
+            <p:spPr>
+              <a:xfrm>
+                <a:off x="7404197" y="3903015"/>
+                <a:ext cx="457200" cy="457200"/>
+              </a:xfrm>
+              <a:prstGeom prst="rect">
+                <a:avLst/>
+              </a:prstGeom>
+            </p:spPr>
+          </p:pic>
+          <p:pic>
+            <p:nvPicPr>
+              <p:cNvPr id="10" name="グラフィックス 9" descr="ノコ刃 単色塗りつぶし">
+                <a:extLst>
+                  <a:ext uri="{FF2B5EF4-FFF2-40B4-BE49-F238E27FC236}">
+                    <a16:creationId xmlns:a16="http://schemas.microsoft.com/office/drawing/2014/main" id="{12884850-9244-D2FA-30C2-F1C13AE7286B}"/>
+                  </a:ext>
+                </a:extLst>
+              </p:cNvPr>
+              <p:cNvPicPr>
+                <a:picLocks noChangeAspect="1"/>
+              </p:cNvPicPr>
+              <p:nvPr/>
+            </p:nvPicPr>
+            <p:blipFill>
+              <a:blip r:embed="rId9">
+                <a:extLst>
+                  <a:ext uri="{96DAC541-7B7A-43D3-8B79-37D633B846F1}">
+                    <asvg:svgBlip xmlns:asvg="http://schemas.microsoft.com/office/drawing/2016/SVG/main" r:embed="rId10"/>
+                  </a:ext>
+                </a:extLst>
+              </a:blip>
+              <a:stretch>
+                <a:fillRect/>
+              </a:stretch>
+            </p:blipFill>
+            <p:spPr>
+              <a:xfrm>
+                <a:off x="7544960" y="4867723"/>
+                <a:ext cx="457200" cy="457200"/>
+              </a:xfrm>
+              <a:prstGeom prst="rect">
+                <a:avLst/>
+              </a:prstGeom>
+            </p:spPr>
+          </p:pic>
+          <p:pic>
+            <p:nvPicPr>
+              <p:cNvPr id="11" name="グラフィックス 10" descr="二十六夜の月 単色塗りつぶし">
+                <a:extLst>
+                  <a:ext uri="{FF2B5EF4-FFF2-40B4-BE49-F238E27FC236}">
+                    <a16:creationId xmlns:a16="http://schemas.microsoft.com/office/drawing/2014/main" id="{F2AA5987-72E5-9C01-7659-346977185CB9}"/>
+                  </a:ext>
+                </a:extLst>
+              </p:cNvPr>
+              <p:cNvPicPr>
+                <a:picLocks noChangeAspect="1"/>
+              </p:cNvPicPr>
+              <p:nvPr/>
+            </p:nvPicPr>
+            <p:blipFill>
+              <a:blip r:embed="rId11">
+                <a:extLst>
+                  <a:ext uri="{96DAC541-7B7A-43D3-8B79-37D633B846F1}">
+                    <asvg:svgBlip xmlns:asvg="http://schemas.microsoft.com/office/drawing/2016/SVG/main" r:embed="rId12"/>
+                  </a:ext>
+                </a:extLst>
+              </a:blip>
+              <a:stretch>
+                <a:fillRect/>
+              </a:stretch>
+            </p:blipFill>
+            <p:spPr>
+              <a:xfrm>
+                <a:off x="4778123" y="4080613"/>
+                <a:ext cx="457200" cy="457200"/>
+              </a:xfrm>
+              <a:prstGeom prst="rect">
+                <a:avLst/>
+              </a:prstGeom>
+            </p:spPr>
+          </p:pic>
+        </p:grpSp>
+        <p:cxnSp>
+          <p:nvCxnSpPr>
+            <p:cNvPr id="32" name="直線コネクタ 31">
+              <a:extLst>
+                <a:ext uri="{FF2B5EF4-FFF2-40B4-BE49-F238E27FC236}">
+                  <a16:creationId xmlns:a16="http://schemas.microsoft.com/office/drawing/2014/main" id="{E63E370C-ABCF-9152-3B98-81F06E54D518}"/>
+                </a:ext>
+              </a:extLst>
+            </p:cNvPr>
+            <p:cNvCxnSpPr>
+              <a:cxnSpLocks/>
+            </p:cNvCxnSpPr>
+            <p:nvPr/>
+          </p:nvCxnSpPr>
+          <p:spPr>
+            <a:xfrm flipV="1">
+              <a:off x="240963" y="1353573"/>
+              <a:ext cx="3630180" cy="3458"/>
+            </a:xfrm>
+            <a:prstGeom prst="line">
+              <a:avLst/>
+            </a:prstGeom>
+            <a:ln>
+              <a:solidFill>
+                <a:srgbClr val="FF0000"/>
+              </a:solidFill>
+            </a:ln>
+            <a:effectLst>
+              <a:glow rad="63500">
+                <a:srgbClr val="FF0000">
+                  <a:alpha val="40000"/>
+                </a:srgbClr>
+              </a:glow>
+            </a:effectLst>
+          </p:spPr>
+          <p:style>
+            <a:lnRef idx="2">
+              <a:schemeClr val="dk1"/>
+            </a:lnRef>
+            <a:fillRef idx="0">
+              <a:schemeClr val="dk1"/>
+            </a:fillRef>
+            <a:effectRef idx="1">
+              <a:schemeClr val="dk1"/>
+            </a:effectRef>
+            <a:fontRef idx="minor">
+              <a:schemeClr val="tx1"/>
+            </a:fontRef>
+          </p:style>
+        </p:cxnSp>
+      </p:grpSp>
+      <p:grpSp>
+        <p:nvGrpSpPr>
+          <p:cNvPr id="37" name="グループ化 36">
+            <a:extLst>
+              <a:ext uri="{FF2B5EF4-FFF2-40B4-BE49-F238E27FC236}">
+                <a16:creationId xmlns:a16="http://schemas.microsoft.com/office/drawing/2014/main" id="{682B72F3-3C18-A1F5-95E9-39484975E3CB}"/>
+              </a:ext>
+            </a:extLst>
+          </p:cNvPr>
+          <p:cNvGrpSpPr/>
+          <p:nvPr/>
+        </p:nvGrpSpPr>
+        <p:grpSpPr>
+          <a:xfrm>
+            <a:off x="213077" y="4075930"/>
+            <a:ext cx="3669731" cy="2375693"/>
+            <a:chOff x="213077" y="4075930"/>
+            <a:chExt cx="3669731" cy="2375693"/>
+          </a:xfrm>
+        </p:grpSpPr>
+        <p:grpSp>
+          <p:nvGrpSpPr>
+            <p:cNvPr id="12" name="グループ化 11">
+              <a:extLst>
+                <a:ext uri="{FF2B5EF4-FFF2-40B4-BE49-F238E27FC236}">
+                  <a16:creationId xmlns:a16="http://schemas.microsoft.com/office/drawing/2014/main" id="{9DC0A3BA-EF4F-4072-E77B-8D6736FDF7FF}"/>
+                </a:ext>
+              </a:extLst>
+            </p:cNvPr>
+            <p:cNvGrpSpPr/>
+            <p:nvPr/>
+          </p:nvGrpSpPr>
+          <p:grpSpPr>
+            <a:xfrm>
+              <a:off x="213077" y="4075930"/>
+              <a:ext cx="3669731" cy="2375693"/>
+              <a:chOff x="232085" y="3700663"/>
+              <a:chExt cx="4087437" cy="2386030"/>
+            </a:xfrm>
+          </p:grpSpPr>
+          <p:pic>
+            <p:nvPicPr>
+              <p:cNvPr id="13" name="図 12" descr="星と惑星のcg&#10;&#10;AI によって生成されたコンテンツは間違っている可能性があります。">
+                <a:extLst>
+                  <a:ext uri="{FF2B5EF4-FFF2-40B4-BE49-F238E27FC236}">
+                    <a16:creationId xmlns:a16="http://schemas.microsoft.com/office/drawing/2014/main" id="{D62CBA66-6A85-BE92-DDDA-B10947668EE8}"/>
+                  </a:ext>
+                </a:extLst>
+              </p:cNvPr>
+              <p:cNvPicPr>
+                <a:picLocks noChangeAspect="1"/>
+              </p:cNvPicPr>
+              <p:nvPr/>
+            </p:nvPicPr>
+            <p:blipFill>
+              <a:blip r:embed="rId4">
+                <a:alphaModFix amt="60000"/>
+                <a:extLst>
+                  <a:ext uri="{28A0092B-C50C-407E-A947-70E740481C1C}">
+                    <a14:useLocalDpi xmlns:a14="http://schemas.microsoft.com/office/drawing/2010/main" val="0"/>
+                  </a:ext>
+                </a:extLst>
+              </a:blip>
+              <a:stretch>
+                <a:fillRect/>
+              </a:stretch>
+            </p:blipFill>
+            <p:spPr>
+              <a:xfrm>
+                <a:off x="232085" y="3700663"/>
+                <a:ext cx="4087435" cy="2384053"/>
+              </a:xfrm>
+              <a:prstGeom prst="rect">
+                <a:avLst/>
+              </a:prstGeom>
+            </p:spPr>
+          </p:pic>
+          <p:sp>
+            <p:nvSpPr>
+              <p:cNvPr id="14" name="矢印: 上 13">
+                <a:extLst>
+                  <a:ext uri="{FF2B5EF4-FFF2-40B4-BE49-F238E27FC236}">
+                    <a16:creationId xmlns:a16="http://schemas.microsoft.com/office/drawing/2014/main" id="{DD5F8C72-1FF3-3B63-6DD9-B51E95BCF1DC}"/>
+                  </a:ext>
+                </a:extLst>
+              </p:cNvPr>
+              <p:cNvSpPr/>
+              <p:nvPr/>
+            </p:nvSpPr>
+            <p:spPr>
+              <a:xfrm>
+                <a:off x="2101975" y="3824234"/>
+                <a:ext cx="334667" cy="1766510"/>
+              </a:xfrm>
+              <a:prstGeom prst="upArrow">
+                <a:avLst/>
+              </a:prstGeom>
+              <a:solidFill>
+                <a:srgbClr val="FF0000"/>
+              </a:solidFill>
+            </p:spPr>
+            <p:style>
+              <a:lnRef idx="2">
+                <a:schemeClr val="dk1">
+                  <a:shade val="15000"/>
+                </a:schemeClr>
+              </a:lnRef>
+              <a:fillRef idx="1">
+                <a:schemeClr val="dk1"/>
+              </a:fillRef>
+              <a:effectRef idx="0">
+                <a:schemeClr val="dk1"/>
+              </a:effectRef>
+              <a:fontRef idx="minor">
+                <a:schemeClr val="lt1"/>
+              </a:fontRef>
+            </p:style>
+            <p:txBody>
+              <a:bodyPr rtlCol="0" anchor="ctr"/>
+              <a:lstStyle/>
+              <a:p>
+                <a:pPr algn="ctr"/>
+                <a:endParaRPr kumimoji="1" lang="ja-JP" altLang="en-US" dirty="0"/>
+              </a:p>
+            </p:txBody>
+          </p:sp>
+          <p:sp>
+            <p:nvSpPr>
+              <p:cNvPr id="15" name="正方形/長方形 14">
+                <a:extLst>
+                  <a:ext uri="{FF2B5EF4-FFF2-40B4-BE49-F238E27FC236}">
+                    <a16:creationId xmlns:a16="http://schemas.microsoft.com/office/drawing/2014/main" id="{7DC1F198-9C57-7663-A21D-28049C2ACBF4}"/>
+                  </a:ext>
+                </a:extLst>
+              </p:cNvPr>
+              <p:cNvSpPr/>
+              <p:nvPr/>
+            </p:nvSpPr>
+            <p:spPr>
+              <a:xfrm>
+                <a:off x="232087" y="3702640"/>
+                <a:ext cx="4087435" cy="2384053"/>
+              </a:xfrm>
+              <a:prstGeom prst="rect">
+                <a:avLst/>
+              </a:prstGeom>
+              <a:noFill/>
+              <a:ln w="57150" cap="flat" cmpd="sng" algn="ctr">
+                <a:solidFill>
+                  <a:schemeClr val="dk1"/>
+                </a:solidFill>
+                <a:prstDash val="solid"/>
+                <a:round/>
+                <a:headEnd type="none" w="med" len="med"/>
+                <a:tailEnd type="none" w="med" len="med"/>
+              </a:ln>
+            </p:spPr>
+            <p:style>
+              <a:lnRef idx="0">
+                <a:scrgbClr r="0" g="0" b="0"/>
+              </a:lnRef>
+              <a:fillRef idx="0">
+                <a:scrgbClr r="0" g="0" b="0"/>
+              </a:fillRef>
+              <a:effectRef idx="0">
+                <a:scrgbClr r="0" g="0" b="0"/>
+              </a:effectRef>
+              <a:fontRef idx="minor">
+                <a:schemeClr val="dk1"/>
+              </a:fontRef>
+            </p:style>
+            <p:txBody>
+              <a:bodyPr rtlCol="0" anchor="ctr"/>
+              <a:lstStyle/>
+              <a:p>
+                <a:pPr algn="ctr"/>
+                <a:endParaRPr kumimoji="1" lang="ja-JP" altLang="en-US"/>
+              </a:p>
+            </p:txBody>
+          </p:sp>
+          <p:sp>
+            <p:nvSpPr>
+              <p:cNvPr id="16" name="楕円 15">
+                <a:extLst>
+                  <a:ext uri="{FF2B5EF4-FFF2-40B4-BE49-F238E27FC236}">
+                    <a16:creationId xmlns:a16="http://schemas.microsoft.com/office/drawing/2014/main" id="{3537C608-0070-4AE8-4D6B-96144FE6458F}"/>
+                  </a:ext>
+                </a:extLst>
+              </p:cNvPr>
+              <p:cNvSpPr/>
+              <p:nvPr/>
+            </p:nvSpPr>
+            <p:spPr>
+              <a:xfrm>
+                <a:off x="2073380" y="4517969"/>
+                <a:ext cx="404848" cy="403271"/>
+              </a:xfrm>
+              <a:prstGeom prst="ellipse">
+                <a:avLst/>
+              </a:prstGeom>
+              <a:solidFill>
+                <a:schemeClr val="bg1"/>
+              </a:solidFill>
+              <a:ln w="38100">
+                <a:solidFill>
+                  <a:schemeClr val="accent1">
+                    <a:lumMod val="60000"/>
+                    <a:lumOff val="40000"/>
+                  </a:schemeClr>
+                </a:solidFill>
+              </a:ln>
+            </p:spPr>
+            <p:style>
+              <a:lnRef idx="2">
+                <a:schemeClr val="accent1">
+                  <a:shade val="15000"/>
+                </a:schemeClr>
+              </a:lnRef>
+              <a:fillRef idx="1">
+                <a:schemeClr val="accent1"/>
+              </a:fillRef>
+              <a:effectRef idx="0">
+                <a:schemeClr val="accent1"/>
+              </a:effectRef>
+              <a:fontRef idx="minor">
+                <a:schemeClr val="lt1"/>
+              </a:fontRef>
+            </p:style>
+            <p:txBody>
+              <a:bodyPr rtlCol="0" anchor="ctr"/>
+              <a:lstStyle/>
+              <a:p>
+                <a:pPr algn="ctr"/>
+                <a:endParaRPr kumimoji="1" lang="ja-JP" altLang="en-US"/>
+              </a:p>
+            </p:txBody>
+          </p:sp>
+          <p:pic>
+            <p:nvPicPr>
+              <p:cNvPr id="17" name="グラフィックス 16" descr="アリ 単色塗りつぶし">
+                <a:extLst>
+                  <a:ext uri="{FF2B5EF4-FFF2-40B4-BE49-F238E27FC236}">
+                    <a16:creationId xmlns:a16="http://schemas.microsoft.com/office/drawing/2014/main" id="{7B0B750A-4EDA-BFEB-B22C-ABAE5D2F9A70}"/>
+                  </a:ext>
+                </a:extLst>
+              </p:cNvPr>
+              <p:cNvPicPr>
+                <a:picLocks noChangeAspect="1"/>
+              </p:cNvPicPr>
+              <p:nvPr/>
+            </p:nvPicPr>
+            <p:blipFill>
+              <a:blip r:embed="rId13">
+                <a:extLst>
+                  <a:ext uri="{96DAC541-7B7A-43D3-8B79-37D633B846F1}">
+                    <asvg:svgBlip xmlns:asvg="http://schemas.microsoft.com/office/drawing/2016/SVG/main" r:embed="rId14"/>
+                  </a:ext>
+                </a:extLst>
+              </a:blip>
+              <a:stretch>
+                <a:fillRect/>
+              </a:stretch>
+            </p:blipFill>
+            <p:spPr>
+              <a:xfrm rot="16200000">
+                <a:off x="2720998" y="4383957"/>
+                <a:ext cx="457200" cy="457200"/>
+              </a:xfrm>
+              <a:prstGeom prst="rect">
+                <a:avLst/>
+              </a:prstGeom>
+            </p:spPr>
+          </p:pic>
+          <p:pic>
+            <p:nvPicPr>
+              <p:cNvPr id="18" name="グラフィックス 17" descr="木星 単色塗りつぶし">
+                <a:extLst>
+                  <a:ext uri="{FF2B5EF4-FFF2-40B4-BE49-F238E27FC236}">
+                    <a16:creationId xmlns:a16="http://schemas.microsoft.com/office/drawing/2014/main" id="{369FE11F-7FAC-FA9D-0982-ADA8F1EC1703}"/>
+                  </a:ext>
+                </a:extLst>
+              </p:cNvPr>
+              <p:cNvPicPr>
+                <a:picLocks noChangeAspect="1"/>
+              </p:cNvPicPr>
+              <p:nvPr/>
+            </p:nvPicPr>
+            <p:blipFill>
+              <a:blip r:embed="rId15">
+                <a:extLst>
+                  <a:ext uri="{96DAC541-7B7A-43D3-8B79-37D633B846F1}">
+                    <asvg:svgBlip xmlns:asvg="http://schemas.microsoft.com/office/drawing/2016/SVG/main" r:embed="rId16"/>
+                  </a:ext>
+                </a:extLst>
+              </a:blip>
+              <a:stretch>
+                <a:fillRect/>
+              </a:stretch>
+            </p:blipFill>
+            <p:spPr>
+              <a:xfrm>
+                <a:off x="3584840" y="3852013"/>
+                <a:ext cx="457200" cy="457200"/>
+              </a:xfrm>
+              <a:prstGeom prst="rect">
+                <a:avLst/>
+              </a:prstGeom>
+            </p:spPr>
+          </p:pic>
+          <p:pic>
+            <p:nvPicPr>
+              <p:cNvPr id="19" name="グラフィックス 18" descr="レイヤー (デザイン) 単色塗りつぶし">
+                <a:extLst>
+                  <a:ext uri="{FF2B5EF4-FFF2-40B4-BE49-F238E27FC236}">
+                    <a16:creationId xmlns:a16="http://schemas.microsoft.com/office/drawing/2014/main" id="{F8754CF4-4A58-5C31-9F16-F976153E6C2D}"/>
+                  </a:ext>
+                </a:extLst>
+              </p:cNvPr>
+              <p:cNvPicPr>
+                <a:picLocks noChangeAspect="1"/>
+              </p:cNvPicPr>
+              <p:nvPr/>
+            </p:nvPicPr>
+            <p:blipFill>
+              <a:blip r:embed="rId17">
+                <a:extLst>
+                  <a:ext uri="{96DAC541-7B7A-43D3-8B79-37D633B846F1}">
+                    <asvg:svgBlip xmlns:asvg="http://schemas.microsoft.com/office/drawing/2016/SVG/main" r:embed="rId18"/>
+                  </a:ext>
+                </a:extLst>
+              </a:blip>
+              <a:stretch>
+                <a:fillRect/>
+              </a:stretch>
+            </p:blipFill>
+            <p:spPr>
+              <a:xfrm rot="6667307">
+                <a:off x="409359" y="5468451"/>
+                <a:ext cx="457200" cy="457200"/>
+              </a:xfrm>
+              <a:prstGeom prst="rect">
+                <a:avLst/>
+              </a:prstGeom>
+            </p:spPr>
+          </p:pic>
+          <p:pic>
+            <p:nvPicPr>
+              <p:cNvPr id="20" name="グラフィックス 19" descr="金星 単色塗りつぶし">
+                <a:extLst>
+                  <a:ext uri="{FF2B5EF4-FFF2-40B4-BE49-F238E27FC236}">
+                    <a16:creationId xmlns:a16="http://schemas.microsoft.com/office/drawing/2014/main" id="{42CBD764-BC8F-94A4-F169-ECC2BDD74BCD}"/>
+                  </a:ext>
+                </a:extLst>
+              </p:cNvPr>
+              <p:cNvPicPr>
+                <a:picLocks noChangeAspect="1"/>
+              </p:cNvPicPr>
+              <p:nvPr/>
+            </p:nvPicPr>
+            <p:blipFill>
+              <a:blip r:embed="rId19">
+                <a:extLst>
+                  <a:ext uri="{96DAC541-7B7A-43D3-8B79-37D633B846F1}">
+                    <asvg:svgBlip xmlns:asvg="http://schemas.microsoft.com/office/drawing/2016/SVG/main" r:embed="rId20"/>
+                  </a:ext>
+                </a:extLst>
+              </a:blip>
+              <a:stretch>
+                <a:fillRect/>
+              </a:stretch>
+            </p:blipFill>
+            <p:spPr>
+              <a:xfrm>
+                <a:off x="3227461" y="5336990"/>
+                <a:ext cx="457200" cy="457200"/>
+              </a:xfrm>
+              <a:prstGeom prst="rect">
+                <a:avLst/>
+              </a:prstGeom>
+            </p:spPr>
+          </p:pic>
+          <p:pic>
+            <p:nvPicPr>
+              <p:cNvPr id="21" name="グラフィックス 20" descr="水星 単色塗りつぶし">
+                <a:extLst>
+                  <a:ext uri="{FF2B5EF4-FFF2-40B4-BE49-F238E27FC236}">
+                    <a16:creationId xmlns:a16="http://schemas.microsoft.com/office/drawing/2014/main" id="{F686FC2D-CDC6-94BC-90D6-26F108090DD1}"/>
+                  </a:ext>
+                </a:extLst>
+              </p:cNvPr>
+              <p:cNvPicPr>
+                <a:picLocks noChangeAspect="1"/>
+              </p:cNvPicPr>
+              <p:nvPr/>
+            </p:nvPicPr>
+            <p:blipFill>
+              <a:blip r:embed="rId21">
+                <a:extLst>
+                  <a:ext uri="{96DAC541-7B7A-43D3-8B79-37D633B846F1}">
+                    <asvg:svgBlip xmlns:asvg="http://schemas.microsoft.com/office/drawing/2016/SVG/main" r:embed="rId22"/>
+                  </a:ext>
+                </a:extLst>
+              </a:blip>
+              <a:stretch>
+                <a:fillRect/>
+              </a:stretch>
+            </p:blipFill>
+            <p:spPr>
+              <a:xfrm>
+                <a:off x="303473" y="3895947"/>
+                <a:ext cx="457200" cy="457200"/>
+              </a:xfrm>
+              <a:prstGeom prst="rect">
+                <a:avLst/>
+              </a:prstGeom>
+            </p:spPr>
+          </p:pic>
+        </p:grpSp>
+        <p:cxnSp>
+          <p:nvCxnSpPr>
+            <p:cNvPr id="34" name="直線コネクタ 33">
+              <a:extLst>
+                <a:ext uri="{FF2B5EF4-FFF2-40B4-BE49-F238E27FC236}">
+                  <a16:creationId xmlns:a16="http://schemas.microsoft.com/office/drawing/2014/main" id="{F6DC29F4-2D1C-6419-84AE-42797E2435E1}"/>
+                </a:ext>
+              </a:extLst>
+            </p:cNvPr>
+            <p:cNvCxnSpPr>
+              <a:cxnSpLocks/>
+            </p:cNvCxnSpPr>
+            <p:nvPr/>
+          </p:nvCxnSpPr>
+          <p:spPr>
+            <a:xfrm flipV="1">
+              <a:off x="228591" y="4104898"/>
+              <a:ext cx="3642552" cy="9435"/>
+            </a:xfrm>
+            <a:prstGeom prst="line">
+              <a:avLst/>
+            </a:prstGeom>
+            <a:ln>
+              <a:solidFill>
+                <a:srgbClr val="FF0000"/>
+              </a:solidFill>
+            </a:ln>
+            <a:effectLst>
+              <a:glow rad="63500">
+                <a:srgbClr val="FF0000">
+                  <a:alpha val="40000"/>
+                </a:srgbClr>
+              </a:glow>
+            </a:effectLst>
+          </p:spPr>
+          <p:style>
+            <a:lnRef idx="2">
+              <a:schemeClr val="dk1"/>
+            </a:lnRef>
+            <a:fillRef idx="0">
+              <a:schemeClr val="dk1"/>
+            </a:fillRef>
+            <a:effectRef idx="1">
+              <a:schemeClr val="dk1"/>
+            </a:effectRef>
+            <a:fontRef idx="minor">
+              <a:schemeClr val="tx1"/>
+            </a:fontRef>
+          </p:style>
+        </p:cxnSp>
+      </p:grpSp>
+      <p:cxnSp>
+        <p:nvCxnSpPr>
+          <p:cNvPr id="38" name="直線コネクタ 37">
+            <a:extLst>
+              <a:ext uri="{FF2B5EF4-FFF2-40B4-BE49-F238E27FC236}">
+                <a16:creationId xmlns:a16="http://schemas.microsoft.com/office/drawing/2014/main" id="{70E0C9F0-502C-4C09-E0EB-25FB827B56B3}"/>
+              </a:ext>
+            </a:extLst>
+          </p:cNvPr>
+          <p:cNvCxnSpPr>
+            <a:cxnSpLocks/>
+          </p:cNvCxnSpPr>
+          <p:nvPr/>
+        </p:nvCxnSpPr>
+        <p:spPr>
+          <a:xfrm>
+            <a:off x="7767850" y="205563"/>
+            <a:ext cx="0" cy="6457507"/>
+          </a:xfrm>
+          <a:prstGeom prst="line">
+            <a:avLst/>
+          </a:prstGeom>
+        </p:spPr>
+        <p:style>
+          <a:lnRef idx="2">
+            <a:schemeClr val="dk1"/>
+          </a:lnRef>
+          <a:fillRef idx="0">
+            <a:schemeClr val="dk1"/>
+          </a:fillRef>
+          <a:effectRef idx="1">
+            <a:schemeClr val="dk1"/>
+          </a:effectRef>
+          <a:fontRef idx="minor">
+            <a:schemeClr val="tx1"/>
+          </a:fontRef>
+        </p:style>
+      </p:cxnSp>
+      <p:sp>
+        <p:nvSpPr>
+          <p:cNvPr id="41" name="テキスト ボックス 40">
+            <a:extLst>
+              <a:ext uri="{FF2B5EF4-FFF2-40B4-BE49-F238E27FC236}">
+                <a16:creationId xmlns:a16="http://schemas.microsoft.com/office/drawing/2014/main" id="{8D8BFE2C-7F67-F48B-1ABB-D328A27AA0C1}"/>
+              </a:ext>
+            </a:extLst>
+          </p:cNvPr>
+          <p:cNvSpPr txBox="1"/>
+          <p:nvPr/>
+        </p:nvSpPr>
+        <p:spPr>
+          <a:xfrm>
+            <a:off x="7344761" y="159710"/>
+            <a:ext cx="3822949" cy="523220"/>
+          </a:xfrm>
+          <a:prstGeom prst="rect">
+            <a:avLst/>
+          </a:prstGeom>
+          <a:noFill/>
+        </p:spPr>
+        <p:txBody>
+          <a:bodyPr wrap="square" rtlCol="0">
+            <a:spAutoFit/>
+          </a:bodyPr>
+          <a:lstStyle/>
+          <a:p>
+            <a:pPr algn="ctr"/>
+            <a:r>
+              <a:rPr lang="ja-JP" altLang="en-US" sz="2800" b="1" dirty="0">
+                <a:effectLst>
+                  <a:glow rad="101600">
+                    <a:schemeClr val="bg1">
+                      <a:alpha val="60000"/>
+                    </a:schemeClr>
+                  </a:glow>
+                </a:effectLst>
+              </a:rPr>
+              <a:t>＜画面の動き</a:t>
+            </a:r>
+            <a:r>
+              <a:rPr lang="en-US" altLang="ja-JP" sz="2800" b="1" dirty="0">
+                <a:effectLst>
+                  <a:glow rad="101600">
+                    <a:schemeClr val="bg1">
+                      <a:alpha val="60000"/>
+                    </a:schemeClr>
+                  </a:glow>
+                </a:effectLst>
+              </a:rPr>
+              <a:t>&gt;</a:t>
+            </a:r>
+            <a:endParaRPr kumimoji="1" lang="en-US" altLang="ja-JP" sz="2800" b="1" dirty="0">
+              <a:effectLst>
+                <a:glow rad="101600">
+                  <a:schemeClr val="bg1">
+                    <a:alpha val="60000"/>
+                  </a:schemeClr>
+                </a:glow>
+              </a:effectLst>
+            </a:endParaRPr>
+          </a:p>
+        </p:txBody>
+      </p:sp>
+      <p:sp>
+        <p:nvSpPr>
+          <p:cNvPr id="54" name="テキスト ボックス 53">
+            <a:extLst>
+              <a:ext uri="{FF2B5EF4-FFF2-40B4-BE49-F238E27FC236}">
+                <a16:creationId xmlns:a16="http://schemas.microsoft.com/office/drawing/2014/main" id="{3051E1DF-F79E-5CFC-8CB0-0590304C0438}"/>
+              </a:ext>
+            </a:extLst>
+          </p:cNvPr>
+          <p:cNvSpPr txBox="1"/>
+          <p:nvPr/>
+        </p:nvSpPr>
+        <p:spPr>
+          <a:xfrm>
+            <a:off x="7980716" y="3823044"/>
+            <a:ext cx="3617694" cy="461665"/>
+          </a:xfrm>
+          <a:prstGeom prst="rect">
+            <a:avLst/>
+          </a:prstGeom>
+          <a:noFill/>
+        </p:spPr>
+        <p:txBody>
+          <a:bodyPr wrap="square" rtlCol="0">
+            <a:spAutoFit/>
+          </a:bodyPr>
+          <a:lstStyle/>
+          <a:p>
+            <a:pPr algn="ctr"/>
+            <a:r>
+              <a:rPr lang="ja-JP" altLang="en-US" sz="2400" b="1" dirty="0">
+                <a:effectLst>
+                  <a:glow rad="101600">
+                    <a:schemeClr val="bg1">
+                      <a:alpha val="60000"/>
+                    </a:schemeClr>
+                  </a:glow>
+                </a:effectLst>
+              </a:rPr>
+              <a:t>縦移動</a:t>
+            </a:r>
+            <a:r>
+              <a:rPr lang="en-US" altLang="ja-JP" sz="2400" b="1" dirty="0">
+                <a:effectLst>
+                  <a:glow rad="101600">
+                    <a:schemeClr val="bg1">
+                      <a:alpha val="60000"/>
+                    </a:schemeClr>
+                  </a:glow>
+                </a:effectLst>
+              </a:rPr>
+              <a:t>: </a:t>
+            </a:r>
+            <a:r>
+              <a:rPr lang="ja-JP" altLang="en-US" sz="2400" b="1" dirty="0">
+                <a:solidFill>
+                  <a:schemeClr val="accent1">
+                    <a:lumMod val="60000"/>
+                    <a:lumOff val="40000"/>
+                  </a:schemeClr>
+                </a:solidFill>
+                <a:effectLst>
+                  <a:glow rad="101600">
+                    <a:schemeClr val="bg1">
+                      <a:alpha val="60000"/>
+                    </a:schemeClr>
+                  </a:glow>
+                </a:effectLst>
+              </a:rPr>
+              <a:t>プレイヤー</a:t>
+            </a:r>
+            <a:r>
+              <a:rPr lang="en-US" altLang="ja-JP" sz="2400" b="1" dirty="0">
+                <a:effectLst>
+                  <a:glow rad="101600">
+                    <a:schemeClr val="bg1">
+                      <a:alpha val="60000"/>
+                    </a:schemeClr>
+                  </a:glow>
+                </a:effectLst>
+              </a:rPr>
+              <a:t>, </a:t>
+            </a:r>
+            <a:r>
+              <a:rPr lang="ja-JP" altLang="en-US" sz="2400" b="1" dirty="0">
+                <a:effectLst>
+                  <a:glow rad="101600">
+                    <a:schemeClr val="bg1">
+                      <a:alpha val="60000"/>
+                    </a:schemeClr>
+                  </a:glow>
+                </a:effectLst>
+              </a:rPr>
+              <a:t>背景</a:t>
+            </a:r>
+            <a:endParaRPr kumimoji="1" lang="en-US" altLang="ja-JP" sz="2400" b="1" dirty="0">
+              <a:effectLst>
+                <a:glow rad="101600">
+                  <a:schemeClr val="bg1">
+                    <a:alpha val="60000"/>
+                  </a:schemeClr>
+                </a:glow>
+              </a:effectLst>
+            </a:endParaRPr>
+          </a:p>
+        </p:txBody>
+      </p:sp>
+      <p:grpSp>
+        <p:nvGrpSpPr>
+          <p:cNvPr id="58" name="グループ化 57">
+            <a:extLst>
+              <a:ext uri="{FF2B5EF4-FFF2-40B4-BE49-F238E27FC236}">
+                <a16:creationId xmlns:a16="http://schemas.microsoft.com/office/drawing/2014/main" id="{B8E0806B-A272-41C9-10D8-4E22E9E3AB5F}"/>
+              </a:ext>
+            </a:extLst>
+          </p:cNvPr>
+          <p:cNvGrpSpPr/>
+          <p:nvPr/>
+        </p:nvGrpSpPr>
+        <p:grpSpPr>
+          <a:xfrm>
+            <a:off x="7909833" y="879881"/>
+            <a:ext cx="4159654" cy="2632197"/>
+            <a:chOff x="7909833" y="879881"/>
+            <a:chExt cx="4159654" cy="2632197"/>
+          </a:xfrm>
+        </p:grpSpPr>
+        <p:grpSp>
+          <p:nvGrpSpPr>
+            <p:cNvPr id="42" name="グループ化 41">
+              <a:extLst>
+                <a:ext uri="{FF2B5EF4-FFF2-40B4-BE49-F238E27FC236}">
+                  <a16:creationId xmlns:a16="http://schemas.microsoft.com/office/drawing/2014/main" id="{1FD0E019-35AB-7D2E-535D-CA3A43833681}"/>
+                </a:ext>
+              </a:extLst>
+            </p:cNvPr>
+            <p:cNvGrpSpPr/>
+            <p:nvPr/>
+          </p:nvGrpSpPr>
+          <p:grpSpPr>
+            <a:xfrm>
+              <a:off x="7909833" y="879881"/>
+              <a:ext cx="4159654" cy="2632197"/>
+              <a:chOff x="213077" y="4075930"/>
+              <a:chExt cx="3669731" cy="2375693"/>
+            </a:xfrm>
+          </p:grpSpPr>
+          <p:grpSp>
+            <p:nvGrpSpPr>
+              <p:cNvPr id="43" name="グループ化 42">
+                <a:extLst>
+                  <a:ext uri="{FF2B5EF4-FFF2-40B4-BE49-F238E27FC236}">
+                    <a16:creationId xmlns:a16="http://schemas.microsoft.com/office/drawing/2014/main" id="{2B895186-7EA1-9F6B-F302-9A78797D4ABE}"/>
+                  </a:ext>
+                </a:extLst>
+              </p:cNvPr>
+              <p:cNvGrpSpPr/>
+              <p:nvPr/>
+            </p:nvGrpSpPr>
+            <p:grpSpPr>
+              <a:xfrm>
+                <a:off x="213077" y="4075930"/>
+                <a:ext cx="3669731" cy="2375693"/>
+                <a:chOff x="232085" y="3700663"/>
+                <a:chExt cx="4087437" cy="2386030"/>
+              </a:xfrm>
+            </p:grpSpPr>
+            <p:pic>
+              <p:nvPicPr>
+                <p:cNvPr id="45" name="図 44" descr="星と惑星のcg&#10;&#10;AI によって生成されたコンテンツは間違っている可能性があります。">
+                  <a:extLst>
+                    <a:ext uri="{FF2B5EF4-FFF2-40B4-BE49-F238E27FC236}">
+                      <a16:creationId xmlns:a16="http://schemas.microsoft.com/office/drawing/2014/main" id="{965D1BB4-2915-4670-14FF-C8FEA222304E}"/>
+                    </a:ext>
+                  </a:extLst>
+                </p:cNvPr>
+                <p:cNvPicPr>
+                  <a:picLocks noChangeAspect="1"/>
+                </p:cNvPicPr>
+                <p:nvPr/>
+              </p:nvPicPr>
+              <p:blipFill>
+                <a:blip r:embed="rId4">
+                  <a:alphaModFix amt="60000"/>
+                  <a:extLst>
+                    <a:ext uri="{28A0092B-C50C-407E-A947-70E740481C1C}">
+                      <a14:useLocalDpi xmlns:a14="http://schemas.microsoft.com/office/drawing/2010/main" val="0"/>
+                    </a:ext>
+                  </a:extLst>
+                </a:blip>
+                <a:stretch>
+                  <a:fillRect/>
+                </a:stretch>
+              </p:blipFill>
+              <p:spPr>
+                <a:xfrm>
+                  <a:off x="232085" y="3700663"/>
+                  <a:ext cx="4087435" cy="2384053"/>
+                </a:xfrm>
+                <a:prstGeom prst="rect">
+                  <a:avLst/>
+                </a:prstGeom>
+              </p:spPr>
+            </p:pic>
+            <p:sp>
+              <p:nvSpPr>
+                <p:cNvPr id="47" name="正方形/長方形 46">
+                  <a:extLst>
+                    <a:ext uri="{FF2B5EF4-FFF2-40B4-BE49-F238E27FC236}">
+                      <a16:creationId xmlns:a16="http://schemas.microsoft.com/office/drawing/2014/main" id="{4B35F9DC-98AB-CAD5-1448-F292BCE78E9F}"/>
+                    </a:ext>
+                  </a:extLst>
+                </p:cNvPr>
+                <p:cNvSpPr/>
+                <p:nvPr/>
+              </p:nvSpPr>
+              <p:spPr>
+                <a:xfrm>
+                  <a:off x="232087" y="3702640"/>
+                  <a:ext cx="4087435" cy="2384053"/>
+                </a:xfrm>
+                <a:prstGeom prst="rect">
+                  <a:avLst/>
+                </a:prstGeom>
+                <a:noFill/>
+                <a:ln w="57150" cap="flat" cmpd="sng" algn="ctr">
+                  <a:solidFill>
+                    <a:schemeClr val="dk1"/>
+                  </a:solidFill>
+                  <a:prstDash val="solid"/>
+                  <a:round/>
+                  <a:headEnd type="none" w="med" len="med"/>
+                  <a:tailEnd type="none" w="med" len="med"/>
+                </a:ln>
+              </p:spPr>
+              <p:style>
+                <a:lnRef idx="0">
+                  <a:scrgbClr r="0" g="0" b="0"/>
+                </a:lnRef>
+                <a:fillRef idx="0">
+                  <a:scrgbClr r="0" g="0" b="0"/>
+                </a:fillRef>
+                <a:effectRef idx="0">
+                  <a:scrgbClr r="0" g="0" b="0"/>
+                </a:effectRef>
+                <a:fontRef idx="minor">
+                  <a:schemeClr val="dk1"/>
+                </a:fontRef>
+              </p:style>
+              <p:txBody>
+                <a:bodyPr rtlCol="0" anchor="ctr"/>
+                <a:lstStyle/>
+                <a:p>
+                  <a:pPr algn="ctr"/>
+                  <a:endParaRPr kumimoji="1" lang="ja-JP" altLang="en-US"/>
+                </a:p>
+              </p:txBody>
+            </p:sp>
+            <p:sp>
+              <p:nvSpPr>
+                <p:cNvPr id="48" name="楕円 47">
+                  <a:extLst>
+                    <a:ext uri="{FF2B5EF4-FFF2-40B4-BE49-F238E27FC236}">
+                      <a16:creationId xmlns:a16="http://schemas.microsoft.com/office/drawing/2014/main" id="{2B755588-6137-280F-DD63-05B9C95A0471}"/>
+                    </a:ext>
+                  </a:extLst>
+                </p:cNvPr>
+                <p:cNvSpPr/>
+                <p:nvPr/>
+              </p:nvSpPr>
+              <p:spPr>
+                <a:xfrm>
+                  <a:off x="2073380" y="4517969"/>
+                  <a:ext cx="404848" cy="403271"/>
+                </a:xfrm>
+                <a:prstGeom prst="ellipse">
+                  <a:avLst/>
+                </a:prstGeom>
+                <a:solidFill>
+                  <a:schemeClr val="bg1"/>
+                </a:solidFill>
+                <a:ln w="38100">
+                  <a:solidFill>
+                    <a:schemeClr val="accent1">
+                      <a:lumMod val="60000"/>
+                      <a:lumOff val="40000"/>
+                    </a:schemeClr>
+                  </a:solidFill>
+                </a:ln>
+              </p:spPr>
+              <p:style>
+                <a:lnRef idx="2">
+                  <a:schemeClr val="accent1">
+                    <a:shade val="15000"/>
+                  </a:schemeClr>
+                </a:lnRef>
+                <a:fillRef idx="1">
+                  <a:schemeClr val="accent1"/>
+                </a:fillRef>
+                <a:effectRef idx="0">
+                  <a:schemeClr val="accent1"/>
+                </a:effectRef>
+                <a:fontRef idx="minor">
+                  <a:schemeClr val="lt1"/>
+                </a:fontRef>
+              </p:style>
+              <p:txBody>
+                <a:bodyPr rtlCol="0" anchor="ctr"/>
+                <a:lstStyle/>
+                <a:p>
+                  <a:pPr algn="ctr"/>
+                  <a:endParaRPr kumimoji="1" lang="ja-JP" altLang="en-US"/>
+                </a:p>
+              </p:txBody>
+            </p:sp>
+            <p:pic>
+              <p:nvPicPr>
+                <p:cNvPr id="50" name="グラフィックス 49" descr="木星 単色塗りつぶし">
+                  <a:extLst>
+                    <a:ext uri="{FF2B5EF4-FFF2-40B4-BE49-F238E27FC236}">
+                      <a16:creationId xmlns:a16="http://schemas.microsoft.com/office/drawing/2014/main" id="{14431E36-25CE-D907-0A7C-49B3A26337A3}"/>
+                    </a:ext>
+                  </a:extLst>
+                </p:cNvPr>
+                <p:cNvPicPr>
+                  <a:picLocks noChangeAspect="1"/>
+                </p:cNvPicPr>
+                <p:nvPr/>
+              </p:nvPicPr>
+              <p:blipFill>
+                <a:blip r:embed="rId15">
+                  <a:extLst>
+                    <a:ext uri="{96DAC541-7B7A-43D3-8B79-37D633B846F1}">
+                      <asvg:svgBlip xmlns:asvg="http://schemas.microsoft.com/office/drawing/2016/SVG/main" r:embed="rId16"/>
+                    </a:ext>
+                  </a:extLst>
+                </a:blip>
+                <a:stretch>
+                  <a:fillRect/>
+                </a:stretch>
+              </p:blipFill>
+              <p:spPr>
+                <a:xfrm>
+                  <a:off x="2572060" y="3869908"/>
+                  <a:ext cx="457201" cy="457200"/>
+                </a:xfrm>
+                <a:prstGeom prst="rect">
+                  <a:avLst/>
+                </a:prstGeom>
+              </p:spPr>
+            </p:pic>
+            <p:pic>
+              <p:nvPicPr>
+                <p:cNvPr id="51" name="グラフィックス 50" descr="レイヤー (デザイン) 単色塗りつぶし">
+                  <a:extLst>
+                    <a:ext uri="{FF2B5EF4-FFF2-40B4-BE49-F238E27FC236}">
+                      <a16:creationId xmlns:a16="http://schemas.microsoft.com/office/drawing/2014/main" id="{0DCEDB2E-31D2-A52F-C48D-8B8B01359E26}"/>
+                    </a:ext>
+                  </a:extLst>
+                </p:cNvPr>
+                <p:cNvPicPr>
+                  <a:picLocks noChangeAspect="1"/>
+                </p:cNvPicPr>
+                <p:nvPr/>
+              </p:nvPicPr>
+              <p:blipFill>
+                <a:blip r:embed="rId17">
+                  <a:extLst>
+                    <a:ext uri="{96DAC541-7B7A-43D3-8B79-37D633B846F1}">
+                      <asvg:svgBlip xmlns:asvg="http://schemas.microsoft.com/office/drawing/2016/SVG/main" r:embed="rId18"/>
+                    </a:ext>
+                  </a:extLst>
+                </a:blip>
+                <a:stretch>
+                  <a:fillRect/>
+                </a:stretch>
+              </p:blipFill>
+              <p:spPr>
+                <a:xfrm rot="6667307">
+                  <a:off x="532073" y="5357811"/>
+                  <a:ext cx="457200" cy="457201"/>
+                </a:xfrm>
+                <a:prstGeom prst="rect">
+                  <a:avLst/>
+                </a:prstGeom>
+              </p:spPr>
+            </p:pic>
+          </p:grpSp>
+          <p:cxnSp>
+            <p:nvCxnSpPr>
+              <p:cNvPr id="44" name="直線コネクタ 43">
+                <a:extLst>
+                  <a:ext uri="{FF2B5EF4-FFF2-40B4-BE49-F238E27FC236}">
+                    <a16:creationId xmlns:a16="http://schemas.microsoft.com/office/drawing/2014/main" id="{8C576CE0-EA5A-8FD7-D7FA-70B32F99C8E7}"/>
+                  </a:ext>
+                </a:extLst>
+              </p:cNvPr>
+              <p:cNvCxnSpPr>
+                <a:cxnSpLocks/>
+              </p:cNvCxnSpPr>
+              <p:nvPr/>
+            </p:nvCxnSpPr>
+            <p:spPr>
+              <a:xfrm flipV="1">
+                <a:off x="228591" y="4104898"/>
+                <a:ext cx="3642552" cy="9435"/>
+              </a:xfrm>
+              <a:prstGeom prst="line">
+                <a:avLst/>
+              </a:prstGeom>
+              <a:ln>
+                <a:solidFill>
+                  <a:srgbClr val="FF0000"/>
+                </a:solidFill>
+              </a:ln>
+              <a:effectLst>
+                <a:glow rad="63500">
+                  <a:srgbClr val="FF0000">
+                    <a:alpha val="40000"/>
+                  </a:srgbClr>
+                </a:glow>
+              </a:effectLst>
+            </p:spPr>
+            <p:style>
+              <a:lnRef idx="2">
+                <a:schemeClr val="dk1"/>
+              </a:lnRef>
+              <a:fillRef idx="0">
+                <a:schemeClr val="dk1"/>
+              </a:fillRef>
+              <a:effectRef idx="1">
+                <a:schemeClr val="dk1"/>
+              </a:effectRef>
+              <a:fontRef idx="minor">
+                <a:schemeClr val="tx1"/>
+              </a:fontRef>
+            </p:style>
+          </p:cxnSp>
+        </p:grpSp>
+        <p:pic>
+          <p:nvPicPr>
+            <p:cNvPr id="55" name="図 54">
+              <a:extLst>
+                <a:ext uri="{FF2B5EF4-FFF2-40B4-BE49-F238E27FC236}">
+                  <a16:creationId xmlns:a16="http://schemas.microsoft.com/office/drawing/2014/main" id="{137DACA5-98DE-4137-29FE-01757FE30A07}"/>
+                </a:ext>
+              </a:extLst>
+            </p:cNvPr>
+            <p:cNvPicPr>
+              <a:picLocks noChangeAspect="1"/>
+            </p:cNvPicPr>
+            <p:nvPr/>
+          </p:nvPicPr>
+          <p:blipFill>
+            <a:blip r:embed="rId23">
+              <a:extLst>
+                <a:ext uri="{28A0092B-C50C-407E-A947-70E740481C1C}">
+                  <a14:useLocalDpi xmlns:a14="http://schemas.microsoft.com/office/drawing/2010/main" val="0"/>
+                </a:ext>
+              </a:extLst>
+            </a:blip>
+            <a:srcRect l="525" t="2" b="21285"/>
+            <a:stretch>
+              <a:fillRect/>
+            </a:stretch>
+          </p:blipFill>
+          <p:spPr>
+            <a:xfrm>
+              <a:off x="10523790" y="2819720"/>
+              <a:ext cx="1152035" cy="662052"/>
+            </a:xfrm>
+            <a:prstGeom prst="rect">
+              <a:avLst/>
+            </a:prstGeom>
+          </p:spPr>
+        </p:pic>
+      </p:grpSp>
+      <p:sp>
+        <p:nvSpPr>
+          <p:cNvPr id="56" name="テキスト ボックス 55">
+            <a:extLst>
+              <a:ext uri="{FF2B5EF4-FFF2-40B4-BE49-F238E27FC236}">
+                <a16:creationId xmlns:a16="http://schemas.microsoft.com/office/drawing/2014/main" id="{E29895D2-5CB0-BAF1-FBA3-6BB229887E45}"/>
+              </a:ext>
+            </a:extLst>
+          </p:cNvPr>
+          <p:cNvSpPr txBox="1"/>
+          <p:nvPr/>
+        </p:nvSpPr>
+        <p:spPr>
+          <a:xfrm>
+            <a:off x="7447388" y="4760569"/>
+            <a:ext cx="3617694" cy="461665"/>
+          </a:xfrm>
+          <a:prstGeom prst="rect">
+            <a:avLst/>
+          </a:prstGeom>
+          <a:noFill/>
+        </p:spPr>
+        <p:txBody>
+          <a:bodyPr wrap="square" rtlCol="0">
+            <a:spAutoFit/>
+          </a:bodyPr>
+          <a:lstStyle/>
+          <a:p>
+            <a:pPr algn="ctr"/>
+            <a:r>
+              <a:rPr lang="ja-JP" altLang="en-US" sz="2400" b="1" dirty="0">
+                <a:effectLst>
+                  <a:glow rad="101600">
+                    <a:schemeClr val="bg1">
+                      <a:alpha val="60000"/>
+                    </a:schemeClr>
+                  </a:glow>
+                </a:effectLst>
+              </a:rPr>
+              <a:t>横移動</a:t>
+            </a:r>
+            <a:r>
+              <a:rPr lang="en-US" altLang="ja-JP" sz="2400" b="1" dirty="0">
+                <a:effectLst>
+                  <a:glow rad="101600">
+                    <a:schemeClr val="bg1">
+                      <a:alpha val="60000"/>
+                    </a:schemeClr>
+                  </a:glow>
+                </a:effectLst>
+              </a:rPr>
+              <a:t>:</a:t>
+            </a:r>
+            <a:r>
+              <a:rPr lang="ja-JP" altLang="en-US" sz="2400" b="1" dirty="0">
+                <a:effectLst>
+                  <a:glow rad="101600">
+                    <a:schemeClr val="bg1">
+                      <a:alpha val="60000"/>
+                    </a:schemeClr>
+                  </a:glow>
+                </a:effectLst>
+              </a:rPr>
+              <a:t> </a:t>
+            </a:r>
+            <a:r>
+              <a:rPr lang="ja-JP" altLang="en-US" sz="2400" b="1" dirty="0">
+                <a:solidFill>
+                  <a:schemeClr val="accent6">
+                    <a:lumMod val="75000"/>
+                  </a:schemeClr>
+                </a:solidFill>
+                <a:effectLst>
+                  <a:glow rad="101600">
+                    <a:schemeClr val="bg1">
+                      <a:alpha val="60000"/>
+                    </a:schemeClr>
+                  </a:glow>
+                </a:effectLst>
+              </a:rPr>
+              <a:t>宇宙ゴミ</a:t>
+            </a:r>
+            <a:endParaRPr kumimoji="1" lang="en-US" altLang="ja-JP" sz="2400" b="1" dirty="0">
+              <a:effectLst>
+                <a:glow rad="101600">
+                  <a:schemeClr val="bg1">
+                    <a:alpha val="60000"/>
+                  </a:schemeClr>
+                </a:glow>
+              </a:effectLst>
+            </a:endParaRPr>
+          </a:p>
+        </p:txBody>
+      </p:sp>
+      <p:sp>
+        <p:nvSpPr>
+          <p:cNvPr id="57" name="テキスト ボックス 56">
+            <a:extLst>
+              <a:ext uri="{FF2B5EF4-FFF2-40B4-BE49-F238E27FC236}">
+                <a16:creationId xmlns:a16="http://schemas.microsoft.com/office/drawing/2014/main" id="{A8A463A8-C513-A91C-F343-3F9CAEB745A4}"/>
+              </a:ext>
+            </a:extLst>
+          </p:cNvPr>
+          <p:cNvSpPr txBox="1"/>
+          <p:nvPr/>
+        </p:nvSpPr>
+        <p:spPr>
+          <a:xfrm>
+            <a:off x="7980716" y="5549566"/>
+            <a:ext cx="4057356" cy="1200329"/>
+          </a:xfrm>
+          <a:prstGeom prst="rect">
+            <a:avLst/>
+          </a:prstGeom>
+          <a:noFill/>
+        </p:spPr>
+        <p:txBody>
+          <a:bodyPr wrap="square" rtlCol="0">
+            <a:spAutoFit/>
+          </a:bodyPr>
+          <a:lstStyle/>
+          <a:p>
+            <a:pPr algn="ctr"/>
+            <a:r>
+              <a:rPr lang="ja-JP" altLang="en-US" sz="2400" b="1" dirty="0">
+                <a:solidFill>
+                  <a:schemeClr val="accent2">
+                    <a:lumMod val="75000"/>
+                  </a:schemeClr>
+                </a:solidFill>
+                <a:effectLst>
+                  <a:glow rad="101600">
+                    <a:schemeClr val="bg1">
+                      <a:alpha val="60000"/>
+                    </a:schemeClr>
+                  </a:glow>
+                </a:effectLst>
+              </a:rPr>
+              <a:t>大きな隕石</a:t>
+            </a:r>
+            <a:r>
+              <a:rPr lang="ja-JP" altLang="en-US" sz="2400" b="1" dirty="0">
+                <a:effectLst>
+                  <a:glow rad="101600">
+                    <a:schemeClr val="bg1">
+                      <a:alpha val="60000"/>
+                    </a:schemeClr>
+                  </a:glow>
+                </a:effectLst>
+              </a:rPr>
+              <a:t>はスポーン時の</a:t>
+            </a:r>
+            <a:r>
+              <a:rPr lang="ja-JP" altLang="en-US" sz="2400" b="1" dirty="0">
+                <a:solidFill>
+                  <a:schemeClr val="accent1">
+                    <a:lumMod val="60000"/>
+                    <a:lumOff val="40000"/>
+                  </a:schemeClr>
+                </a:solidFill>
+                <a:effectLst>
+                  <a:glow rad="101600">
+                    <a:schemeClr val="bg1">
+                      <a:alpha val="60000"/>
+                    </a:schemeClr>
+                  </a:glow>
+                </a:effectLst>
+              </a:rPr>
+              <a:t>プレイヤー</a:t>
+            </a:r>
+            <a:r>
+              <a:rPr lang="ja-JP" altLang="en-US" sz="2400" b="1" dirty="0">
+                <a:effectLst>
+                  <a:glow rad="101600">
+                    <a:schemeClr val="bg1">
+                      <a:alpha val="60000"/>
+                    </a:schemeClr>
+                  </a:glow>
+                </a:effectLst>
+              </a:rPr>
+              <a:t>の位置に応じて移動する</a:t>
+            </a:r>
+            <a:endParaRPr kumimoji="1" lang="en-US" altLang="ja-JP" sz="2400" b="1" dirty="0">
+              <a:effectLst>
+                <a:glow rad="101600">
+                  <a:schemeClr val="bg1">
+                    <a:alpha val="60000"/>
+                  </a:schemeClr>
+                </a:glow>
+              </a:effectLst>
+            </a:endParaRPr>
+          </a:p>
+        </p:txBody>
+      </p:sp>
+      <p:sp>
+        <p:nvSpPr>
+          <p:cNvPr id="59" name="テキスト ボックス 58">
+            <a:extLst>
+              <a:ext uri="{FF2B5EF4-FFF2-40B4-BE49-F238E27FC236}">
+                <a16:creationId xmlns:a16="http://schemas.microsoft.com/office/drawing/2014/main" id="{FDA7AFD0-803F-263B-2EE4-C15059EDD5E4}"/>
+              </a:ext>
+            </a:extLst>
+          </p:cNvPr>
+          <p:cNvSpPr txBox="1"/>
+          <p:nvPr/>
+        </p:nvSpPr>
+        <p:spPr>
+          <a:xfrm>
+            <a:off x="2356709" y="1382788"/>
+            <a:ext cx="1624223" cy="338554"/>
+          </a:xfrm>
+          <a:prstGeom prst="rect">
+            <a:avLst/>
+          </a:prstGeom>
+          <a:noFill/>
+        </p:spPr>
+        <p:txBody>
+          <a:bodyPr wrap="square" rtlCol="0">
+            <a:spAutoFit/>
+          </a:bodyPr>
+          <a:lstStyle/>
+          <a:p>
+            <a:pPr algn="ctr"/>
+            <a:r>
+              <a:rPr kumimoji="1" lang="en-US" altLang="ja-JP" sz="1600" b="1" dirty="0">
+                <a:solidFill>
+                  <a:schemeClr val="bg1"/>
+                </a:solidFill>
+              </a:rPr>
+              <a:t>SCORE: 000</a:t>
+            </a:r>
+            <a:endParaRPr kumimoji="1" lang="ja-JP" altLang="en-US" sz="1600" b="1" dirty="0">
+              <a:solidFill>
+                <a:schemeClr val="bg1"/>
+              </a:solidFill>
+            </a:endParaRPr>
+          </a:p>
+        </p:txBody>
+      </p:sp>
+      <p:sp>
+        <p:nvSpPr>
+          <p:cNvPr id="60" name="テキスト ボックス 59">
+            <a:extLst>
+              <a:ext uri="{FF2B5EF4-FFF2-40B4-BE49-F238E27FC236}">
+                <a16:creationId xmlns:a16="http://schemas.microsoft.com/office/drawing/2014/main" id="{6F215C04-D844-6B1B-2D01-88ED0F55D27C}"/>
+              </a:ext>
+            </a:extLst>
+          </p:cNvPr>
+          <p:cNvSpPr txBox="1"/>
+          <p:nvPr/>
+        </p:nvSpPr>
+        <p:spPr>
+          <a:xfrm>
+            <a:off x="2368234" y="4135454"/>
+            <a:ext cx="1624223" cy="338554"/>
+          </a:xfrm>
+          <a:prstGeom prst="rect">
+            <a:avLst/>
+          </a:prstGeom>
+          <a:noFill/>
+        </p:spPr>
+        <p:txBody>
+          <a:bodyPr wrap="square" rtlCol="0">
+            <a:spAutoFit/>
+          </a:bodyPr>
+          <a:lstStyle/>
+          <a:p>
+            <a:pPr algn="ctr"/>
+            <a:r>
+              <a:rPr kumimoji="1" lang="en-US" altLang="ja-JP" sz="1600" b="1" dirty="0">
+                <a:solidFill>
+                  <a:schemeClr val="bg1"/>
+                </a:solidFill>
+              </a:rPr>
+              <a:t>SCORE: 000</a:t>
+            </a:r>
+            <a:endParaRPr kumimoji="1" lang="ja-JP" altLang="en-US" sz="1600" b="1" dirty="0">
+              <a:solidFill>
+                <a:schemeClr val="bg1"/>
+              </a:solidFill>
+            </a:endParaRPr>
+          </a:p>
+        </p:txBody>
+      </p:sp>
+      <p:sp>
+        <p:nvSpPr>
+          <p:cNvPr id="61" name="テキスト ボックス 60">
+            <a:extLst>
+              <a:ext uri="{FF2B5EF4-FFF2-40B4-BE49-F238E27FC236}">
+                <a16:creationId xmlns:a16="http://schemas.microsoft.com/office/drawing/2014/main" id="{B1378609-D4A1-F451-A06F-1449CF71DF15}"/>
+              </a:ext>
+            </a:extLst>
+          </p:cNvPr>
+          <p:cNvSpPr txBox="1"/>
+          <p:nvPr/>
+        </p:nvSpPr>
+        <p:spPr>
+          <a:xfrm>
+            <a:off x="10445263" y="968301"/>
+            <a:ext cx="1624223" cy="369332"/>
+          </a:xfrm>
+          <a:prstGeom prst="rect">
+            <a:avLst/>
+          </a:prstGeom>
+          <a:noFill/>
+        </p:spPr>
+        <p:txBody>
+          <a:bodyPr wrap="square" rtlCol="0">
+            <a:spAutoFit/>
+          </a:bodyPr>
+          <a:lstStyle/>
+          <a:p>
+            <a:pPr algn="ctr"/>
+            <a:r>
+              <a:rPr kumimoji="1" lang="en-US" altLang="ja-JP" b="1" dirty="0">
+                <a:solidFill>
+                  <a:schemeClr val="bg1"/>
+                </a:solidFill>
+              </a:rPr>
+              <a:t>SCORE: ---</a:t>
+            </a:r>
+            <a:endParaRPr kumimoji="1" lang="ja-JP" altLang="en-US" b="1" dirty="0">
+              <a:solidFill>
+                <a:schemeClr val="bg1"/>
+              </a:solidFill>
+            </a:endParaRPr>
+          </a:p>
+        </p:txBody>
+      </p:sp>
+    </p:spTree>
+    <p:extLst>
+      <p:ext uri="{BB962C8B-B14F-4D97-AF65-F5344CB8AC3E}">
+        <p14:creationId xmlns:p14="http://schemas.microsoft.com/office/powerpoint/2010/main" val="3183457479"/>
       </p:ext>
     </p:extLst>
   </p:cSld>
@@ -9655,4 +11825,319 @@
     </a:ext>
   </a:extLst>
 </a:theme>
+</file>
+
+<file path=ppt/theme/theme2.xml><?xml version="1.0" encoding="utf-8"?>
+<a:theme xmlns:a="http://schemas.openxmlformats.org/drawingml/2006/main" name="Office テーマ">
+  <a:themeElements>
+    <a:clrScheme name="Office">
+      <a:dk1>
+        <a:sysClr val="windowText" lastClr="000000"/>
+      </a:dk1>
+      <a:lt1>
+        <a:sysClr val="window" lastClr="FFFFFF"/>
+      </a:lt1>
+      <a:dk2>
+        <a:srgbClr val="0E2841"/>
+      </a:dk2>
+      <a:lt2>
+        <a:srgbClr val="E8E8E8"/>
+      </a:lt2>
+      <a:accent1>
+        <a:srgbClr val="156082"/>
+      </a:accent1>
+      <a:accent2>
+        <a:srgbClr val="E97132"/>
+      </a:accent2>
+      <a:accent3>
+        <a:srgbClr val="196B24"/>
+      </a:accent3>
+      <a:accent4>
+        <a:srgbClr val="0F9ED5"/>
+      </a:accent4>
+      <a:accent5>
+        <a:srgbClr val="A02B93"/>
+      </a:accent5>
+      <a:accent6>
+        <a:srgbClr val="4EA72E"/>
+      </a:accent6>
+      <a:hlink>
+        <a:srgbClr val="467886"/>
+      </a:hlink>
+      <a:folHlink>
+        <a:srgbClr val="96607D"/>
+      </a:folHlink>
+    </a:clrScheme>
+    <a:fontScheme name="Office">
+      <a:majorFont>
+        <a:latin typeface="游ゴシック Light" panose="02110004020202020204"/>
+        <a:ea typeface=""/>
+        <a:cs typeface=""/>
+        <a:font script="Jpan" typeface="游ゴシック Light"/>
+        <a:font script="Hang" typeface="맑은 고딕"/>
+        <a:font script="Hans" typeface="等线 Light"/>
+        <a:font script="Hant" typeface="新細明體"/>
+        <a:font script="Arab" typeface="Times New Roman"/>
+        <a:font script="Hebr" typeface="Times New Roman"/>
+        <a:font script="Thai" typeface="Angsana New"/>
+        <a:font script="Ethi" typeface="Nyala"/>
+        <a:font script="Beng" typeface="Vrinda"/>
+        <a:font script="Gujr" typeface="Shruti"/>
+        <a:font script="Khmr" typeface="MoolBoran"/>
+        <a:font script="Knda" typeface="Tunga"/>
+        <a:font script="Guru" typeface="Raavi"/>
+        <a:font script="Cans" typeface="Euphemia"/>
+        <a:font script="Cher" typeface="Plantagenet Cherokee"/>
+        <a:font script="Yiii" typeface="Microsoft Yi Baiti"/>
+        <a:font script="Tibt" typeface="Microsoft Himalaya"/>
+        <a:font script="Thaa" typeface="MV Boli"/>
+        <a:font script="Deva" typeface="Mangal"/>
+        <a:font script="Telu" typeface="Gautami"/>
+        <a:font script="Taml" typeface="Latha"/>
+        <a:font script="Syrc" typeface="Estrangelo Edessa"/>
+        <a:font script="Orya" typeface="Kalinga"/>
+        <a:font script="Mlym" typeface="Kartika"/>
+        <a:font script="Laoo" typeface="DokChampa"/>
+        <a:font script="Sinh" typeface="Iskoola Pota"/>
+        <a:font script="Mong" typeface="Mongolian Baiti"/>
+        <a:font script="Viet" typeface="Times New Roman"/>
+        <a:font script="Uigh" typeface="Microsoft Uighur"/>
+        <a:font script="Geor" typeface="Sylfaen"/>
+        <a:font script="Armn" typeface="Arial"/>
+        <a:font script="Bugi" typeface="Leelawadee UI"/>
+        <a:font script="Bopo" typeface="Microsoft JhengHei"/>
+        <a:font script="Java" typeface="Javanese Text"/>
+        <a:font script="Lisu" typeface="Segoe UI"/>
+        <a:font script="Mymr" typeface="Myanmar Text"/>
+        <a:font script="Nkoo" typeface="Ebrima"/>
+        <a:font script="Olck" typeface="Nirmala UI"/>
+        <a:font script="Osma" typeface="Ebrima"/>
+        <a:font script="Phag" typeface="Phagspa"/>
+        <a:font script="Syrn" typeface="Estrangelo Edessa"/>
+        <a:font script="Syrj" typeface="Estrangelo Edessa"/>
+        <a:font script="Syre" typeface="Estrangelo Edessa"/>
+        <a:font script="Sora" typeface="Nirmala UI"/>
+        <a:font script="Tale" typeface="Microsoft Tai Le"/>
+        <a:font script="Talu" typeface="Microsoft New Tai Lue"/>
+        <a:font script="Tfng" typeface="Ebrima"/>
+      </a:majorFont>
+      <a:minorFont>
+        <a:latin typeface="游ゴシック" panose="02110004020202020204"/>
+        <a:ea typeface=""/>
+        <a:cs typeface=""/>
+        <a:font script="Jpan" typeface="游ゴシック"/>
+        <a:font script="Hang" typeface="맑은 고딕"/>
+        <a:font script="Hans" typeface="等线"/>
+        <a:font script="Hant" typeface="新細明體"/>
+        <a:font script="Arab" typeface="Arial"/>
+        <a:font script="Hebr" typeface="Arial"/>
+        <a:font script="Thai" typeface="Cordia New"/>
+        <a:font script="Ethi" typeface="Nyala"/>
+        <a:font script="Beng" typeface="Vrinda"/>
+        <a:font script="Gujr" typeface="Shruti"/>
+        <a:font script="Khmr" typeface="DaunPenh"/>
+        <a:font script="Knda" typeface="Tunga"/>
+        <a:font script="Guru" typeface="Raavi"/>
+        <a:font script="Cans" typeface="Euphemia"/>
+        <a:font script="Cher" typeface="Plantagenet Cherokee"/>
+        <a:font script="Yiii" typeface="Microsoft Yi Baiti"/>
+        <a:font script="Tibt" typeface="Microsoft Himalaya"/>
+        <a:font script="Thaa" typeface="MV Boli"/>
+        <a:font script="Deva" typeface="Mangal"/>
+        <a:font script="Telu" typeface="Gautami"/>
+        <a:font script="Taml" typeface="Latha"/>
+        <a:font script="Syrc" typeface="Estrangelo Edessa"/>
+        <a:font script="Orya" typeface="Kalinga"/>
+        <a:font script="Mlym" typeface="Kartika"/>
+        <a:font script="Laoo" typeface="DokChampa"/>
+        <a:font script="Sinh" typeface="Iskoola Pota"/>
+        <a:font script="Mong" typeface="Mongolian Baiti"/>
+        <a:font script="Viet" typeface="Arial"/>
+        <a:font script="Uigh" typeface="Microsoft Uighur"/>
+        <a:font script="Geor" typeface="Sylfaen"/>
+        <a:font script="Armn" typeface="Arial"/>
+        <a:font script="Bugi" typeface="Leelawadee UI"/>
+        <a:font script="Bopo" typeface="Microsoft JhengHei"/>
+        <a:font script="Java" typeface="Javanese Text"/>
+        <a:font script="Lisu" typeface="Segoe UI"/>
+        <a:font script="Mymr" typeface="Myanmar Text"/>
+        <a:font script="Nkoo" typeface="Ebrima"/>
+        <a:font script="Olck" typeface="Nirmala UI"/>
+        <a:font script="Osma" typeface="Ebrima"/>
+        <a:font script="Phag" typeface="Phagspa"/>
+        <a:font script="Syrn" typeface="Estrangelo Edessa"/>
+        <a:font script="Syrj" typeface="Estrangelo Edessa"/>
+        <a:font script="Syre" typeface="Estrangelo Edessa"/>
+        <a:font script="Sora" typeface="Nirmala UI"/>
+        <a:font script="Tale" typeface="Microsoft Tai Le"/>
+        <a:font script="Talu" typeface="Microsoft New Tai Lue"/>
+        <a:font script="Tfng" typeface="Ebrima"/>
+      </a:minorFont>
+    </a:fontScheme>
+    <a:fmtScheme name="Office">
+      <a:fillStyleLst>
+        <a:solidFill>
+          <a:schemeClr val="phClr"/>
+        </a:solidFill>
+        <a:gradFill rotWithShape="1">
+          <a:gsLst>
+            <a:gs pos="0">
+              <a:schemeClr val="phClr">
+                <a:lumMod val="110000"/>
+                <a:satMod val="105000"/>
+                <a:tint val="67000"/>
+              </a:schemeClr>
+            </a:gs>
+            <a:gs pos="50000">
+              <a:schemeClr val="phClr">
+                <a:lumMod val="105000"/>
+                <a:satMod val="103000"/>
+                <a:tint val="73000"/>
+              </a:schemeClr>
+            </a:gs>
+            <a:gs pos="100000">
+              <a:schemeClr val="phClr">
+                <a:lumMod val="105000"/>
+                <a:satMod val="109000"/>
+                <a:tint val="81000"/>
+              </a:schemeClr>
+            </a:gs>
+          </a:gsLst>
+          <a:lin ang="5400000" scaled="0"/>
+        </a:gradFill>
+        <a:gradFill rotWithShape="1">
+          <a:gsLst>
+            <a:gs pos="0">
+              <a:schemeClr val="phClr">
+                <a:satMod val="103000"/>
+                <a:lumMod val="102000"/>
+                <a:tint val="94000"/>
+              </a:schemeClr>
+            </a:gs>
+            <a:gs pos="50000">
+              <a:schemeClr val="phClr">
+                <a:satMod val="110000"/>
+                <a:lumMod val="100000"/>
+                <a:shade val="100000"/>
+              </a:schemeClr>
+            </a:gs>
+            <a:gs pos="100000">
+              <a:schemeClr val="phClr">
+                <a:lumMod val="99000"/>
+                <a:satMod val="120000"/>
+                <a:shade val="78000"/>
+              </a:schemeClr>
+            </a:gs>
+          </a:gsLst>
+          <a:lin ang="5400000" scaled="0"/>
+        </a:gradFill>
+      </a:fillStyleLst>
+      <a:lnStyleLst>
+        <a:ln w="12700" cap="flat" cmpd="sng" algn="ctr">
+          <a:solidFill>
+            <a:schemeClr val="phClr"/>
+          </a:solidFill>
+          <a:prstDash val="solid"/>
+          <a:miter lim="800000"/>
+        </a:ln>
+        <a:ln w="19050" cap="flat" cmpd="sng" algn="ctr">
+          <a:solidFill>
+            <a:schemeClr val="phClr"/>
+          </a:solidFill>
+          <a:prstDash val="solid"/>
+          <a:miter lim="800000"/>
+        </a:ln>
+        <a:ln w="25400" cap="flat" cmpd="sng" algn="ctr">
+          <a:solidFill>
+            <a:schemeClr val="phClr"/>
+          </a:solidFill>
+          <a:prstDash val="solid"/>
+          <a:miter lim="800000"/>
+        </a:ln>
+      </a:lnStyleLst>
+      <a:effectStyleLst>
+        <a:effectStyle>
+          <a:effectLst/>
+        </a:effectStyle>
+        <a:effectStyle>
+          <a:effectLst/>
+        </a:effectStyle>
+        <a:effectStyle>
+          <a:effectLst>
+            <a:outerShdw blurRad="57150" dist="19050" dir="5400000" algn="ctr" rotWithShape="0">
+              <a:srgbClr val="000000">
+                <a:alpha val="63000"/>
+              </a:srgbClr>
+            </a:outerShdw>
+          </a:effectLst>
+        </a:effectStyle>
+      </a:effectStyleLst>
+      <a:bgFillStyleLst>
+        <a:solidFill>
+          <a:schemeClr val="phClr"/>
+        </a:solidFill>
+        <a:solidFill>
+          <a:schemeClr val="phClr">
+            <a:tint val="95000"/>
+            <a:satMod val="170000"/>
+          </a:schemeClr>
+        </a:solidFill>
+        <a:gradFill rotWithShape="1">
+          <a:gsLst>
+            <a:gs pos="0">
+              <a:schemeClr val="phClr">
+                <a:tint val="93000"/>
+                <a:satMod val="150000"/>
+                <a:shade val="98000"/>
+                <a:lumMod val="102000"/>
+              </a:schemeClr>
+            </a:gs>
+            <a:gs pos="50000">
+              <a:schemeClr val="phClr">
+                <a:tint val="98000"/>
+                <a:satMod val="130000"/>
+                <a:shade val="90000"/>
+                <a:lumMod val="103000"/>
+              </a:schemeClr>
+            </a:gs>
+            <a:gs pos="100000">
+              <a:schemeClr val="phClr">
+                <a:shade val="63000"/>
+                <a:satMod val="120000"/>
+              </a:schemeClr>
+            </a:gs>
+          </a:gsLst>
+          <a:lin ang="5400000" scaled="0"/>
+        </a:gradFill>
+      </a:bgFillStyleLst>
+    </a:fmtScheme>
+  </a:themeElements>
+  <a:objectDefaults>
+    <a:lnDef>
+      <a:spPr/>
+      <a:bodyPr/>
+      <a:lstStyle/>
+      <a:style>
+        <a:lnRef idx="2">
+          <a:schemeClr val="accent1"/>
+        </a:lnRef>
+        <a:fillRef idx="0">
+          <a:schemeClr val="accent1"/>
+        </a:fillRef>
+        <a:effectRef idx="1">
+          <a:schemeClr val="accent1"/>
+        </a:effectRef>
+        <a:fontRef idx="minor">
+          <a:schemeClr val="tx1"/>
+        </a:fontRef>
+      </a:style>
+    </a:lnDef>
+  </a:objectDefaults>
+  <a:extraClrSchemeLst/>
+  <a:extLst>
+    <a:ext uri="{05A4C25C-085E-4340-85A3-A5531E510DB2}">
+      <thm15:themeFamily xmlns:thm15="http://schemas.microsoft.com/office/thememl/2012/main" name="Office Theme" id="{2E142A2C-CD16-42D6-873A-C26D2A0506FA}" vid="{1BDDFF52-6CD6-40A5-AB3C-68EB2F1E4D0A}"/>
+    </a:ext>
+  </a:extLst>
+</a:theme>
 </file>
--- a/PowerPoint/SPACE By SPACE_企画書.pptx
+++ b/PowerPoint/SPACE By SPACE_企画書.pptx
@@ -201,7 +201,7 @@
           <a:p>
             <a:fld id="{4F928B30-5627-4E8E-A5C8-E9CBAB402F90}" type="datetimeFigureOut">
               <a:rPr kumimoji="1" lang="ja-JP" altLang="en-US" smtClean="0"/>
-              <a:t>2025/6/10</a:t>
+              <a:t>2025/6/11</a:t>
             </a:fld>
             <a:endParaRPr kumimoji="1" lang="ja-JP" altLang="en-US"/>
           </a:p>
@@ -947,7 +947,7 @@
           <a:p>
             <a:fld id="{03D01DD2-4AC7-4618-B28F-450FCB75F0FD}" type="datetimeFigureOut">
               <a:rPr kumimoji="1" lang="ja-JP" altLang="en-US" smtClean="0"/>
-              <a:t>2025/6/10</a:t>
+              <a:t>2025/6/11</a:t>
             </a:fld>
             <a:endParaRPr kumimoji="1" lang="ja-JP" altLang="en-US"/>
           </a:p>
@@ -1177,7 +1177,7 @@
           <a:p>
             <a:fld id="{03D01DD2-4AC7-4618-B28F-450FCB75F0FD}" type="datetimeFigureOut">
               <a:rPr kumimoji="1" lang="ja-JP" altLang="en-US" smtClean="0"/>
-              <a:t>2025/6/10</a:t>
+              <a:t>2025/6/11</a:t>
             </a:fld>
             <a:endParaRPr kumimoji="1" lang="ja-JP" altLang="en-US"/>
           </a:p>
@@ -1417,7 +1417,7 @@
           <a:p>
             <a:fld id="{03D01DD2-4AC7-4618-B28F-450FCB75F0FD}" type="datetimeFigureOut">
               <a:rPr kumimoji="1" lang="ja-JP" altLang="en-US" smtClean="0"/>
-              <a:t>2025/6/10</a:t>
+              <a:t>2025/6/11</a:t>
             </a:fld>
             <a:endParaRPr kumimoji="1" lang="ja-JP" altLang="en-US"/>
           </a:p>
@@ -1647,7 +1647,7 @@
           <a:p>
             <a:fld id="{03D01DD2-4AC7-4618-B28F-450FCB75F0FD}" type="datetimeFigureOut">
               <a:rPr kumimoji="1" lang="ja-JP" altLang="en-US" smtClean="0"/>
-              <a:t>2025/6/10</a:t>
+              <a:t>2025/6/11</a:t>
             </a:fld>
             <a:endParaRPr kumimoji="1" lang="ja-JP" altLang="en-US"/>
           </a:p>
@@ -1922,7 +1922,7 @@
           <a:p>
             <a:fld id="{03D01DD2-4AC7-4618-B28F-450FCB75F0FD}" type="datetimeFigureOut">
               <a:rPr kumimoji="1" lang="ja-JP" altLang="en-US" smtClean="0"/>
-              <a:t>2025/6/10</a:t>
+              <a:t>2025/6/11</a:t>
             </a:fld>
             <a:endParaRPr kumimoji="1" lang="ja-JP" altLang="en-US"/>
           </a:p>
@@ -2251,7 +2251,7 @@
           <a:p>
             <a:fld id="{03D01DD2-4AC7-4618-B28F-450FCB75F0FD}" type="datetimeFigureOut">
               <a:rPr kumimoji="1" lang="ja-JP" altLang="en-US" smtClean="0"/>
-              <a:t>2025/6/10</a:t>
+              <a:t>2025/6/11</a:t>
             </a:fld>
             <a:endParaRPr kumimoji="1" lang="ja-JP" altLang="en-US"/>
           </a:p>
@@ -2727,7 +2727,7 @@
           <a:p>
             <a:fld id="{03D01DD2-4AC7-4618-B28F-450FCB75F0FD}" type="datetimeFigureOut">
               <a:rPr kumimoji="1" lang="ja-JP" altLang="en-US" smtClean="0"/>
-              <a:t>2025/6/10</a:t>
+              <a:t>2025/6/11</a:t>
             </a:fld>
             <a:endParaRPr kumimoji="1" lang="ja-JP" altLang="en-US"/>
           </a:p>
@@ -2868,7 +2868,7 @@
           <a:p>
             <a:fld id="{03D01DD2-4AC7-4618-B28F-450FCB75F0FD}" type="datetimeFigureOut">
               <a:rPr kumimoji="1" lang="ja-JP" altLang="en-US" smtClean="0"/>
-              <a:t>2025/6/10</a:t>
+              <a:t>2025/6/11</a:t>
             </a:fld>
             <a:endParaRPr kumimoji="1" lang="ja-JP" altLang="en-US"/>
           </a:p>
@@ -2981,7 +2981,7 @@
           <a:p>
             <a:fld id="{03D01DD2-4AC7-4618-B28F-450FCB75F0FD}" type="datetimeFigureOut">
               <a:rPr kumimoji="1" lang="ja-JP" altLang="en-US" smtClean="0"/>
-              <a:t>2025/6/10</a:t>
+              <a:t>2025/6/11</a:t>
             </a:fld>
             <a:endParaRPr kumimoji="1" lang="ja-JP" altLang="en-US"/>
           </a:p>
@@ -3324,7 +3324,7 @@
           <a:p>
             <a:fld id="{03D01DD2-4AC7-4618-B28F-450FCB75F0FD}" type="datetimeFigureOut">
               <a:rPr kumimoji="1" lang="ja-JP" altLang="en-US" smtClean="0"/>
-              <a:t>2025/6/10</a:t>
+              <a:t>2025/6/11</a:t>
             </a:fld>
             <a:endParaRPr kumimoji="1" lang="ja-JP" altLang="en-US"/>
           </a:p>
@@ -3612,7 +3612,7 @@
           <a:p>
             <a:fld id="{03D01DD2-4AC7-4618-B28F-450FCB75F0FD}" type="datetimeFigureOut">
               <a:rPr kumimoji="1" lang="ja-JP" altLang="en-US" smtClean="0"/>
-              <a:t>2025/6/10</a:t>
+              <a:t>2025/6/11</a:t>
             </a:fld>
             <a:endParaRPr kumimoji="1" lang="ja-JP" altLang="en-US"/>
           </a:p>
@@ -3895,7 +3895,7 @@
           <a:p>
             <a:fld id="{03D01DD2-4AC7-4618-B28F-450FCB75F0FD}" type="datetimeFigureOut">
               <a:rPr kumimoji="1" lang="ja-JP" altLang="en-US" smtClean="0"/>
-              <a:t>2025/6/10</a:t>
+              <a:t>2025/6/11</a:t>
             </a:fld>
             <a:endParaRPr kumimoji="1" lang="ja-JP" altLang="en-US"/>
           </a:p>
@@ -6254,7 +6254,7 @@
             <a:r>
               <a:rPr lang="ja-JP" altLang="en-US" sz="2800" b="1" dirty="0">
                 <a:solidFill>
-                  <a:srgbClr val="FFC000"/>
+                  <a:srgbClr val="CC00FF"/>
                 </a:solidFill>
                 <a:effectLst>
                   <a:glow rad="101600">
@@ -7520,7 +7520,7 @@
             <a:r>
               <a:rPr lang="ja-JP" altLang="en-US" sz="2000" b="1" dirty="0">
                 <a:solidFill>
-                  <a:srgbClr val="FFC000"/>
+                  <a:srgbClr val="CC00FF"/>
                 </a:solidFill>
                 <a:effectLst>
                   <a:glow rad="101600">
@@ -7659,7 +7659,7 @@
             <a:r>
               <a:rPr lang="ja-JP" altLang="en-US" sz="2400" b="1" dirty="0">
                 <a:solidFill>
-                  <a:srgbClr val="FFC000"/>
+                  <a:srgbClr val="CC00FF"/>
                 </a:solidFill>
                 <a:effectLst>
                   <a:glow rad="101600">
@@ -11399,7 +11399,7 @@
                   <a:schemeClr val="bg1"/>
                 </a:solidFill>
               </a:rPr>
-              <a:t>SCORE: 000</a:t>
+              <a:t>SCORE: ---</a:t>
             </a:r>
             <a:endParaRPr kumimoji="1" lang="ja-JP" altLang="en-US" sz="1600" b="1" dirty="0">
               <a:solidFill>
@@ -11444,7 +11444,7 @@
                   <a:schemeClr val="bg1"/>
                 </a:solidFill>
               </a:rPr>
-              <a:t>SCORE: 000</a:t>
+              <a:t>SCORE: ---</a:t>
             </a:r>
             <a:endParaRPr kumimoji="1" lang="ja-JP" altLang="en-US" sz="1600" b="1" dirty="0">
               <a:solidFill>
@@ -11496,6 +11496,292 @@
                 <a:schemeClr val="bg1"/>
               </a:solidFill>
             </a:endParaRPr>
+          </a:p>
+        </p:txBody>
+      </p:sp>
+      <p:sp>
+        <p:nvSpPr>
+          <p:cNvPr id="30" name="矢印: 右 29">
+            <a:extLst>
+              <a:ext uri="{FF2B5EF4-FFF2-40B4-BE49-F238E27FC236}">
+                <a16:creationId xmlns:a16="http://schemas.microsoft.com/office/drawing/2014/main" id="{AB6B6227-8533-DCCD-934B-F90A4DB65981}"/>
+              </a:ext>
+            </a:extLst>
+          </p:cNvPr>
+          <p:cNvSpPr/>
+          <p:nvPr/>
+        </p:nvSpPr>
+        <p:spPr>
+          <a:xfrm>
+            <a:off x="8578129" y="2819720"/>
+            <a:ext cx="615771" cy="233239"/>
+          </a:xfrm>
+          <a:prstGeom prst="rightArrow">
+            <a:avLst/>
+          </a:prstGeom>
+        </p:spPr>
+        <p:style>
+          <a:lnRef idx="2">
+            <a:schemeClr val="dk1"/>
+          </a:lnRef>
+          <a:fillRef idx="1">
+            <a:schemeClr val="lt1"/>
+          </a:fillRef>
+          <a:effectRef idx="0">
+            <a:schemeClr val="dk1"/>
+          </a:effectRef>
+          <a:fontRef idx="minor">
+            <a:schemeClr val="dk1"/>
+          </a:fontRef>
+        </p:style>
+        <p:txBody>
+          <a:bodyPr rtlCol="0" anchor="ctr"/>
+          <a:lstStyle/>
+          <a:p>
+            <a:pPr algn="ctr"/>
+            <a:endParaRPr kumimoji="1" lang="ja-JP" altLang="en-US"/>
+          </a:p>
+        </p:txBody>
+      </p:sp>
+      <p:sp>
+        <p:nvSpPr>
+          <p:cNvPr id="31" name="矢印: 右 30">
+            <a:extLst>
+              <a:ext uri="{FF2B5EF4-FFF2-40B4-BE49-F238E27FC236}">
+                <a16:creationId xmlns:a16="http://schemas.microsoft.com/office/drawing/2014/main" id="{B7E6D04E-4A49-7A5B-D3FF-A89DE8145427}"/>
+              </a:ext>
+            </a:extLst>
+          </p:cNvPr>
+          <p:cNvSpPr/>
+          <p:nvPr/>
+        </p:nvSpPr>
+        <p:spPr>
+          <a:xfrm rot="10800000">
+            <a:off x="9783660" y="1192410"/>
+            <a:ext cx="615771" cy="233239"/>
+          </a:xfrm>
+          <a:prstGeom prst="rightArrow">
+            <a:avLst/>
+          </a:prstGeom>
+        </p:spPr>
+        <p:style>
+          <a:lnRef idx="2">
+            <a:schemeClr val="dk1"/>
+          </a:lnRef>
+          <a:fillRef idx="1">
+            <a:schemeClr val="lt1"/>
+          </a:fillRef>
+          <a:effectRef idx="0">
+            <a:schemeClr val="dk1"/>
+          </a:effectRef>
+          <a:fontRef idx="minor">
+            <a:schemeClr val="dk1"/>
+          </a:fontRef>
+        </p:style>
+        <p:txBody>
+          <a:bodyPr rtlCol="0" anchor="ctr"/>
+          <a:lstStyle/>
+          <a:p>
+            <a:pPr algn="ctr"/>
+            <a:endParaRPr kumimoji="1" lang="ja-JP" altLang="en-US"/>
+          </a:p>
+        </p:txBody>
+      </p:sp>
+      <p:sp>
+        <p:nvSpPr>
+          <p:cNvPr id="33" name="矢印: 右 32">
+            <a:extLst>
+              <a:ext uri="{FF2B5EF4-FFF2-40B4-BE49-F238E27FC236}">
+                <a16:creationId xmlns:a16="http://schemas.microsoft.com/office/drawing/2014/main" id="{0244ADC8-73DE-4DBB-CB2B-98A2B5911D9A}"/>
+              </a:ext>
+            </a:extLst>
+          </p:cNvPr>
+          <p:cNvSpPr/>
+          <p:nvPr/>
+        </p:nvSpPr>
+        <p:spPr>
+          <a:xfrm rot="16200000">
+            <a:off x="9835122" y="1526904"/>
+            <a:ext cx="292973" cy="214054"/>
+          </a:xfrm>
+          <a:prstGeom prst="rightArrow">
+            <a:avLst/>
+          </a:prstGeom>
+        </p:spPr>
+        <p:style>
+          <a:lnRef idx="2">
+            <a:schemeClr val="dk1"/>
+          </a:lnRef>
+          <a:fillRef idx="1">
+            <a:schemeClr val="lt1"/>
+          </a:fillRef>
+          <a:effectRef idx="0">
+            <a:schemeClr val="dk1"/>
+          </a:effectRef>
+          <a:fontRef idx="minor">
+            <a:schemeClr val="dk1"/>
+          </a:fontRef>
+        </p:style>
+        <p:txBody>
+          <a:bodyPr rtlCol="0" anchor="ctr"/>
+          <a:lstStyle/>
+          <a:p>
+            <a:pPr algn="ctr"/>
+            <a:endParaRPr kumimoji="1" lang="ja-JP" altLang="en-US"/>
+          </a:p>
+        </p:txBody>
+      </p:sp>
+      <p:sp>
+        <p:nvSpPr>
+          <p:cNvPr id="35" name="矢印: 右 34">
+            <a:extLst>
+              <a:ext uri="{FF2B5EF4-FFF2-40B4-BE49-F238E27FC236}">
+                <a16:creationId xmlns:a16="http://schemas.microsoft.com/office/drawing/2014/main" id="{2EA85C60-EAD2-12AF-8A98-9C7F028E0C4B}"/>
+              </a:ext>
+            </a:extLst>
+          </p:cNvPr>
+          <p:cNvSpPr/>
+          <p:nvPr/>
+        </p:nvSpPr>
+        <p:spPr>
+          <a:xfrm rot="5400000">
+            <a:off x="9862907" y="2293751"/>
+            <a:ext cx="292973" cy="214054"/>
+          </a:xfrm>
+          <a:prstGeom prst="rightArrow">
+            <a:avLst/>
+          </a:prstGeom>
+        </p:spPr>
+        <p:style>
+          <a:lnRef idx="2">
+            <a:schemeClr val="dk1"/>
+          </a:lnRef>
+          <a:fillRef idx="1">
+            <a:schemeClr val="lt1"/>
+          </a:fillRef>
+          <a:effectRef idx="0">
+            <a:schemeClr val="dk1"/>
+          </a:effectRef>
+          <a:fontRef idx="minor">
+            <a:schemeClr val="dk1"/>
+          </a:fontRef>
+        </p:style>
+        <p:txBody>
+          <a:bodyPr rtlCol="0" anchor="ctr"/>
+          <a:lstStyle/>
+          <a:p>
+            <a:pPr algn="ctr"/>
+            <a:endParaRPr kumimoji="1" lang="ja-JP" altLang="en-US"/>
+          </a:p>
+        </p:txBody>
+      </p:sp>
+      <p:sp>
+        <p:nvSpPr>
+          <p:cNvPr id="39" name="矢印: 右 38">
+            <a:extLst>
+              <a:ext uri="{FF2B5EF4-FFF2-40B4-BE49-F238E27FC236}">
+                <a16:creationId xmlns:a16="http://schemas.microsoft.com/office/drawing/2014/main" id="{08BCF0FE-6913-D5B0-B33E-5126783237D6}"/>
+              </a:ext>
+            </a:extLst>
+          </p:cNvPr>
+          <p:cNvSpPr/>
+          <p:nvPr/>
+        </p:nvSpPr>
+        <p:spPr>
+          <a:xfrm rot="13945286">
+            <a:off x="10362322" y="2648402"/>
+            <a:ext cx="589376" cy="179124"/>
+          </a:xfrm>
+          <a:prstGeom prst="rightArrow">
+            <a:avLst/>
+          </a:prstGeom>
+        </p:spPr>
+        <p:style>
+          <a:lnRef idx="2">
+            <a:schemeClr val="dk1"/>
+          </a:lnRef>
+          <a:fillRef idx="1">
+            <a:schemeClr val="lt1"/>
+          </a:fillRef>
+          <a:effectRef idx="0">
+            <a:schemeClr val="dk1"/>
+          </a:effectRef>
+          <a:fontRef idx="minor">
+            <a:schemeClr val="dk1"/>
+          </a:fontRef>
+        </p:style>
+        <p:txBody>
+          <a:bodyPr rtlCol="0" anchor="ctr"/>
+          <a:lstStyle/>
+          <a:p>
+            <a:pPr algn="ctr"/>
+            <a:endParaRPr kumimoji="1" lang="ja-JP" altLang="en-US"/>
+          </a:p>
+        </p:txBody>
+      </p:sp>
+      <p:sp>
+        <p:nvSpPr>
+          <p:cNvPr id="52" name="矢印: 下 51">
+            <a:extLst>
+              <a:ext uri="{FF2B5EF4-FFF2-40B4-BE49-F238E27FC236}">
+                <a16:creationId xmlns:a16="http://schemas.microsoft.com/office/drawing/2014/main" id="{F5EF700D-2374-AEA3-85B0-F8B50AC0317A}"/>
+              </a:ext>
+            </a:extLst>
+          </p:cNvPr>
+          <p:cNvSpPr/>
+          <p:nvPr/>
+        </p:nvSpPr>
+        <p:spPr>
+          <a:xfrm>
+            <a:off x="7972605" y="1386024"/>
+            <a:ext cx="401453" cy="1813732"/>
+          </a:xfrm>
+          <a:prstGeom prst="downArrow">
+            <a:avLst/>
+          </a:prstGeom>
+          <a:solidFill>
+            <a:schemeClr val="accent2">
+              <a:alpha val="50000"/>
+            </a:schemeClr>
+          </a:solidFill>
+          <a:ln>
+            <a:noFill/>
+          </a:ln>
+        </p:spPr>
+        <p:style>
+          <a:lnRef idx="0">
+            <a:scrgbClr r="0" g="0" b="0"/>
+          </a:lnRef>
+          <a:fillRef idx="0">
+            <a:scrgbClr r="0" g="0" b="0"/>
+          </a:fillRef>
+          <a:effectRef idx="0">
+            <a:scrgbClr r="0" g="0" b="0"/>
+          </a:effectRef>
+          <a:fontRef idx="minor">
+            <a:schemeClr val="lt1"/>
+          </a:fontRef>
+        </p:style>
+        <p:txBody>
+          <a:bodyPr rtlCol="0" anchor="ctr"/>
+          <a:lstStyle/>
+          <a:p>
+            <a:pPr algn="ctr"/>
+            <a:r>
+              <a:rPr kumimoji="1" lang="ja-JP" altLang="en-US" b="1" dirty="0">
+                <a:solidFill>
+                  <a:schemeClr val="tx1"/>
+                </a:solidFill>
+                <a:effectLst>
+                  <a:glow rad="101600">
+                    <a:schemeClr val="bg1">
+                      <a:alpha val="60000"/>
+                    </a:schemeClr>
+                  </a:glow>
+                </a:effectLst>
+              </a:rPr>
+              <a:t>背景</a:t>
+            </a:r>
           </a:p>
         </p:txBody>
       </p:sp>
